--- a/Java Урок 11 ООП. Наслідування і абстракні класи.pptx
+++ b/Java Урок 11 ООП. Наслідування і абстракні класи.pptx
@@ -16,15 +16,10 @@
     <p:sldId id="761" r:id="rId10"/>
     <p:sldId id="762" r:id="rId11"/>
     <p:sldId id="763" r:id="rId12"/>
-    <p:sldId id="768" r:id="rId13"/>
-    <p:sldId id="769" r:id="rId14"/>
-    <p:sldId id="770" r:id="rId15"/>
-    <p:sldId id="771" r:id="rId16"/>
-    <p:sldId id="772" r:id="rId17"/>
-    <p:sldId id="764" r:id="rId18"/>
-    <p:sldId id="765" r:id="rId19"/>
-    <p:sldId id="766" r:id="rId20"/>
-    <p:sldId id="773" r:id="rId21"/>
+    <p:sldId id="764" r:id="rId13"/>
+    <p:sldId id="765" r:id="rId14"/>
+    <p:sldId id="766" r:id="rId15"/>
+    <p:sldId id="773" r:id="rId16"/>
   </p:sldIdLst>
   <p:sldSz cx="12192000" cy="6858000"/>
   <p:notesSz cx="6858000" cy="9144000"/>
@@ -280,7 +275,7 @@
           <a:p>
             <a:fld id="{CB2C6B32-2873-4D23-8A5E-3DD1409B5887}" type="datetimeFigureOut">
               <a:rPr lang="uk-UA" smtClean="0"/>
-              <a:t>24.01.2024</a:t>
+              <a:t>14.08.2024</a:t>
             </a:fld>
             <a:endParaRPr lang="uk-UA"/>
           </a:p>
@@ -480,7 +475,7 @@
           <a:p>
             <a:fld id="{CB2C6B32-2873-4D23-8A5E-3DD1409B5887}" type="datetimeFigureOut">
               <a:rPr lang="uk-UA" smtClean="0"/>
-              <a:t>24.01.2024</a:t>
+              <a:t>14.08.2024</a:t>
             </a:fld>
             <a:endParaRPr lang="uk-UA"/>
           </a:p>
@@ -690,7 +685,7 @@
           <a:p>
             <a:fld id="{CB2C6B32-2873-4D23-8A5E-3DD1409B5887}" type="datetimeFigureOut">
               <a:rPr lang="uk-UA" smtClean="0"/>
-              <a:t>24.01.2024</a:t>
+              <a:t>14.08.2024</a:t>
             </a:fld>
             <a:endParaRPr lang="uk-UA"/>
           </a:p>
@@ -1183,7 +1178,7 @@
           <a:p>
             <a:fld id="{CB2C6B32-2873-4D23-8A5E-3DD1409B5887}" type="datetimeFigureOut">
               <a:rPr lang="uk-UA" smtClean="0"/>
-              <a:t>24.01.2024</a:t>
+              <a:t>14.08.2024</a:t>
             </a:fld>
             <a:endParaRPr lang="uk-UA"/>
           </a:p>
@@ -1459,7 +1454,7 @@
           <a:p>
             <a:fld id="{CB2C6B32-2873-4D23-8A5E-3DD1409B5887}" type="datetimeFigureOut">
               <a:rPr lang="uk-UA" smtClean="0"/>
-              <a:t>24.01.2024</a:t>
+              <a:t>14.08.2024</a:t>
             </a:fld>
             <a:endParaRPr lang="uk-UA"/>
           </a:p>
@@ -1727,7 +1722,7 @@
           <a:p>
             <a:fld id="{CB2C6B32-2873-4D23-8A5E-3DD1409B5887}" type="datetimeFigureOut">
               <a:rPr lang="uk-UA" smtClean="0"/>
-              <a:t>24.01.2024</a:t>
+              <a:t>14.08.2024</a:t>
             </a:fld>
             <a:endParaRPr lang="uk-UA"/>
           </a:p>
@@ -2142,7 +2137,7 @@
           <a:p>
             <a:fld id="{CB2C6B32-2873-4D23-8A5E-3DD1409B5887}" type="datetimeFigureOut">
               <a:rPr lang="uk-UA" smtClean="0"/>
-              <a:t>24.01.2024</a:t>
+              <a:t>14.08.2024</a:t>
             </a:fld>
             <a:endParaRPr lang="uk-UA"/>
           </a:p>
@@ -2284,7 +2279,7 @@
           <a:p>
             <a:fld id="{CB2C6B32-2873-4D23-8A5E-3DD1409B5887}" type="datetimeFigureOut">
               <a:rPr lang="uk-UA" smtClean="0"/>
-              <a:t>24.01.2024</a:t>
+              <a:t>14.08.2024</a:t>
             </a:fld>
             <a:endParaRPr lang="uk-UA"/>
           </a:p>
@@ -2397,7 +2392,7 @@
           <a:p>
             <a:fld id="{CB2C6B32-2873-4D23-8A5E-3DD1409B5887}" type="datetimeFigureOut">
               <a:rPr lang="uk-UA" smtClean="0"/>
-              <a:t>24.01.2024</a:t>
+              <a:t>14.08.2024</a:t>
             </a:fld>
             <a:endParaRPr lang="uk-UA"/>
           </a:p>
@@ -2710,7 +2705,7 @@
           <a:p>
             <a:fld id="{CB2C6B32-2873-4D23-8A5E-3DD1409B5887}" type="datetimeFigureOut">
               <a:rPr lang="uk-UA" smtClean="0"/>
-              <a:t>24.01.2024</a:t>
+              <a:t>14.08.2024</a:t>
             </a:fld>
             <a:endParaRPr lang="uk-UA"/>
           </a:p>
@@ -2999,7 +2994,7 @@
           <a:p>
             <a:fld id="{CB2C6B32-2873-4D23-8A5E-3DD1409B5887}" type="datetimeFigureOut">
               <a:rPr lang="uk-UA" smtClean="0"/>
-              <a:t>24.01.2024</a:t>
+              <a:t>14.08.2024</a:t>
             </a:fld>
             <a:endParaRPr lang="uk-UA"/>
           </a:p>
@@ -3242,7 +3237,7 @@
           <a:p>
             <a:fld id="{CB2C6B32-2873-4D23-8A5E-3DD1409B5887}" type="datetimeFigureOut">
               <a:rPr lang="uk-UA" smtClean="0"/>
-              <a:t>24.01.2024</a:t>
+              <a:t>14.08.2024</a:t>
             </a:fld>
             <a:endParaRPr lang="uk-UA"/>
           </a:p>
@@ -3874,12 +3869,12 @@
           <a:graphicData uri="http://schemas.openxmlformats.org/presentationml/2006/ole">
             <mc:AlternateContent xmlns:mc="http://schemas.openxmlformats.org/markup-compatibility/2006">
               <mc:Choice xmlns:v="urn:schemas-microsoft-com:vml" Requires="v">
-                <p:oleObj spid="_x0000_s7274" name="Visio" r:id="rId3" imgW="5857965" imgH="1657548" progId="Visio.Drawing.11">
+                <p:oleObj name="Visio" r:id="rId2" imgW="5857965" imgH="1657548" progId="Visio.Drawing.11">
                   <p:embed/>
                 </p:oleObj>
               </mc:Choice>
               <mc:Fallback>
-                <p:oleObj name="Visio" r:id="rId3" imgW="5857965" imgH="1657548" progId="Visio.Drawing.11">
+                <p:oleObj name="Visio" r:id="rId2" imgW="5857965" imgH="1657548" progId="Visio.Drawing.11">
                   <p:embed/>
                   <p:pic>
                     <p:nvPicPr>
@@ -3890,7 +3885,7 @@
                       <p:nvPr/>
                     </p:nvPicPr>
                     <p:blipFill>
-                      <a:blip r:embed="rId4"/>
+                      <a:blip r:embed="rId3"/>
                       <a:srcRect/>
                       <a:stretch>
                         <a:fillRect/>
@@ -3951,12 +3946,12 @@
           <a:graphicData uri="http://schemas.openxmlformats.org/presentationml/2006/ole">
             <mc:AlternateContent xmlns:mc="http://schemas.openxmlformats.org/markup-compatibility/2006">
               <mc:Choice xmlns:v="urn:schemas-microsoft-com:vml" Requires="v">
-                <p:oleObj spid="_x0000_s7275" name="Visio" r:id="rId5" imgW="5515212" imgH="1152673" progId="Visio.Drawing.11">
+                <p:oleObj name="Visio" r:id="rId4" imgW="5515212" imgH="1152673" progId="Visio.Drawing.11">
                   <p:embed/>
                 </p:oleObj>
               </mc:Choice>
               <mc:Fallback>
-                <p:oleObj name="Visio" r:id="rId5" imgW="5515212" imgH="1152673" progId="Visio.Drawing.11">
+                <p:oleObj name="Visio" r:id="rId4" imgW="5515212" imgH="1152673" progId="Visio.Drawing.11">
                   <p:embed/>
                   <p:pic>
                     <p:nvPicPr>
@@ -3967,7 +3962,7 @@
                       <p:nvPr/>
                     </p:nvPicPr>
                     <p:blipFill>
-                      <a:blip r:embed="rId6"/>
+                      <a:blip r:embed="rId5"/>
                       <a:srcRect/>
                       <a:stretch>
                         <a:fillRect/>
@@ -4028,12 +4023,12 @@
           <a:graphicData uri="http://schemas.openxmlformats.org/presentationml/2006/ole">
             <mc:AlternateContent xmlns:mc="http://schemas.openxmlformats.org/markup-compatibility/2006">
               <mc:Choice xmlns:v="urn:schemas-microsoft-com:vml" Requires="v">
-                <p:oleObj spid="_x0000_s7276" name="Visio" r:id="rId7" imgW="3549722" imgH="1059759" progId="Visio.Drawing.11">
+                <p:oleObj name="Visio" r:id="rId6" imgW="3549722" imgH="1059759" progId="Visio.Drawing.11">
                   <p:embed/>
                 </p:oleObj>
               </mc:Choice>
               <mc:Fallback>
-                <p:oleObj name="Visio" r:id="rId7" imgW="3549722" imgH="1059759" progId="Visio.Drawing.11">
+                <p:oleObj name="Visio" r:id="rId6" imgW="3549722" imgH="1059759" progId="Visio.Drawing.11">
                   <p:embed/>
                   <p:pic>
                     <p:nvPicPr>
@@ -4044,7 +4039,7 @@
                       <p:nvPr/>
                     </p:nvPicPr>
                     <p:blipFill>
-                      <a:blip r:embed="rId8">
+                      <a:blip r:embed="rId7">
                         <a:extLst>
                           <a:ext uri="{28A0092B-C50C-407E-A947-70E740481C1C}">
                             <a14:useLocalDpi xmlns:a14="http://schemas.microsoft.com/office/drawing/2010/main" val="0"/>
@@ -4111,12 +4106,12 @@
           <a:graphicData uri="http://schemas.openxmlformats.org/presentationml/2006/ole">
             <mc:AlternateContent xmlns:mc="http://schemas.openxmlformats.org/markup-compatibility/2006">
               <mc:Choice xmlns:v="urn:schemas-microsoft-com:vml" Requires="v">
-                <p:oleObj spid="_x0000_s7277" name="Visio" r:id="rId9" imgW="3019513" imgH="447792" progId="Visio.Drawing.11">
+                <p:oleObj name="Visio" r:id="rId8" imgW="3019513" imgH="447792" progId="Visio.Drawing.11">
                   <p:embed/>
                 </p:oleObj>
               </mc:Choice>
               <mc:Fallback>
-                <p:oleObj name="Visio" r:id="rId9" imgW="3019513" imgH="447792" progId="Visio.Drawing.11">
+                <p:oleObj name="Visio" r:id="rId8" imgW="3019513" imgH="447792" progId="Visio.Drawing.11">
                   <p:embed/>
                   <p:pic>
                     <p:nvPicPr>
@@ -4127,7 +4122,7 @@
                       <p:nvPr/>
                     </p:nvPicPr>
                     <p:blipFill>
-                      <a:blip r:embed="rId10"/>
+                      <a:blip r:embed="rId9"/>
                       <a:srcRect/>
                       <a:stretch>
                         <a:fillRect/>
@@ -4599,12 +4594,12 @@
           <a:graphicData uri="http://schemas.openxmlformats.org/presentationml/2006/ole">
             <mc:AlternateContent xmlns:mc="http://schemas.openxmlformats.org/markup-compatibility/2006">
               <mc:Choice xmlns:v="urn:schemas-microsoft-com:vml" Requires="v">
-                <p:oleObj spid="_x0000_s8246" name="Visio" r:id="rId3" imgW="2376020" imgH="553094" progId="Visio.Drawing.11">
+                <p:oleObj name="Visio" r:id="rId2" imgW="2376020" imgH="553094" progId="Visio.Drawing.11">
                   <p:embed/>
                 </p:oleObj>
               </mc:Choice>
               <mc:Fallback>
-                <p:oleObj name="Visio" r:id="rId3" imgW="2376020" imgH="553094" progId="Visio.Drawing.11">
+                <p:oleObj name="Visio" r:id="rId2" imgW="2376020" imgH="553094" progId="Visio.Drawing.11">
                   <p:embed/>
                   <p:pic>
                     <p:nvPicPr>
@@ -4615,7 +4610,7 @@
                       <p:nvPr/>
                     </p:nvPicPr>
                     <p:blipFill>
-                      <a:blip r:embed="rId4">
+                      <a:blip r:embed="rId3">
                         <a:extLst>
                           <a:ext uri="{28A0092B-C50C-407E-A947-70E740481C1C}">
                             <a14:useLocalDpi xmlns:a14="http://schemas.microsoft.com/office/drawing/2010/main" val="0"/>
@@ -4682,12 +4677,12 @@
           <a:graphicData uri="http://schemas.openxmlformats.org/presentationml/2006/ole">
             <mc:AlternateContent xmlns:mc="http://schemas.openxmlformats.org/markup-compatibility/2006">
               <mc:Choice xmlns:v="urn:schemas-microsoft-com:vml" Requires="v">
-                <p:oleObj spid="_x0000_s8247" name="Visio" r:id="rId5" imgW="2573886" imgH="1560486" progId="Visio.Drawing.11">
+                <p:oleObj name="Visio" r:id="rId4" imgW="2573886" imgH="1560486" progId="Visio.Drawing.11">
                   <p:embed/>
                 </p:oleObj>
               </mc:Choice>
               <mc:Fallback>
-                <p:oleObj name="Visio" r:id="rId5" imgW="2573886" imgH="1560486" progId="Visio.Drawing.11">
+                <p:oleObj name="Visio" r:id="rId4" imgW="2573886" imgH="1560486" progId="Visio.Drawing.11">
                   <p:embed/>
                   <p:pic>
                     <p:nvPicPr>
@@ -4698,7 +4693,7 @@
                       <p:nvPr/>
                     </p:nvPicPr>
                     <p:blipFill>
-                      <a:blip r:embed="rId6">
+                      <a:blip r:embed="rId5">
                         <a:extLst>
                           <a:ext uri="{28A0092B-C50C-407E-A947-70E740481C1C}">
                             <a14:useLocalDpi xmlns:a14="http://schemas.microsoft.com/office/drawing/2010/main" val="0"/>
@@ -4781,7196 +4776,6 @@
       </p:grpSpPr>
       <p:sp>
         <p:nvSpPr>
-          <p:cNvPr id="2" name="Заголовок 1">
-            <a:extLst>
-              <a:ext uri="{FF2B5EF4-FFF2-40B4-BE49-F238E27FC236}">
-                <a16:creationId xmlns:a16="http://schemas.microsoft.com/office/drawing/2014/main" id="{13BD6C2F-7D91-4965-9B6A-FEB4C181117B}"/>
-              </a:ext>
-            </a:extLst>
-          </p:cNvPr>
-          <p:cNvSpPr>
-            <a:spLocks noGrp="1"/>
-          </p:cNvSpPr>
-          <p:nvPr>
-            <p:ph type="title"/>
-          </p:nvPr>
-        </p:nvSpPr>
-        <p:spPr>
-          <a:xfrm>
-            <a:off x="0" y="1"/>
-            <a:ext cx="12192000" cy="681036"/>
-          </a:xfrm>
-        </p:spPr>
-        <p:txBody>
-          <a:bodyPr>
-            <a:noAutofit/>
-          </a:bodyPr>
-          <a:lstStyle/>
-          <a:p>
-            <a:pPr algn="ctr"/>
-            <a:r>
-              <a:rPr lang="uk-UA" i="0" dirty="0">
-                <a:effectLst/>
-                <a:latin typeface="Times New Roman" panose="02020603050405020304" pitchFamily="18" charset="0"/>
-                <a:cs typeface="Times New Roman" panose="02020603050405020304" pitchFamily="18" charset="0"/>
-              </a:rPr>
-              <a:t>Відношення </a:t>
-            </a:r>
-            <a:r>
-              <a:rPr lang="en-US" i="0" dirty="0">
-                <a:effectLst/>
-                <a:latin typeface="Times New Roman" panose="02020603050405020304" pitchFamily="18" charset="0"/>
-                <a:cs typeface="Times New Roman" panose="02020603050405020304" pitchFamily="18" charset="0"/>
-              </a:rPr>
-              <a:t>IS-A (</a:t>
-            </a:r>
-            <a:r>
-              <a:rPr lang="uk-UA" i="0" dirty="0">
-                <a:effectLst/>
-                <a:latin typeface="Times New Roman" panose="02020603050405020304" pitchFamily="18" charset="0"/>
-                <a:cs typeface="Times New Roman" panose="02020603050405020304" pitchFamily="18" charset="0"/>
-              </a:rPr>
-              <a:t>є, являється):</a:t>
-            </a:r>
-            <a:endParaRPr lang="uk-UA" dirty="0">
-              <a:latin typeface="Times New Roman" panose="02020603050405020304" pitchFamily="18" charset="0"/>
-              <a:cs typeface="Times New Roman" panose="02020603050405020304" pitchFamily="18" charset="0"/>
-            </a:endParaRPr>
-          </a:p>
-        </p:txBody>
-      </p:sp>
-      <p:sp>
-        <p:nvSpPr>
-          <p:cNvPr id="4" name="Rectangle 1">
-            <a:extLst>
-              <a:ext uri="{FF2B5EF4-FFF2-40B4-BE49-F238E27FC236}">
-                <a16:creationId xmlns:a16="http://schemas.microsoft.com/office/drawing/2014/main" id="{C0C0BD57-AFF4-4481-B9D9-645ED047C285}"/>
-              </a:ext>
-            </a:extLst>
-          </p:cNvPr>
-          <p:cNvSpPr>
-            <a:spLocks noChangeArrowheads="1"/>
-          </p:cNvSpPr>
-          <p:nvPr/>
-        </p:nvSpPr>
-        <p:spPr bwMode="auto">
-          <a:xfrm>
-            <a:off x="113121" y="3370939"/>
-            <a:ext cx="11965757" cy="1431161"/>
-          </a:xfrm>
-          <a:prstGeom prst="rect">
-            <a:avLst/>
-          </a:prstGeom>
-          <a:solidFill>
-            <a:srgbClr val="FFFFFF"/>
-          </a:solidFill>
-          <a:ln>
-            <a:noFill/>
-          </a:ln>
-          <a:effectLst/>
-          <a:extLst>
-            <a:ext uri="{91240B29-F687-4F45-9708-019B960494DF}">
-              <a14:hiddenLine xmlns:a14="http://schemas.microsoft.com/office/drawing/2010/main" w="9525">
-                <a:solidFill>
-                  <a:schemeClr val="tx1"/>
-                </a:solidFill>
-                <a:miter lim="800000"/>
-                <a:headEnd/>
-                <a:tailEnd/>
-              </a14:hiddenLine>
-            </a:ext>
-            <a:ext uri="{AF507438-7753-43E0-B8FC-AC1667EBCBE1}">
-              <a14:hiddenEffects xmlns:a14="http://schemas.microsoft.com/office/drawing/2010/main">
-                <a:effectLst>
-                  <a:outerShdw dist="35921" dir="2700000" algn="ctr" rotWithShape="0">
-                    <a:schemeClr val="bg2"/>
-                  </a:outerShdw>
-                </a:effectLst>
-              </a14:hiddenEffects>
-            </a:ext>
-          </a:extLst>
-        </p:spPr>
-        <p:txBody>
-          <a:bodyPr vert="horz" wrap="square" lIns="158700" tIns="45720" rIns="158700" bIns="0" numCol="1" anchor="ctr" anchorCtr="0" compatLnSpc="1">
-            <a:prstTxWarp prst="textNoShape">
-              <a:avLst/>
-            </a:prstTxWarp>
-            <a:spAutoFit/>
-          </a:bodyPr>
-          <a:lstStyle>
-            <a:lvl1pPr indent="90488" eaLnBrk="0" fontAlgn="base" hangingPunct="0">
-              <a:spcBef>
-                <a:spcPct val="0"/>
-              </a:spcBef>
-              <a:spcAft>
-                <a:spcPct val="0"/>
-              </a:spcAft>
-              <a:defRPr>
-                <a:solidFill>
-                  <a:schemeClr val="tx1"/>
-                </a:solidFill>
-                <a:latin typeface="Arial" panose="020B0604020202020204" pitchFamily="34" charset="0"/>
-              </a:defRPr>
-            </a:lvl1pPr>
-            <a:lvl2pPr eaLnBrk="0" fontAlgn="base" hangingPunct="0">
-              <a:spcBef>
-                <a:spcPct val="0"/>
-              </a:spcBef>
-              <a:spcAft>
-                <a:spcPct val="0"/>
-              </a:spcAft>
-              <a:defRPr>
-                <a:solidFill>
-                  <a:schemeClr val="tx1"/>
-                </a:solidFill>
-                <a:latin typeface="Arial" panose="020B0604020202020204" pitchFamily="34" charset="0"/>
-              </a:defRPr>
-            </a:lvl2pPr>
-            <a:lvl3pPr eaLnBrk="0" fontAlgn="base" hangingPunct="0">
-              <a:spcBef>
-                <a:spcPct val="0"/>
-              </a:spcBef>
-              <a:spcAft>
-                <a:spcPct val="0"/>
-              </a:spcAft>
-              <a:defRPr>
-                <a:solidFill>
-                  <a:schemeClr val="tx1"/>
-                </a:solidFill>
-                <a:latin typeface="Arial" panose="020B0604020202020204" pitchFamily="34" charset="0"/>
-              </a:defRPr>
-            </a:lvl3pPr>
-            <a:lvl4pPr eaLnBrk="0" fontAlgn="base" hangingPunct="0">
-              <a:spcBef>
-                <a:spcPct val="0"/>
-              </a:spcBef>
-              <a:spcAft>
-                <a:spcPct val="0"/>
-              </a:spcAft>
-              <a:defRPr>
-                <a:solidFill>
-                  <a:schemeClr val="tx1"/>
-                </a:solidFill>
-                <a:latin typeface="Arial" panose="020B0604020202020204" pitchFamily="34" charset="0"/>
-              </a:defRPr>
-            </a:lvl4pPr>
-            <a:lvl5pPr eaLnBrk="0" fontAlgn="base" hangingPunct="0">
-              <a:spcBef>
-                <a:spcPct val="0"/>
-              </a:spcBef>
-              <a:spcAft>
-                <a:spcPct val="0"/>
-              </a:spcAft>
-              <a:defRPr>
-                <a:solidFill>
-                  <a:schemeClr val="tx1"/>
-                </a:solidFill>
-                <a:latin typeface="Arial" panose="020B0604020202020204" pitchFamily="34" charset="0"/>
-              </a:defRPr>
-            </a:lvl5pPr>
-            <a:lvl6pPr eaLnBrk="0" fontAlgn="base" hangingPunct="0">
-              <a:spcBef>
-                <a:spcPct val="0"/>
-              </a:spcBef>
-              <a:spcAft>
-                <a:spcPct val="0"/>
-              </a:spcAft>
-              <a:defRPr>
-                <a:solidFill>
-                  <a:schemeClr val="tx1"/>
-                </a:solidFill>
-                <a:latin typeface="Arial" panose="020B0604020202020204" pitchFamily="34" charset="0"/>
-              </a:defRPr>
-            </a:lvl6pPr>
-            <a:lvl7pPr eaLnBrk="0" fontAlgn="base" hangingPunct="0">
-              <a:spcBef>
-                <a:spcPct val="0"/>
-              </a:spcBef>
-              <a:spcAft>
-                <a:spcPct val="0"/>
-              </a:spcAft>
-              <a:defRPr>
-                <a:solidFill>
-                  <a:schemeClr val="tx1"/>
-                </a:solidFill>
-                <a:latin typeface="Arial" panose="020B0604020202020204" pitchFamily="34" charset="0"/>
-              </a:defRPr>
-            </a:lvl7pPr>
-            <a:lvl8pPr eaLnBrk="0" fontAlgn="base" hangingPunct="0">
-              <a:spcBef>
-                <a:spcPct val="0"/>
-              </a:spcBef>
-              <a:spcAft>
-                <a:spcPct val="0"/>
-              </a:spcAft>
-              <a:defRPr>
-                <a:solidFill>
-                  <a:schemeClr val="tx1"/>
-                </a:solidFill>
-                <a:latin typeface="Arial" panose="020B0604020202020204" pitchFamily="34" charset="0"/>
-              </a:defRPr>
-            </a:lvl8pPr>
-            <a:lvl9pPr eaLnBrk="0" fontAlgn="base" hangingPunct="0">
-              <a:spcBef>
-                <a:spcPct val="0"/>
-              </a:spcBef>
-              <a:spcAft>
-                <a:spcPct val="0"/>
-              </a:spcAft>
-              <a:defRPr>
-                <a:solidFill>
-                  <a:schemeClr val="tx1"/>
-                </a:solidFill>
-                <a:latin typeface="Arial" panose="020B0604020202020204" pitchFamily="34" charset="0"/>
-              </a:defRPr>
-            </a:lvl9pPr>
-          </a:lstStyle>
-          <a:p>
-            <a:pPr marL="0" marR="0" lvl="0" indent="90488" algn="just" defTabSz="914400" rtl="0" eaLnBrk="0" fontAlgn="base" latinLnBrk="0" hangingPunct="0">
-              <a:lnSpc>
-                <a:spcPct val="100000"/>
-              </a:lnSpc>
-              <a:spcBef>
-                <a:spcPct val="0"/>
-              </a:spcBef>
-              <a:spcAft>
-                <a:spcPct val="0"/>
-              </a:spcAft>
-              <a:buClrTx/>
-              <a:buSzTx/>
-              <a:buFontTx/>
-              <a:buNone/>
-              <a:tabLst/>
-            </a:pPr>
-            <a:r>
-              <a:rPr kumimoji="0" lang="ru-RU" altLang="uk-UA" sz="900" b="0" i="0" u="none" strike="noStrike" cap="none" normalizeH="0" baseline="0" dirty="0">
-                <a:ln>
-                  <a:noFill/>
-                </a:ln>
-                <a:solidFill>
-                  <a:srgbClr val="3778CD"/>
-                </a:solidFill>
-                <a:effectLst/>
-                <a:latin typeface="Arial" panose="020B0604020202020204" pitchFamily="34" charset="0"/>
-                <a:cs typeface="Arial" panose="020B0604020202020204" pitchFamily="34" charset="0"/>
-              </a:rPr>
-              <a:t>  </a:t>
-            </a:r>
-            <a:r>
-              <a:rPr kumimoji="0" lang="ru-RU" altLang="uk-UA" sz="9000" b="0" i="0" u="none" strike="noStrike" cap="none" normalizeH="0" baseline="0" dirty="0">
-                <a:ln>
-                  <a:noFill/>
-                </a:ln>
-                <a:solidFill>
-                  <a:srgbClr val="3778CD"/>
-                </a:solidFill>
-                <a:effectLst/>
-                <a:latin typeface="Arial" panose="020B0604020202020204" pitchFamily="34" charset="0"/>
-                <a:cs typeface="Arial" panose="020B0604020202020204" pitchFamily="34" charset="0"/>
-              </a:rPr>
-              <a:t>                    </a:t>
-            </a:r>
-            <a:endParaRPr kumimoji="0" lang="ru-RU" altLang="uk-UA" sz="900" b="0" i="0" u="none" strike="noStrike" cap="none" normalizeH="0" baseline="0" dirty="0">
-              <a:ln>
-                <a:noFill/>
-              </a:ln>
-              <a:solidFill>
-                <a:srgbClr val="444444"/>
-              </a:solidFill>
-              <a:effectLst/>
-              <a:latin typeface="Arial" panose="020B0604020202020204" pitchFamily="34" charset="0"/>
-              <a:cs typeface="Arial" panose="020B0604020202020204" pitchFamily="34" charset="0"/>
-            </a:endParaRPr>
-          </a:p>
-        </p:txBody>
-      </p:sp>
-      <p:pic>
-        <p:nvPicPr>
-          <p:cNvPr id="11266" name="Picture 2">
-            <a:hlinkClick r:id="rId2"/>
-            <a:extLst>
-              <a:ext uri="{FF2B5EF4-FFF2-40B4-BE49-F238E27FC236}">
-                <a16:creationId xmlns:a16="http://schemas.microsoft.com/office/drawing/2014/main" id="{37C577C1-3858-45D7-A8A2-896030B442D7}"/>
-              </a:ext>
-            </a:extLst>
-          </p:cNvPr>
-          <p:cNvPicPr>
-            <a:picLocks noChangeAspect="1" noChangeArrowheads="1"/>
-          </p:cNvPicPr>
-          <p:nvPr/>
-        </p:nvPicPr>
-        <p:blipFill>
-          <a:blip r:embed="rId3">
-            <a:extLst>
-              <a:ext uri="{28A0092B-C50C-407E-A947-70E740481C1C}">
-                <a14:useLocalDpi xmlns:a14="http://schemas.microsoft.com/office/drawing/2010/main" val="0"/>
-              </a:ext>
-            </a:extLst>
-          </a:blip>
-          <a:srcRect/>
-          <a:stretch>
-            <a:fillRect/>
-          </a:stretch>
-        </p:blipFill>
-        <p:spPr bwMode="auto">
-          <a:xfrm>
-            <a:off x="564037" y="1503207"/>
-            <a:ext cx="6096000" cy="1428750"/>
-          </a:xfrm>
-          <a:prstGeom prst="rect">
-            <a:avLst/>
-          </a:prstGeom>
-          <a:noFill/>
-          <a:extLst>
-            <a:ext uri="{909E8E84-426E-40DD-AFC4-6F175D3DCCD1}">
-              <a14:hiddenFill xmlns:a14="http://schemas.microsoft.com/office/drawing/2010/main">
-                <a:solidFill>
-                  <a:srgbClr val="FFFFFF"/>
-                </a:solidFill>
-              </a14:hiddenFill>
-            </a:ext>
-          </a:extLst>
-        </p:spPr>
-      </p:pic>
-      <p:sp>
-        <p:nvSpPr>
-          <p:cNvPr id="7" name="TextBox 6">
-            <a:extLst>
-              <a:ext uri="{FF2B5EF4-FFF2-40B4-BE49-F238E27FC236}">
-                <a16:creationId xmlns:a16="http://schemas.microsoft.com/office/drawing/2014/main" id="{A7E07623-A230-4F6C-8B9B-C692AE8039B2}"/>
-              </a:ext>
-            </a:extLst>
-          </p:cNvPr>
-          <p:cNvSpPr txBox="1"/>
-          <p:nvPr/>
-        </p:nvSpPr>
-        <p:spPr>
-          <a:xfrm>
-            <a:off x="564037" y="738179"/>
-            <a:ext cx="11172334" cy="707886"/>
-          </a:xfrm>
-          <a:prstGeom prst="rect">
-            <a:avLst/>
-          </a:prstGeom>
-          <a:noFill/>
-        </p:spPr>
-        <p:txBody>
-          <a:bodyPr wrap="square">
-            <a:spAutoFit/>
-          </a:bodyPr>
-          <a:lstStyle/>
-          <a:p>
-            <a:pPr marL="0" marR="0" lvl="0" indent="90488" algn="just" defTabSz="914400" rtl="0" eaLnBrk="0" fontAlgn="base" latinLnBrk="0" hangingPunct="0">
-              <a:lnSpc>
-                <a:spcPct val="100000"/>
-              </a:lnSpc>
-              <a:spcBef>
-                <a:spcPct val="0"/>
-              </a:spcBef>
-              <a:spcAft>
-                <a:spcPct val="0"/>
-              </a:spcAft>
-              <a:buClrTx/>
-              <a:buSzTx/>
-              <a:buFontTx/>
-              <a:buNone/>
-              <a:tabLst/>
-            </a:pPr>
-            <a:r>
-              <a:rPr kumimoji="0" lang="ru-RU" altLang="uk-UA" sz="2000" b="0" i="0" u="none" strike="noStrike" cap="none" normalizeH="0" baseline="0" dirty="0" err="1">
-                <a:ln>
-                  <a:noFill/>
-                </a:ln>
-                <a:effectLst/>
-                <a:latin typeface="Times New Roman" panose="02020603050405020304" pitchFamily="18" charset="0"/>
-                <a:cs typeface="Times New Roman" panose="02020603050405020304" pitchFamily="18" charset="0"/>
-              </a:rPr>
-              <a:t>Відношення</a:t>
-            </a:r>
-            <a:r>
-              <a:rPr kumimoji="0" lang="ru-RU" altLang="uk-UA" sz="2000" b="0" i="0" u="none" strike="noStrike" cap="none" normalizeH="0" baseline="0" dirty="0">
-                <a:ln>
-                  <a:noFill/>
-                </a:ln>
-                <a:effectLst/>
-                <a:latin typeface="Times New Roman" panose="02020603050405020304" pitchFamily="18" charset="0"/>
-                <a:cs typeface="Times New Roman" panose="02020603050405020304" pitchFamily="18" charset="0"/>
-              </a:rPr>
-              <a:t> </a:t>
-            </a:r>
-            <a:r>
-              <a:rPr kumimoji="0" lang="en-US" altLang="uk-UA" sz="2000" b="1" i="0" u="none" strike="noStrike" cap="none" normalizeH="0" baseline="0" dirty="0">
-                <a:ln>
-                  <a:noFill/>
-                </a:ln>
-                <a:effectLst/>
-                <a:latin typeface="Times New Roman" panose="02020603050405020304" pitchFamily="18" charset="0"/>
-                <a:cs typeface="Times New Roman" panose="02020603050405020304" pitchFamily="18" charset="0"/>
-              </a:rPr>
-              <a:t>IS</a:t>
-            </a:r>
-            <a:r>
-              <a:rPr kumimoji="0" lang="ru-RU" altLang="uk-UA" sz="2000" b="1" i="0" u="none" strike="noStrike" cap="none" normalizeH="0" baseline="0" dirty="0">
-                <a:ln>
-                  <a:noFill/>
-                </a:ln>
-                <a:effectLst/>
-                <a:latin typeface="Times New Roman" panose="02020603050405020304" pitchFamily="18" charset="0"/>
-                <a:cs typeface="Times New Roman" panose="02020603050405020304" pitchFamily="18" charset="0"/>
-              </a:rPr>
-              <a:t>-</a:t>
-            </a:r>
-            <a:r>
-              <a:rPr kumimoji="0" lang="en-US" altLang="uk-UA" sz="2000" b="1" i="0" u="none" strike="noStrike" cap="none" normalizeH="0" baseline="0" dirty="0">
-                <a:ln>
-                  <a:noFill/>
-                </a:ln>
-                <a:effectLst/>
-                <a:latin typeface="Times New Roman" panose="02020603050405020304" pitchFamily="18" charset="0"/>
-                <a:cs typeface="Times New Roman" panose="02020603050405020304" pitchFamily="18" charset="0"/>
-              </a:rPr>
-              <a:t>A</a:t>
-            </a:r>
-            <a:r>
-              <a:rPr kumimoji="0" lang="ru-RU" altLang="uk-UA" sz="2000" b="0" i="0" u="none" strike="noStrike" cap="none" normalizeH="0" baseline="0" dirty="0">
-                <a:ln>
-                  <a:noFill/>
-                </a:ln>
-                <a:effectLst/>
-                <a:latin typeface="Times New Roman" panose="02020603050405020304" pitchFamily="18" charset="0"/>
-                <a:cs typeface="Times New Roman" panose="02020603050405020304" pitchFamily="18" charset="0"/>
-              </a:rPr>
-              <a:t>  - </a:t>
-            </a:r>
-            <a:r>
-              <a:rPr kumimoji="0" lang="ru-RU" altLang="uk-UA" sz="2000" b="0" i="0" u="none" strike="noStrike" cap="none" normalizeH="0" baseline="0" dirty="0" err="1">
-                <a:ln>
-                  <a:noFill/>
-                </a:ln>
-                <a:effectLst/>
-                <a:latin typeface="Times New Roman" panose="02020603050405020304" pitchFamily="18" charset="0"/>
-                <a:cs typeface="Times New Roman" panose="02020603050405020304" pitchFamily="18" charset="0"/>
-              </a:rPr>
-              <a:t>це</a:t>
-            </a:r>
-            <a:r>
-              <a:rPr kumimoji="0" lang="ru-RU" altLang="uk-UA" sz="2000" b="0" i="0" u="none" strike="noStrike" cap="none" normalizeH="0" baseline="0" dirty="0">
-                <a:ln>
-                  <a:noFill/>
-                </a:ln>
-                <a:effectLst/>
-                <a:latin typeface="Times New Roman" panose="02020603050405020304" pitchFamily="18" charset="0"/>
-                <a:cs typeface="Times New Roman" panose="02020603050405020304" pitchFamily="18" charset="0"/>
-              </a:rPr>
-              <a:t> </a:t>
-            </a:r>
-            <a:r>
-              <a:rPr kumimoji="0" lang="ru-RU" altLang="uk-UA" sz="2000" b="0" i="0" u="none" strike="noStrike" cap="none" normalizeH="0" baseline="0" dirty="0" err="1">
-                <a:ln>
-                  <a:noFill/>
-                </a:ln>
-                <a:effectLst/>
-                <a:latin typeface="Times New Roman" panose="02020603050405020304" pitchFamily="18" charset="0"/>
-                <a:cs typeface="Times New Roman" panose="02020603050405020304" pitchFamily="18" charset="0"/>
-              </a:rPr>
-              <a:t>спосіб</a:t>
-            </a:r>
-            <a:r>
-              <a:rPr kumimoji="0" lang="ru-RU" altLang="uk-UA" sz="2000" b="0" i="0" u="none" strike="noStrike" cap="none" normalizeH="0" baseline="0" dirty="0">
-                <a:ln>
-                  <a:noFill/>
-                </a:ln>
-                <a:effectLst/>
-                <a:latin typeface="Times New Roman" panose="02020603050405020304" pitchFamily="18" charset="0"/>
-                <a:cs typeface="Times New Roman" panose="02020603050405020304" pitchFamily="18" charset="0"/>
-              </a:rPr>
-              <a:t> </a:t>
-            </a:r>
-            <a:r>
-              <a:rPr kumimoji="0" lang="ru-RU" altLang="uk-UA" sz="2000" b="0" i="0" u="none" strike="noStrike" cap="none" normalizeH="0" baseline="0" dirty="0" err="1">
-                <a:ln>
-                  <a:noFill/>
-                </a:ln>
-                <a:effectLst/>
-                <a:latin typeface="Times New Roman" panose="02020603050405020304" pitchFamily="18" charset="0"/>
-                <a:cs typeface="Times New Roman" panose="02020603050405020304" pitchFamily="18" charset="0"/>
-              </a:rPr>
-              <a:t>сказати</a:t>
-            </a:r>
-            <a:r>
-              <a:rPr kumimoji="0" lang="ru-RU" altLang="uk-UA" sz="2000" b="0" i="0" u="none" strike="noStrike" cap="none" normalizeH="0" baseline="0" dirty="0">
-                <a:ln>
-                  <a:noFill/>
-                </a:ln>
-                <a:effectLst/>
-                <a:latin typeface="Times New Roman" panose="02020603050405020304" pitchFamily="18" charset="0"/>
-                <a:cs typeface="Times New Roman" panose="02020603050405020304" pitchFamily="18" charset="0"/>
-              </a:rPr>
-              <a:t>: </a:t>
-            </a:r>
-            <a:r>
-              <a:rPr kumimoji="0" lang="ru-RU" altLang="uk-UA" sz="2000" b="0" i="0" u="none" strike="noStrike" cap="none" normalizeH="0" baseline="0" dirty="0" err="1">
-                <a:ln>
-                  <a:noFill/>
-                </a:ln>
-                <a:effectLst/>
-                <a:latin typeface="Times New Roman" panose="02020603050405020304" pitchFamily="18" charset="0"/>
-                <a:cs typeface="Times New Roman" panose="02020603050405020304" pitchFamily="18" charset="0"/>
-              </a:rPr>
-              <a:t>Цей</a:t>
-            </a:r>
-            <a:r>
-              <a:rPr kumimoji="0" lang="ru-RU" altLang="uk-UA" sz="2000" b="0" i="0" u="none" strike="noStrike" cap="none" normalizeH="0" baseline="0" dirty="0">
-                <a:ln>
-                  <a:noFill/>
-                </a:ln>
-                <a:effectLst/>
-                <a:latin typeface="Times New Roman" panose="02020603050405020304" pitchFamily="18" charset="0"/>
-                <a:cs typeface="Times New Roman" panose="02020603050405020304" pitchFamily="18" charset="0"/>
-              </a:rPr>
-              <a:t> </a:t>
-            </a:r>
-            <a:r>
-              <a:rPr kumimoji="0" lang="ru-RU" altLang="uk-UA" sz="2000" b="0" i="0" u="none" strike="noStrike" cap="none" normalizeH="0" baseline="0" dirty="0" err="1">
-                <a:ln>
-                  <a:noFill/>
-                </a:ln>
-                <a:effectLst/>
-                <a:latin typeface="Times New Roman" panose="02020603050405020304" pitchFamily="18" charset="0"/>
-                <a:cs typeface="Times New Roman" panose="02020603050405020304" pitchFamily="18" charset="0"/>
-              </a:rPr>
-              <a:t>об'єкт</a:t>
-            </a:r>
-            <a:r>
-              <a:rPr kumimoji="0" lang="ru-RU" altLang="uk-UA" sz="2000" b="0" i="0" u="none" strike="noStrike" cap="none" normalizeH="0" baseline="0" dirty="0">
-                <a:ln>
-                  <a:noFill/>
-                </a:ln>
-                <a:effectLst/>
-                <a:latin typeface="Times New Roman" panose="02020603050405020304" pitchFamily="18" charset="0"/>
-                <a:cs typeface="Times New Roman" panose="02020603050405020304" pitchFamily="18" charset="0"/>
-              </a:rPr>
-              <a:t> </a:t>
-            </a:r>
-            <a:r>
-              <a:rPr kumimoji="0" lang="ru-RU" altLang="uk-UA" sz="2000" b="0" i="0" u="none" strike="noStrike" cap="none" normalizeH="0" baseline="0" dirty="0" err="1">
-                <a:ln>
-                  <a:noFill/>
-                </a:ln>
-                <a:effectLst/>
-                <a:latin typeface="Times New Roman" panose="02020603050405020304" pitchFamily="18" charset="0"/>
-                <a:cs typeface="Times New Roman" panose="02020603050405020304" pitchFamily="18" charset="0"/>
-              </a:rPr>
-              <a:t>представляє</a:t>
-            </a:r>
-            <a:r>
-              <a:rPr kumimoji="0" lang="ru-RU" altLang="uk-UA" sz="2000" b="0" i="0" u="none" strike="noStrike" cap="none" normalizeH="0" baseline="0" dirty="0">
-                <a:ln>
-                  <a:noFill/>
-                </a:ln>
-                <a:effectLst/>
-                <a:latin typeface="Times New Roman" panose="02020603050405020304" pitchFamily="18" charset="0"/>
-                <a:cs typeface="Times New Roman" panose="02020603050405020304" pitchFamily="18" charset="0"/>
-              </a:rPr>
-              <a:t> собою </a:t>
-            </a:r>
-            <a:r>
-              <a:rPr kumimoji="0" lang="ru-RU" altLang="uk-UA" sz="2000" b="0" i="0" u="none" strike="noStrike" cap="none" normalizeH="0" baseline="0" dirty="0" err="1">
-                <a:ln>
-                  <a:noFill/>
-                </a:ln>
-                <a:effectLst/>
-                <a:latin typeface="Times New Roman" panose="02020603050405020304" pitchFamily="18" charset="0"/>
-                <a:cs typeface="Times New Roman" panose="02020603050405020304" pitchFamily="18" charset="0"/>
-              </a:rPr>
-              <a:t>об'єкт</a:t>
-            </a:r>
-            <a:r>
-              <a:rPr kumimoji="0" lang="ru-RU" altLang="uk-UA" sz="2000" b="0" i="0" u="none" strike="noStrike" cap="none" normalizeH="0" baseline="0" dirty="0">
-                <a:ln>
-                  <a:noFill/>
-                </a:ln>
-                <a:effectLst/>
-                <a:latin typeface="Times New Roman" panose="02020603050405020304" pitchFamily="18" charset="0"/>
-                <a:cs typeface="Times New Roman" panose="02020603050405020304" pitchFamily="18" charset="0"/>
-              </a:rPr>
-              <a:t> </a:t>
-            </a:r>
-            <a:r>
-              <a:rPr kumimoji="0" lang="ru-RU" altLang="uk-UA" sz="2000" b="0" i="0" u="none" strike="noStrike" cap="none" normalizeH="0" baseline="0" dirty="0" err="1">
-                <a:ln>
-                  <a:noFill/>
-                </a:ln>
-                <a:effectLst/>
-                <a:latin typeface="Times New Roman" panose="02020603050405020304" pitchFamily="18" charset="0"/>
-                <a:cs typeface="Times New Roman" panose="02020603050405020304" pitchFamily="18" charset="0"/>
-              </a:rPr>
-              <a:t>цього</a:t>
-            </a:r>
-            <a:r>
-              <a:rPr kumimoji="0" lang="ru-RU" altLang="uk-UA" sz="2000" b="0" i="0" u="none" strike="noStrike" cap="none" normalizeH="0" baseline="0" dirty="0">
-                <a:ln>
-                  <a:noFill/>
-                </a:ln>
-                <a:effectLst/>
-                <a:latin typeface="Times New Roman" panose="02020603050405020304" pitchFamily="18" charset="0"/>
-                <a:cs typeface="Times New Roman" panose="02020603050405020304" pitchFamily="18" charset="0"/>
-              </a:rPr>
-              <a:t> типу. Давайте </a:t>
-            </a:r>
-            <a:r>
-              <a:rPr kumimoji="0" lang="ru-RU" altLang="uk-UA" sz="2000" b="0" i="0" u="none" strike="noStrike" cap="none" normalizeH="0" baseline="0" dirty="0" err="1">
-                <a:ln>
-                  <a:noFill/>
-                </a:ln>
-                <a:effectLst/>
-                <a:latin typeface="Times New Roman" panose="02020603050405020304" pitchFamily="18" charset="0"/>
-                <a:cs typeface="Times New Roman" panose="02020603050405020304" pitchFamily="18" charset="0"/>
-              </a:rPr>
-              <a:t>подивимось</a:t>
-            </a:r>
-            <a:r>
-              <a:rPr kumimoji="0" lang="ru-RU" altLang="uk-UA" sz="2000" b="0" i="0" u="none" strike="noStrike" cap="none" normalizeH="0" baseline="0" dirty="0">
-                <a:ln>
-                  <a:noFill/>
-                </a:ln>
-                <a:effectLst/>
-                <a:latin typeface="Times New Roman" panose="02020603050405020304" pitchFamily="18" charset="0"/>
-                <a:cs typeface="Times New Roman" panose="02020603050405020304" pitchFamily="18" charset="0"/>
-              </a:rPr>
-              <a:t> як </a:t>
-            </a:r>
-            <a:r>
-              <a:rPr kumimoji="0" lang="ru-RU" altLang="uk-UA" sz="2000" b="0" i="0" u="none" strike="noStrike" cap="none" normalizeH="0" baseline="0" dirty="0" err="1">
-                <a:ln>
-                  <a:noFill/>
-                </a:ln>
-                <a:effectLst/>
-                <a:latin typeface="Times New Roman" panose="02020603050405020304" pitchFamily="18" charset="0"/>
-                <a:cs typeface="Times New Roman" panose="02020603050405020304" pitchFamily="18" charset="0"/>
-              </a:rPr>
-              <a:t>ключове</a:t>
-            </a:r>
-            <a:r>
-              <a:rPr kumimoji="0" lang="ru-RU" altLang="uk-UA" sz="2000" b="0" i="0" u="none" strike="noStrike" cap="none" normalizeH="0" baseline="0" dirty="0">
-                <a:ln>
-                  <a:noFill/>
-                </a:ln>
-                <a:effectLst/>
-                <a:latin typeface="Times New Roman" panose="02020603050405020304" pitchFamily="18" charset="0"/>
-                <a:cs typeface="Times New Roman" panose="02020603050405020304" pitchFamily="18" charset="0"/>
-              </a:rPr>
-              <a:t> слово </a:t>
-            </a:r>
-            <a:r>
-              <a:rPr kumimoji="0" lang="en-US" altLang="uk-UA" sz="2000" b="1" i="0" u="none" strike="noStrike" cap="none" normalizeH="0" baseline="0" dirty="0">
-                <a:ln>
-                  <a:noFill/>
-                </a:ln>
-                <a:effectLst/>
-                <a:latin typeface="Times New Roman" panose="02020603050405020304" pitchFamily="18" charset="0"/>
-                <a:cs typeface="Times New Roman" panose="02020603050405020304" pitchFamily="18" charset="0"/>
-              </a:rPr>
-              <a:t>extends</a:t>
-            </a:r>
-            <a:r>
-              <a:rPr kumimoji="0" lang="ru-RU" altLang="uk-UA" sz="2000" b="0" i="0" u="none" strike="noStrike" cap="none" normalizeH="0" baseline="0" dirty="0">
-                <a:ln>
-                  <a:noFill/>
-                </a:ln>
-                <a:effectLst/>
-                <a:latin typeface="Times New Roman" panose="02020603050405020304" pitchFamily="18" charset="0"/>
-                <a:cs typeface="Times New Roman" panose="02020603050405020304" pitchFamily="18" charset="0"/>
-              </a:rPr>
-              <a:t> </a:t>
-            </a:r>
-            <a:r>
-              <a:rPr kumimoji="0" lang="ru-RU" altLang="uk-UA" sz="2000" b="0" i="0" u="none" strike="noStrike" cap="none" normalizeH="0" baseline="0" dirty="0" err="1">
-                <a:ln>
-                  <a:noFill/>
-                </a:ln>
-                <a:effectLst/>
-                <a:latin typeface="Times New Roman" panose="02020603050405020304" pitchFamily="18" charset="0"/>
-                <a:cs typeface="Times New Roman" panose="02020603050405020304" pitchFamily="18" charset="0"/>
-              </a:rPr>
-              <a:t>використовується</a:t>
-            </a:r>
-            <a:r>
-              <a:rPr kumimoji="0" lang="ru-RU" altLang="uk-UA" sz="2000" b="0" i="0" u="none" strike="noStrike" cap="none" normalizeH="0" baseline="0" dirty="0">
-                <a:ln>
-                  <a:noFill/>
-                </a:ln>
-                <a:effectLst/>
-                <a:latin typeface="Times New Roman" panose="02020603050405020304" pitchFamily="18" charset="0"/>
-                <a:cs typeface="Times New Roman" panose="02020603050405020304" pitchFamily="18" charset="0"/>
-              </a:rPr>
-              <a:t> при </a:t>
-            </a:r>
-            <a:r>
-              <a:rPr kumimoji="0" lang="ru-RU" altLang="uk-UA" sz="2000" b="0" i="0" u="none" strike="noStrike" cap="none" normalizeH="0" baseline="0" dirty="0" err="1">
-                <a:ln>
-                  <a:noFill/>
-                </a:ln>
-                <a:effectLst/>
-                <a:latin typeface="Times New Roman" panose="02020603050405020304" pitchFamily="18" charset="0"/>
-                <a:cs typeface="Times New Roman" panose="02020603050405020304" pitchFamily="18" charset="0"/>
-              </a:rPr>
-              <a:t>наслідуванні</a:t>
-            </a:r>
-            <a:r>
-              <a:rPr kumimoji="0" lang="ru-RU" altLang="uk-UA" sz="2000" b="0" i="0" u="none" strike="noStrike" cap="none" normalizeH="0" baseline="0" dirty="0">
-                <a:ln>
-                  <a:noFill/>
-                </a:ln>
-                <a:effectLst/>
-                <a:latin typeface="Times New Roman" panose="02020603050405020304" pitchFamily="18" charset="0"/>
-                <a:cs typeface="Times New Roman" panose="02020603050405020304" pitchFamily="18" charset="0"/>
-              </a:rPr>
-              <a:t>:</a:t>
-            </a:r>
-            <a:endParaRPr kumimoji="0" lang="ru-RU" altLang="uk-UA" sz="1200" b="0" i="0" u="none" strike="noStrike" cap="none" normalizeH="0" baseline="0" dirty="0">
-              <a:ln>
-                <a:noFill/>
-              </a:ln>
-              <a:effectLst/>
-              <a:latin typeface="Times New Roman" panose="02020603050405020304" pitchFamily="18" charset="0"/>
-              <a:cs typeface="Times New Roman" panose="02020603050405020304" pitchFamily="18" charset="0"/>
-            </a:endParaRPr>
-          </a:p>
-        </p:txBody>
-      </p:sp>
-      <p:sp>
-        <p:nvSpPr>
-          <p:cNvPr id="9" name="TextBox 8">
-            <a:extLst>
-              <a:ext uri="{FF2B5EF4-FFF2-40B4-BE49-F238E27FC236}">
-                <a16:creationId xmlns:a16="http://schemas.microsoft.com/office/drawing/2014/main" id="{120F295E-8A65-4D71-88DF-5397D8F2545B}"/>
-              </a:ext>
-            </a:extLst>
-          </p:cNvPr>
-          <p:cNvSpPr txBox="1"/>
-          <p:nvPr/>
-        </p:nvSpPr>
-        <p:spPr>
-          <a:xfrm>
-            <a:off x="480768" y="2995634"/>
-            <a:ext cx="11255603" cy="3139321"/>
-          </a:xfrm>
-          <a:prstGeom prst="rect">
-            <a:avLst/>
-          </a:prstGeom>
-          <a:noFill/>
-        </p:spPr>
-        <p:txBody>
-          <a:bodyPr wrap="square">
-            <a:spAutoFit/>
-          </a:bodyPr>
-          <a:lstStyle/>
-          <a:p>
-            <a:pPr marL="0" marR="0" lvl="0" indent="90488" algn="just" defTabSz="914400" rtl="0" eaLnBrk="0" fontAlgn="base" latinLnBrk="0" hangingPunct="0">
-              <a:lnSpc>
-                <a:spcPct val="100000"/>
-              </a:lnSpc>
-              <a:spcBef>
-                <a:spcPct val="0"/>
-              </a:spcBef>
-              <a:spcAft>
-                <a:spcPct val="0"/>
-              </a:spcAft>
-              <a:buClrTx/>
-              <a:buSzTx/>
-              <a:buFontTx/>
-              <a:buNone/>
-              <a:tabLst/>
-            </a:pPr>
-            <a:r>
-              <a:rPr kumimoji="0" lang="ru-RU" altLang="uk-UA" b="0" i="0" u="none" strike="noStrike" cap="none" normalizeH="0" baseline="0" dirty="0">
-                <a:ln>
-                  <a:noFill/>
-                </a:ln>
-                <a:effectLst/>
-                <a:latin typeface="Arial" panose="020B0604020202020204" pitchFamily="34" charset="0"/>
-                <a:cs typeface="Arial" panose="020B0604020202020204" pitchFamily="34" charset="0"/>
-              </a:rPr>
-              <a:t>на </a:t>
-            </a:r>
-            <a:r>
-              <a:rPr kumimoji="0" lang="ru-RU" altLang="uk-UA" b="0" i="0" u="none" strike="noStrike" cap="none" normalizeH="0" baseline="0" dirty="0" err="1">
-                <a:ln>
-                  <a:noFill/>
-                </a:ln>
-                <a:effectLst/>
-                <a:latin typeface="Arial" panose="020B0604020202020204" pitchFamily="34" charset="0"/>
-                <a:cs typeface="Arial" panose="020B0604020202020204" pitchFamily="34" charset="0"/>
-              </a:rPr>
-              <a:t>основі</a:t>
-            </a:r>
-            <a:r>
-              <a:rPr kumimoji="0" lang="ru-RU" altLang="uk-UA" b="0" i="0" u="none" strike="noStrike" cap="none" normalizeH="0" baseline="0" dirty="0">
-                <a:ln>
-                  <a:noFill/>
-                </a:ln>
-                <a:effectLst/>
-                <a:latin typeface="Arial" panose="020B0604020202020204" pitchFamily="34" charset="0"/>
-                <a:cs typeface="Arial" panose="020B0604020202020204" pitchFamily="34" charset="0"/>
-              </a:rPr>
-              <a:t> </a:t>
-            </a:r>
-            <a:r>
-              <a:rPr kumimoji="0" lang="ru-RU" altLang="uk-UA" b="0" i="0" u="none" strike="noStrike" cap="none" normalizeH="0" baseline="0" dirty="0" err="1">
-                <a:ln>
-                  <a:noFill/>
-                </a:ln>
-                <a:effectLst/>
-                <a:latin typeface="Arial" panose="020B0604020202020204" pitchFamily="34" charset="0"/>
-                <a:cs typeface="Arial" panose="020B0604020202020204" pitchFamily="34" charset="0"/>
-              </a:rPr>
-              <a:t>вище</a:t>
-            </a:r>
-            <a:r>
-              <a:rPr kumimoji="0" lang="ru-RU" altLang="uk-UA" b="0" i="0" u="none" strike="noStrike" cap="none" normalizeH="0" baseline="0" dirty="0">
-                <a:ln>
-                  <a:noFill/>
-                </a:ln>
-                <a:effectLst/>
-                <a:latin typeface="Arial" panose="020B0604020202020204" pitchFamily="34" charset="0"/>
-                <a:cs typeface="Arial" panose="020B0604020202020204" pitchFamily="34" charset="0"/>
-              </a:rPr>
-              <a:t> </a:t>
-            </a:r>
-            <a:r>
-              <a:rPr kumimoji="0" lang="ru-RU" altLang="uk-UA" b="0" i="0" u="none" strike="noStrike" cap="none" normalizeH="0" baseline="0" dirty="0" err="1">
-                <a:ln>
-                  <a:noFill/>
-                </a:ln>
-                <a:effectLst/>
-                <a:latin typeface="Arial" panose="020B0604020202020204" pitchFamily="34" charset="0"/>
-                <a:cs typeface="Arial" panose="020B0604020202020204" pitchFamily="34" charset="0"/>
-              </a:rPr>
-              <a:t>наведеного</a:t>
-            </a:r>
-            <a:r>
-              <a:rPr kumimoji="0" lang="ru-RU" altLang="uk-UA" b="0" i="0" u="none" strike="noStrike" cap="none" normalizeH="0" baseline="0" dirty="0">
-                <a:ln>
-                  <a:noFill/>
-                </a:ln>
-                <a:effectLst/>
-                <a:latin typeface="Arial" panose="020B0604020202020204" pitchFamily="34" charset="0"/>
-                <a:cs typeface="Arial" panose="020B0604020202020204" pitchFamily="34" charset="0"/>
-              </a:rPr>
-              <a:t> прикладу, в </a:t>
-            </a:r>
-            <a:r>
-              <a:rPr kumimoji="0" lang="ru-RU" altLang="uk-UA" b="0" i="0" u="none" strike="noStrike" cap="none" normalizeH="0" baseline="0" dirty="0" err="1">
-                <a:ln>
-                  <a:noFill/>
-                </a:ln>
-                <a:effectLst/>
-                <a:latin typeface="Arial" panose="020B0604020202020204" pitchFamily="34" charset="0"/>
-                <a:cs typeface="Arial" panose="020B0604020202020204" pitchFamily="34" charset="0"/>
-              </a:rPr>
-              <a:t>Об'єктно</a:t>
-            </a:r>
-            <a:r>
-              <a:rPr kumimoji="0" lang="ru-RU" altLang="uk-UA" b="0" i="0" u="none" strike="noStrike" cap="none" normalizeH="0" baseline="0" dirty="0">
-                <a:ln>
-                  <a:noFill/>
-                </a:ln>
-                <a:effectLst/>
-                <a:latin typeface="Arial" panose="020B0604020202020204" pitchFamily="34" charset="0"/>
-                <a:cs typeface="Arial" panose="020B0604020202020204" pitchFamily="34" charset="0"/>
-              </a:rPr>
-              <a:t> - </a:t>
-            </a:r>
-            <a:r>
-              <a:rPr kumimoji="0" lang="ru-RU" altLang="uk-UA" b="0" i="0" u="none" strike="noStrike" cap="none" normalizeH="0" baseline="0" dirty="0" err="1">
-                <a:ln>
-                  <a:noFill/>
-                </a:ln>
-                <a:effectLst/>
-                <a:latin typeface="Arial" panose="020B0604020202020204" pitchFamily="34" charset="0"/>
-                <a:cs typeface="Arial" panose="020B0604020202020204" pitchFamily="34" charset="0"/>
-              </a:rPr>
-              <a:t>орієнтованій</a:t>
-            </a:r>
-            <a:r>
-              <a:rPr kumimoji="0" lang="ru-RU" altLang="uk-UA" b="0" i="0" u="none" strike="noStrike" cap="none" normalizeH="0" baseline="0" dirty="0">
-                <a:ln>
-                  <a:noFill/>
-                </a:ln>
-                <a:effectLst/>
-                <a:latin typeface="Arial" panose="020B0604020202020204" pitchFamily="34" charset="0"/>
-                <a:cs typeface="Arial" panose="020B0604020202020204" pitchFamily="34" charset="0"/>
-              </a:rPr>
-              <a:t> </a:t>
-            </a:r>
-            <a:r>
-              <a:rPr kumimoji="0" lang="ru-RU" altLang="uk-UA" b="0" i="0" u="none" strike="noStrike" cap="none" normalizeH="0" baseline="0" dirty="0" err="1">
-                <a:ln>
-                  <a:noFill/>
-                </a:ln>
-                <a:effectLst/>
-                <a:latin typeface="Arial" panose="020B0604020202020204" pitchFamily="34" charset="0"/>
-                <a:cs typeface="Arial" panose="020B0604020202020204" pitchFamily="34" charset="0"/>
-              </a:rPr>
-              <a:t>термінології</a:t>
-            </a:r>
-            <a:r>
-              <a:rPr kumimoji="0" lang="ru-RU" altLang="uk-UA" b="0" i="0" u="none" strike="noStrike" cap="none" normalizeH="0" baseline="0" dirty="0">
-                <a:ln>
-                  <a:noFill/>
-                </a:ln>
-                <a:effectLst/>
-                <a:latin typeface="Arial" panose="020B0604020202020204" pitchFamily="34" charset="0"/>
-                <a:cs typeface="Arial" panose="020B0604020202020204" pitchFamily="34" charset="0"/>
-              </a:rPr>
-              <a:t>, </a:t>
-            </a:r>
-            <a:r>
-              <a:rPr kumimoji="0" lang="ru-RU" altLang="uk-UA" b="0" i="0" u="none" strike="noStrike" cap="none" normalizeH="0" baseline="0" dirty="0" err="1">
-                <a:ln>
-                  <a:noFill/>
-                </a:ln>
-                <a:effectLst/>
-                <a:latin typeface="Arial" panose="020B0604020202020204" pitchFamily="34" charset="0"/>
-                <a:cs typeface="Arial" panose="020B0604020202020204" pitchFamily="34" charset="0"/>
-              </a:rPr>
-              <a:t>наступні</a:t>
-            </a:r>
-            <a:r>
-              <a:rPr kumimoji="0" lang="ru-RU" altLang="uk-UA" b="0" i="0" u="none" strike="noStrike" cap="none" normalizeH="0" baseline="0" dirty="0">
-                <a:ln>
-                  <a:noFill/>
-                </a:ln>
-                <a:effectLst/>
-                <a:latin typeface="Arial" panose="020B0604020202020204" pitchFamily="34" charset="0"/>
-                <a:cs typeface="Arial" panose="020B0604020202020204" pitchFamily="34" charset="0"/>
-              </a:rPr>
-              <a:t> </a:t>
-            </a:r>
-            <a:r>
-              <a:rPr kumimoji="0" lang="ru-RU" altLang="uk-UA" b="0" i="0" u="none" strike="noStrike" cap="none" normalizeH="0" baseline="0" dirty="0" err="1">
-                <a:ln>
-                  <a:noFill/>
-                </a:ln>
-                <a:effectLst/>
-                <a:latin typeface="Arial" panose="020B0604020202020204" pitchFamily="34" charset="0"/>
-                <a:cs typeface="Arial" panose="020B0604020202020204" pitchFamily="34" charset="0"/>
-              </a:rPr>
-              <a:t>твердження</a:t>
-            </a:r>
-            <a:r>
-              <a:rPr kumimoji="0" lang="ru-RU" altLang="uk-UA" b="0" i="0" u="none" strike="noStrike" cap="none" normalizeH="0" baseline="0" dirty="0">
-                <a:ln>
-                  <a:noFill/>
-                </a:ln>
-                <a:effectLst/>
-                <a:latin typeface="Arial" panose="020B0604020202020204" pitchFamily="34" charset="0"/>
-                <a:cs typeface="Arial" panose="020B0604020202020204" pitchFamily="34" charset="0"/>
-              </a:rPr>
-              <a:t> є </a:t>
-            </a:r>
-            <a:r>
-              <a:rPr kumimoji="0" lang="ru-RU" altLang="uk-UA" b="0" i="0" u="none" strike="noStrike" cap="none" normalizeH="0" baseline="0" dirty="0" err="1">
-                <a:ln>
-                  <a:noFill/>
-                </a:ln>
-                <a:effectLst/>
-                <a:latin typeface="Arial" panose="020B0604020202020204" pitchFamily="34" charset="0"/>
-                <a:cs typeface="Arial" panose="020B0604020202020204" pitchFamily="34" charset="0"/>
-              </a:rPr>
-              <a:t>вірними</a:t>
-            </a:r>
-            <a:r>
-              <a:rPr kumimoji="0" lang="ru-RU" altLang="uk-UA" b="0" i="0" u="none" strike="noStrike" cap="none" normalizeH="0" baseline="0" dirty="0">
-                <a:ln>
-                  <a:noFill/>
-                </a:ln>
-                <a:effectLst/>
-                <a:latin typeface="Arial" panose="020B0604020202020204" pitchFamily="34" charset="0"/>
-                <a:cs typeface="Arial" panose="020B0604020202020204" pitchFamily="34" charset="0"/>
-              </a:rPr>
-              <a:t>:</a:t>
-            </a:r>
-            <a:endParaRPr kumimoji="0" lang="ru-RU" altLang="uk-UA" b="0" i="0" u="none" strike="noStrike" cap="none" normalizeH="0" baseline="0" dirty="0">
-              <a:ln>
-                <a:noFill/>
-              </a:ln>
-              <a:effectLst/>
-            </a:endParaRPr>
-          </a:p>
-          <a:p>
-            <a:pPr marL="0" marR="0" lvl="0" indent="90488" algn="just" defTabSz="914400" rtl="0" eaLnBrk="0" fontAlgn="base" latinLnBrk="0" hangingPunct="0">
-              <a:lnSpc>
-                <a:spcPct val="100000"/>
-              </a:lnSpc>
-              <a:spcBef>
-                <a:spcPct val="0"/>
-              </a:spcBef>
-              <a:spcAft>
-                <a:spcPct val="0"/>
-              </a:spcAft>
-              <a:buClrTx/>
-              <a:buSzTx/>
-              <a:buFontTx/>
-              <a:buNone/>
-              <a:tabLst/>
-            </a:pPr>
-            <a:r>
-              <a:rPr kumimoji="0" lang="ru-RU" altLang="uk-UA" b="0" i="0" u="none" strike="noStrike" cap="none" normalizeH="0" baseline="0" dirty="0">
-                <a:ln>
-                  <a:noFill/>
-                </a:ln>
-                <a:effectLst/>
-                <a:latin typeface="Arial" panose="020B0604020202020204" pitchFamily="34" charset="0"/>
-                <a:cs typeface="Arial" panose="020B0604020202020204" pitchFamily="34" charset="0"/>
-              </a:rPr>
-              <a:t>- </a:t>
-            </a:r>
-            <a:r>
-              <a:rPr kumimoji="0" lang="ru-RU" altLang="uk-UA" b="0" i="0" u="none" strike="noStrike" cap="none" normalizeH="0" baseline="0" dirty="0" err="1">
-                <a:ln>
-                  <a:noFill/>
-                </a:ln>
-                <a:effectLst/>
-                <a:latin typeface="Arial" panose="020B0604020202020204" pitchFamily="34" charset="0"/>
-                <a:cs typeface="Arial" panose="020B0604020202020204" pitchFamily="34" charset="0"/>
-              </a:rPr>
-              <a:t>Клас</a:t>
-            </a:r>
-            <a:r>
-              <a:rPr kumimoji="0" lang="ru-RU" altLang="uk-UA" b="0" i="0" u="none" strike="noStrike" cap="none" normalizeH="0" baseline="0" dirty="0">
-                <a:ln>
-                  <a:noFill/>
-                </a:ln>
-                <a:effectLst/>
-                <a:latin typeface="Arial" panose="020B0604020202020204" pitchFamily="34" charset="0"/>
-                <a:cs typeface="Arial" panose="020B0604020202020204" pitchFamily="34" charset="0"/>
-              </a:rPr>
-              <a:t> </a:t>
-            </a:r>
-            <a:r>
-              <a:rPr kumimoji="0" lang="en-US" altLang="uk-UA" b="1" i="0" u="none" strike="noStrike" cap="none" normalizeH="0" baseline="0" dirty="0">
-                <a:ln>
-                  <a:noFill/>
-                </a:ln>
-                <a:effectLst/>
-                <a:latin typeface="Arial" panose="020B0604020202020204" pitchFamily="34" charset="0"/>
-                <a:cs typeface="Arial" panose="020B0604020202020204" pitchFamily="34" charset="0"/>
-              </a:rPr>
-              <a:t>Animal</a:t>
-            </a:r>
-            <a:r>
-              <a:rPr kumimoji="0" lang="ru-RU" altLang="uk-UA" b="0" i="0" u="none" strike="noStrike" cap="none" normalizeH="0" baseline="0" dirty="0">
-                <a:ln>
-                  <a:noFill/>
-                </a:ln>
-                <a:effectLst/>
-                <a:latin typeface="Arial" panose="020B0604020202020204" pitchFamily="34" charset="0"/>
-                <a:cs typeface="Arial" panose="020B0604020202020204" pitchFamily="34" charset="0"/>
-              </a:rPr>
-              <a:t> є </a:t>
-            </a:r>
-            <a:r>
-              <a:rPr kumimoji="0" lang="ru-RU" altLang="uk-UA" b="0" i="0" u="none" strike="noStrike" cap="none" normalizeH="0" baseline="0" dirty="0" err="1">
-                <a:ln>
-                  <a:noFill/>
-                </a:ln>
-                <a:effectLst/>
-                <a:latin typeface="Arial" panose="020B0604020202020204" pitchFamily="34" charset="0"/>
-                <a:cs typeface="Arial" panose="020B0604020202020204" pitchFamily="34" charset="0"/>
-              </a:rPr>
-              <a:t>суперкласом</a:t>
-            </a:r>
-            <a:r>
-              <a:rPr kumimoji="0" lang="ru-RU" altLang="uk-UA" b="0" i="0" u="none" strike="noStrike" cap="none" normalizeH="0" baseline="0" dirty="0">
-                <a:ln>
-                  <a:noFill/>
-                </a:ln>
-                <a:effectLst/>
-                <a:latin typeface="Arial" panose="020B0604020202020204" pitchFamily="34" charset="0"/>
-                <a:cs typeface="Arial" panose="020B0604020202020204" pitchFamily="34" charset="0"/>
-              </a:rPr>
-              <a:t>(</a:t>
-            </a:r>
-            <a:r>
-              <a:rPr kumimoji="0" lang="ru-RU" altLang="uk-UA" b="0" i="0" u="none" strike="noStrike" cap="none" normalizeH="0" baseline="0" dirty="0" err="1">
-                <a:ln>
-                  <a:noFill/>
-                </a:ln>
-                <a:effectLst/>
-                <a:latin typeface="Arial" panose="020B0604020202020204" pitchFamily="34" charset="0"/>
-                <a:cs typeface="Arial" panose="020B0604020202020204" pitchFamily="34" charset="0"/>
-              </a:rPr>
-              <a:t>базовим</a:t>
-            </a:r>
-            <a:r>
-              <a:rPr kumimoji="0" lang="ru-RU" altLang="uk-UA" b="0" i="0" u="none" strike="noStrike" cap="none" normalizeH="0" baseline="0" dirty="0">
-                <a:ln>
-                  <a:noFill/>
-                </a:ln>
-                <a:effectLst/>
-                <a:latin typeface="Arial" panose="020B0604020202020204" pitchFamily="34" charset="0"/>
-                <a:cs typeface="Arial" panose="020B0604020202020204" pitchFamily="34" charset="0"/>
-              </a:rPr>
-              <a:t> </a:t>
-            </a:r>
-            <a:r>
-              <a:rPr kumimoji="0" lang="ru-RU" altLang="uk-UA" b="0" i="0" u="none" strike="noStrike" cap="none" normalizeH="0" baseline="0" dirty="0" err="1">
-                <a:ln>
-                  <a:noFill/>
-                </a:ln>
-                <a:effectLst/>
-                <a:latin typeface="Arial" panose="020B0604020202020204" pitchFamily="34" charset="0"/>
-                <a:cs typeface="Arial" panose="020B0604020202020204" pitchFamily="34" charset="0"/>
-              </a:rPr>
-              <a:t>класом</a:t>
-            </a:r>
-            <a:r>
-              <a:rPr kumimoji="0" lang="ru-RU" altLang="uk-UA" b="0" i="0" u="none" strike="noStrike" cap="none" normalizeH="0" baseline="0" dirty="0">
-                <a:ln>
-                  <a:noFill/>
-                </a:ln>
-                <a:effectLst/>
-                <a:latin typeface="Arial" panose="020B0604020202020204" pitchFamily="34" charset="0"/>
-                <a:cs typeface="Arial" panose="020B0604020202020204" pitchFamily="34" charset="0"/>
-              </a:rPr>
-              <a:t>) для </a:t>
-            </a:r>
-            <a:r>
-              <a:rPr kumimoji="0" lang="ru-RU" altLang="uk-UA" b="0" i="0" u="none" strike="noStrike" cap="none" normalizeH="0" baseline="0" dirty="0" err="1">
-                <a:ln>
-                  <a:noFill/>
-                </a:ln>
-                <a:effectLst/>
-                <a:latin typeface="Arial" panose="020B0604020202020204" pitchFamily="34" charset="0"/>
-                <a:cs typeface="Arial" panose="020B0604020202020204" pitchFamily="34" charset="0"/>
-              </a:rPr>
-              <a:t>класу</a:t>
-            </a:r>
-            <a:r>
-              <a:rPr kumimoji="0" lang="ru-RU" altLang="uk-UA" b="0" i="0" u="none" strike="noStrike" cap="none" normalizeH="0" baseline="0" dirty="0">
-                <a:ln>
-                  <a:noFill/>
-                </a:ln>
-                <a:effectLst/>
-                <a:latin typeface="Arial" panose="020B0604020202020204" pitchFamily="34" charset="0"/>
-                <a:cs typeface="Arial" panose="020B0604020202020204" pitchFamily="34" charset="0"/>
-              </a:rPr>
-              <a:t> </a:t>
-            </a:r>
-            <a:r>
-              <a:rPr kumimoji="0" lang="en-US" altLang="uk-UA" b="1" i="0" u="none" strike="noStrike" cap="none" normalizeH="0" baseline="0" dirty="0">
-                <a:ln>
-                  <a:noFill/>
-                </a:ln>
-                <a:effectLst/>
-                <a:latin typeface="Arial" panose="020B0604020202020204" pitchFamily="34" charset="0"/>
-                <a:cs typeface="Arial" panose="020B0604020202020204" pitchFamily="34" charset="0"/>
-              </a:rPr>
-              <a:t>Mammal</a:t>
-            </a:r>
-            <a:r>
-              <a:rPr kumimoji="0" lang="ru-RU" altLang="uk-UA" b="0" i="0" u="none" strike="noStrike" cap="none" normalizeH="0" baseline="0" dirty="0">
-                <a:ln>
-                  <a:noFill/>
-                </a:ln>
-                <a:effectLst/>
-                <a:latin typeface="Arial" panose="020B0604020202020204" pitchFamily="34" charset="0"/>
-                <a:cs typeface="Arial" panose="020B0604020202020204" pitchFamily="34" charset="0"/>
-              </a:rPr>
-              <a:t>.</a:t>
-            </a:r>
-          </a:p>
-          <a:p>
-            <a:pPr marL="0" marR="0" lvl="0" indent="90488" algn="just" defTabSz="914400" rtl="0" eaLnBrk="0" fontAlgn="base" latinLnBrk="0" hangingPunct="0">
-              <a:lnSpc>
-                <a:spcPct val="100000"/>
-              </a:lnSpc>
-              <a:spcBef>
-                <a:spcPct val="0"/>
-              </a:spcBef>
-              <a:spcAft>
-                <a:spcPct val="0"/>
-              </a:spcAft>
-              <a:buClrTx/>
-              <a:buSzTx/>
-              <a:buFontTx/>
-              <a:buNone/>
-              <a:tabLst/>
-            </a:pPr>
-            <a:r>
-              <a:rPr kumimoji="0" lang="ru-RU" altLang="uk-UA" b="0" i="0" u="none" strike="noStrike" cap="none" normalizeH="0" baseline="0" dirty="0">
-                <a:ln>
-                  <a:noFill/>
-                </a:ln>
-                <a:effectLst/>
-                <a:latin typeface="Arial" panose="020B0604020202020204" pitchFamily="34" charset="0"/>
-                <a:cs typeface="Arial" panose="020B0604020202020204" pitchFamily="34" charset="0"/>
-              </a:rPr>
-              <a:t>- </a:t>
-            </a:r>
-            <a:r>
-              <a:rPr kumimoji="0" lang="ru-RU" altLang="uk-UA" b="0" i="0" u="none" strike="noStrike" cap="none" normalizeH="0" baseline="0" dirty="0" err="1">
-                <a:ln>
-                  <a:noFill/>
-                </a:ln>
-                <a:effectLst/>
-                <a:latin typeface="Arial" panose="020B0604020202020204" pitchFamily="34" charset="0"/>
-                <a:cs typeface="Arial" panose="020B0604020202020204" pitchFamily="34" charset="0"/>
-              </a:rPr>
-              <a:t>Клас</a:t>
-            </a:r>
-            <a:r>
-              <a:rPr kumimoji="0" lang="ru-RU" altLang="uk-UA" b="0" i="0" u="none" strike="noStrike" cap="none" normalizeH="0" baseline="0" dirty="0">
-                <a:ln>
-                  <a:noFill/>
-                </a:ln>
-                <a:effectLst/>
-                <a:latin typeface="Arial" panose="020B0604020202020204" pitchFamily="34" charset="0"/>
-                <a:cs typeface="Arial" panose="020B0604020202020204" pitchFamily="34" charset="0"/>
-              </a:rPr>
-              <a:t> </a:t>
-            </a:r>
-            <a:r>
-              <a:rPr kumimoji="0" lang="en-US" altLang="uk-UA" b="1" i="0" u="none" strike="noStrike" cap="none" normalizeH="0" baseline="0" dirty="0">
-                <a:ln>
-                  <a:noFill/>
-                </a:ln>
-                <a:effectLst/>
-                <a:latin typeface="Arial" panose="020B0604020202020204" pitchFamily="34" charset="0"/>
-                <a:cs typeface="Arial" panose="020B0604020202020204" pitchFamily="34" charset="0"/>
-              </a:rPr>
-              <a:t>Animal</a:t>
-            </a:r>
-            <a:r>
-              <a:rPr kumimoji="0" lang="ru-RU" altLang="uk-UA" b="0" i="0" u="none" strike="noStrike" cap="none" normalizeH="0" baseline="0" dirty="0">
-                <a:ln>
-                  <a:noFill/>
-                </a:ln>
-                <a:effectLst/>
-                <a:latin typeface="Arial" panose="020B0604020202020204" pitchFamily="34" charset="0"/>
-                <a:cs typeface="Arial" panose="020B0604020202020204" pitchFamily="34" charset="0"/>
-              </a:rPr>
-              <a:t> є </a:t>
-            </a:r>
-            <a:r>
-              <a:rPr kumimoji="0" lang="ru-RU" altLang="uk-UA" b="0" i="0" u="none" strike="noStrike" cap="none" normalizeH="0" baseline="0" dirty="0" err="1">
-                <a:ln>
-                  <a:noFill/>
-                </a:ln>
-                <a:effectLst/>
-                <a:latin typeface="Arial" panose="020B0604020202020204" pitchFamily="34" charset="0"/>
-                <a:cs typeface="Arial" panose="020B0604020202020204" pitchFamily="34" charset="0"/>
-              </a:rPr>
-              <a:t>суперкласом</a:t>
-            </a:r>
-            <a:r>
-              <a:rPr kumimoji="0" lang="ru-RU" altLang="uk-UA" b="0" i="0" u="none" strike="noStrike" cap="none" normalizeH="0" baseline="0" dirty="0">
-                <a:ln>
-                  <a:noFill/>
-                </a:ln>
-                <a:effectLst/>
-                <a:latin typeface="Arial" panose="020B0604020202020204" pitchFamily="34" charset="0"/>
-                <a:cs typeface="Arial" panose="020B0604020202020204" pitchFamily="34" charset="0"/>
-              </a:rPr>
-              <a:t>(</a:t>
-            </a:r>
-            <a:r>
-              <a:rPr kumimoji="0" lang="ru-RU" altLang="uk-UA" b="0" i="0" u="none" strike="noStrike" cap="none" normalizeH="0" baseline="0" dirty="0" err="1">
-                <a:ln>
-                  <a:noFill/>
-                </a:ln>
-                <a:effectLst/>
-                <a:latin typeface="Arial" panose="020B0604020202020204" pitchFamily="34" charset="0"/>
-                <a:cs typeface="Arial" panose="020B0604020202020204" pitchFamily="34" charset="0"/>
-              </a:rPr>
-              <a:t>базовим</a:t>
-            </a:r>
-            <a:r>
-              <a:rPr kumimoji="0" lang="ru-RU" altLang="uk-UA" b="0" i="0" u="none" strike="noStrike" cap="none" normalizeH="0" baseline="0" dirty="0">
-                <a:ln>
-                  <a:noFill/>
-                </a:ln>
-                <a:effectLst/>
-                <a:latin typeface="Arial" panose="020B0604020202020204" pitchFamily="34" charset="0"/>
-                <a:cs typeface="Arial" panose="020B0604020202020204" pitchFamily="34" charset="0"/>
-              </a:rPr>
-              <a:t> </a:t>
-            </a:r>
-            <a:r>
-              <a:rPr kumimoji="0" lang="ru-RU" altLang="uk-UA" b="0" i="0" u="none" strike="noStrike" cap="none" normalizeH="0" baseline="0" dirty="0" err="1">
-                <a:ln>
-                  <a:noFill/>
-                </a:ln>
-                <a:effectLst/>
-                <a:latin typeface="Arial" panose="020B0604020202020204" pitchFamily="34" charset="0"/>
-                <a:cs typeface="Arial" panose="020B0604020202020204" pitchFamily="34" charset="0"/>
-              </a:rPr>
-              <a:t>класом</a:t>
-            </a:r>
-            <a:r>
-              <a:rPr kumimoji="0" lang="ru-RU" altLang="uk-UA" b="0" i="0" u="none" strike="noStrike" cap="none" normalizeH="0" baseline="0" dirty="0">
-                <a:ln>
-                  <a:noFill/>
-                </a:ln>
-                <a:effectLst/>
-                <a:latin typeface="Arial" panose="020B0604020202020204" pitchFamily="34" charset="0"/>
-                <a:cs typeface="Arial" panose="020B0604020202020204" pitchFamily="34" charset="0"/>
-              </a:rPr>
-              <a:t>) для </a:t>
-            </a:r>
-            <a:r>
-              <a:rPr kumimoji="0" lang="ru-RU" altLang="uk-UA" b="0" i="0" u="none" strike="noStrike" cap="none" normalizeH="0" baseline="0" dirty="0" err="1">
-                <a:ln>
-                  <a:noFill/>
-                </a:ln>
-                <a:effectLst/>
-                <a:latin typeface="Arial" panose="020B0604020202020204" pitchFamily="34" charset="0"/>
-                <a:cs typeface="Arial" panose="020B0604020202020204" pitchFamily="34" charset="0"/>
-              </a:rPr>
-              <a:t>класу</a:t>
-            </a:r>
-            <a:r>
-              <a:rPr kumimoji="0" lang="ru-RU" altLang="uk-UA" b="0" i="0" u="none" strike="noStrike" cap="none" normalizeH="0" baseline="0" dirty="0">
-                <a:ln>
-                  <a:noFill/>
-                </a:ln>
-                <a:effectLst/>
-                <a:latin typeface="Arial" panose="020B0604020202020204" pitchFamily="34" charset="0"/>
-                <a:cs typeface="Arial" panose="020B0604020202020204" pitchFamily="34" charset="0"/>
-              </a:rPr>
-              <a:t> </a:t>
-            </a:r>
-            <a:r>
-              <a:rPr kumimoji="0" lang="en-US" altLang="uk-UA" b="1" i="0" u="none" strike="noStrike" cap="none" normalizeH="0" baseline="0" dirty="0">
-                <a:ln>
-                  <a:noFill/>
-                </a:ln>
-                <a:effectLst/>
-                <a:latin typeface="Arial" panose="020B0604020202020204" pitchFamily="34" charset="0"/>
-                <a:cs typeface="Arial" panose="020B0604020202020204" pitchFamily="34" charset="0"/>
-              </a:rPr>
-              <a:t>Reptile</a:t>
-            </a:r>
-            <a:r>
-              <a:rPr kumimoji="0" lang="ru-RU" altLang="uk-UA" b="0" i="0" u="none" strike="noStrike" cap="none" normalizeH="0" baseline="0" dirty="0">
-                <a:ln>
-                  <a:noFill/>
-                </a:ln>
-                <a:effectLst/>
-                <a:latin typeface="Arial" panose="020B0604020202020204" pitchFamily="34" charset="0"/>
-                <a:cs typeface="Arial" panose="020B0604020202020204" pitchFamily="34" charset="0"/>
-              </a:rPr>
-              <a:t>.</a:t>
-            </a:r>
-          </a:p>
-          <a:p>
-            <a:pPr marL="0" marR="0" lvl="0" indent="90488" algn="just" defTabSz="914400" rtl="0" eaLnBrk="0" fontAlgn="base" latinLnBrk="0" hangingPunct="0">
-              <a:lnSpc>
-                <a:spcPct val="100000"/>
-              </a:lnSpc>
-              <a:spcBef>
-                <a:spcPct val="0"/>
-              </a:spcBef>
-              <a:spcAft>
-                <a:spcPct val="0"/>
-              </a:spcAft>
-              <a:buClrTx/>
-              <a:buSzTx/>
-              <a:buFontTx/>
-              <a:buNone/>
-              <a:tabLst/>
-            </a:pPr>
-            <a:r>
-              <a:rPr kumimoji="0" lang="ru-RU" altLang="uk-UA" b="0" i="0" u="none" strike="noStrike" cap="none" normalizeH="0" baseline="0" dirty="0">
-                <a:ln>
-                  <a:noFill/>
-                </a:ln>
-                <a:effectLst/>
-                <a:latin typeface="Arial" panose="020B0604020202020204" pitchFamily="34" charset="0"/>
-                <a:cs typeface="Arial" panose="020B0604020202020204" pitchFamily="34" charset="0"/>
-              </a:rPr>
-              <a:t>- </a:t>
-            </a:r>
-            <a:r>
-              <a:rPr kumimoji="0" lang="ru-RU" altLang="uk-UA" b="0" i="0" u="none" strike="noStrike" cap="none" normalizeH="0" baseline="0" dirty="0" err="1">
-                <a:ln>
-                  <a:noFill/>
-                </a:ln>
-                <a:effectLst/>
-                <a:latin typeface="Arial" panose="020B0604020202020204" pitchFamily="34" charset="0"/>
-                <a:cs typeface="Arial" panose="020B0604020202020204" pitchFamily="34" charset="0"/>
-              </a:rPr>
-              <a:t>Класи</a:t>
-            </a:r>
-            <a:r>
-              <a:rPr kumimoji="0" lang="ru-RU" altLang="uk-UA" b="0" i="0" u="none" strike="noStrike" cap="none" normalizeH="0" baseline="0" dirty="0">
-                <a:ln>
-                  <a:noFill/>
-                </a:ln>
-                <a:effectLst/>
-                <a:latin typeface="Arial" panose="020B0604020202020204" pitchFamily="34" charset="0"/>
-                <a:cs typeface="Arial" panose="020B0604020202020204" pitchFamily="34" charset="0"/>
-              </a:rPr>
-              <a:t> </a:t>
-            </a:r>
-            <a:r>
-              <a:rPr kumimoji="0" lang="en-US" altLang="uk-UA" b="1" i="0" u="none" strike="noStrike" cap="none" normalizeH="0" baseline="0" dirty="0">
-                <a:ln>
-                  <a:noFill/>
-                </a:ln>
-                <a:effectLst/>
-                <a:latin typeface="Arial" panose="020B0604020202020204" pitchFamily="34" charset="0"/>
-                <a:cs typeface="Arial" panose="020B0604020202020204" pitchFamily="34" charset="0"/>
-              </a:rPr>
-              <a:t>Mammal</a:t>
-            </a:r>
-            <a:r>
-              <a:rPr kumimoji="0" lang="ru-RU" altLang="uk-UA" b="0" i="0" u="none" strike="noStrike" cap="none" normalizeH="0" baseline="0" dirty="0">
-                <a:ln>
-                  <a:noFill/>
-                </a:ln>
-                <a:effectLst/>
-                <a:latin typeface="Arial" panose="020B0604020202020204" pitchFamily="34" charset="0"/>
-                <a:cs typeface="Arial" panose="020B0604020202020204" pitchFamily="34" charset="0"/>
-              </a:rPr>
-              <a:t> і </a:t>
-            </a:r>
-            <a:r>
-              <a:rPr kumimoji="0" lang="en-US" altLang="uk-UA" b="1" i="0" u="none" strike="noStrike" cap="none" normalizeH="0" baseline="0" dirty="0">
-                <a:ln>
-                  <a:noFill/>
-                </a:ln>
-                <a:effectLst/>
-                <a:latin typeface="Arial" panose="020B0604020202020204" pitchFamily="34" charset="0"/>
-                <a:cs typeface="Arial" panose="020B0604020202020204" pitchFamily="34" charset="0"/>
-              </a:rPr>
-              <a:t>Reptile</a:t>
-            </a:r>
-            <a:r>
-              <a:rPr kumimoji="0" lang="ru-RU" altLang="uk-UA" b="0" i="0" u="none" strike="noStrike" cap="none" normalizeH="0" baseline="0" dirty="0">
-                <a:ln>
-                  <a:noFill/>
-                </a:ln>
-                <a:effectLst/>
-                <a:latin typeface="Arial" panose="020B0604020202020204" pitchFamily="34" charset="0"/>
-                <a:cs typeface="Arial" panose="020B0604020202020204" pitchFamily="34" charset="0"/>
-              </a:rPr>
-              <a:t> є </a:t>
-            </a:r>
-            <a:r>
-              <a:rPr kumimoji="0" lang="ru-RU" altLang="uk-UA" b="0" i="0" u="none" strike="noStrike" cap="none" normalizeH="0" baseline="0" dirty="0" err="1">
-                <a:ln>
-                  <a:noFill/>
-                </a:ln>
-                <a:effectLst/>
-                <a:latin typeface="Arial" panose="020B0604020202020204" pitchFamily="34" charset="0"/>
-                <a:cs typeface="Arial" panose="020B0604020202020204" pitchFamily="34" charset="0"/>
-              </a:rPr>
-              <a:t>підкласами</a:t>
-            </a:r>
-            <a:r>
-              <a:rPr kumimoji="0" lang="ru-RU" altLang="uk-UA" b="0" i="0" u="none" strike="noStrike" cap="none" normalizeH="0" baseline="0" dirty="0">
-                <a:ln>
-                  <a:noFill/>
-                </a:ln>
-                <a:effectLst/>
-                <a:latin typeface="Arial" panose="020B0604020202020204" pitchFamily="34" charset="0"/>
-                <a:cs typeface="Arial" panose="020B0604020202020204" pitchFamily="34" charset="0"/>
-              </a:rPr>
-              <a:t>(</a:t>
-            </a:r>
-            <a:r>
-              <a:rPr kumimoji="0" lang="ru-RU" altLang="uk-UA" b="0" i="0" u="none" strike="noStrike" cap="none" normalizeH="0" baseline="0" dirty="0" err="1">
-                <a:ln>
-                  <a:noFill/>
-                </a:ln>
-                <a:effectLst/>
-                <a:latin typeface="Arial" panose="020B0604020202020204" pitchFamily="34" charset="0"/>
-                <a:cs typeface="Arial" panose="020B0604020202020204" pitchFamily="34" charset="0"/>
-              </a:rPr>
-              <a:t>класами</a:t>
-            </a:r>
-            <a:r>
-              <a:rPr kumimoji="0" lang="ru-RU" altLang="uk-UA" b="0" i="0" u="none" strike="noStrike" cap="none" normalizeH="0" baseline="0" dirty="0">
-                <a:ln>
-                  <a:noFill/>
-                </a:ln>
-                <a:effectLst/>
-                <a:latin typeface="Arial" panose="020B0604020202020204" pitchFamily="34" charset="0"/>
-                <a:cs typeface="Arial" panose="020B0604020202020204" pitchFamily="34" charset="0"/>
-              </a:rPr>
-              <a:t> </a:t>
-            </a:r>
-            <a:r>
-              <a:rPr kumimoji="0" lang="ru-RU" altLang="uk-UA" b="0" i="0" u="none" strike="noStrike" cap="none" normalizeH="0" baseline="0" dirty="0" err="1">
-                <a:ln>
-                  <a:noFill/>
-                </a:ln>
-                <a:effectLst/>
-                <a:latin typeface="Arial" panose="020B0604020202020204" pitchFamily="34" charset="0"/>
-                <a:cs typeface="Arial" panose="020B0604020202020204" pitchFamily="34" charset="0"/>
-              </a:rPr>
-              <a:t>наслідниками</a:t>
-            </a:r>
-            <a:r>
-              <a:rPr kumimoji="0" lang="ru-RU" altLang="uk-UA" b="0" i="0" u="none" strike="noStrike" cap="none" normalizeH="0" baseline="0" dirty="0">
-                <a:ln>
-                  <a:noFill/>
-                </a:ln>
-                <a:effectLst/>
-                <a:latin typeface="Arial" panose="020B0604020202020204" pitchFamily="34" charset="0"/>
-                <a:cs typeface="Arial" panose="020B0604020202020204" pitchFamily="34" charset="0"/>
-              </a:rPr>
-              <a:t>) </a:t>
-            </a:r>
-            <a:r>
-              <a:rPr kumimoji="0" lang="ru-RU" altLang="uk-UA" b="0" i="0" u="none" strike="noStrike" cap="none" normalizeH="0" baseline="0" dirty="0" err="1">
-                <a:ln>
-                  <a:noFill/>
-                </a:ln>
-                <a:effectLst/>
-                <a:latin typeface="Arial" panose="020B0604020202020204" pitchFamily="34" charset="0"/>
-                <a:cs typeface="Arial" panose="020B0604020202020204" pitchFamily="34" charset="0"/>
-              </a:rPr>
-              <a:t>класу</a:t>
-            </a:r>
-            <a:r>
-              <a:rPr kumimoji="0" lang="ru-RU" altLang="uk-UA" b="0" i="0" u="none" strike="noStrike" cap="none" normalizeH="0" baseline="0" dirty="0">
-                <a:ln>
-                  <a:noFill/>
-                </a:ln>
-                <a:effectLst/>
-                <a:latin typeface="Arial" panose="020B0604020202020204" pitchFamily="34" charset="0"/>
-                <a:cs typeface="Arial" panose="020B0604020202020204" pitchFamily="34" charset="0"/>
-              </a:rPr>
-              <a:t> </a:t>
-            </a:r>
-            <a:r>
-              <a:rPr kumimoji="0" lang="en-US" altLang="uk-UA" b="1" i="0" u="none" strike="noStrike" cap="none" normalizeH="0" baseline="0" dirty="0">
-                <a:ln>
-                  <a:noFill/>
-                </a:ln>
-                <a:effectLst/>
-                <a:latin typeface="Arial" panose="020B0604020202020204" pitchFamily="34" charset="0"/>
-                <a:cs typeface="Arial" panose="020B0604020202020204" pitchFamily="34" charset="0"/>
-              </a:rPr>
-              <a:t>Animal</a:t>
-            </a:r>
-            <a:r>
-              <a:rPr kumimoji="0" lang="ru-RU" altLang="uk-UA" b="0" i="0" u="none" strike="noStrike" cap="none" normalizeH="0" baseline="0" dirty="0">
-                <a:ln>
-                  <a:noFill/>
-                </a:ln>
-                <a:effectLst/>
-                <a:latin typeface="Arial" panose="020B0604020202020204" pitchFamily="34" charset="0"/>
-                <a:cs typeface="Arial" panose="020B0604020202020204" pitchFamily="34" charset="0"/>
-              </a:rPr>
-              <a:t>.</a:t>
-            </a:r>
-          </a:p>
-          <a:p>
-            <a:pPr marL="0" marR="0" lvl="0" indent="90488" algn="just" defTabSz="914400" rtl="0" eaLnBrk="0" fontAlgn="base" latinLnBrk="0" hangingPunct="0">
-              <a:lnSpc>
-                <a:spcPct val="100000"/>
-              </a:lnSpc>
-              <a:spcBef>
-                <a:spcPct val="0"/>
-              </a:spcBef>
-              <a:spcAft>
-                <a:spcPct val="0"/>
-              </a:spcAft>
-              <a:buClrTx/>
-              <a:buSzTx/>
-              <a:buFontTx/>
-              <a:buNone/>
-              <a:tabLst/>
-            </a:pPr>
-            <a:r>
-              <a:rPr kumimoji="0" lang="ru-RU" altLang="uk-UA" b="0" i="0" u="none" strike="noStrike" cap="none" normalizeH="0" baseline="0" dirty="0">
-                <a:ln>
-                  <a:noFill/>
-                </a:ln>
-                <a:effectLst/>
-                <a:latin typeface="Arial" panose="020B0604020202020204" pitchFamily="34" charset="0"/>
-                <a:cs typeface="Arial" panose="020B0604020202020204" pitchFamily="34" charset="0"/>
-              </a:rPr>
-              <a:t>- </a:t>
-            </a:r>
-            <a:r>
-              <a:rPr kumimoji="0" lang="ru-RU" altLang="uk-UA" b="0" i="0" u="none" strike="noStrike" cap="none" normalizeH="0" baseline="0" dirty="0" err="1">
-                <a:ln>
-                  <a:noFill/>
-                </a:ln>
-                <a:effectLst/>
-                <a:latin typeface="Arial" panose="020B0604020202020204" pitchFamily="34" charset="0"/>
-                <a:cs typeface="Arial" panose="020B0604020202020204" pitchFamily="34" charset="0"/>
-              </a:rPr>
-              <a:t>Клас</a:t>
-            </a:r>
-            <a:r>
-              <a:rPr kumimoji="0" lang="ru-RU" altLang="uk-UA" b="0" i="0" u="none" strike="noStrike" cap="none" normalizeH="0" baseline="0" dirty="0">
-                <a:ln>
-                  <a:noFill/>
-                </a:ln>
-                <a:effectLst/>
-                <a:latin typeface="Arial" panose="020B0604020202020204" pitchFamily="34" charset="0"/>
-                <a:cs typeface="Arial" panose="020B0604020202020204" pitchFamily="34" charset="0"/>
-              </a:rPr>
-              <a:t> </a:t>
-            </a:r>
-            <a:r>
-              <a:rPr kumimoji="0" lang="en-US" altLang="uk-UA" b="1" i="0" u="none" strike="noStrike" cap="none" normalizeH="0" baseline="0" dirty="0">
-                <a:ln>
-                  <a:noFill/>
-                </a:ln>
-                <a:effectLst/>
-                <a:latin typeface="Arial" panose="020B0604020202020204" pitchFamily="34" charset="0"/>
-                <a:cs typeface="Arial" panose="020B0604020202020204" pitchFamily="34" charset="0"/>
-              </a:rPr>
-              <a:t>Dog</a:t>
-            </a:r>
-            <a:r>
-              <a:rPr kumimoji="0" lang="ru-RU" altLang="uk-UA" b="0" i="0" u="none" strike="noStrike" cap="none" normalizeH="0" baseline="0" dirty="0">
-                <a:ln>
-                  <a:noFill/>
-                </a:ln>
-                <a:effectLst/>
-                <a:latin typeface="Arial" panose="020B0604020202020204" pitchFamily="34" charset="0"/>
-                <a:cs typeface="Arial" panose="020B0604020202020204" pitchFamily="34" charset="0"/>
-              </a:rPr>
-              <a:t> є </a:t>
-            </a:r>
-            <a:r>
-              <a:rPr kumimoji="0" lang="ru-RU" altLang="uk-UA" b="0" i="0" u="none" strike="noStrike" cap="none" normalizeH="0" baseline="0" dirty="0" err="1">
-                <a:ln>
-                  <a:noFill/>
-                </a:ln>
-                <a:effectLst/>
-                <a:latin typeface="Arial" panose="020B0604020202020204" pitchFamily="34" charset="0"/>
-                <a:cs typeface="Arial" panose="020B0604020202020204" pitchFamily="34" charset="0"/>
-              </a:rPr>
-              <a:t>підкласом</a:t>
-            </a:r>
-            <a:r>
-              <a:rPr kumimoji="0" lang="ru-RU" altLang="uk-UA" b="0" i="0" u="none" strike="noStrike" cap="none" normalizeH="0" baseline="0" dirty="0">
-                <a:ln>
-                  <a:noFill/>
-                </a:ln>
-                <a:effectLst/>
-                <a:latin typeface="Arial" panose="020B0604020202020204" pitchFamily="34" charset="0"/>
-                <a:cs typeface="Arial" panose="020B0604020202020204" pitchFamily="34" charset="0"/>
-              </a:rPr>
-              <a:t> </a:t>
-            </a:r>
-            <a:r>
-              <a:rPr kumimoji="0" lang="ru-RU" altLang="uk-UA" b="0" i="0" u="none" strike="noStrike" cap="none" normalizeH="0" baseline="0" dirty="0" err="1">
-                <a:ln>
-                  <a:noFill/>
-                </a:ln>
-                <a:effectLst/>
-                <a:latin typeface="Arial" panose="020B0604020202020204" pitchFamily="34" charset="0"/>
-                <a:cs typeface="Arial" panose="020B0604020202020204" pitchFamily="34" charset="0"/>
-              </a:rPr>
-              <a:t>класу</a:t>
-            </a:r>
-            <a:r>
-              <a:rPr kumimoji="0" lang="ru-RU" altLang="uk-UA" b="0" i="0" u="none" strike="noStrike" cap="none" normalizeH="0" baseline="0" dirty="0">
-                <a:ln>
-                  <a:noFill/>
-                </a:ln>
-                <a:effectLst/>
-                <a:latin typeface="Arial" panose="020B0604020202020204" pitchFamily="34" charset="0"/>
-                <a:cs typeface="Arial" panose="020B0604020202020204" pitchFamily="34" charset="0"/>
-              </a:rPr>
-              <a:t> </a:t>
-            </a:r>
-            <a:r>
-              <a:rPr kumimoji="0" lang="en-US" altLang="uk-UA" b="1" i="0" u="none" strike="noStrike" cap="none" normalizeH="0" baseline="0" dirty="0">
-                <a:ln>
-                  <a:noFill/>
-                </a:ln>
-                <a:effectLst/>
-                <a:latin typeface="Arial" panose="020B0604020202020204" pitchFamily="34" charset="0"/>
-                <a:cs typeface="Arial" panose="020B0604020202020204" pitchFamily="34" charset="0"/>
-              </a:rPr>
-              <a:t>Mammal</a:t>
-            </a:r>
-            <a:r>
-              <a:rPr kumimoji="0" lang="ru-RU" altLang="uk-UA" b="0" i="0" u="none" strike="noStrike" cap="none" normalizeH="0" baseline="0" dirty="0">
-                <a:ln>
-                  <a:noFill/>
-                </a:ln>
-                <a:effectLst/>
-                <a:latin typeface="Arial" panose="020B0604020202020204" pitchFamily="34" charset="0"/>
-                <a:cs typeface="Arial" panose="020B0604020202020204" pitchFamily="34" charset="0"/>
-              </a:rPr>
-              <a:t>, а той </a:t>
-            </a:r>
-            <a:r>
-              <a:rPr kumimoji="0" lang="ru-RU" altLang="uk-UA" b="0" i="0" u="none" strike="noStrike" cap="none" normalizeH="0" baseline="0" dirty="0" err="1">
-                <a:ln>
-                  <a:noFill/>
-                </a:ln>
-                <a:effectLst/>
-                <a:latin typeface="Arial" panose="020B0604020202020204" pitchFamily="34" charset="0"/>
-                <a:cs typeface="Arial" panose="020B0604020202020204" pitchFamily="34" charset="0"/>
-              </a:rPr>
-              <a:t>підкласом</a:t>
-            </a:r>
-            <a:r>
-              <a:rPr kumimoji="0" lang="ru-RU" altLang="uk-UA" b="0" i="0" u="none" strike="noStrike" cap="none" normalizeH="0" baseline="0" dirty="0">
-                <a:ln>
-                  <a:noFill/>
-                </a:ln>
-                <a:effectLst/>
-                <a:latin typeface="Arial" panose="020B0604020202020204" pitchFamily="34" charset="0"/>
-                <a:cs typeface="Arial" panose="020B0604020202020204" pitchFamily="34" charset="0"/>
-              </a:rPr>
-              <a:t> </a:t>
-            </a:r>
-            <a:r>
-              <a:rPr kumimoji="0" lang="en-US" altLang="uk-UA" b="1" i="0" u="none" strike="noStrike" cap="none" normalizeH="0" baseline="0" dirty="0">
-                <a:ln>
-                  <a:noFill/>
-                </a:ln>
-                <a:effectLst/>
-                <a:latin typeface="Arial" panose="020B0604020202020204" pitchFamily="34" charset="0"/>
-                <a:cs typeface="Arial" panose="020B0604020202020204" pitchFamily="34" charset="0"/>
-              </a:rPr>
-              <a:t>Animal</a:t>
-            </a:r>
-            <a:r>
-              <a:rPr kumimoji="0" lang="ru-RU" altLang="uk-UA" b="0" i="0" u="none" strike="noStrike" cap="none" normalizeH="0" baseline="0" dirty="0">
-                <a:ln>
-                  <a:noFill/>
-                </a:ln>
-                <a:effectLst/>
-                <a:latin typeface="Arial" panose="020B0604020202020204" pitchFamily="34" charset="0"/>
-                <a:cs typeface="Arial" panose="020B0604020202020204" pitchFamily="34" charset="0"/>
-              </a:rPr>
-              <a:t>.</a:t>
-            </a:r>
-          </a:p>
-          <a:p>
-            <a:pPr marL="0" marR="0" lvl="0" indent="90488" algn="just" defTabSz="914400" rtl="0" eaLnBrk="0" fontAlgn="base" latinLnBrk="0" hangingPunct="0">
-              <a:lnSpc>
-                <a:spcPct val="100000"/>
-              </a:lnSpc>
-              <a:spcBef>
-                <a:spcPct val="0"/>
-              </a:spcBef>
-              <a:spcAft>
-                <a:spcPct val="0"/>
-              </a:spcAft>
-              <a:buClrTx/>
-              <a:buSzTx/>
-              <a:buFontTx/>
-              <a:buNone/>
-              <a:tabLst/>
-            </a:pPr>
-            <a:r>
-              <a:rPr kumimoji="0" lang="ru-RU" altLang="uk-UA" b="0" i="0" u="none" strike="noStrike" cap="none" normalizeH="0" baseline="0" dirty="0" err="1">
-                <a:ln>
-                  <a:noFill/>
-                </a:ln>
-                <a:effectLst/>
-                <a:latin typeface="Arial" panose="020B0604020202020204" pitchFamily="34" charset="0"/>
-                <a:cs typeface="Arial" panose="020B0604020202020204" pitchFamily="34" charset="0"/>
-              </a:rPr>
-              <a:t>Тепер</a:t>
-            </a:r>
-            <a:r>
-              <a:rPr kumimoji="0" lang="ru-RU" altLang="uk-UA" b="0" i="0" u="none" strike="noStrike" cap="none" normalizeH="0" baseline="0" dirty="0">
-                <a:ln>
-                  <a:noFill/>
-                </a:ln>
-                <a:effectLst/>
-                <a:latin typeface="Arial" panose="020B0604020202020204" pitchFamily="34" charset="0"/>
-                <a:cs typeface="Arial" panose="020B0604020202020204" pitchFamily="34" charset="0"/>
-              </a:rPr>
-              <a:t> </a:t>
-            </a:r>
-            <a:r>
-              <a:rPr kumimoji="0" lang="ru-RU" altLang="uk-UA" b="0" i="0" u="none" strike="noStrike" cap="none" normalizeH="0" baseline="0" dirty="0" err="1">
-                <a:ln>
-                  <a:noFill/>
-                </a:ln>
-                <a:effectLst/>
-                <a:latin typeface="Arial" panose="020B0604020202020204" pitchFamily="34" charset="0"/>
-                <a:cs typeface="Arial" panose="020B0604020202020204" pitchFamily="34" charset="0"/>
-              </a:rPr>
-              <a:t>якщо</a:t>
-            </a:r>
-            <a:r>
-              <a:rPr kumimoji="0" lang="ru-RU" altLang="uk-UA" b="0" i="0" u="none" strike="noStrike" cap="none" normalizeH="0" baseline="0" dirty="0">
-                <a:ln>
-                  <a:noFill/>
-                </a:ln>
-                <a:effectLst/>
-                <a:latin typeface="Arial" panose="020B0604020202020204" pitchFamily="34" charset="0"/>
-                <a:cs typeface="Arial" panose="020B0604020202020204" pitchFamily="34" charset="0"/>
-              </a:rPr>
-              <a:t> </a:t>
-            </a:r>
-            <a:r>
-              <a:rPr kumimoji="0" lang="ru-RU" altLang="uk-UA" b="0" i="0" u="none" strike="noStrike" cap="none" normalizeH="0" baseline="0" dirty="0" err="1">
-                <a:ln>
-                  <a:noFill/>
-                </a:ln>
-                <a:effectLst/>
-                <a:latin typeface="Arial" panose="020B0604020202020204" pitchFamily="34" charset="0"/>
-                <a:cs typeface="Arial" panose="020B0604020202020204" pitchFamily="34" charset="0"/>
-              </a:rPr>
-              <a:t>розглядати</a:t>
-            </a:r>
-            <a:r>
-              <a:rPr kumimoji="0" lang="ru-RU" altLang="uk-UA" b="0" i="0" u="none" strike="noStrike" cap="none" normalizeH="0" baseline="0" dirty="0">
-                <a:ln>
-                  <a:noFill/>
-                </a:ln>
-                <a:effectLst/>
-                <a:latin typeface="Arial" panose="020B0604020202020204" pitchFamily="34" charset="0"/>
-                <a:cs typeface="Arial" panose="020B0604020202020204" pitchFamily="34" charset="0"/>
-              </a:rPr>
-              <a:t> </a:t>
-            </a:r>
-            <a:r>
-              <a:rPr kumimoji="0" lang="ru-RU" altLang="uk-UA" b="0" i="0" u="none" strike="noStrike" cap="none" normalizeH="0" baseline="0" dirty="0" err="1">
-                <a:ln>
-                  <a:noFill/>
-                </a:ln>
-                <a:effectLst/>
-                <a:latin typeface="Arial" panose="020B0604020202020204" pitchFamily="34" charset="0"/>
-                <a:cs typeface="Arial" panose="020B0604020202020204" pitchFamily="34" charset="0"/>
-              </a:rPr>
-              <a:t>це</a:t>
-            </a:r>
-            <a:r>
-              <a:rPr kumimoji="0" lang="ru-RU" altLang="uk-UA" b="0" i="0" u="none" strike="noStrike" cap="none" normalizeH="0" baseline="0" dirty="0">
-                <a:ln>
-                  <a:noFill/>
-                </a:ln>
-                <a:effectLst/>
-                <a:latin typeface="Arial" panose="020B0604020202020204" pitchFamily="34" charset="0"/>
-                <a:cs typeface="Arial" panose="020B0604020202020204" pitchFamily="34" charset="0"/>
-              </a:rPr>
-              <a:t> у </a:t>
-            </a:r>
-            <a:r>
-              <a:rPr kumimoji="0" lang="en-US" altLang="uk-UA" b="1" i="0" u="none" strike="noStrike" cap="none" normalizeH="0" baseline="0" dirty="0">
-                <a:ln>
-                  <a:noFill/>
-                </a:ln>
-                <a:effectLst/>
-                <a:latin typeface="Arial" panose="020B0604020202020204" pitchFamily="34" charset="0"/>
-                <a:cs typeface="Arial" panose="020B0604020202020204" pitchFamily="34" charset="0"/>
-              </a:rPr>
-              <a:t>IS</a:t>
-            </a:r>
-            <a:r>
-              <a:rPr kumimoji="0" lang="ru-RU" altLang="uk-UA" b="1" i="0" u="none" strike="noStrike" cap="none" normalizeH="0" baseline="0" dirty="0">
-                <a:ln>
-                  <a:noFill/>
-                </a:ln>
-                <a:effectLst/>
-                <a:latin typeface="Arial" panose="020B0604020202020204" pitchFamily="34" charset="0"/>
-                <a:cs typeface="Arial" panose="020B0604020202020204" pitchFamily="34" charset="0"/>
-              </a:rPr>
-              <a:t>-</a:t>
-            </a:r>
-            <a:r>
-              <a:rPr kumimoji="0" lang="en-US" altLang="uk-UA" b="1" i="0" u="none" strike="noStrike" cap="none" normalizeH="0" baseline="0" dirty="0">
-                <a:ln>
-                  <a:noFill/>
-                </a:ln>
-                <a:effectLst/>
-                <a:latin typeface="Arial" panose="020B0604020202020204" pitchFamily="34" charset="0"/>
-                <a:cs typeface="Arial" panose="020B0604020202020204" pitchFamily="34" charset="0"/>
-              </a:rPr>
-              <a:t>A</a:t>
-            </a:r>
-            <a:r>
-              <a:rPr kumimoji="0" lang="ru-RU" altLang="uk-UA" b="0" i="0" u="none" strike="noStrike" cap="none" normalizeH="0" baseline="0" dirty="0">
-                <a:ln>
-                  <a:noFill/>
-                </a:ln>
-                <a:effectLst/>
-                <a:latin typeface="Arial" panose="020B0604020202020204" pitchFamily="34" charset="0"/>
-                <a:cs typeface="Arial" panose="020B0604020202020204" pitchFamily="34" charset="0"/>
-              </a:rPr>
-              <a:t> </a:t>
-            </a:r>
-            <a:r>
-              <a:rPr kumimoji="0" lang="ru-RU" altLang="uk-UA" b="0" i="0" u="none" strike="noStrike" cap="none" normalizeH="0" baseline="0" dirty="0" err="1">
-                <a:ln>
-                  <a:noFill/>
-                </a:ln>
-                <a:effectLst/>
-                <a:latin typeface="Arial" panose="020B0604020202020204" pitchFamily="34" charset="0"/>
-                <a:cs typeface="Arial" panose="020B0604020202020204" pitchFamily="34" charset="0"/>
-              </a:rPr>
-              <a:t>відношенні</a:t>
-            </a:r>
-            <a:r>
-              <a:rPr kumimoji="0" lang="ru-RU" altLang="uk-UA" b="0" i="0" u="none" strike="noStrike" cap="none" normalizeH="0" baseline="0" dirty="0">
-                <a:ln>
-                  <a:noFill/>
-                </a:ln>
-                <a:effectLst/>
-                <a:latin typeface="Arial" panose="020B0604020202020204" pitchFamily="34" charset="0"/>
-                <a:cs typeface="Arial" panose="020B0604020202020204" pitchFamily="34" charset="0"/>
-              </a:rPr>
-              <a:t>, ми </a:t>
-            </a:r>
-            <a:r>
-              <a:rPr kumimoji="0" lang="ru-RU" altLang="uk-UA" b="0" i="0" u="none" strike="noStrike" cap="none" normalizeH="0" baseline="0" dirty="0" err="1">
-                <a:ln>
-                  <a:noFill/>
-                </a:ln>
-                <a:effectLst/>
-                <a:latin typeface="Arial" panose="020B0604020202020204" pitchFamily="34" charset="0"/>
-                <a:cs typeface="Arial" panose="020B0604020202020204" pitchFamily="34" charset="0"/>
-              </a:rPr>
-              <a:t>можемо</a:t>
-            </a:r>
-            <a:r>
-              <a:rPr kumimoji="0" lang="ru-RU" altLang="uk-UA" b="0" i="0" u="none" strike="noStrike" cap="none" normalizeH="0" baseline="0" dirty="0">
-                <a:ln>
-                  <a:noFill/>
-                </a:ln>
-                <a:effectLst/>
-                <a:latin typeface="Arial" panose="020B0604020202020204" pitchFamily="34" charset="0"/>
-                <a:cs typeface="Arial" panose="020B0604020202020204" pitchFamily="34" charset="0"/>
-              </a:rPr>
-              <a:t> </a:t>
-            </a:r>
-            <a:r>
-              <a:rPr kumimoji="0" lang="ru-RU" altLang="uk-UA" b="0" i="0" u="none" strike="noStrike" cap="none" normalizeH="0" baseline="0" dirty="0" err="1">
-                <a:ln>
-                  <a:noFill/>
-                </a:ln>
-                <a:effectLst/>
-                <a:latin typeface="Arial" panose="020B0604020202020204" pitchFamily="34" charset="0"/>
-                <a:cs typeface="Arial" panose="020B0604020202020204" pitchFamily="34" charset="0"/>
-              </a:rPr>
-              <a:t>сказати</a:t>
-            </a:r>
-            <a:r>
-              <a:rPr kumimoji="0" lang="ru-RU" altLang="uk-UA" b="0" i="0" u="none" strike="noStrike" cap="none" normalizeH="0" baseline="0" dirty="0">
-                <a:ln>
-                  <a:noFill/>
-                </a:ln>
-                <a:effectLst/>
-                <a:latin typeface="Arial" panose="020B0604020202020204" pitchFamily="34" charset="0"/>
-                <a:cs typeface="Arial" panose="020B0604020202020204" pitchFamily="34" charset="0"/>
-              </a:rPr>
-              <a:t>:</a:t>
-            </a:r>
-          </a:p>
-          <a:p>
-            <a:pPr marL="0" marR="0" lvl="0" indent="90488" algn="just" defTabSz="914400" rtl="0" eaLnBrk="0" fontAlgn="base" latinLnBrk="0" hangingPunct="0">
-              <a:lnSpc>
-                <a:spcPct val="100000"/>
-              </a:lnSpc>
-              <a:spcBef>
-                <a:spcPct val="0"/>
-              </a:spcBef>
-              <a:spcAft>
-                <a:spcPct val="0"/>
-              </a:spcAft>
-              <a:buClrTx/>
-              <a:buSzTx/>
-              <a:buFontTx/>
-              <a:buNone/>
-              <a:tabLst/>
-            </a:pPr>
-            <a:r>
-              <a:rPr kumimoji="0" lang="en-US" altLang="uk-UA" b="0" i="0" u="none" strike="noStrike" cap="none" normalizeH="0" baseline="0" dirty="0">
-                <a:ln>
-                  <a:noFill/>
-                </a:ln>
-                <a:effectLst/>
-                <a:latin typeface="Arial" panose="020B0604020202020204" pitchFamily="34" charset="0"/>
-                <a:cs typeface="Arial" panose="020B0604020202020204" pitchFamily="34" charset="0"/>
-              </a:rPr>
-              <a:t>- Mammal </a:t>
-            </a:r>
-            <a:r>
-              <a:rPr kumimoji="0" lang="en-US" altLang="uk-UA" b="1" i="0" u="none" strike="noStrike" cap="none" normalizeH="0" baseline="0" dirty="0">
-                <a:ln>
-                  <a:noFill/>
-                </a:ln>
-                <a:effectLst/>
-                <a:latin typeface="Arial" panose="020B0604020202020204" pitchFamily="34" charset="0"/>
-                <a:cs typeface="Arial" panose="020B0604020202020204" pitchFamily="34" charset="0"/>
-              </a:rPr>
-              <a:t>IS-A</a:t>
-            </a:r>
-            <a:r>
-              <a:rPr kumimoji="0" lang="en-US" altLang="uk-UA" b="0" i="0" u="none" strike="noStrike" cap="none" normalizeH="0" baseline="0" dirty="0">
-                <a:ln>
-                  <a:noFill/>
-                </a:ln>
-                <a:effectLst/>
-                <a:latin typeface="Arial" panose="020B0604020202020204" pitchFamily="34" charset="0"/>
-                <a:cs typeface="Arial" panose="020B0604020202020204" pitchFamily="34" charset="0"/>
-              </a:rPr>
-              <a:t> Animal</a:t>
-            </a:r>
-          </a:p>
-          <a:p>
-            <a:pPr marL="0" marR="0" lvl="0" indent="90488" algn="just" defTabSz="914400" rtl="0" eaLnBrk="0" fontAlgn="base" latinLnBrk="0" hangingPunct="0">
-              <a:lnSpc>
-                <a:spcPct val="100000"/>
-              </a:lnSpc>
-              <a:spcBef>
-                <a:spcPct val="0"/>
-              </a:spcBef>
-              <a:spcAft>
-                <a:spcPct val="0"/>
-              </a:spcAft>
-              <a:buClrTx/>
-              <a:buSzTx/>
-              <a:buFontTx/>
-              <a:buNone/>
-              <a:tabLst/>
-            </a:pPr>
-            <a:r>
-              <a:rPr kumimoji="0" lang="en-US" altLang="uk-UA" b="0" i="0" u="none" strike="noStrike" cap="none" normalizeH="0" baseline="0" dirty="0">
-                <a:ln>
-                  <a:noFill/>
-                </a:ln>
-                <a:effectLst/>
-                <a:latin typeface="Arial" panose="020B0604020202020204" pitchFamily="34" charset="0"/>
-                <a:cs typeface="Arial" panose="020B0604020202020204" pitchFamily="34" charset="0"/>
-              </a:rPr>
-              <a:t>- Reptile </a:t>
-            </a:r>
-            <a:r>
-              <a:rPr kumimoji="0" lang="en-US" altLang="uk-UA" b="1" i="0" u="none" strike="noStrike" cap="none" normalizeH="0" baseline="0" dirty="0">
-                <a:ln>
-                  <a:noFill/>
-                </a:ln>
-                <a:effectLst/>
-                <a:latin typeface="Arial" panose="020B0604020202020204" pitchFamily="34" charset="0"/>
-                <a:cs typeface="Arial" panose="020B0604020202020204" pitchFamily="34" charset="0"/>
-              </a:rPr>
-              <a:t>IS-A</a:t>
-            </a:r>
-            <a:r>
-              <a:rPr kumimoji="0" lang="en-US" altLang="uk-UA" b="0" i="0" u="none" strike="noStrike" cap="none" normalizeH="0" baseline="0" dirty="0">
-                <a:ln>
-                  <a:noFill/>
-                </a:ln>
-                <a:effectLst/>
-                <a:latin typeface="Arial" panose="020B0604020202020204" pitchFamily="34" charset="0"/>
-                <a:cs typeface="Arial" panose="020B0604020202020204" pitchFamily="34" charset="0"/>
-              </a:rPr>
-              <a:t> Animal</a:t>
-            </a:r>
-          </a:p>
-          <a:p>
-            <a:pPr marL="0" marR="0" lvl="0" indent="90488" algn="just" defTabSz="914400" rtl="0" eaLnBrk="0" fontAlgn="base" latinLnBrk="0" hangingPunct="0">
-              <a:lnSpc>
-                <a:spcPct val="100000"/>
-              </a:lnSpc>
-              <a:spcBef>
-                <a:spcPct val="0"/>
-              </a:spcBef>
-              <a:spcAft>
-                <a:spcPct val="0"/>
-              </a:spcAft>
-              <a:buClrTx/>
-              <a:buSzTx/>
-              <a:buFontTx/>
-              <a:buNone/>
-              <a:tabLst/>
-            </a:pPr>
-            <a:r>
-              <a:rPr kumimoji="0" lang="en-US" altLang="uk-UA" b="0" i="0" u="none" strike="noStrike" cap="none" normalizeH="0" baseline="0" dirty="0">
-                <a:ln>
-                  <a:noFill/>
-                </a:ln>
-                <a:effectLst/>
-                <a:latin typeface="Arial" panose="020B0604020202020204" pitchFamily="34" charset="0"/>
-                <a:cs typeface="Arial" panose="020B0604020202020204" pitchFamily="34" charset="0"/>
-              </a:rPr>
-              <a:t>- Dog </a:t>
-            </a:r>
-            <a:r>
-              <a:rPr kumimoji="0" lang="en-US" altLang="uk-UA" b="1" i="0" u="none" strike="noStrike" cap="none" normalizeH="0" baseline="0" dirty="0">
-                <a:ln>
-                  <a:noFill/>
-                </a:ln>
-                <a:effectLst/>
-                <a:latin typeface="Arial" panose="020B0604020202020204" pitchFamily="34" charset="0"/>
-                <a:cs typeface="Arial" panose="020B0604020202020204" pitchFamily="34" charset="0"/>
-              </a:rPr>
-              <a:t>IS-A</a:t>
-            </a:r>
-            <a:r>
-              <a:rPr kumimoji="0" lang="en-US" altLang="uk-UA" b="0" i="0" u="none" strike="noStrike" cap="none" normalizeH="0" baseline="0" dirty="0">
-                <a:ln>
-                  <a:noFill/>
-                </a:ln>
-                <a:effectLst/>
-                <a:latin typeface="Arial" panose="020B0604020202020204" pitchFamily="34" charset="0"/>
-                <a:cs typeface="Arial" panose="020B0604020202020204" pitchFamily="34" charset="0"/>
-              </a:rPr>
-              <a:t> Mammal</a:t>
-            </a:r>
-          </a:p>
-          <a:p>
-            <a:pPr marL="0" marR="0" lvl="0" indent="90488" algn="just" defTabSz="914400" rtl="0" eaLnBrk="0" fontAlgn="base" latinLnBrk="0" hangingPunct="0">
-              <a:lnSpc>
-                <a:spcPct val="100000"/>
-              </a:lnSpc>
-              <a:spcBef>
-                <a:spcPct val="0"/>
-              </a:spcBef>
-              <a:spcAft>
-                <a:spcPct val="0"/>
-              </a:spcAft>
-              <a:buClrTx/>
-              <a:buSzTx/>
-              <a:buFontTx/>
-              <a:buNone/>
-              <a:tabLst/>
-            </a:pPr>
-            <a:r>
-              <a:rPr kumimoji="0" lang="en-US" altLang="uk-UA" b="0" i="0" u="none" strike="noStrike" cap="none" normalizeH="0" baseline="0" dirty="0">
-                <a:ln>
-                  <a:noFill/>
-                </a:ln>
-                <a:effectLst/>
-                <a:latin typeface="Arial" panose="020B0604020202020204" pitchFamily="34" charset="0"/>
-                <a:cs typeface="Arial" panose="020B0604020202020204" pitchFamily="34" charset="0"/>
-              </a:rPr>
-              <a:t>- </a:t>
-            </a:r>
-            <a:r>
-              <a:rPr kumimoji="0" lang="en-US" altLang="uk-UA" b="0" i="0" u="none" strike="noStrike" cap="none" normalizeH="0" baseline="0" dirty="0" err="1">
-                <a:ln>
-                  <a:noFill/>
-                </a:ln>
-                <a:effectLst/>
-                <a:latin typeface="Arial" panose="020B0604020202020204" pitchFamily="34" charset="0"/>
-                <a:cs typeface="Arial" panose="020B0604020202020204" pitchFamily="34" charset="0"/>
-              </a:rPr>
-              <a:t>Отже</a:t>
-            </a:r>
-            <a:r>
-              <a:rPr kumimoji="0" lang="en-US" altLang="uk-UA" b="0" i="0" u="none" strike="noStrike" cap="none" normalizeH="0" baseline="0" dirty="0">
-                <a:ln>
-                  <a:noFill/>
-                </a:ln>
-                <a:effectLst/>
-                <a:latin typeface="Arial" panose="020B0604020202020204" pitchFamily="34" charset="0"/>
-                <a:cs typeface="Arial" panose="020B0604020202020204" pitchFamily="34" charset="0"/>
-              </a:rPr>
-              <a:t> : Dog </a:t>
-            </a:r>
-            <a:r>
-              <a:rPr kumimoji="0" lang="en-US" altLang="uk-UA" b="1" i="0" u="none" strike="noStrike" cap="none" normalizeH="0" baseline="0" dirty="0">
-                <a:ln>
-                  <a:noFill/>
-                </a:ln>
-                <a:effectLst/>
-                <a:latin typeface="Arial" panose="020B0604020202020204" pitchFamily="34" charset="0"/>
-                <a:cs typeface="Arial" panose="020B0604020202020204" pitchFamily="34" charset="0"/>
-              </a:rPr>
-              <a:t>IS-A</a:t>
-            </a:r>
-            <a:r>
-              <a:rPr kumimoji="0" lang="en-US" altLang="uk-UA" b="0" i="0" u="none" strike="noStrike" cap="none" normalizeH="0" baseline="0" dirty="0">
-                <a:ln>
-                  <a:noFill/>
-                </a:ln>
-                <a:effectLst/>
-                <a:latin typeface="Arial" panose="020B0604020202020204" pitchFamily="34" charset="0"/>
-                <a:cs typeface="Arial" panose="020B0604020202020204" pitchFamily="34" charset="0"/>
-              </a:rPr>
-              <a:t> Animal</a:t>
-            </a:r>
-            <a:endParaRPr kumimoji="0" lang="en-US" altLang="uk-UA" b="0" i="0" u="none" strike="noStrike" cap="none" normalizeH="0" baseline="0" dirty="0">
-              <a:ln>
-                <a:noFill/>
-              </a:ln>
-              <a:effectLst/>
-              <a:latin typeface="Arial" panose="020B0604020202020204" pitchFamily="34" charset="0"/>
-            </a:endParaRPr>
-          </a:p>
-        </p:txBody>
-      </p:sp>
-    </p:spTree>
-    <p:extLst>
-      <p:ext uri="{BB962C8B-B14F-4D97-AF65-F5344CB8AC3E}">
-        <p14:creationId xmlns:p14="http://schemas.microsoft.com/office/powerpoint/2010/main" val="3509512851"/>
-      </p:ext>
-    </p:extLst>
-  </p:cSld>
-  <p:clrMapOvr>
-    <a:masterClrMapping/>
-  </p:clrMapOvr>
-</p:sld>
-</file>
-
-<file path=ppt/slides/slide13.xml><?xml version="1.0" encoding="utf-8"?>
-<p:sld xmlns:a="http://schemas.openxmlformats.org/drawingml/2006/main" xmlns:r="http://schemas.openxmlformats.org/officeDocument/2006/relationships" xmlns:p="http://schemas.openxmlformats.org/presentationml/2006/main">
-  <p:cSld>
-    <p:spTree>
-      <p:nvGrpSpPr>
-        <p:cNvPr id="1" name=""/>
-        <p:cNvGrpSpPr/>
-        <p:nvPr/>
-      </p:nvGrpSpPr>
-      <p:grpSpPr>
-        <a:xfrm>
-          <a:off x="0" y="0"/>
-          <a:ext cx="0" cy="0"/>
-          <a:chOff x="0" y="0"/>
-          <a:chExt cx="0" cy="0"/>
-        </a:xfrm>
-      </p:grpSpPr>
-      <p:pic>
-        <p:nvPicPr>
-          <p:cNvPr id="12294" name="Picture 6">
-            <a:hlinkClick r:id="rId2"/>
-            <a:extLst>
-              <a:ext uri="{FF2B5EF4-FFF2-40B4-BE49-F238E27FC236}">
-                <a16:creationId xmlns:a16="http://schemas.microsoft.com/office/drawing/2014/main" id="{D0DD87D8-E1C6-40FE-A4BC-EF89F82FFC0E}"/>
-              </a:ext>
-            </a:extLst>
-          </p:cNvPr>
-          <p:cNvPicPr>
-            <a:picLocks noChangeAspect="1" noChangeArrowheads="1"/>
-          </p:cNvPicPr>
-          <p:nvPr/>
-        </p:nvPicPr>
-        <p:blipFill>
-          <a:blip r:embed="rId3">
-            <a:extLst>
-              <a:ext uri="{28A0092B-C50C-407E-A947-70E740481C1C}">
-                <a14:useLocalDpi xmlns:a14="http://schemas.microsoft.com/office/drawing/2010/main" val="0"/>
-              </a:ext>
-            </a:extLst>
-          </a:blip>
-          <a:srcRect/>
-          <a:stretch>
-            <a:fillRect/>
-          </a:stretch>
-        </p:blipFill>
-        <p:spPr bwMode="auto">
-          <a:xfrm>
-            <a:off x="292231" y="2339394"/>
-            <a:ext cx="6096000" cy="1981200"/>
-          </a:xfrm>
-          <a:prstGeom prst="rect">
-            <a:avLst/>
-          </a:prstGeom>
-          <a:noFill/>
-          <a:extLst>
-            <a:ext uri="{909E8E84-426E-40DD-AFC4-6F175D3DCCD1}">
-              <a14:hiddenFill xmlns:a14="http://schemas.microsoft.com/office/drawing/2010/main">
-                <a:solidFill>
-                  <a:srgbClr val="FFFFFF"/>
-                </a:solidFill>
-              </a14:hiddenFill>
-            </a:ext>
-          </a:extLst>
-        </p:spPr>
-      </p:pic>
-      <p:sp>
-        <p:nvSpPr>
-          <p:cNvPr id="11" name="TextBox 10">
-            <a:extLst>
-              <a:ext uri="{FF2B5EF4-FFF2-40B4-BE49-F238E27FC236}">
-                <a16:creationId xmlns:a16="http://schemas.microsoft.com/office/drawing/2014/main" id="{825693EB-7CE6-4699-A229-C301C21B46E1}"/>
-              </a:ext>
-            </a:extLst>
-          </p:cNvPr>
-          <p:cNvSpPr txBox="1"/>
-          <p:nvPr/>
-        </p:nvSpPr>
-        <p:spPr>
-          <a:xfrm>
-            <a:off x="293803" y="4659991"/>
-            <a:ext cx="3156407" cy="1200329"/>
-          </a:xfrm>
-          <a:prstGeom prst="rect">
-            <a:avLst/>
-          </a:prstGeom>
-          <a:noFill/>
-        </p:spPr>
-        <p:txBody>
-          <a:bodyPr wrap="square">
-            <a:spAutoFit/>
-          </a:bodyPr>
-          <a:lstStyle/>
-          <a:p>
-            <a:pPr lvl="0" algn="just"/>
-            <a:r>
-              <a:rPr lang="en-US" altLang="uk-UA" dirty="0" err="1">
-                <a:latin typeface="Times New Roman" panose="02020603050405020304" pitchFamily="18" charset="0"/>
-                <a:cs typeface="Times New Roman" panose="02020603050405020304" pitchFamily="18" charset="0"/>
-              </a:rPr>
-              <a:t>Результатом</a:t>
-            </a:r>
-            <a:r>
-              <a:rPr lang="en-US" altLang="uk-UA" dirty="0">
-                <a:latin typeface="Times New Roman" panose="02020603050405020304" pitchFamily="18" charset="0"/>
-                <a:cs typeface="Times New Roman" panose="02020603050405020304" pitchFamily="18" charset="0"/>
-              </a:rPr>
-              <a:t> </a:t>
-            </a:r>
-            <a:r>
-              <a:rPr lang="en-US" altLang="uk-UA" dirty="0" err="1">
-                <a:latin typeface="Times New Roman" panose="02020603050405020304" pitchFamily="18" charset="0"/>
-                <a:cs typeface="Times New Roman" panose="02020603050405020304" pitchFamily="18" charset="0"/>
-              </a:rPr>
-              <a:t>цього</a:t>
-            </a:r>
-            <a:r>
-              <a:rPr lang="en-US" altLang="uk-UA" dirty="0">
-                <a:latin typeface="Times New Roman" panose="02020603050405020304" pitchFamily="18" charset="0"/>
-                <a:cs typeface="Times New Roman" panose="02020603050405020304" pitchFamily="18" charset="0"/>
-              </a:rPr>
-              <a:t> </a:t>
-            </a:r>
-            <a:r>
-              <a:rPr lang="en-US" altLang="uk-UA" dirty="0" err="1">
-                <a:latin typeface="Times New Roman" panose="02020603050405020304" pitchFamily="18" charset="0"/>
-                <a:cs typeface="Times New Roman" panose="02020603050405020304" pitchFamily="18" charset="0"/>
-              </a:rPr>
-              <a:t>коду</a:t>
-            </a:r>
-            <a:r>
-              <a:rPr lang="en-US" altLang="uk-UA" dirty="0">
-                <a:latin typeface="Times New Roman" panose="02020603050405020304" pitchFamily="18" charset="0"/>
-                <a:cs typeface="Times New Roman" panose="02020603050405020304" pitchFamily="18" charset="0"/>
-              </a:rPr>
-              <a:t> </a:t>
-            </a:r>
-            <a:r>
-              <a:rPr lang="en-US" altLang="uk-UA" dirty="0" err="1">
-                <a:latin typeface="Times New Roman" panose="02020603050405020304" pitchFamily="18" charset="0"/>
-                <a:cs typeface="Times New Roman" panose="02020603050405020304" pitchFamily="18" charset="0"/>
-              </a:rPr>
-              <a:t>буде</a:t>
-            </a:r>
-            <a:r>
-              <a:rPr lang="en-US" altLang="uk-UA" dirty="0">
-                <a:latin typeface="Times New Roman" panose="02020603050405020304" pitchFamily="18" charset="0"/>
-                <a:cs typeface="Times New Roman" panose="02020603050405020304" pitchFamily="18" charset="0"/>
-              </a:rPr>
-              <a:t>:</a:t>
-            </a:r>
-            <a:endParaRPr lang="en-US" altLang="uk-UA" sz="1050" dirty="0">
-              <a:latin typeface="Times New Roman" panose="02020603050405020304" pitchFamily="18" charset="0"/>
-              <a:cs typeface="Times New Roman" panose="02020603050405020304" pitchFamily="18" charset="0"/>
-            </a:endParaRPr>
-          </a:p>
-          <a:p>
-            <a:pPr lvl="0" algn="just"/>
-            <a:r>
-              <a:rPr lang="en-US" altLang="uk-UA" b="1" dirty="0">
-                <a:latin typeface="Times New Roman" panose="02020603050405020304" pitchFamily="18" charset="0"/>
-                <a:cs typeface="Times New Roman" panose="02020603050405020304" pitchFamily="18" charset="0"/>
-              </a:rPr>
-              <a:t>true</a:t>
-            </a:r>
-            <a:endParaRPr lang="en-US" altLang="uk-UA" sz="1050" dirty="0">
-              <a:latin typeface="Times New Roman" panose="02020603050405020304" pitchFamily="18" charset="0"/>
-              <a:cs typeface="Times New Roman" panose="02020603050405020304" pitchFamily="18" charset="0"/>
-            </a:endParaRPr>
-          </a:p>
-          <a:p>
-            <a:pPr lvl="0" algn="just"/>
-            <a:r>
-              <a:rPr lang="en-US" altLang="uk-UA" b="1" dirty="0">
-                <a:latin typeface="Times New Roman" panose="02020603050405020304" pitchFamily="18" charset="0"/>
-                <a:cs typeface="Times New Roman" panose="02020603050405020304" pitchFamily="18" charset="0"/>
-              </a:rPr>
-              <a:t>true</a:t>
-            </a:r>
-            <a:endParaRPr lang="en-US" altLang="uk-UA" sz="1050" dirty="0">
-              <a:latin typeface="Times New Roman" panose="02020603050405020304" pitchFamily="18" charset="0"/>
-              <a:cs typeface="Times New Roman" panose="02020603050405020304" pitchFamily="18" charset="0"/>
-            </a:endParaRPr>
-          </a:p>
-          <a:p>
-            <a:pPr lvl="0" algn="just"/>
-            <a:r>
-              <a:rPr lang="en-US" altLang="uk-UA" b="1" dirty="0">
-                <a:latin typeface="Times New Roman" panose="02020603050405020304" pitchFamily="18" charset="0"/>
-                <a:cs typeface="Times New Roman" panose="02020603050405020304" pitchFamily="18" charset="0"/>
-              </a:rPr>
-              <a:t>true</a:t>
-            </a:r>
-            <a:endParaRPr lang="en-US" altLang="uk-UA" sz="1050" dirty="0">
-              <a:latin typeface="Times New Roman" panose="02020603050405020304" pitchFamily="18" charset="0"/>
-              <a:cs typeface="Times New Roman" panose="02020603050405020304" pitchFamily="18" charset="0"/>
-            </a:endParaRPr>
-          </a:p>
-        </p:txBody>
-      </p:sp>
-      <p:sp>
-        <p:nvSpPr>
-          <p:cNvPr id="13" name="TextBox 12">
-            <a:extLst>
-              <a:ext uri="{FF2B5EF4-FFF2-40B4-BE49-F238E27FC236}">
-                <a16:creationId xmlns:a16="http://schemas.microsoft.com/office/drawing/2014/main" id="{124BAB2C-7EAF-436E-A94B-57436AAEBF8E}"/>
-              </a:ext>
-            </a:extLst>
-          </p:cNvPr>
-          <p:cNvSpPr txBox="1"/>
-          <p:nvPr/>
-        </p:nvSpPr>
-        <p:spPr>
-          <a:xfrm>
-            <a:off x="292231" y="810705"/>
-            <a:ext cx="11802359" cy="1200329"/>
-          </a:xfrm>
-          <a:prstGeom prst="rect">
-            <a:avLst/>
-          </a:prstGeom>
-          <a:noFill/>
-        </p:spPr>
-        <p:txBody>
-          <a:bodyPr wrap="square">
-            <a:spAutoFit/>
-          </a:bodyPr>
-          <a:lstStyle/>
-          <a:p>
-            <a:pPr marL="0" marR="0" lvl="0" indent="90488" algn="just" defTabSz="914400" rtl="0" eaLnBrk="0" fontAlgn="base" latinLnBrk="0" hangingPunct="0">
-              <a:lnSpc>
-                <a:spcPct val="100000"/>
-              </a:lnSpc>
-              <a:spcBef>
-                <a:spcPct val="0"/>
-              </a:spcBef>
-              <a:spcAft>
-                <a:spcPct val="0"/>
-              </a:spcAft>
-              <a:buClrTx/>
-              <a:buSzTx/>
-              <a:buFontTx/>
-              <a:buNone/>
-              <a:tabLst/>
-            </a:pPr>
-            <a:r>
-              <a:rPr kumimoji="0" lang="en-US" altLang="uk-UA" b="0" i="0" u="none" strike="noStrike" cap="none" normalizeH="0" baseline="0" dirty="0" err="1">
-                <a:ln>
-                  <a:noFill/>
-                </a:ln>
-                <a:solidFill>
-                  <a:schemeClr val="tx1"/>
-                </a:solidFill>
-                <a:effectLst/>
-                <a:latin typeface="Times New Roman" panose="02020603050405020304" pitchFamily="18" charset="0"/>
-                <a:cs typeface="Times New Roman" panose="02020603050405020304" pitchFamily="18" charset="0"/>
-              </a:rPr>
-              <a:t>Використовуючи</a:t>
-            </a:r>
-            <a:r>
-              <a:rPr kumimoji="0" lang="en-US" altLang="uk-UA" b="0" i="0" u="none" strike="noStrike" cap="none" normalizeH="0" baseline="0" dirty="0">
-                <a:ln>
-                  <a:noFill/>
-                </a:ln>
-                <a:solidFill>
-                  <a:schemeClr val="tx1"/>
-                </a:solidFill>
-                <a:effectLst/>
-                <a:latin typeface="Times New Roman" panose="02020603050405020304" pitchFamily="18" charset="0"/>
-                <a:cs typeface="Times New Roman" panose="02020603050405020304" pitchFamily="18" charset="0"/>
-              </a:rPr>
-              <a:t> </a:t>
-            </a:r>
-            <a:r>
-              <a:rPr kumimoji="0" lang="en-US" altLang="uk-UA" b="0" i="0" u="none" strike="noStrike" cap="none" normalizeH="0" baseline="0" dirty="0" err="1">
-                <a:ln>
-                  <a:noFill/>
-                </a:ln>
-                <a:solidFill>
-                  <a:schemeClr val="tx1"/>
-                </a:solidFill>
-                <a:effectLst/>
-                <a:latin typeface="Times New Roman" panose="02020603050405020304" pitchFamily="18" charset="0"/>
-                <a:cs typeface="Times New Roman" panose="02020603050405020304" pitchFamily="18" charset="0"/>
-              </a:rPr>
-              <a:t>ключове</a:t>
-            </a:r>
-            <a:r>
-              <a:rPr kumimoji="0" lang="en-US" altLang="uk-UA" b="0" i="0" u="none" strike="noStrike" cap="none" normalizeH="0" baseline="0" dirty="0">
-                <a:ln>
-                  <a:noFill/>
-                </a:ln>
-                <a:solidFill>
-                  <a:schemeClr val="tx1"/>
-                </a:solidFill>
-                <a:effectLst/>
-                <a:latin typeface="Times New Roman" panose="02020603050405020304" pitchFamily="18" charset="0"/>
-                <a:cs typeface="Times New Roman" panose="02020603050405020304" pitchFamily="18" charset="0"/>
-              </a:rPr>
-              <a:t> </a:t>
-            </a:r>
-            <a:r>
-              <a:rPr kumimoji="0" lang="en-US" altLang="uk-UA" b="0" i="0" u="none" strike="noStrike" cap="none" normalizeH="0" baseline="0" dirty="0" err="1">
-                <a:ln>
-                  <a:noFill/>
-                </a:ln>
-                <a:solidFill>
-                  <a:schemeClr val="tx1"/>
-                </a:solidFill>
-                <a:effectLst/>
-                <a:latin typeface="Times New Roman" panose="02020603050405020304" pitchFamily="18" charset="0"/>
-                <a:cs typeface="Times New Roman" panose="02020603050405020304" pitchFamily="18" charset="0"/>
-              </a:rPr>
-              <a:t>слово</a:t>
-            </a:r>
-            <a:r>
-              <a:rPr kumimoji="0" lang="en-US" altLang="uk-UA" b="0" i="0" u="none" strike="noStrike" cap="none" normalizeH="0" baseline="0" dirty="0">
-                <a:ln>
-                  <a:noFill/>
-                </a:ln>
-                <a:solidFill>
-                  <a:schemeClr val="tx1"/>
-                </a:solidFill>
-                <a:effectLst/>
-                <a:latin typeface="Times New Roman" panose="02020603050405020304" pitchFamily="18" charset="0"/>
-                <a:cs typeface="Times New Roman" panose="02020603050405020304" pitchFamily="18" charset="0"/>
-              </a:rPr>
-              <a:t> </a:t>
-            </a:r>
-            <a:r>
-              <a:rPr kumimoji="0" lang="en-US" altLang="uk-UA" b="1" i="0" u="none" strike="noStrike" cap="none" normalizeH="0" baseline="0" dirty="0">
-                <a:ln>
-                  <a:noFill/>
-                </a:ln>
-                <a:solidFill>
-                  <a:schemeClr val="tx1"/>
-                </a:solidFill>
-                <a:effectLst/>
-                <a:latin typeface="Times New Roman" panose="02020603050405020304" pitchFamily="18" charset="0"/>
-                <a:cs typeface="Times New Roman" panose="02020603050405020304" pitchFamily="18" charset="0"/>
-              </a:rPr>
-              <a:t>extends</a:t>
-            </a:r>
-            <a:r>
-              <a:rPr kumimoji="0" lang="en-US" altLang="uk-UA" b="0" i="0" u="none" strike="noStrike" cap="none" normalizeH="0" baseline="0" dirty="0">
-                <a:ln>
-                  <a:noFill/>
-                </a:ln>
-                <a:solidFill>
-                  <a:schemeClr val="tx1"/>
-                </a:solidFill>
-                <a:effectLst/>
-                <a:latin typeface="Times New Roman" panose="02020603050405020304" pitchFamily="18" charset="0"/>
-                <a:cs typeface="Times New Roman" panose="02020603050405020304" pitchFamily="18" charset="0"/>
-              </a:rPr>
-              <a:t>, </a:t>
-            </a:r>
-            <a:r>
-              <a:rPr kumimoji="0" lang="en-US" altLang="uk-UA" b="0" i="0" u="none" strike="noStrike" cap="none" normalizeH="0" baseline="0" dirty="0" err="1">
-                <a:ln>
-                  <a:noFill/>
-                </a:ln>
-                <a:solidFill>
-                  <a:schemeClr val="tx1"/>
-                </a:solidFill>
-                <a:effectLst/>
-                <a:latin typeface="Times New Roman" panose="02020603050405020304" pitchFamily="18" charset="0"/>
-                <a:cs typeface="Times New Roman" panose="02020603050405020304" pitchFamily="18" charset="0"/>
-              </a:rPr>
-              <a:t>підкласи</a:t>
-            </a:r>
-            <a:r>
-              <a:rPr kumimoji="0" lang="en-US" altLang="uk-UA" b="0" i="0" u="none" strike="noStrike" cap="none" normalizeH="0" baseline="0" dirty="0">
-                <a:ln>
-                  <a:noFill/>
-                </a:ln>
-                <a:solidFill>
-                  <a:schemeClr val="tx1"/>
-                </a:solidFill>
-                <a:effectLst/>
-                <a:latin typeface="Times New Roman" panose="02020603050405020304" pitchFamily="18" charset="0"/>
-                <a:cs typeface="Times New Roman" panose="02020603050405020304" pitchFamily="18" charset="0"/>
-              </a:rPr>
-              <a:t> </a:t>
-            </a:r>
-            <a:r>
-              <a:rPr kumimoji="0" lang="en-US" altLang="uk-UA" b="0" i="0" u="none" strike="noStrike" cap="none" normalizeH="0" baseline="0" dirty="0" err="1">
-                <a:ln>
-                  <a:noFill/>
-                </a:ln>
-                <a:solidFill>
-                  <a:schemeClr val="tx1"/>
-                </a:solidFill>
-                <a:effectLst/>
-                <a:latin typeface="Times New Roman" panose="02020603050405020304" pitchFamily="18" charset="0"/>
-                <a:cs typeface="Times New Roman" panose="02020603050405020304" pitchFamily="18" charset="0"/>
-              </a:rPr>
-              <a:t>можуть</a:t>
-            </a:r>
-            <a:r>
-              <a:rPr kumimoji="0" lang="en-US" altLang="uk-UA" b="0" i="0" u="none" strike="noStrike" cap="none" normalizeH="0" baseline="0" dirty="0">
-                <a:ln>
-                  <a:noFill/>
-                </a:ln>
-                <a:solidFill>
-                  <a:schemeClr val="tx1"/>
-                </a:solidFill>
-                <a:effectLst/>
-                <a:latin typeface="Times New Roman" panose="02020603050405020304" pitchFamily="18" charset="0"/>
-                <a:cs typeface="Times New Roman" panose="02020603050405020304" pitchFamily="18" charset="0"/>
-              </a:rPr>
-              <a:t> </a:t>
-            </a:r>
-            <a:r>
-              <a:rPr kumimoji="0" lang="en-US" altLang="uk-UA" b="0" i="0" u="none" strike="noStrike" cap="none" normalizeH="0" baseline="0" dirty="0" err="1">
-                <a:ln>
-                  <a:noFill/>
-                </a:ln>
-                <a:solidFill>
-                  <a:schemeClr val="tx1"/>
-                </a:solidFill>
-                <a:effectLst/>
-                <a:latin typeface="Times New Roman" panose="02020603050405020304" pitchFamily="18" charset="0"/>
-                <a:cs typeface="Times New Roman" panose="02020603050405020304" pitchFamily="18" charset="0"/>
-              </a:rPr>
-              <a:t>успадковувати</a:t>
-            </a:r>
-            <a:r>
-              <a:rPr kumimoji="0" lang="en-US" altLang="uk-UA" b="0" i="0" u="none" strike="noStrike" cap="none" normalizeH="0" baseline="0" dirty="0">
-                <a:ln>
-                  <a:noFill/>
-                </a:ln>
-                <a:solidFill>
-                  <a:schemeClr val="tx1"/>
-                </a:solidFill>
-                <a:effectLst/>
-                <a:latin typeface="Times New Roman" panose="02020603050405020304" pitchFamily="18" charset="0"/>
-                <a:cs typeface="Times New Roman" panose="02020603050405020304" pitchFamily="18" charset="0"/>
-              </a:rPr>
-              <a:t> </a:t>
-            </a:r>
-            <a:r>
-              <a:rPr kumimoji="0" lang="en-US" altLang="uk-UA" b="0" i="0" u="none" strike="noStrike" cap="none" normalizeH="0" baseline="0" dirty="0" err="1">
-                <a:ln>
-                  <a:noFill/>
-                </a:ln>
-                <a:solidFill>
-                  <a:schemeClr val="tx1"/>
-                </a:solidFill>
-                <a:effectLst/>
-                <a:latin typeface="Times New Roman" panose="02020603050405020304" pitchFamily="18" charset="0"/>
-                <a:cs typeface="Times New Roman" panose="02020603050405020304" pitchFamily="18" charset="0"/>
-              </a:rPr>
-              <a:t>всі</a:t>
-            </a:r>
-            <a:r>
-              <a:rPr kumimoji="0" lang="en-US" altLang="uk-UA" b="0" i="0" u="none" strike="noStrike" cap="none" normalizeH="0" baseline="0" dirty="0">
-                <a:ln>
-                  <a:noFill/>
-                </a:ln>
-                <a:solidFill>
-                  <a:schemeClr val="tx1"/>
-                </a:solidFill>
-                <a:effectLst/>
-                <a:latin typeface="Times New Roman" panose="02020603050405020304" pitchFamily="18" charset="0"/>
-                <a:cs typeface="Times New Roman" panose="02020603050405020304" pitchFamily="18" charset="0"/>
-              </a:rPr>
-              <a:t> </a:t>
-            </a:r>
-            <a:r>
-              <a:rPr kumimoji="0" lang="en-US" altLang="uk-UA" b="0" i="0" u="none" strike="noStrike" cap="none" normalizeH="0" baseline="0" dirty="0" err="1">
-                <a:ln>
-                  <a:noFill/>
-                </a:ln>
-                <a:solidFill>
-                  <a:schemeClr val="tx1"/>
-                </a:solidFill>
-                <a:effectLst/>
-                <a:latin typeface="Times New Roman" panose="02020603050405020304" pitchFamily="18" charset="0"/>
-                <a:cs typeface="Times New Roman" panose="02020603050405020304" pitchFamily="18" charset="0"/>
-              </a:rPr>
-              <a:t>властивості</a:t>
-            </a:r>
-            <a:r>
-              <a:rPr kumimoji="0" lang="en-US" altLang="uk-UA" b="0" i="0" u="none" strike="noStrike" cap="none" normalizeH="0" baseline="0" dirty="0">
-                <a:ln>
-                  <a:noFill/>
-                </a:ln>
-                <a:solidFill>
-                  <a:schemeClr val="tx1"/>
-                </a:solidFill>
-                <a:effectLst/>
-                <a:latin typeface="Times New Roman" panose="02020603050405020304" pitchFamily="18" charset="0"/>
-                <a:cs typeface="Times New Roman" panose="02020603050405020304" pitchFamily="18" charset="0"/>
-              </a:rPr>
-              <a:t> </a:t>
-            </a:r>
-            <a:r>
-              <a:rPr kumimoji="0" lang="en-US" altLang="uk-UA" b="0" i="0" u="none" strike="noStrike" cap="none" normalizeH="0" baseline="0" dirty="0" err="1">
-                <a:ln>
-                  <a:noFill/>
-                </a:ln>
-                <a:solidFill>
-                  <a:schemeClr val="tx1"/>
-                </a:solidFill>
-                <a:effectLst/>
-                <a:latin typeface="Times New Roman" panose="02020603050405020304" pitchFamily="18" charset="0"/>
-                <a:cs typeface="Times New Roman" panose="02020603050405020304" pitchFamily="18" charset="0"/>
-              </a:rPr>
-              <a:t>суперкласу</a:t>
-            </a:r>
-            <a:r>
-              <a:rPr kumimoji="0" lang="en-US" altLang="uk-UA" b="0" i="0" u="none" strike="noStrike" cap="none" normalizeH="0" baseline="0" dirty="0">
-                <a:ln>
-                  <a:noFill/>
-                </a:ln>
-                <a:solidFill>
-                  <a:schemeClr val="tx1"/>
-                </a:solidFill>
-                <a:effectLst/>
-                <a:latin typeface="Times New Roman" panose="02020603050405020304" pitchFamily="18" charset="0"/>
-                <a:cs typeface="Times New Roman" panose="02020603050405020304" pitchFamily="18" charset="0"/>
-              </a:rPr>
-              <a:t> </a:t>
-            </a:r>
-            <a:r>
-              <a:rPr kumimoji="0" lang="en-US" altLang="uk-UA" b="0" i="0" u="none" strike="noStrike" cap="none" normalizeH="0" baseline="0" dirty="0" err="1">
-                <a:ln>
-                  <a:noFill/>
-                </a:ln>
-                <a:solidFill>
-                  <a:schemeClr val="tx1"/>
-                </a:solidFill>
-                <a:effectLst/>
-                <a:latin typeface="Times New Roman" panose="02020603050405020304" pitchFamily="18" charset="0"/>
-                <a:cs typeface="Times New Roman" panose="02020603050405020304" pitchFamily="18" charset="0"/>
-              </a:rPr>
-              <a:t>крім</a:t>
-            </a:r>
-            <a:r>
-              <a:rPr kumimoji="0" lang="en-US" altLang="uk-UA" b="0" i="0" u="none" strike="noStrike" cap="none" normalizeH="0" baseline="0" dirty="0">
-                <a:ln>
-                  <a:noFill/>
-                </a:ln>
-                <a:solidFill>
-                  <a:schemeClr val="tx1"/>
-                </a:solidFill>
-                <a:effectLst/>
-                <a:latin typeface="Times New Roman" panose="02020603050405020304" pitchFamily="18" charset="0"/>
-                <a:cs typeface="Times New Roman" panose="02020603050405020304" pitchFamily="18" charset="0"/>
-              </a:rPr>
-              <a:t> </a:t>
-            </a:r>
-            <a:r>
-              <a:rPr kumimoji="0" lang="en-US" altLang="uk-UA" b="0" i="0" u="none" strike="noStrike" cap="none" normalizeH="0" baseline="0" dirty="0" err="1">
-                <a:ln>
-                  <a:noFill/>
-                </a:ln>
-                <a:solidFill>
-                  <a:schemeClr val="tx1"/>
-                </a:solidFill>
-                <a:effectLst/>
-                <a:latin typeface="Times New Roman" panose="02020603050405020304" pitchFamily="18" charset="0"/>
-                <a:cs typeface="Times New Roman" panose="02020603050405020304" pitchFamily="18" charset="0"/>
-              </a:rPr>
-              <a:t>приватних</a:t>
-            </a:r>
-            <a:r>
-              <a:rPr kumimoji="0" lang="en-US" altLang="uk-UA" b="0" i="0" u="none" strike="noStrike" cap="none" normalizeH="0" baseline="0" dirty="0">
-                <a:ln>
-                  <a:noFill/>
-                </a:ln>
-                <a:solidFill>
-                  <a:schemeClr val="tx1"/>
-                </a:solidFill>
-                <a:effectLst/>
-                <a:latin typeface="Times New Roman" panose="02020603050405020304" pitchFamily="18" charset="0"/>
-                <a:cs typeface="Times New Roman" panose="02020603050405020304" pitchFamily="18" charset="0"/>
-              </a:rPr>
-              <a:t> </a:t>
-            </a:r>
-            <a:r>
-              <a:rPr kumimoji="0" lang="en-US" altLang="uk-UA" b="0" i="0" u="none" strike="noStrike" cap="none" normalizeH="0" baseline="0" dirty="0" err="1">
-                <a:ln>
-                  <a:noFill/>
-                </a:ln>
-                <a:solidFill>
-                  <a:schemeClr val="tx1"/>
-                </a:solidFill>
-                <a:effectLst/>
-                <a:latin typeface="Times New Roman" panose="02020603050405020304" pitchFamily="18" charset="0"/>
-                <a:cs typeface="Times New Roman" panose="02020603050405020304" pitchFamily="18" charset="0"/>
-              </a:rPr>
-              <a:t>властивостей</a:t>
-            </a:r>
-            <a:r>
-              <a:rPr kumimoji="0" lang="en-US" altLang="uk-UA" b="0" i="0" u="none" strike="noStrike" cap="none" normalizeH="0" baseline="0" dirty="0">
-                <a:ln>
-                  <a:noFill/>
-                </a:ln>
-                <a:solidFill>
-                  <a:schemeClr val="tx1"/>
-                </a:solidFill>
-                <a:effectLst/>
-                <a:latin typeface="Times New Roman" panose="02020603050405020304" pitchFamily="18" charset="0"/>
-                <a:cs typeface="Times New Roman" panose="02020603050405020304" pitchFamily="18" charset="0"/>
-              </a:rPr>
-              <a:t>.</a:t>
-            </a:r>
-          </a:p>
-          <a:p>
-            <a:pPr marL="0" marR="0" lvl="0" indent="90488" algn="just" defTabSz="914400" rtl="0" eaLnBrk="0" fontAlgn="base" latinLnBrk="0" hangingPunct="0">
-              <a:lnSpc>
-                <a:spcPct val="100000"/>
-              </a:lnSpc>
-              <a:spcBef>
-                <a:spcPct val="0"/>
-              </a:spcBef>
-              <a:spcAft>
-                <a:spcPct val="0"/>
-              </a:spcAft>
-              <a:buClrTx/>
-              <a:buSzTx/>
-              <a:buFontTx/>
-              <a:buNone/>
-              <a:tabLst/>
-            </a:pPr>
-            <a:r>
-              <a:rPr kumimoji="0" lang="ru-RU" altLang="uk-UA" b="0" i="0" u="none" strike="noStrike" cap="none" normalizeH="0" baseline="0" dirty="0">
-                <a:ln>
-                  <a:noFill/>
-                </a:ln>
-                <a:solidFill>
-                  <a:schemeClr val="tx1"/>
-                </a:solidFill>
-                <a:effectLst/>
-                <a:latin typeface="Times New Roman" panose="02020603050405020304" pitchFamily="18" charset="0"/>
-                <a:cs typeface="Times New Roman" panose="02020603050405020304" pitchFamily="18" charset="0"/>
-              </a:rPr>
-              <a:t>Ми </a:t>
-            </a:r>
-            <a:r>
-              <a:rPr kumimoji="0" lang="ru-RU" altLang="uk-UA" b="0" i="0" u="none" strike="noStrike" cap="none" normalizeH="0" baseline="0" dirty="0" err="1">
-                <a:ln>
-                  <a:noFill/>
-                </a:ln>
-                <a:solidFill>
-                  <a:schemeClr val="tx1"/>
-                </a:solidFill>
-                <a:effectLst/>
-                <a:latin typeface="Times New Roman" panose="02020603050405020304" pitchFamily="18" charset="0"/>
-                <a:cs typeface="Times New Roman" panose="02020603050405020304" pitchFamily="18" charset="0"/>
-              </a:rPr>
-              <a:t>можемо</a:t>
-            </a:r>
-            <a:r>
-              <a:rPr kumimoji="0" lang="ru-RU" altLang="uk-UA" b="0" i="0" u="none" strike="noStrike" cap="none" normalizeH="0" baseline="0" dirty="0">
-                <a:ln>
-                  <a:noFill/>
-                </a:ln>
-                <a:solidFill>
-                  <a:schemeClr val="tx1"/>
-                </a:solidFill>
-                <a:effectLst/>
-                <a:latin typeface="Times New Roman" panose="02020603050405020304" pitchFamily="18" charset="0"/>
-                <a:cs typeface="Times New Roman" panose="02020603050405020304" pitchFamily="18" charset="0"/>
-              </a:rPr>
-              <a:t> </a:t>
-            </a:r>
-            <a:r>
-              <a:rPr kumimoji="0" lang="ru-RU" altLang="uk-UA" b="0" i="0" u="none" strike="noStrike" cap="none" normalizeH="0" baseline="0" dirty="0" err="1">
-                <a:ln>
-                  <a:noFill/>
-                </a:ln>
-                <a:solidFill>
-                  <a:schemeClr val="tx1"/>
-                </a:solidFill>
-                <a:effectLst/>
-                <a:latin typeface="Times New Roman" panose="02020603050405020304" pitchFamily="18" charset="0"/>
-                <a:cs typeface="Times New Roman" panose="02020603050405020304" pitchFamily="18" charset="0"/>
-              </a:rPr>
-              <a:t>гарантувати</a:t>
-            </a:r>
-            <a:r>
-              <a:rPr kumimoji="0" lang="ru-RU" altLang="uk-UA" b="0" i="0" u="none" strike="noStrike" cap="none" normalizeH="0" baseline="0" dirty="0">
-                <a:ln>
-                  <a:noFill/>
-                </a:ln>
-                <a:solidFill>
-                  <a:schemeClr val="tx1"/>
-                </a:solidFill>
-                <a:effectLst/>
-                <a:latin typeface="Times New Roman" panose="02020603050405020304" pitchFamily="18" charset="0"/>
-                <a:cs typeface="Times New Roman" panose="02020603050405020304" pitchFamily="18" charset="0"/>
-              </a:rPr>
-              <a:t>, </a:t>
-            </a:r>
-            <a:r>
-              <a:rPr kumimoji="0" lang="ru-RU" altLang="uk-UA" b="0" i="0" u="none" strike="noStrike" cap="none" normalizeH="0" baseline="0" dirty="0" err="1">
-                <a:ln>
-                  <a:noFill/>
-                </a:ln>
-                <a:solidFill>
-                  <a:schemeClr val="tx1"/>
-                </a:solidFill>
-                <a:effectLst/>
-                <a:latin typeface="Times New Roman" panose="02020603050405020304" pitchFamily="18" charset="0"/>
-                <a:cs typeface="Times New Roman" panose="02020603050405020304" pitchFamily="18" charset="0"/>
-              </a:rPr>
-              <a:t>що</a:t>
-            </a:r>
-            <a:r>
-              <a:rPr kumimoji="0" lang="ru-RU" altLang="uk-UA" b="0" i="0" u="none" strike="noStrike" cap="none" normalizeH="0" baseline="0" dirty="0">
-                <a:ln>
-                  <a:noFill/>
-                </a:ln>
-                <a:solidFill>
-                  <a:schemeClr val="tx1"/>
-                </a:solidFill>
-                <a:effectLst/>
-                <a:latin typeface="Times New Roman" panose="02020603050405020304" pitchFamily="18" charset="0"/>
-                <a:cs typeface="Times New Roman" panose="02020603050405020304" pitchFamily="18" charset="0"/>
-              </a:rPr>
-              <a:t> </a:t>
-            </a:r>
-            <a:r>
-              <a:rPr kumimoji="0" lang="en-US" altLang="uk-UA" b="1" i="0" u="none" strike="noStrike" cap="none" normalizeH="0" baseline="0" dirty="0">
-                <a:ln>
-                  <a:noFill/>
-                </a:ln>
-                <a:solidFill>
-                  <a:schemeClr val="tx1"/>
-                </a:solidFill>
-                <a:effectLst/>
-                <a:latin typeface="Times New Roman" panose="02020603050405020304" pitchFamily="18" charset="0"/>
-                <a:cs typeface="Times New Roman" panose="02020603050405020304" pitchFamily="18" charset="0"/>
-              </a:rPr>
-              <a:t>Mammal</a:t>
-            </a:r>
-            <a:r>
-              <a:rPr kumimoji="0" lang="ru-RU" altLang="uk-UA" b="0" i="0" u="none" strike="noStrike" cap="none" normalizeH="0" baseline="0" dirty="0">
-                <a:ln>
-                  <a:noFill/>
-                </a:ln>
-                <a:solidFill>
-                  <a:schemeClr val="tx1"/>
-                </a:solidFill>
-                <a:effectLst/>
-                <a:latin typeface="Times New Roman" panose="02020603050405020304" pitchFamily="18" charset="0"/>
-                <a:cs typeface="Times New Roman" panose="02020603050405020304" pitchFamily="18" charset="0"/>
-              </a:rPr>
-              <a:t> </a:t>
-            </a:r>
-            <a:r>
-              <a:rPr kumimoji="0" lang="ru-RU" altLang="uk-UA" b="0" i="0" u="none" strike="noStrike" cap="none" normalizeH="0" baseline="0" dirty="0" err="1">
-                <a:ln>
-                  <a:noFill/>
-                </a:ln>
-                <a:solidFill>
-                  <a:schemeClr val="tx1"/>
-                </a:solidFill>
-                <a:effectLst/>
-                <a:latin typeface="Times New Roman" panose="02020603050405020304" pitchFamily="18" charset="0"/>
-                <a:cs typeface="Times New Roman" panose="02020603050405020304" pitchFamily="18" charset="0"/>
-              </a:rPr>
-              <a:t>насправді</a:t>
-            </a:r>
-            <a:r>
-              <a:rPr kumimoji="0" lang="ru-RU" altLang="uk-UA" b="0" i="0" u="none" strike="noStrike" cap="none" normalizeH="0" baseline="0" dirty="0">
-                <a:ln>
-                  <a:noFill/>
-                </a:ln>
-                <a:solidFill>
-                  <a:schemeClr val="tx1"/>
-                </a:solidFill>
-                <a:effectLst/>
-                <a:latin typeface="Times New Roman" panose="02020603050405020304" pitchFamily="18" charset="0"/>
-                <a:cs typeface="Times New Roman" panose="02020603050405020304" pitchFamily="18" charset="0"/>
-              </a:rPr>
-              <a:t> є </a:t>
-            </a:r>
-            <a:r>
-              <a:rPr kumimoji="0" lang="en-US" altLang="uk-UA" b="1" i="0" u="none" strike="noStrike" cap="none" normalizeH="0" baseline="0" dirty="0">
-                <a:ln>
-                  <a:noFill/>
-                </a:ln>
-                <a:solidFill>
-                  <a:schemeClr val="tx1"/>
-                </a:solidFill>
-                <a:effectLst/>
-                <a:latin typeface="Times New Roman" panose="02020603050405020304" pitchFamily="18" charset="0"/>
-                <a:cs typeface="Times New Roman" panose="02020603050405020304" pitchFamily="18" charset="0"/>
-              </a:rPr>
-              <a:t>Animal</a:t>
-            </a:r>
-            <a:r>
-              <a:rPr kumimoji="0" lang="ru-RU" altLang="uk-UA" b="0" i="0" u="none" strike="noStrike" cap="none" normalizeH="0" baseline="0" dirty="0">
-                <a:ln>
-                  <a:noFill/>
-                </a:ln>
-                <a:solidFill>
-                  <a:schemeClr val="tx1"/>
-                </a:solidFill>
-                <a:effectLst/>
-                <a:latin typeface="Times New Roman" panose="02020603050405020304" pitchFamily="18" charset="0"/>
-                <a:cs typeface="Times New Roman" panose="02020603050405020304" pitchFamily="18" charset="0"/>
-              </a:rPr>
-              <a:t>. </a:t>
-            </a:r>
-            <a:r>
-              <a:rPr kumimoji="0" lang="ru-RU" altLang="uk-UA" b="0" i="0" u="none" strike="noStrike" cap="none" normalizeH="0" baseline="0" dirty="0" err="1">
-                <a:ln>
-                  <a:noFill/>
-                </a:ln>
-                <a:solidFill>
-                  <a:schemeClr val="tx1"/>
-                </a:solidFill>
-                <a:effectLst/>
-                <a:latin typeface="Times New Roman" panose="02020603050405020304" pitchFamily="18" charset="0"/>
-                <a:cs typeface="Times New Roman" panose="02020603050405020304" pitchFamily="18" charset="0"/>
-              </a:rPr>
-              <a:t>Виконавши</a:t>
-            </a:r>
-            <a:r>
-              <a:rPr kumimoji="0" lang="ru-RU" altLang="uk-UA" b="0" i="0" u="none" strike="noStrike" cap="none" normalizeH="0" baseline="0" dirty="0">
-                <a:ln>
-                  <a:noFill/>
-                </a:ln>
-                <a:solidFill>
-                  <a:schemeClr val="tx1"/>
-                </a:solidFill>
-                <a:effectLst/>
-                <a:latin typeface="Times New Roman" panose="02020603050405020304" pitchFamily="18" charset="0"/>
-                <a:cs typeface="Times New Roman" panose="02020603050405020304" pitchFamily="18" charset="0"/>
-              </a:rPr>
-              <a:t> </a:t>
-            </a:r>
-            <a:r>
-              <a:rPr kumimoji="0" lang="ru-RU" altLang="uk-UA" b="0" i="0" u="none" strike="noStrike" cap="none" normalizeH="0" baseline="0" dirty="0" err="1">
-                <a:ln>
-                  <a:noFill/>
-                </a:ln>
-                <a:solidFill>
-                  <a:schemeClr val="tx1"/>
-                </a:solidFill>
-                <a:effectLst/>
-                <a:latin typeface="Times New Roman" panose="02020603050405020304" pitchFamily="18" charset="0"/>
-                <a:cs typeface="Times New Roman" panose="02020603050405020304" pitchFamily="18" charset="0"/>
-              </a:rPr>
-              <a:t>перевірку</a:t>
-            </a:r>
-            <a:r>
-              <a:rPr kumimoji="0" lang="ru-RU" altLang="uk-UA" b="0" i="0" u="none" strike="noStrike" cap="none" normalizeH="0" baseline="0" dirty="0">
-                <a:ln>
-                  <a:noFill/>
-                </a:ln>
-                <a:solidFill>
-                  <a:schemeClr val="tx1"/>
-                </a:solidFill>
-                <a:effectLst/>
-                <a:latin typeface="Times New Roman" panose="02020603050405020304" pitchFamily="18" charset="0"/>
-                <a:cs typeface="Times New Roman" panose="02020603050405020304" pitchFamily="18" charset="0"/>
-              </a:rPr>
-              <a:t> оператором </a:t>
-            </a:r>
-            <a:r>
-              <a:rPr kumimoji="0" lang="en-US" altLang="uk-UA" b="1" i="0" u="none" strike="noStrike" cap="none" normalizeH="0" baseline="0" dirty="0" err="1">
-                <a:ln>
-                  <a:noFill/>
-                </a:ln>
-                <a:solidFill>
-                  <a:schemeClr val="tx1"/>
-                </a:solidFill>
-                <a:effectLst/>
-                <a:latin typeface="Times New Roman" panose="02020603050405020304" pitchFamily="18" charset="0"/>
-                <a:cs typeface="Times New Roman" panose="02020603050405020304" pitchFamily="18" charset="0"/>
-              </a:rPr>
-              <a:t>instanceof</a:t>
-            </a:r>
-            <a:r>
-              <a:rPr kumimoji="0" lang="ru-RU" altLang="uk-UA" b="0" i="0" u="none" strike="noStrike" cap="none" normalizeH="0" baseline="0" dirty="0">
-                <a:ln>
-                  <a:noFill/>
-                </a:ln>
-                <a:solidFill>
-                  <a:schemeClr val="tx1"/>
-                </a:solidFill>
-                <a:effectLst/>
-                <a:latin typeface="Times New Roman" panose="02020603050405020304" pitchFamily="18" charset="0"/>
-                <a:cs typeface="Times New Roman" panose="02020603050405020304" pitchFamily="18" charset="0"/>
-              </a:rPr>
-              <a:t> .</a:t>
-            </a:r>
-          </a:p>
-          <a:p>
-            <a:pPr marL="0" marR="0" lvl="0" indent="90488" algn="just" defTabSz="914400" rtl="0" eaLnBrk="0" fontAlgn="base" latinLnBrk="0" hangingPunct="0">
-              <a:lnSpc>
-                <a:spcPct val="100000"/>
-              </a:lnSpc>
-              <a:spcBef>
-                <a:spcPct val="0"/>
-              </a:spcBef>
-              <a:spcAft>
-                <a:spcPct val="0"/>
-              </a:spcAft>
-              <a:buClrTx/>
-              <a:buSzTx/>
-              <a:buFontTx/>
-              <a:buNone/>
-              <a:tabLst/>
-            </a:pPr>
-            <a:r>
-              <a:rPr kumimoji="0" lang="ru-RU" altLang="uk-UA" b="0" i="0" u="none" strike="noStrike" cap="none" normalizeH="0" baseline="0" dirty="0">
-                <a:ln>
-                  <a:noFill/>
-                </a:ln>
-                <a:solidFill>
-                  <a:schemeClr val="tx1"/>
-                </a:solidFill>
-                <a:effectLst/>
-                <a:latin typeface="Times New Roman" panose="02020603050405020304" pitchFamily="18" charset="0"/>
-                <a:cs typeface="Times New Roman" panose="02020603050405020304" pitchFamily="18" charset="0"/>
-              </a:rPr>
-              <a:t>Приклад:</a:t>
-            </a:r>
-          </a:p>
-        </p:txBody>
-      </p:sp>
-      <p:sp>
-        <p:nvSpPr>
-          <p:cNvPr id="14" name="Заголовок 1">
-            <a:extLst>
-              <a:ext uri="{FF2B5EF4-FFF2-40B4-BE49-F238E27FC236}">
-                <a16:creationId xmlns:a16="http://schemas.microsoft.com/office/drawing/2014/main" id="{5458432B-EAA2-416D-823E-50EE9C198D69}"/>
-              </a:ext>
-            </a:extLst>
-          </p:cNvPr>
-          <p:cNvSpPr>
-            <a:spLocks noGrp="1"/>
-          </p:cNvSpPr>
-          <p:nvPr>
-            <p:ph type="title"/>
-          </p:nvPr>
-        </p:nvSpPr>
-        <p:spPr>
-          <a:xfrm>
-            <a:off x="0" y="1"/>
-            <a:ext cx="12192000" cy="681036"/>
-          </a:xfrm>
-        </p:spPr>
-        <p:txBody>
-          <a:bodyPr>
-            <a:noAutofit/>
-          </a:bodyPr>
-          <a:lstStyle/>
-          <a:p>
-            <a:pPr algn="ctr"/>
-            <a:r>
-              <a:rPr lang="uk-UA" i="0" dirty="0">
-                <a:effectLst/>
-                <a:latin typeface="Times New Roman" panose="02020603050405020304" pitchFamily="18" charset="0"/>
-                <a:cs typeface="Times New Roman" panose="02020603050405020304" pitchFamily="18" charset="0"/>
-              </a:rPr>
-              <a:t>Відношення </a:t>
-            </a:r>
-            <a:r>
-              <a:rPr lang="en-US" i="0" dirty="0">
-                <a:effectLst/>
-                <a:latin typeface="Times New Roman" panose="02020603050405020304" pitchFamily="18" charset="0"/>
-                <a:cs typeface="Times New Roman" panose="02020603050405020304" pitchFamily="18" charset="0"/>
-              </a:rPr>
-              <a:t>IS-A (</a:t>
-            </a:r>
-            <a:r>
-              <a:rPr lang="uk-UA" i="0" dirty="0">
-                <a:effectLst/>
-                <a:latin typeface="Times New Roman" panose="02020603050405020304" pitchFamily="18" charset="0"/>
-                <a:cs typeface="Times New Roman" panose="02020603050405020304" pitchFamily="18" charset="0"/>
-              </a:rPr>
-              <a:t>є, являється):</a:t>
-            </a:r>
-            <a:endParaRPr lang="uk-UA" dirty="0">
-              <a:latin typeface="Times New Roman" panose="02020603050405020304" pitchFamily="18" charset="0"/>
-              <a:cs typeface="Times New Roman" panose="02020603050405020304" pitchFamily="18" charset="0"/>
-            </a:endParaRPr>
-          </a:p>
-        </p:txBody>
-      </p:sp>
-    </p:spTree>
-    <p:extLst>
-      <p:ext uri="{BB962C8B-B14F-4D97-AF65-F5344CB8AC3E}">
-        <p14:creationId xmlns:p14="http://schemas.microsoft.com/office/powerpoint/2010/main" val="1359638446"/>
-      </p:ext>
-    </p:extLst>
-  </p:cSld>
-  <p:clrMapOvr>
-    <a:masterClrMapping/>
-  </p:clrMapOvr>
-</p:sld>
-</file>
-
-<file path=ppt/slides/slide14.xml><?xml version="1.0" encoding="utf-8"?>
-<p:sld xmlns:a="http://schemas.openxmlformats.org/drawingml/2006/main" xmlns:r="http://schemas.openxmlformats.org/officeDocument/2006/relationships" xmlns:p="http://schemas.openxmlformats.org/presentationml/2006/main">
-  <p:cSld>
-    <p:spTree>
-      <p:nvGrpSpPr>
-        <p:cNvPr id="1" name=""/>
-        <p:cNvGrpSpPr/>
-        <p:nvPr/>
-      </p:nvGrpSpPr>
-      <p:grpSpPr>
-        <a:xfrm>
-          <a:off x="0" y="0"/>
-          <a:ext cx="0" cy="0"/>
-          <a:chOff x="0" y="0"/>
-          <a:chExt cx="0" cy="0"/>
-        </a:xfrm>
-      </p:grpSpPr>
-      <p:sp>
-        <p:nvSpPr>
-          <p:cNvPr id="4" name="TextBox 3">
-            <a:extLst>
-              <a:ext uri="{FF2B5EF4-FFF2-40B4-BE49-F238E27FC236}">
-                <a16:creationId xmlns:a16="http://schemas.microsoft.com/office/drawing/2014/main" id="{57BE7E89-9779-4B32-A63E-D9E2B824112A}"/>
-              </a:ext>
-            </a:extLst>
-          </p:cNvPr>
-          <p:cNvSpPr txBox="1"/>
-          <p:nvPr/>
-        </p:nvSpPr>
-        <p:spPr>
-          <a:xfrm>
-            <a:off x="501977" y="681037"/>
-            <a:ext cx="11045858" cy="1200329"/>
-          </a:xfrm>
-          <a:prstGeom prst="rect">
-            <a:avLst/>
-          </a:prstGeom>
-          <a:noFill/>
-        </p:spPr>
-        <p:txBody>
-          <a:bodyPr wrap="square">
-            <a:spAutoFit/>
-          </a:bodyPr>
-          <a:lstStyle/>
-          <a:p>
-            <a:pPr marL="0" marR="0" lvl="0" indent="90488" algn="l" defTabSz="914400" rtl="0" eaLnBrk="0" fontAlgn="base" latinLnBrk="0" hangingPunct="0">
-              <a:lnSpc>
-                <a:spcPct val="100000"/>
-              </a:lnSpc>
-              <a:spcBef>
-                <a:spcPct val="0"/>
-              </a:spcBef>
-              <a:spcAft>
-                <a:spcPct val="0"/>
-              </a:spcAft>
-              <a:buClrTx/>
-              <a:buSzTx/>
-              <a:buFontTx/>
-              <a:buNone/>
-              <a:tabLst/>
-            </a:pPr>
-            <a:r>
-              <a:rPr kumimoji="0" lang="en-US" altLang="uk-UA" b="0" i="0" u="none" strike="noStrike" cap="none" normalizeH="0" baseline="0" dirty="0" err="1">
-                <a:ln>
-                  <a:noFill/>
-                </a:ln>
-                <a:effectLst/>
-                <a:latin typeface="Times New Roman" panose="02020603050405020304" pitchFamily="18" charset="0"/>
-                <a:cs typeface="Times New Roman" panose="02020603050405020304" pitchFamily="18" charset="0"/>
-              </a:rPr>
-              <a:t>Оскільки</a:t>
-            </a:r>
-            <a:r>
-              <a:rPr kumimoji="0" lang="en-US" altLang="uk-UA" b="0" i="0" u="none" strike="noStrike" cap="none" normalizeH="0" baseline="0" dirty="0">
-                <a:ln>
-                  <a:noFill/>
-                </a:ln>
-                <a:effectLst/>
-                <a:latin typeface="Times New Roman" panose="02020603050405020304" pitchFamily="18" charset="0"/>
-                <a:cs typeface="Times New Roman" panose="02020603050405020304" pitchFamily="18" charset="0"/>
-              </a:rPr>
-              <a:t> </a:t>
-            </a:r>
-            <a:r>
-              <a:rPr kumimoji="0" lang="en-US" altLang="uk-UA" b="0" i="0" u="none" strike="noStrike" cap="none" normalizeH="0" baseline="0" dirty="0" err="1">
-                <a:ln>
-                  <a:noFill/>
-                </a:ln>
-                <a:effectLst/>
-                <a:latin typeface="Times New Roman" panose="02020603050405020304" pitchFamily="18" charset="0"/>
-                <a:cs typeface="Times New Roman" panose="02020603050405020304" pitchFamily="18" charset="0"/>
-              </a:rPr>
-              <a:t>ми</a:t>
-            </a:r>
-            <a:r>
-              <a:rPr kumimoji="0" lang="en-US" altLang="uk-UA" b="0" i="0" u="none" strike="noStrike" cap="none" normalizeH="0" baseline="0" dirty="0">
-                <a:ln>
-                  <a:noFill/>
-                </a:ln>
-                <a:effectLst/>
-                <a:latin typeface="Times New Roman" panose="02020603050405020304" pitchFamily="18" charset="0"/>
-                <a:cs typeface="Times New Roman" panose="02020603050405020304" pitchFamily="18" charset="0"/>
-              </a:rPr>
-              <a:t> </a:t>
-            </a:r>
-            <a:r>
-              <a:rPr kumimoji="0" lang="en-US" altLang="uk-UA" b="0" i="0" u="none" strike="noStrike" cap="none" normalizeH="0" baseline="0" dirty="0" err="1">
-                <a:ln>
-                  <a:noFill/>
-                </a:ln>
-                <a:effectLst/>
-                <a:latin typeface="Times New Roman" panose="02020603050405020304" pitchFamily="18" charset="0"/>
-                <a:cs typeface="Times New Roman" panose="02020603050405020304" pitchFamily="18" charset="0"/>
-              </a:rPr>
-              <a:t>тепер</a:t>
-            </a:r>
-            <a:r>
-              <a:rPr kumimoji="0" lang="en-US" altLang="uk-UA" b="0" i="0" u="none" strike="noStrike" cap="none" normalizeH="0" baseline="0" dirty="0">
-                <a:ln>
-                  <a:noFill/>
-                </a:ln>
-                <a:effectLst/>
-                <a:latin typeface="Times New Roman" panose="02020603050405020304" pitchFamily="18" charset="0"/>
-                <a:cs typeface="Times New Roman" panose="02020603050405020304" pitchFamily="18" charset="0"/>
-              </a:rPr>
-              <a:t> </a:t>
-            </a:r>
-            <a:r>
-              <a:rPr kumimoji="0" lang="en-US" altLang="uk-UA" b="0" i="0" u="none" strike="noStrike" cap="none" normalizeH="0" baseline="0" dirty="0" err="1">
-                <a:ln>
-                  <a:noFill/>
-                </a:ln>
-                <a:effectLst/>
-                <a:latin typeface="Times New Roman" panose="02020603050405020304" pitchFamily="18" charset="0"/>
-                <a:cs typeface="Times New Roman" panose="02020603050405020304" pitchFamily="18" charset="0"/>
-              </a:rPr>
-              <a:t>добре</a:t>
-            </a:r>
-            <a:r>
-              <a:rPr kumimoji="0" lang="en-US" altLang="uk-UA" b="0" i="0" u="none" strike="noStrike" cap="none" normalizeH="0" baseline="0" dirty="0">
-                <a:ln>
-                  <a:noFill/>
-                </a:ln>
-                <a:effectLst/>
-                <a:latin typeface="Times New Roman" panose="02020603050405020304" pitchFamily="18" charset="0"/>
-                <a:cs typeface="Times New Roman" panose="02020603050405020304" pitchFamily="18" charset="0"/>
-              </a:rPr>
-              <a:t> </a:t>
-            </a:r>
-            <a:r>
-              <a:rPr kumimoji="0" lang="en-US" altLang="uk-UA" b="0" i="0" u="none" strike="noStrike" cap="none" normalizeH="0" baseline="0" dirty="0" err="1">
-                <a:ln>
-                  <a:noFill/>
-                </a:ln>
-                <a:effectLst/>
-                <a:latin typeface="Times New Roman" panose="02020603050405020304" pitchFamily="18" charset="0"/>
-                <a:cs typeface="Times New Roman" panose="02020603050405020304" pitchFamily="18" charset="0"/>
-              </a:rPr>
-              <a:t>розуміємо</a:t>
-            </a:r>
-            <a:r>
-              <a:rPr kumimoji="0" lang="en-US" altLang="uk-UA" b="0" i="0" u="none" strike="noStrike" cap="none" normalizeH="0" baseline="0" dirty="0">
-                <a:ln>
-                  <a:noFill/>
-                </a:ln>
-                <a:effectLst/>
-                <a:latin typeface="Times New Roman" panose="02020603050405020304" pitchFamily="18" charset="0"/>
-                <a:cs typeface="Times New Roman" panose="02020603050405020304" pitchFamily="18" charset="0"/>
-              </a:rPr>
-              <a:t> </a:t>
-            </a:r>
-            <a:r>
-              <a:rPr kumimoji="0" lang="en-US" altLang="uk-UA" b="0" i="0" u="none" strike="noStrike" cap="none" normalizeH="0" baseline="0" dirty="0" err="1">
-                <a:ln>
-                  <a:noFill/>
-                </a:ln>
-                <a:effectLst/>
-                <a:latin typeface="Times New Roman" panose="02020603050405020304" pitchFamily="18" charset="0"/>
-                <a:cs typeface="Times New Roman" panose="02020603050405020304" pitchFamily="18" charset="0"/>
-              </a:rPr>
-              <a:t>значення</a:t>
-            </a:r>
-            <a:r>
-              <a:rPr kumimoji="0" lang="en-US" altLang="uk-UA" b="0" i="0" u="none" strike="noStrike" cap="none" normalizeH="0" baseline="0" dirty="0">
-                <a:ln>
-                  <a:noFill/>
-                </a:ln>
-                <a:effectLst/>
-                <a:latin typeface="Times New Roman" panose="02020603050405020304" pitchFamily="18" charset="0"/>
-                <a:cs typeface="Times New Roman" panose="02020603050405020304" pitchFamily="18" charset="0"/>
-              </a:rPr>
-              <a:t> </a:t>
-            </a:r>
-            <a:r>
-              <a:rPr kumimoji="0" lang="en-US" altLang="uk-UA" b="0" i="0" u="none" strike="noStrike" cap="none" normalizeH="0" baseline="0" dirty="0" err="1">
-                <a:ln>
-                  <a:noFill/>
-                </a:ln>
-                <a:effectLst/>
-                <a:latin typeface="Times New Roman" panose="02020603050405020304" pitchFamily="18" charset="0"/>
-                <a:cs typeface="Times New Roman" panose="02020603050405020304" pitchFamily="18" charset="0"/>
-              </a:rPr>
-              <a:t>ключового</a:t>
-            </a:r>
-            <a:r>
-              <a:rPr kumimoji="0" lang="en-US" altLang="uk-UA" b="0" i="0" u="none" strike="noStrike" cap="none" normalizeH="0" baseline="0" dirty="0">
-                <a:ln>
-                  <a:noFill/>
-                </a:ln>
-                <a:effectLst/>
-                <a:latin typeface="Times New Roman" panose="02020603050405020304" pitchFamily="18" charset="0"/>
-                <a:cs typeface="Times New Roman" panose="02020603050405020304" pitchFamily="18" charset="0"/>
-              </a:rPr>
-              <a:t> </a:t>
-            </a:r>
-            <a:r>
-              <a:rPr kumimoji="0" lang="en-US" altLang="uk-UA" b="0" i="0" u="none" strike="noStrike" cap="none" normalizeH="0" baseline="0" dirty="0" err="1">
-                <a:ln>
-                  <a:noFill/>
-                </a:ln>
-                <a:effectLst/>
-                <a:latin typeface="Times New Roman" panose="02020603050405020304" pitchFamily="18" charset="0"/>
-                <a:cs typeface="Times New Roman" panose="02020603050405020304" pitchFamily="18" charset="0"/>
-              </a:rPr>
-              <a:t>cлова</a:t>
-            </a:r>
-            <a:r>
-              <a:rPr kumimoji="0" lang="en-US" altLang="uk-UA" b="0" i="0" u="none" strike="noStrike" cap="none" normalizeH="0" baseline="0" dirty="0">
-                <a:ln>
-                  <a:noFill/>
-                </a:ln>
-                <a:effectLst/>
-                <a:latin typeface="Times New Roman" panose="02020603050405020304" pitchFamily="18" charset="0"/>
-                <a:cs typeface="Times New Roman" panose="02020603050405020304" pitchFamily="18" charset="0"/>
-              </a:rPr>
-              <a:t> </a:t>
-            </a:r>
-            <a:r>
-              <a:rPr kumimoji="0" lang="en-US" altLang="uk-UA" b="1" i="0" u="none" strike="noStrike" cap="none" normalizeH="0" baseline="0" dirty="0">
-                <a:ln>
-                  <a:noFill/>
-                </a:ln>
-                <a:effectLst/>
-                <a:latin typeface="Times New Roman" panose="02020603050405020304" pitchFamily="18" charset="0"/>
-                <a:cs typeface="Times New Roman" panose="02020603050405020304" pitchFamily="18" charset="0"/>
-              </a:rPr>
-              <a:t>extends</a:t>
-            </a:r>
-            <a:r>
-              <a:rPr kumimoji="0" lang="en-US" altLang="uk-UA" b="0" i="0" u="none" strike="noStrike" cap="none" normalizeH="0" baseline="0" dirty="0">
-                <a:ln>
-                  <a:noFill/>
-                </a:ln>
-                <a:effectLst/>
-                <a:latin typeface="Times New Roman" panose="02020603050405020304" pitchFamily="18" charset="0"/>
-                <a:cs typeface="Times New Roman" panose="02020603050405020304" pitchFamily="18" charset="0"/>
-              </a:rPr>
-              <a:t>, </a:t>
-            </a:r>
-            <a:r>
-              <a:rPr kumimoji="0" lang="en-US" altLang="uk-UA" b="0" i="0" u="none" strike="noStrike" cap="none" normalizeH="0" baseline="0" dirty="0" err="1">
-                <a:ln>
-                  <a:noFill/>
-                </a:ln>
-                <a:effectLst/>
-                <a:latin typeface="Times New Roman" panose="02020603050405020304" pitchFamily="18" charset="0"/>
-                <a:cs typeface="Times New Roman" panose="02020603050405020304" pitchFamily="18" charset="0"/>
-              </a:rPr>
-              <a:t>давайте</a:t>
-            </a:r>
-            <a:r>
-              <a:rPr kumimoji="0" lang="en-US" altLang="uk-UA" b="0" i="0" u="none" strike="noStrike" cap="none" normalizeH="0" baseline="0" dirty="0">
-                <a:ln>
-                  <a:noFill/>
-                </a:ln>
-                <a:effectLst/>
-                <a:latin typeface="Times New Roman" panose="02020603050405020304" pitchFamily="18" charset="0"/>
-                <a:cs typeface="Times New Roman" panose="02020603050405020304" pitchFamily="18" charset="0"/>
-              </a:rPr>
-              <a:t> </a:t>
-            </a:r>
-            <a:r>
-              <a:rPr kumimoji="0" lang="en-US" altLang="uk-UA" b="0" i="0" u="none" strike="noStrike" cap="none" normalizeH="0" baseline="0" dirty="0" err="1">
-                <a:ln>
-                  <a:noFill/>
-                </a:ln>
-                <a:effectLst/>
-                <a:latin typeface="Times New Roman" panose="02020603050405020304" pitchFamily="18" charset="0"/>
-                <a:cs typeface="Times New Roman" panose="02020603050405020304" pitchFamily="18" charset="0"/>
-              </a:rPr>
-              <a:t>тепер</a:t>
-            </a:r>
-            <a:r>
-              <a:rPr kumimoji="0" lang="en-US" altLang="uk-UA" b="0" i="0" u="none" strike="noStrike" cap="none" normalizeH="0" baseline="0" dirty="0">
-                <a:ln>
-                  <a:noFill/>
-                </a:ln>
-                <a:effectLst/>
-                <a:latin typeface="Times New Roman" panose="02020603050405020304" pitchFamily="18" charset="0"/>
-                <a:cs typeface="Times New Roman" panose="02020603050405020304" pitchFamily="18" charset="0"/>
-              </a:rPr>
-              <a:t> </a:t>
-            </a:r>
-            <a:r>
-              <a:rPr kumimoji="0" lang="en-US" altLang="uk-UA" b="0" i="0" u="none" strike="noStrike" cap="none" normalizeH="0" baseline="0" dirty="0" err="1">
-                <a:ln>
-                  <a:noFill/>
-                </a:ln>
-                <a:effectLst/>
-                <a:latin typeface="Times New Roman" panose="02020603050405020304" pitchFamily="18" charset="0"/>
-                <a:cs typeface="Times New Roman" panose="02020603050405020304" pitchFamily="18" charset="0"/>
-              </a:rPr>
-              <a:t>розглянемо</a:t>
-            </a:r>
-            <a:r>
-              <a:rPr kumimoji="0" lang="en-US" altLang="uk-UA" b="0" i="0" u="none" strike="noStrike" cap="none" normalizeH="0" baseline="0" dirty="0">
-                <a:ln>
-                  <a:noFill/>
-                </a:ln>
-                <a:effectLst/>
-                <a:latin typeface="Times New Roman" panose="02020603050405020304" pitchFamily="18" charset="0"/>
-                <a:cs typeface="Times New Roman" panose="02020603050405020304" pitchFamily="18" charset="0"/>
-              </a:rPr>
-              <a:t> </a:t>
-            </a:r>
-            <a:r>
-              <a:rPr kumimoji="0" lang="en-US" altLang="uk-UA" b="0" i="0" u="none" strike="noStrike" cap="none" normalizeH="0" baseline="0" dirty="0" err="1">
-                <a:ln>
-                  <a:noFill/>
-                </a:ln>
-                <a:effectLst/>
-                <a:latin typeface="Times New Roman" panose="02020603050405020304" pitchFamily="18" charset="0"/>
-                <a:cs typeface="Times New Roman" panose="02020603050405020304" pitchFamily="18" charset="0"/>
-              </a:rPr>
-              <a:t>як</a:t>
-            </a:r>
-            <a:r>
-              <a:rPr kumimoji="0" lang="en-US" altLang="uk-UA" b="0" i="0" u="none" strike="noStrike" cap="none" normalizeH="0" baseline="0" dirty="0">
-                <a:ln>
-                  <a:noFill/>
-                </a:ln>
-                <a:effectLst/>
-                <a:latin typeface="Times New Roman" panose="02020603050405020304" pitchFamily="18" charset="0"/>
-                <a:cs typeface="Times New Roman" panose="02020603050405020304" pitchFamily="18" charset="0"/>
-              </a:rPr>
-              <a:t> </a:t>
-            </a:r>
-            <a:r>
-              <a:rPr kumimoji="0" lang="en-US" altLang="uk-UA" b="0" i="0" u="none" strike="noStrike" cap="none" normalizeH="0" baseline="0" dirty="0" err="1">
-                <a:ln>
-                  <a:noFill/>
-                </a:ln>
-                <a:effectLst/>
-                <a:latin typeface="Times New Roman" panose="02020603050405020304" pitchFamily="18" charset="0"/>
-                <a:cs typeface="Times New Roman" panose="02020603050405020304" pitchFamily="18" charset="0"/>
-              </a:rPr>
-              <a:t>використовується</a:t>
-            </a:r>
-            <a:r>
-              <a:rPr kumimoji="0" lang="en-US" altLang="uk-UA" b="0" i="0" u="none" strike="noStrike" cap="none" normalizeH="0" baseline="0" dirty="0">
-                <a:ln>
-                  <a:noFill/>
-                </a:ln>
-                <a:effectLst/>
-                <a:latin typeface="Times New Roman" panose="02020603050405020304" pitchFamily="18" charset="0"/>
-                <a:cs typeface="Times New Roman" panose="02020603050405020304" pitchFamily="18" charset="0"/>
-              </a:rPr>
-              <a:t> </a:t>
-            </a:r>
-            <a:r>
-              <a:rPr kumimoji="0" lang="en-US" altLang="uk-UA" b="0" i="0" u="none" strike="noStrike" cap="none" normalizeH="0" baseline="0" dirty="0" err="1">
-                <a:ln>
-                  <a:noFill/>
-                </a:ln>
-                <a:effectLst/>
-                <a:latin typeface="Times New Roman" panose="02020603050405020304" pitchFamily="18" charset="0"/>
-                <a:cs typeface="Times New Roman" panose="02020603050405020304" pitchFamily="18" charset="0"/>
-              </a:rPr>
-              <a:t>ключове</a:t>
-            </a:r>
-            <a:r>
-              <a:rPr kumimoji="0" lang="en-US" altLang="uk-UA" b="0" i="0" u="none" strike="noStrike" cap="none" normalizeH="0" baseline="0" dirty="0">
-                <a:ln>
-                  <a:noFill/>
-                </a:ln>
-                <a:effectLst/>
-                <a:latin typeface="Times New Roman" panose="02020603050405020304" pitchFamily="18" charset="0"/>
-                <a:cs typeface="Times New Roman" panose="02020603050405020304" pitchFamily="18" charset="0"/>
-              </a:rPr>
-              <a:t> </a:t>
-            </a:r>
-            <a:r>
-              <a:rPr kumimoji="0" lang="en-US" altLang="uk-UA" b="0" i="0" u="none" strike="noStrike" cap="none" normalizeH="0" baseline="0" dirty="0" err="1">
-                <a:ln>
-                  <a:noFill/>
-                </a:ln>
-                <a:effectLst/>
-                <a:latin typeface="Times New Roman" panose="02020603050405020304" pitchFamily="18" charset="0"/>
-                <a:cs typeface="Times New Roman" panose="02020603050405020304" pitchFamily="18" charset="0"/>
-              </a:rPr>
-              <a:t>слово</a:t>
-            </a:r>
-            <a:r>
-              <a:rPr kumimoji="0" lang="en-US" altLang="uk-UA" b="0" i="0" u="none" strike="noStrike" cap="none" normalizeH="0" baseline="0" dirty="0">
-                <a:ln>
-                  <a:noFill/>
-                </a:ln>
-                <a:effectLst/>
-                <a:latin typeface="Times New Roman" panose="02020603050405020304" pitchFamily="18" charset="0"/>
-                <a:cs typeface="Times New Roman" panose="02020603050405020304" pitchFamily="18" charset="0"/>
-              </a:rPr>
-              <a:t> </a:t>
-            </a:r>
-            <a:r>
-              <a:rPr kumimoji="0" lang="en-US" altLang="uk-UA" b="1" i="0" u="none" strike="noStrike" cap="none" normalizeH="0" baseline="0" dirty="0">
-                <a:ln>
-                  <a:noFill/>
-                </a:ln>
-                <a:effectLst/>
-                <a:latin typeface="Times New Roman" panose="02020603050405020304" pitchFamily="18" charset="0"/>
-                <a:cs typeface="Times New Roman" panose="02020603050405020304" pitchFamily="18" charset="0"/>
-              </a:rPr>
-              <a:t>implements</a:t>
-            </a:r>
-            <a:r>
-              <a:rPr kumimoji="0" lang="en-US" altLang="uk-UA" b="0" i="0" u="none" strike="noStrike" cap="none" normalizeH="0" baseline="0" dirty="0">
-                <a:ln>
-                  <a:noFill/>
-                </a:ln>
-                <a:effectLst/>
-                <a:latin typeface="Times New Roman" panose="02020603050405020304" pitchFamily="18" charset="0"/>
-                <a:cs typeface="Times New Roman" panose="02020603050405020304" pitchFamily="18" charset="0"/>
-              </a:rPr>
-              <a:t> </a:t>
-            </a:r>
-            <a:r>
-              <a:rPr kumimoji="0" lang="en-US" altLang="uk-UA" b="0" i="0" u="none" strike="noStrike" cap="none" normalizeH="0" baseline="0" dirty="0" err="1">
-                <a:ln>
-                  <a:noFill/>
-                </a:ln>
-                <a:effectLst/>
-                <a:latin typeface="Times New Roman" panose="02020603050405020304" pitchFamily="18" charset="0"/>
-                <a:cs typeface="Times New Roman" panose="02020603050405020304" pitchFamily="18" charset="0"/>
-              </a:rPr>
-              <a:t>для</a:t>
-            </a:r>
-            <a:r>
-              <a:rPr kumimoji="0" lang="en-US" altLang="uk-UA" b="0" i="0" u="none" strike="noStrike" cap="none" normalizeH="0" baseline="0" dirty="0">
-                <a:ln>
-                  <a:noFill/>
-                </a:ln>
-                <a:effectLst/>
-                <a:latin typeface="Times New Roman" panose="02020603050405020304" pitchFamily="18" charset="0"/>
-                <a:cs typeface="Times New Roman" panose="02020603050405020304" pitchFamily="18" charset="0"/>
-              </a:rPr>
-              <a:t> </a:t>
-            </a:r>
-            <a:r>
-              <a:rPr kumimoji="0" lang="en-US" altLang="uk-UA" b="0" i="0" u="none" strike="noStrike" cap="none" normalizeH="0" baseline="0" dirty="0" err="1">
-                <a:ln>
-                  <a:noFill/>
-                </a:ln>
-                <a:effectLst/>
-                <a:latin typeface="Times New Roman" panose="02020603050405020304" pitchFamily="18" charset="0"/>
-                <a:cs typeface="Times New Roman" panose="02020603050405020304" pitchFamily="18" charset="0"/>
-              </a:rPr>
-              <a:t>того</a:t>
-            </a:r>
-            <a:r>
-              <a:rPr kumimoji="0" lang="en-US" altLang="uk-UA" b="0" i="0" u="none" strike="noStrike" cap="none" normalizeH="0" baseline="0" dirty="0">
-                <a:ln>
-                  <a:noFill/>
-                </a:ln>
-                <a:effectLst/>
-                <a:latin typeface="Times New Roman" panose="02020603050405020304" pitchFamily="18" charset="0"/>
-                <a:cs typeface="Times New Roman" panose="02020603050405020304" pitchFamily="18" charset="0"/>
-              </a:rPr>
-              <a:t> </a:t>
-            </a:r>
-            <a:r>
-              <a:rPr kumimoji="0" lang="en-US" altLang="uk-UA" b="0" i="0" u="none" strike="noStrike" cap="none" normalizeH="0" baseline="0" dirty="0" err="1">
-                <a:ln>
-                  <a:noFill/>
-                </a:ln>
-                <a:effectLst/>
-                <a:latin typeface="Times New Roman" panose="02020603050405020304" pitchFamily="18" charset="0"/>
-                <a:cs typeface="Times New Roman" panose="02020603050405020304" pitchFamily="18" charset="0"/>
-              </a:rPr>
-              <a:t>щоб</a:t>
-            </a:r>
-            <a:r>
-              <a:rPr kumimoji="0" lang="en-US" altLang="uk-UA" b="0" i="0" u="none" strike="noStrike" cap="none" normalizeH="0" baseline="0" dirty="0">
-                <a:ln>
-                  <a:noFill/>
-                </a:ln>
-                <a:effectLst/>
-                <a:latin typeface="Times New Roman" panose="02020603050405020304" pitchFamily="18" charset="0"/>
-                <a:cs typeface="Times New Roman" panose="02020603050405020304" pitchFamily="18" charset="0"/>
-              </a:rPr>
-              <a:t> </a:t>
-            </a:r>
-            <a:r>
-              <a:rPr kumimoji="0" lang="en-US" altLang="uk-UA" b="0" i="0" u="none" strike="noStrike" cap="none" normalizeH="0" baseline="0" dirty="0" err="1">
-                <a:ln>
-                  <a:noFill/>
-                </a:ln>
-                <a:effectLst/>
-                <a:latin typeface="Times New Roman" panose="02020603050405020304" pitchFamily="18" charset="0"/>
-                <a:cs typeface="Times New Roman" panose="02020603050405020304" pitchFamily="18" charset="0"/>
-              </a:rPr>
-              <a:t>отримами</a:t>
-            </a:r>
-            <a:r>
-              <a:rPr kumimoji="0" lang="en-US" altLang="uk-UA" b="0" i="0" u="none" strike="noStrike" cap="none" normalizeH="0" baseline="0" dirty="0">
-                <a:ln>
-                  <a:noFill/>
-                </a:ln>
-                <a:effectLst/>
-                <a:latin typeface="Times New Roman" panose="02020603050405020304" pitchFamily="18" charset="0"/>
-                <a:cs typeface="Times New Roman" panose="02020603050405020304" pitchFamily="18" charset="0"/>
-              </a:rPr>
-              <a:t> </a:t>
-            </a:r>
-            <a:r>
-              <a:rPr kumimoji="0" lang="en-US" altLang="uk-UA" b="1" i="0" u="none" strike="noStrike" cap="none" normalizeH="0" baseline="0" dirty="0">
-                <a:ln>
-                  <a:noFill/>
-                </a:ln>
-                <a:effectLst/>
-                <a:latin typeface="Times New Roman" panose="02020603050405020304" pitchFamily="18" charset="0"/>
-                <a:cs typeface="Times New Roman" panose="02020603050405020304" pitchFamily="18" charset="0"/>
-              </a:rPr>
-              <a:t>IS-A</a:t>
-            </a:r>
-            <a:r>
-              <a:rPr kumimoji="0" lang="en-US" altLang="uk-UA" b="0" i="0" u="none" strike="noStrike" cap="none" normalizeH="0" baseline="0" dirty="0">
-                <a:ln>
-                  <a:noFill/>
-                </a:ln>
-                <a:effectLst/>
-                <a:latin typeface="Times New Roman" panose="02020603050405020304" pitchFamily="18" charset="0"/>
-                <a:cs typeface="Times New Roman" panose="02020603050405020304" pitchFamily="18" charset="0"/>
-              </a:rPr>
-              <a:t> </a:t>
-            </a:r>
-            <a:r>
-              <a:rPr kumimoji="0" lang="en-US" altLang="uk-UA" b="0" i="0" u="none" strike="noStrike" cap="none" normalizeH="0" baseline="0" dirty="0" err="1">
-                <a:ln>
-                  <a:noFill/>
-                </a:ln>
-                <a:effectLst/>
-                <a:latin typeface="Times New Roman" panose="02020603050405020304" pitchFamily="18" charset="0"/>
-                <a:cs typeface="Times New Roman" panose="02020603050405020304" pitchFamily="18" charset="0"/>
-              </a:rPr>
-              <a:t>відношення</a:t>
-            </a:r>
-            <a:r>
-              <a:rPr kumimoji="0" lang="en-US" altLang="uk-UA" b="0" i="0" u="none" strike="noStrike" cap="none" normalizeH="0" baseline="0" dirty="0">
-                <a:ln>
-                  <a:noFill/>
-                </a:ln>
-                <a:effectLst/>
-                <a:latin typeface="Times New Roman" panose="02020603050405020304" pitchFamily="18" charset="0"/>
-                <a:cs typeface="Times New Roman" panose="02020603050405020304" pitchFamily="18" charset="0"/>
-              </a:rPr>
-              <a:t>.</a:t>
-            </a:r>
-          </a:p>
-          <a:p>
-            <a:pPr marL="0" marR="0" lvl="0" indent="90488" algn="l" defTabSz="914400" rtl="0" eaLnBrk="0" fontAlgn="base" latinLnBrk="0" hangingPunct="0">
-              <a:lnSpc>
-                <a:spcPct val="100000"/>
-              </a:lnSpc>
-              <a:spcBef>
-                <a:spcPct val="0"/>
-              </a:spcBef>
-              <a:spcAft>
-                <a:spcPct val="0"/>
-              </a:spcAft>
-              <a:buClrTx/>
-              <a:buSzTx/>
-              <a:buFontTx/>
-              <a:buNone/>
-              <a:tabLst/>
-            </a:pPr>
-            <a:r>
-              <a:rPr kumimoji="0" lang="en-US" altLang="uk-UA" b="0" i="0" u="none" strike="noStrike" cap="none" normalizeH="0" baseline="0" dirty="0" err="1">
-                <a:ln>
-                  <a:noFill/>
-                </a:ln>
-                <a:effectLst/>
-                <a:latin typeface="Times New Roman" panose="02020603050405020304" pitchFamily="18" charset="0"/>
-                <a:cs typeface="Times New Roman" panose="02020603050405020304" pitchFamily="18" charset="0"/>
-              </a:rPr>
-              <a:t>Ключове</a:t>
-            </a:r>
-            <a:r>
-              <a:rPr kumimoji="0" lang="en-US" altLang="uk-UA" b="0" i="0" u="none" strike="noStrike" cap="none" normalizeH="0" baseline="0" dirty="0">
-                <a:ln>
-                  <a:noFill/>
-                </a:ln>
-                <a:effectLst/>
-                <a:latin typeface="Times New Roman" panose="02020603050405020304" pitchFamily="18" charset="0"/>
-                <a:cs typeface="Times New Roman" panose="02020603050405020304" pitchFamily="18" charset="0"/>
-              </a:rPr>
-              <a:t> </a:t>
-            </a:r>
-            <a:r>
-              <a:rPr kumimoji="0" lang="en-US" altLang="uk-UA" b="0" i="0" u="none" strike="noStrike" cap="none" normalizeH="0" baseline="0" dirty="0" err="1">
-                <a:ln>
-                  <a:noFill/>
-                </a:ln>
-                <a:effectLst/>
-                <a:latin typeface="Times New Roman" panose="02020603050405020304" pitchFamily="18" charset="0"/>
-                <a:cs typeface="Times New Roman" panose="02020603050405020304" pitchFamily="18" charset="0"/>
-              </a:rPr>
-              <a:t>слово</a:t>
-            </a:r>
-            <a:r>
-              <a:rPr kumimoji="0" lang="en-US" altLang="uk-UA" b="0" i="0" u="none" strike="noStrike" cap="none" normalizeH="0" baseline="0" dirty="0">
-                <a:ln>
-                  <a:noFill/>
-                </a:ln>
-                <a:effectLst/>
-                <a:latin typeface="Times New Roman" panose="02020603050405020304" pitchFamily="18" charset="0"/>
-                <a:cs typeface="Times New Roman" panose="02020603050405020304" pitchFamily="18" charset="0"/>
-              </a:rPr>
-              <a:t> </a:t>
-            </a:r>
-            <a:r>
-              <a:rPr kumimoji="0" lang="en-US" altLang="uk-UA" b="1" i="0" u="none" strike="noStrike" cap="none" normalizeH="0" baseline="0" dirty="0">
-                <a:ln>
-                  <a:noFill/>
-                </a:ln>
-                <a:effectLst/>
-                <a:latin typeface="Times New Roman" panose="02020603050405020304" pitchFamily="18" charset="0"/>
-                <a:cs typeface="Times New Roman" panose="02020603050405020304" pitchFamily="18" charset="0"/>
-              </a:rPr>
-              <a:t>implements</a:t>
-            </a:r>
-            <a:r>
-              <a:rPr kumimoji="0" lang="en-US" altLang="uk-UA" b="0" i="0" u="none" strike="noStrike" cap="none" normalizeH="0" baseline="0" dirty="0">
-                <a:ln>
-                  <a:noFill/>
-                </a:ln>
-                <a:effectLst/>
-                <a:latin typeface="Times New Roman" panose="02020603050405020304" pitchFamily="18" charset="0"/>
-                <a:cs typeface="Times New Roman" panose="02020603050405020304" pitchFamily="18" charset="0"/>
-              </a:rPr>
-              <a:t> </a:t>
-            </a:r>
-            <a:r>
-              <a:rPr kumimoji="0" lang="en-US" altLang="uk-UA" b="0" i="0" u="none" strike="noStrike" cap="none" normalizeH="0" baseline="0" dirty="0" err="1">
-                <a:ln>
-                  <a:noFill/>
-                </a:ln>
-                <a:effectLst/>
-                <a:latin typeface="Times New Roman" panose="02020603050405020304" pitchFamily="18" charset="0"/>
-                <a:cs typeface="Times New Roman" panose="02020603050405020304" pitchFamily="18" charset="0"/>
-              </a:rPr>
-              <a:t>використовується</a:t>
-            </a:r>
-            <a:r>
-              <a:rPr kumimoji="0" lang="en-US" altLang="uk-UA" b="0" i="0" u="none" strike="noStrike" cap="none" normalizeH="0" baseline="0" dirty="0">
-                <a:ln>
-                  <a:noFill/>
-                </a:ln>
-                <a:effectLst/>
-                <a:latin typeface="Times New Roman" panose="02020603050405020304" pitchFamily="18" charset="0"/>
-                <a:cs typeface="Times New Roman" panose="02020603050405020304" pitchFamily="18" charset="0"/>
-              </a:rPr>
-              <a:t> </a:t>
-            </a:r>
-            <a:r>
-              <a:rPr kumimoji="0" lang="en-US" altLang="uk-UA" b="0" i="0" u="none" strike="noStrike" cap="none" normalizeH="0" baseline="0" dirty="0" err="1">
-                <a:ln>
-                  <a:noFill/>
-                </a:ln>
-                <a:effectLst/>
-                <a:latin typeface="Times New Roman" panose="02020603050405020304" pitchFamily="18" charset="0"/>
-                <a:cs typeface="Times New Roman" panose="02020603050405020304" pitchFamily="18" charset="0"/>
-              </a:rPr>
-              <a:t>для</a:t>
-            </a:r>
-            <a:r>
-              <a:rPr kumimoji="0" lang="en-US" altLang="uk-UA" b="0" i="0" u="none" strike="noStrike" cap="none" normalizeH="0" baseline="0" dirty="0">
-                <a:ln>
-                  <a:noFill/>
-                </a:ln>
-                <a:effectLst/>
-                <a:latin typeface="Times New Roman" panose="02020603050405020304" pitchFamily="18" charset="0"/>
-                <a:cs typeface="Times New Roman" panose="02020603050405020304" pitchFamily="18" charset="0"/>
-              </a:rPr>
-              <a:t> </a:t>
-            </a:r>
-            <a:r>
-              <a:rPr kumimoji="0" lang="en-US" altLang="uk-UA" b="0" i="0" u="none" strike="noStrike" cap="none" normalizeH="0" baseline="0" dirty="0" err="1">
-                <a:ln>
-                  <a:noFill/>
-                </a:ln>
-                <a:effectLst/>
-                <a:latin typeface="Times New Roman" panose="02020603050405020304" pitchFamily="18" charset="0"/>
-                <a:cs typeface="Times New Roman" panose="02020603050405020304" pitchFamily="18" charset="0"/>
-              </a:rPr>
-              <a:t>класів</a:t>
-            </a:r>
-            <a:r>
-              <a:rPr kumimoji="0" lang="en-US" altLang="uk-UA" b="0" i="0" u="none" strike="noStrike" cap="none" normalizeH="0" baseline="0" dirty="0">
-                <a:ln>
-                  <a:noFill/>
-                </a:ln>
-                <a:effectLst/>
-                <a:latin typeface="Times New Roman" panose="02020603050405020304" pitchFamily="18" charset="0"/>
-                <a:cs typeface="Times New Roman" panose="02020603050405020304" pitchFamily="18" charset="0"/>
-              </a:rPr>
-              <a:t> </a:t>
-            </a:r>
-            <a:r>
-              <a:rPr kumimoji="0" lang="en-US" altLang="uk-UA" b="0" i="0" u="none" strike="noStrike" cap="none" normalizeH="0" baseline="0" dirty="0" err="1">
-                <a:ln>
-                  <a:noFill/>
-                </a:ln>
-                <a:effectLst/>
-                <a:latin typeface="Times New Roman" panose="02020603050405020304" pitchFamily="18" charset="0"/>
-                <a:cs typeface="Times New Roman" panose="02020603050405020304" pitchFamily="18" charset="0"/>
-              </a:rPr>
-              <a:t>що</a:t>
-            </a:r>
-            <a:r>
-              <a:rPr kumimoji="0" lang="en-US" altLang="uk-UA" b="0" i="0" u="none" strike="noStrike" cap="none" normalizeH="0" baseline="0" dirty="0">
-                <a:ln>
-                  <a:noFill/>
-                </a:ln>
-                <a:effectLst/>
-                <a:latin typeface="Times New Roman" panose="02020603050405020304" pitchFamily="18" charset="0"/>
-                <a:cs typeface="Times New Roman" panose="02020603050405020304" pitchFamily="18" charset="0"/>
-              </a:rPr>
-              <a:t> </a:t>
-            </a:r>
-            <a:r>
-              <a:rPr kumimoji="0" lang="en-US" altLang="uk-UA" b="0" i="0" u="none" strike="noStrike" cap="none" normalizeH="0" baseline="0" dirty="0" err="1">
-                <a:ln>
-                  <a:noFill/>
-                </a:ln>
-                <a:effectLst/>
-                <a:latin typeface="Times New Roman" panose="02020603050405020304" pitchFamily="18" charset="0"/>
-                <a:cs typeface="Times New Roman" panose="02020603050405020304" pitchFamily="18" charset="0"/>
-              </a:rPr>
-              <a:t>наслідуються</a:t>
-            </a:r>
-            <a:r>
-              <a:rPr kumimoji="0" lang="en-US" altLang="uk-UA" b="0" i="0" u="none" strike="noStrike" cap="none" normalizeH="0" baseline="0" dirty="0">
-                <a:ln>
-                  <a:noFill/>
-                </a:ln>
-                <a:effectLst/>
-                <a:latin typeface="Times New Roman" panose="02020603050405020304" pitchFamily="18" charset="0"/>
-                <a:cs typeface="Times New Roman" panose="02020603050405020304" pitchFamily="18" charset="0"/>
-              </a:rPr>
-              <a:t> </a:t>
-            </a:r>
-            <a:r>
-              <a:rPr kumimoji="0" lang="en-US" altLang="uk-UA" b="0" i="0" u="none" strike="noStrike" cap="none" normalizeH="0" baseline="0" dirty="0" err="1">
-                <a:ln>
-                  <a:noFill/>
-                </a:ln>
-                <a:effectLst/>
-                <a:latin typeface="Times New Roman" panose="02020603050405020304" pitchFamily="18" charset="0"/>
-                <a:cs typeface="Times New Roman" panose="02020603050405020304" pitchFamily="18" charset="0"/>
-              </a:rPr>
-              <a:t>від</a:t>
-            </a:r>
-            <a:r>
-              <a:rPr kumimoji="0" lang="en-US" altLang="uk-UA" b="0" i="0" u="none" strike="noStrike" cap="none" normalizeH="0" baseline="0" dirty="0">
-                <a:ln>
-                  <a:noFill/>
-                </a:ln>
-                <a:effectLst/>
-                <a:latin typeface="Times New Roman" panose="02020603050405020304" pitchFamily="18" charset="0"/>
-                <a:cs typeface="Times New Roman" panose="02020603050405020304" pitchFamily="18" charset="0"/>
-              </a:rPr>
-              <a:t> </a:t>
-            </a:r>
-            <a:r>
-              <a:rPr kumimoji="0" lang="en-US" altLang="uk-UA" b="0" i="0" u="none" strike="noStrike" cap="none" normalizeH="0" baseline="0" dirty="0" err="1">
-                <a:ln>
-                  <a:noFill/>
-                </a:ln>
-                <a:effectLst/>
-                <a:latin typeface="Times New Roman" panose="02020603050405020304" pitchFamily="18" charset="0"/>
-                <a:cs typeface="Times New Roman" panose="02020603050405020304" pitchFamily="18" charset="0"/>
-              </a:rPr>
-              <a:t>інтерфейсів</a:t>
-            </a:r>
-            <a:r>
-              <a:rPr kumimoji="0" lang="en-US" altLang="uk-UA" b="0" i="0" u="none" strike="noStrike" cap="none" normalizeH="0" baseline="0" dirty="0">
-                <a:ln>
-                  <a:noFill/>
-                </a:ln>
-                <a:effectLst/>
-                <a:latin typeface="Times New Roman" panose="02020603050405020304" pitchFamily="18" charset="0"/>
-                <a:cs typeface="Times New Roman" panose="02020603050405020304" pitchFamily="18" charset="0"/>
-              </a:rPr>
-              <a:t>. </a:t>
-            </a:r>
-            <a:r>
-              <a:rPr kumimoji="0" lang="en-US" altLang="uk-UA" b="0" i="0" u="none" strike="noStrike" cap="none" normalizeH="0" baseline="0" dirty="0" err="1">
-                <a:ln>
-                  <a:noFill/>
-                </a:ln>
-                <a:effectLst/>
-                <a:latin typeface="Times New Roman" panose="02020603050405020304" pitchFamily="18" charset="0"/>
-                <a:cs typeface="Times New Roman" panose="02020603050405020304" pitchFamily="18" charset="0"/>
-              </a:rPr>
-              <a:t>Інтерфейс</a:t>
-            </a:r>
-            <a:r>
-              <a:rPr kumimoji="0" lang="en-US" altLang="uk-UA" b="0" i="0" u="none" strike="noStrike" cap="none" normalizeH="0" baseline="0" dirty="0">
-                <a:ln>
-                  <a:noFill/>
-                </a:ln>
-                <a:effectLst/>
-                <a:latin typeface="Times New Roman" panose="02020603050405020304" pitchFamily="18" charset="0"/>
-                <a:cs typeface="Times New Roman" panose="02020603050405020304" pitchFamily="18" charset="0"/>
-              </a:rPr>
-              <a:t> </a:t>
-            </a:r>
-            <a:r>
-              <a:rPr kumimoji="0" lang="en-US" altLang="uk-UA" b="0" i="0" u="none" strike="noStrike" cap="none" normalizeH="0" baseline="0" dirty="0" err="1">
-                <a:ln>
-                  <a:noFill/>
-                </a:ln>
-                <a:effectLst/>
-                <a:latin typeface="Times New Roman" panose="02020603050405020304" pitchFamily="18" charset="0"/>
-                <a:cs typeface="Times New Roman" panose="02020603050405020304" pitchFamily="18" charset="0"/>
-              </a:rPr>
-              <a:t>ніколи</a:t>
-            </a:r>
-            <a:r>
-              <a:rPr kumimoji="0" lang="en-US" altLang="uk-UA" b="0" i="0" u="none" strike="noStrike" cap="none" normalizeH="0" baseline="0" dirty="0">
-                <a:ln>
-                  <a:noFill/>
-                </a:ln>
-                <a:effectLst/>
-                <a:latin typeface="Times New Roman" panose="02020603050405020304" pitchFamily="18" charset="0"/>
-                <a:cs typeface="Times New Roman" panose="02020603050405020304" pitchFamily="18" charset="0"/>
-              </a:rPr>
-              <a:t> </a:t>
-            </a:r>
-            <a:r>
-              <a:rPr kumimoji="0" lang="en-US" altLang="uk-UA" b="0" i="0" u="none" strike="noStrike" cap="none" normalizeH="0" baseline="0" dirty="0" err="1">
-                <a:ln>
-                  <a:noFill/>
-                </a:ln>
-                <a:effectLst/>
-                <a:latin typeface="Times New Roman" panose="02020603050405020304" pitchFamily="18" charset="0"/>
-                <a:cs typeface="Times New Roman" panose="02020603050405020304" pitchFamily="18" charset="0"/>
-              </a:rPr>
-              <a:t>не</a:t>
-            </a:r>
-            <a:r>
-              <a:rPr kumimoji="0" lang="en-US" altLang="uk-UA" b="0" i="0" u="none" strike="noStrike" cap="none" normalizeH="0" baseline="0" dirty="0">
-                <a:ln>
-                  <a:noFill/>
-                </a:ln>
-                <a:effectLst/>
-                <a:latin typeface="Times New Roman" panose="02020603050405020304" pitchFamily="18" charset="0"/>
-                <a:cs typeface="Times New Roman" panose="02020603050405020304" pitchFamily="18" charset="0"/>
-              </a:rPr>
-              <a:t> </a:t>
-            </a:r>
-            <a:r>
-              <a:rPr kumimoji="0" lang="en-US" altLang="uk-UA" b="0" i="0" u="none" strike="noStrike" cap="none" normalizeH="0" baseline="0" dirty="0" err="1">
-                <a:ln>
-                  <a:noFill/>
-                </a:ln>
-                <a:effectLst/>
-                <a:latin typeface="Times New Roman" panose="02020603050405020304" pitchFamily="18" charset="0"/>
-                <a:cs typeface="Times New Roman" panose="02020603050405020304" pitchFamily="18" charset="0"/>
-              </a:rPr>
-              <a:t>може</a:t>
-            </a:r>
-            <a:r>
-              <a:rPr kumimoji="0" lang="en-US" altLang="uk-UA" b="0" i="0" u="none" strike="noStrike" cap="none" normalizeH="0" baseline="0" dirty="0">
-                <a:ln>
-                  <a:noFill/>
-                </a:ln>
-                <a:effectLst/>
-                <a:latin typeface="Times New Roman" panose="02020603050405020304" pitchFamily="18" charset="0"/>
-                <a:cs typeface="Times New Roman" panose="02020603050405020304" pitchFamily="18" charset="0"/>
-              </a:rPr>
-              <a:t> </a:t>
-            </a:r>
-            <a:r>
-              <a:rPr kumimoji="0" lang="en-US" altLang="uk-UA" b="0" i="0" u="none" strike="noStrike" cap="none" normalizeH="0" baseline="0" dirty="0" err="1">
-                <a:ln>
-                  <a:noFill/>
-                </a:ln>
-                <a:effectLst/>
-                <a:latin typeface="Times New Roman" panose="02020603050405020304" pitchFamily="18" charset="0"/>
-                <a:cs typeface="Times New Roman" panose="02020603050405020304" pitchFamily="18" charset="0"/>
-              </a:rPr>
-              <a:t>наслідуватися</a:t>
-            </a:r>
-            <a:r>
-              <a:rPr kumimoji="0" lang="en-US" altLang="uk-UA" b="0" i="0" u="none" strike="noStrike" cap="none" normalizeH="0" baseline="0" dirty="0">
-                <a:ln>
-                  <a:noFill/>
-                </a:ln>
-                <a:effectLst/>
-                <a:latin typeface="Times New Roman" panose="02020603050405020304" pitchFamily="18" charset="0"/>
-                <a:cs typeface="Times New Roman" panose="02020603050405020304" pitchFamily="18" charset="0"/>
-              </a:rPr>
-              <a:t> </a:t>
-            </a:r>
-            <a:r>
-              <a:rPr kumimoji="0" lang="en-US" altLang="uk-UA" b="0" i="0" u="none" strike="noStrike" cap="none" normalizeH="0" baseline="0" dirty="0" err="1">
-                <a:ln>
-                  <a:noFill/>
-                </a:ln>
-                <a:effectLst/>
-                <a:latin typeface="Times New Roman" panose="02020603050405020304" pitchFamily="18" charset="0"/>
-                <a:cs typeface="Times New Roman" panose="02020603050405020304" pitchFamily="18" charset="0"/>
-              </a:rPr>
-              <a:t>від</a:t>
-            </a:r>
-            <a:r>
-              <a:rPr kumimoji="0" lang="en-US" altLang="uk-UA" b="0" i="0" u="none" strike="noStrike" cap="none" normalizeH="0" baseline="0" dirty="0">
-                <a:ln>
-                  <a:noFill/>
-                </a:ln>
-                <a:effectLst/>
-                <a:latin typeface="Times New Roman" panose="02020603050405020304" pitchFamily="18" charset="0"/>
-                <a:cs typeface="Times New Roman" panose="02020603050405020304" pitchFamily="18" charset="0"/>
-              </a:rPr>
-              <a:t> </a:t>
-            </a:r>
-            <a:r>
-              <a:rPr kumimoji="0" lang="en-US" altLang="uk-UA" b="0" i="0" u="none" strike="noStrike" cap="none" normalizeH="0" baseline="0" dirty="0" err="1">
-                <a:ln>
-                  <a:noFill/>
-                </a:ln>
-                <a:effectLst/>
-                <a:latin typeface="Times New Roman" panose="02020603050405020304" pitchFamily="18" charset="0"/>
-                <a:cs typeface="Times New Roman" panose="02020603050405020304" pitchFamily="18" charset="0"/>
-              </a:rPr>
-              <a:t>класу</a:t>
-            </a:r>
-            <a:r>
-              <a:rPr kumimoji="0" lang="en-US" altLang="uk-UA" b="0" i="0" u="none" strike="noStrike" cap="none" normalizeH="0" baseline="0" dirty="0">
-                <a:ln>
-                  <a:noFill/>
-                </a:ln>
-                <a:effectLst/>
-                <a:latin typeface="Times New Roman" panose="02020603050405020304" pitchFamily="18" charset="0"/>
-                <a:cs typeface="Times New Roman" panose="02020603050405020304" pitchFamily="18" charset="0"/>
-              </a:rPr>
-              <a:t>.</a:t>
-            </a:r>
-          </a:p>
-        </p:txBody>
-      </p:sp>
-      <p:sp>
-        <p:nvSpPr>
-          <p:cNvPr id="5" name="Заголовок 1">
-            <a:extLst>
-              <a:ext uri="{FF2B5EF4-FFF2-40B4-BE49-F238E27FC236}">
-                <a16:creationId xmlns:a16="http://schemas.microsoft.com/office/drawing/2014/main" id="{B5F69029-639F-4DFA-AAB1-2F168E7103F4}"/>
-              </a:ext>
-            </a:extLst>
-          </p:cNvPr>
-          <p:cNvSpPr txBox="1">
-            <a:spLocks/>
-          </p:cNvSpPr>
-          <p:nvPr/>
-        </p:nvSpPr>
-        <p:spPr>
-          <a:xfrm>
-            <a:off x="0" y="1"/>
-            <a:ext cx="12192000" cy="681036"/>
-          </a:xfrm>
-          <a:prstGeom prst="rect">
-            <a:avLst/>
-          </a:prstGeom>
-        </p:spPr>
-        <p:txBody>
-          <a:bodyPr vert="horz" lIns="91440" tIns="45720" rIns="91440" bIns="45720" rtlCol="0" anchor="ctr">
-            <a:noAutofit/>
-          </a:bodyPr>
-          <a:lstStyle>
-            <a:lvl1pPr algn="l" defTabSz="914400" rtl="0" eaLnBrk="1" latinLnBrk="0" hangingPunct="1">
-              <a:lnSpc>
-                <a:spcPct val="90000"/>
-              </a:lnSpc>
-              <a:spcBef>
-                <a:spcPct val="0"/>
-              </a:spcBef>
-              <a:buNone/>
-              <a:defRPr sz="4400" kern="1200">
-                <a:solidFill>
-                  <a:schemeClr val="tx1"/>
-                </a:solidFill>
-                <a:latin typeface="+mj-lt"/>
-                <a:ea typeface="+mj-ea"/>
-                <a:cs typeface="+mj-cs"/>
-              </a:defRPr>
-            </a:lvl1pPr>
-          </a:lstStyle>
-          <a:p>
-            <a:pPr algn="ctr"/>
-            <a:r>
-              <a:rPr lang="uk-UA">
-                <a:latin typeface="Times New Roman" panose="02020603050405020304" pitchFamily="18" charset="0"/>
-                <a:cs typeface="Times New Roman" panose="02020603050405020304" pitchFamily="18" charset="0"/>
-              </a:rPr>
-              <a:t>Відношення </a:t>
-            </a:r>
-            <a:r>
-              <a:rPr lang="en-US">
-                <a:latin typeface="Times New Roman" panose="02020603050405020304" pitchFamily="18" charset="0"/>
-                <a:cs typeface="Times New Roman" panose="02020603050405020304" pitchFamily="18" charset="0"/>
-              </a:rPr>
-              <a:t>IS-A (</a:t>
-            </a:r>
-            <a:r>
-              <a:rPr lang="uk-UA">
-                <a:latin typeface="Times New Roman" panose="02020603050405020304" pitchFamily="18" charset="0"/>
-                <a:cs typeface="Times New Roman" panose="02020603050405020304" pitchFamily="18" charset="0"/>
-              </a:rPr>
-              <a:t>є, являється):</a:t>
-            </a:r>
-            <a:endParaRPr lang="uk-UA" dirty="0">
-              <a:latin typeface="Times New Roman" panose="02020603050405020304" pitchFamily="18" charset="0"/>
-              <a:cs typeface="Times New Roman" panose="02020603050405020304" pitchFamily="18" charset="0"/>
-            </a:endParaRPr>
-          </a:p>
-        </p:txBody>
-      </p:sp>
-      <p:pic>
-        <p:nvPicPr>
-          <p:cNvPr id="13314" name="Picture 2">
-            <a:hlinkClick r:id="rId2"/>
-            <a:extLst>
-              <a:ext uri="{FF2B5EF4-FFF2-40B4-BE49-F238E27FC236}">
-                <a16:creationId xmlns:a16="http://schemas.microsoft.com/office/drawing/2014/main" id="{6B612B6B-5150-4416-9BCC-F61D363CAB17}"/>
-              </a:ext>
-            </a:extLst>
-          </p:cNvPr>
-          <p:cNvPicPr>
-            <a:picLocks noChangeAspect="1" noChangeArrowheads="1"/>
-          </p:cNvPicPr>
-          <p:nvPr/>
-        </p:nvPicPr>
-        <p:blipFill>
-          <a:blip r:embed="rId3">
-            <a:extLst>
-              <a:ext uri="{28A0092B-C50C-407E-A947-70E740481C1C}">
-                <a14:useLocalDpi xmlns:a14="http://schemas.microsoft.com/office/drawing/2010/main" val="0"/>
-              </a:ext>
-            </a:extLst>
-          </a:blip>
-          <a:srcRect/>
-          <a:stretch>
-            <a:fillRect/>
-          </a:stretch>
-        </p:blipFill>
-        <p:spPr bwMode="auto">
-          <a:xfrm>
-            <a:off x="465056" y="2285057"/>
-            <a:ext cx="6096000" cy="914400"/>
-          </a:xfrm>
-          <a:prstGeom prst="rect">
-            <a:avLst/>
-          </a:prstGeom>
-          <a:noFill/>
-          <a:extLst>
-            <a:ext uri="{909E8E84-426E-40DD-AFC4-6F175D3DCCD1}">
-              <a14:hiddenFill xmlns:a14="http://schemas.microsoft.com/office/drawing/2010/main">
-                <a:solidFill>
-                  <a:srgbClr val="FFFFFF"/>
-                </a:solidFill>
-              </a14:hiddenFill>
-            </a:ext>
-          </a:extLst>
-        </p:spPr>
-      </p:pic>
-      <p:sp>
-        <p:nvSpPr>
-          <p:cNvPr id="10" name="TextBox 9">
-            <a:extLst>
-              <a:ext uri="{FF2B5EF4-FFF2-40B4-BE49-F238E27FC236}">
-                <a16:creationId xmlns:a16="http://schemas.microsoft.com/office/drawing/2014/main" id="{8F59EFEB-EB3E-4BCA-8014-0913EF6445E4}"/>
-              </a:ext>
-            </a:extLst>
-          </p:cNvPr>
-          <p:cNvSpPr txBox="1"/>
-          <p:nvPr/>
-        </p:nvSpPr>
-        <p:spPr>
-          <a:xfrm>
-            <a:off x="700726" y="5368180"/>
-            <a:ext cx="6169842" cy="1200329"/>
-          </a:xfrm>
-          <a:prstGeom prst="rect">
-            <a:avLst/>
-          </a:prstGeom>
-          <a:noFill/>
-        </p:spPr>
-        <p:txBody>
-          <a:bodyPr wrap="square">
-            <a:spAutoFit/>
-          </a:bodyPr>
-          <a:lstStyle/>
-          <a:p>
-            <a:pPr marL="0" marR="0" lvl="0" indent="90488" algn="just" defTabSz="914400" rtl="0" eaLnBrk="0" fontAlgn="base" latinLnBrk="0" hangingPunct="0">
-              <a:lnSpc>
-                <a:spcPct val="100000"/>
-              </a:lnSpc>
-              <a:spcBef>
-                <a:spcPct val="0"/>
-              </a:spcBef>
-              <a:spcAft>
-                <a:spcPct val="0"/>
-              </a:spcAft>
-              <a:buClrTx/>
-              <a:buSzTx/>
-              <a:buFontTx/>
-              <a:buNone/>
-              <a:tabLst/>
-            </a:pPr>
-            <a:r>
-              <a:rPr kumimoji="0" lang="ru-RU" altLang="uk-UA" sz="1800" b="0" i="0" u="none" strike="noStrike" cap="none" normalizeH="0" baseline="0" dirty="0">
-                <a:ln>
-                  <a:noFill/>
-                </a:ln>
-                <a:solidFill>
-                  <a:srgbClr val="444444"/>
-                </a:solidFill>
-                <a:effectLst/>
-                <a:latin typeface="Arial" panose="020B0604020202020204" pitchFamily="34" charset="0"/>
-                <a:cs typeface="Arial" panose="020B0604020202020204" pitchFamily="34" charset="0"/>
-              </a:rPr>
-              <a:t>Результатом </a:t>
-            </a:r>
-            <a:r>
-              <a:rPr kumimoji="0" lang="ru-RU" altLang="uk-UA" sz="1800" b="0" i="0" u="none" strike="noStrike" cap="none" normalizeH="0" baseline="0" dirty="0" err="1">
-                <a:ln>
-                  <a:noFill/>
-                </a:ln>
-                <a:solidFill>
-                  <a:srgbClr val="444444"/>
-                </a:solidFill>
-                <a:effectLst/>
-                <a:latin typeface="Arial" panose="020B0604020202020204" pitchFamily="34" charset="0"/>
-                <a:cs typeface="Arial" panose="020B0604020202020204" pitchFamily="34" charset="0"/>
-              </a:rPr>
-              <a:t>цього</a:t>
-            </a:r>
-            <a:r>
-              <a:rPr kumimoji="0" lang="ru-RU" altLang="uk-UA" sz="1800" b="0" i="0" u="none" strike="noStrike" cap="none" normalizeH="0" baseline="0" dirty="0">
-                <a:ln>
-                  <a:noFill/>
-                </a:ln>
-                <a:solidFill>
-                  <a:srgbClr val="444444"/>
-                </a:solidFill>
-                <a:effectLst/>
-                <a:latin typeface="Arial" panose="020B0604020202020204" pitchFamily="34" charset="0"/>
-                <a:cs typeface="Arial" panose="020B0604020202020204" pitchFamily="34" charset="0"/>
-              </a:rPr>
-              <a:t> коду буде:</a:t>
-            </a:r>
-            <a:endParaRPr kumimoji="0" lang="ru-RU" altLang="uk-UA" sz="1100" b="0" i="0" u="none" strike="noStrike" cap="none" normalizeH="0" baseline="0" dirty="0">
-              <a:ln>
-                <a:noFill/>
-              </a:ln>
-              <a:solidFill>
-                <a:srgbClr val="444444"/>
-              </a:solidFill>
-              <a:effectLst/>
-              <a:latin typeface="Arial" panose="020B0604020202020204" pitchFamily="34" charset="0"/>
-              <a:cs typeface="Arial" panose="020B0604020202020204" pitchFamily="34" charset="0"/>
-            </a:endParaRPr>
-          </a:p>
-          <a:p>
-            <a:pPr marL="0" marR="0" lvl="0" indent="90488" algn="just" defTabSz="914400" rtl="0" eaLnBrk="0" fontAlgn="base" latinLnBrk="0" hangingPunct="0">
-              <a:lnSpc>
-                <a:spcPct val="100000"/>
-              </a:lnSpc>
-              <a:spcBef>
-                <a:spcPct val="0"/>
-              </a:spcBef>
-              <a:spcAft>
-                <a:spcPct val="0"/>
-              </a:spcAft>
-              <a:buClrTx/>
-              <a:buSzTx/>
-              <a:buFontTx/>
-              <a:buNone/>
-              <a:tabLst/>
-            </a:pPr>
-            <a:r>
-              <a:rPr kumimoji="0" lang="en-US" altLang="uk-UA" sz="1800" b="1" i="0" u="none" strike="noStrike" cap="none" normalizeH="0" baseline="0" dirty="0">
-                <a:ln>
-                  <a:noFill/>
-                </a:ln>
-                <a:solidFill>
-                  <a:srgbClr val="444444"/>
-                </a:solidFill>
-                <a:effectLst/>
-                <a:latin typeface="Arial" panose="020B0604020202020204" pitchFamily="34" charset="0"/>
-                <a:cs typeface="Arial" panose="020B0604020202020204" pitchFamily="34" charset="0"/>
-              </a:rPr>
-              <a:t>true</a:t>
-            </a:r>
-            <a:endParaRPr kumimoji="0" lang="en-US" altLang="uk-UA" sz="1100" b="0" i="0" u="none" strike="noStrike" cap="none" normalizeH="0" baseline="0" dirty="0">
-              <a:ln>
-                <a:noFill/>
-              </a:ln>
-              <a:solidFill>
-                <a:srgbClr val="444444"/>
-              </a:solidFill>
-              <a:effectLst/>
-              <a:latin typeface="Arial" panose="020B0604020202020204" pitchFamily="34" charset="0"/>
-              <a:cs typeface="Arial" panose="020B0604020202020204" pitchFamily="34" charset="0"/>
-            </a:endParaRPr>
-          </a:p>
-          <a:p>
-            <a:pPr marL="0" marR="0" lvl="0" indent="90488" algn="just" defTabSz="914400" rtl="0" eaLnBrk="0" fontAlgn="base" latinLnBrk="0" hangingPunct="0">
-              <a:lnSpc>
-                <a:spcPct val="100000"/>
-              </a:lnSpc>
-              <a:spcBef>
-                <a:spcPct val="0"/>
-              </a:spcBef>
-              <a:spcAft>
-                <a:spcPct val="0"/>
-              </a:spcAft>
-              <a:buClrTx/>
-              <a:buSzTx/>
-              <a:buFontTx/>
-              <a:buNone/>
-              <a:tabLst/>
-            </a:pPr>
-            <a:r>
-              <a:rPr kumimoji="0" lang="en-US" altLang="uk-UA" sz="1800" b="1" i="0" u="none" strike="noStrike" cap="none" normalizeH="0" baseline="0" dirty="0">
-                <a:ln>
-                  <a:noFill/>
-                </a:ln>
-                <a:solidFill>
-                  <a:srgbClr val="444444"/>
-                </a:solidFill>
-                <a:effectLst/>
-                <a:latin typeface="Arial" panose="020B0604020202020204" pitchFamily="34" charset="0"/>
-                <a:cs typeface="Arial" panose="020B0604020202020204" pitchFamily="34" charset="0"/>
-              </a:rPr>
-              <a:t>true</a:t>
-            </a:r>
-            <a:endParaRPr kumimoji="0" lang="en-US" altLang="uk-UA" sz="1100" b="0" i="0" u="none" strike="noStrike" cap="none" normalizeH="0" baseline="0" dirty="0">
-              <a:ln>
-                <a:noFill/>
-              </a:ln>
-              <a:solidFill>
-                <a:srgbClr val="444444"/>
-              </a:solidFill>
-              <a:effectLst/>
-              <a:latin typeface="Arial" panose="020B0604020202020204" pitchFamily="34" charset="0"/>
-              <a:cs typeface="Arial" panose="020B0604020202020204" pitchFamily="34" charset="0"/>
-            </a:endParaRPr>
-          </a:p>
-          <a:p>
-            <a:pPr marL="0" marR="0" lvl="0" indent="90488" algn="just" defTabSz="914400" rtl="0" eaLnBrk="0" fontAlgn="base" latinLnBrk="0" hangingPunct="0">
-              <a:lnSpc>
-                <a:spcPct val="100000"/>
-              </a:lnSpc>
-              <a:spcBef>
-                <a:spcPct val="0"/>
-              </a:spcBef>
-              <a:spcAft>
-                <a:spcPct val="0"/>
-              </a:spcAft>
-              <a:buClrTx/>
-              <a:buSzTx/>
-              <a:buFontTx/>
-              <a:buNone/>
-              <a:tabLst/>
-            </a:pPr>
-            <a:r>
-              <a:rPr kumimoji="0" lang="en-US" altLang="uk-UA" sz="1800" b="1" i="0" u="none" strike="noStrike" cap="none" normalizeH="0" baseline="0" dirty="0">
-                <a:ln>
-                  <a:noFill/>
-                </a:ln>
-                <a:solidFill>
-                  <a:srgbClr val="444444"/>
-                </a:solidFill>
-                <a:effectLst/>
-                <a:latin typeface="Arial" panose="020B0604020202020204" pitchFamily="34" charset="0"/>
-                <a:cs typeface="Arial" panose="020B0604020202020204" pitchFamily="34" charset="0"/>
-              </a:rPr>
-              <a:t>true</a:t>
-            </a:r>
-            <a:endParaRPr lang="uk-UA" dirty="0"/>
-          </a:p>
-        </p:txBody>
-      </p:sp>
-      <p:sp>
-        <p:nvSpPr>
-          <p:cNvPr id="12" name="TextBox 11">
-            <a:extLst>
-              <a:ext uri="{FF2B5EF4-FFF2-40B4-BE49-F238E27FC236}">
-                <a16:creationId xmlns:a16="http://schemas.microsoft.com/office/drawing/2014/main" id="{6AA9228F-D582-4DB0-B079-B85F5E3CF0C7}"/>
-              </a:ext>
-            </a:extLst>
-          </p:cNvPr>
-          <p:cNvSpPr txBox="1"/>
-          <p:nvPr/>
-        </p:nvSpPr>
-        <p:spPr>
-          <a:xfrm>
-            <a:off x="501977" y="1915725"/>
-            <a:ext cx="6094428" cy="369332"/>
-          </a:xfrm>
-          <a:prstGeom prst="rect">
-            <a:avLst/>
-          </a:prstGeom>
-          <a:noFill/>
-        </p:spPr>
-        <p:txBody>
-          <a:bodyPr wrap="square">
-            <a:spAutoFit/>
-          </a:bodyPr>
-          <a:lstStyle/>
-          <a:p>
-            <a:r>
-              <a:rPr lang="ru-RU" sz="1800" b="0" i="0" dirty="0">
-                <a:effectLst/>
-                <a:latin typeface="Times New Roman" panose="02020603050405020304" pitchFamily="18" charset="0"/>
-                <a:cs typeface="Times New Roman" panose="02020603050405020304" pitchFamily="18" charset="0"/>
-              </a:rPr>
-              <a:t>Приклад </a:t>
-            </a:r>
-            <a:r>
-              <a:rPr lang="ru-RU" sz="1800" b="0" i="0" dirty="0" err="1">
-                <a:effectLst/>
-                <a:latin typeface="Times New Roman" panose="02020603050405020304" pitchFamily="18" charset="0"/>
-                <a:cs typeface="Times New Roman" panose="02020603050405020304" pitchFamily="18" charset="0"/>
-              </a:rPr>
-              <a:t>використання</a:t>
-            </a:r>
-            <a:r>
-              <a:rPr lang="ru-RU" sz="1800" b="0" i="0" dirty="0">
-                <a:effectLst/>
-                <a:latin typeface="Times New Roman" panose="02020603050405020304" pitchFamily="18" charset="0"/>
-                <a:cs typeface="Times New Roman" panose="02020603050405020304" pitchFamily="18" charset="0"/>
-              </a:rPr>
-              <a:t> </a:t>
-            </a:r>
-            <a:r>
-              <a:rPr lang="ru-RU" sz="1800" b="0" i="0" dirty="0" err="1">
-                <a:effectLst/>
-                <a:latin typeface="Times New Roman" panose="02020603050405020304" pitchFamily="18" charset="0"/>
-                <a:cs typeface="Times New Roman" panose="02020603050405020304" pitchFamily="18" charset="0"/>
-              </a:rPr>
-              <a:t>ключового</a:t>
-            </a:r>
-            <a:r>
-              <a:rPr lang="ru-RU" sz="1800" b="0" i="0" dirty="0">
-                <a:effectLst/>
-                <a:latin typeface="Times New Roman" panose="02020603050405020304" pitchFamily="18" charset="0"/>
-                <a:cs typeface="Times New Roman" panose="02020603050405020304" pitchFamily="18" charset="0"/>
-              </a:rPr>
-              <a:t> слова </a:t>
-            </a:r>
-            <a:r>
-              <a:rPr lang="ru-RU" sz="1800" b="1" i="0" dirty="0" err="1">
-                <a:effectLst/>
-                <a:latin typeface="Times New Roman" panose="02020603050405020304" pitchFamily="18" charset="0"/>
-                <a:cs typeface="Times New Roman" panose="02020603050405020304" pitchFamily="18" charset="0"/>
-              </a:rPr>
-              <a:t>implements</a:t>
-            </a:r>
-            <a:r>
-              <a:rPr lang="ru-RU" sz="1800" b="0" i="0" dirty="0">
-                <a:effectLst/>
-                <a:latin typeface="Times New Roman" panose="02020603050405020304" pitchFamily="18" charset="0"/>
-                <a:cs typeface="Times New Roman" panose="02020603050405020304" pitchFamily="18" charset="0"/>
-              </a:rPr>
-              <a:t>:</a:t>
-            </a:r>
-            <a:endParaRPr lang="uk-UA" dirty="0">
-              <a:latin typeface="Times New Roman" panose="02020603050405020304" pitchFamily="18" charset="0"/>
-              <a:cs typeface="Times New Roman" panose="02020603050405020304" pitchFamily="18" charset="0"/>
-            </a:endParaRPr>
-          </a:p>
-        </p:txBody>
-      </p:sp>
-      <p:sp>
-        <p:nvSpPr>
-          <p:cNvPr id="14" name="TextBox 13">
-            <a:extLst>
-              <a:ext uri="{FF2B5EF4-FFF2-40B4-BE49-F238E27FC236}">
-                <a16:creationId xmlns:a16="http://schemas.microsoft.com/office/drawing/2014/main" id="{E9DB6873-1D34-4BEF-B8E0-02D2F2582A5F}"/>
-              </a:ext>
-            </a:extLst>
-          </p:cNvPr>
-          <p:cNvSpPr txBox="1"/>
-          <p:nvPr/>
-        </p:nvSpPr>
-        <p:spPr>
-          <a:xfrm>
-            <a:off x="6024906" y="2644804"/>
-            <a:ext cx="6094428" cy="923330"/>
-          </a:xfrm>
-          <a:prstGeom prst="rect">
-            <a:avLst/>
-          </a:prstGeom>
-          <a:noFill/>
-        </p:spPr>
-        <p:txBody>
-          <a:bodyPr wrap="square">
-            <a:spAutoFit/>
-          </a:bodyPr>
-          <a:lstStyle/>
-          <a:p>
-            <a:r>
-              <a:rPr lang="uk-UA" sz="1800" b="0" i="0" dirty="0">
-                <a:effectLst/>
-                <a:latin typeface="Times New Roman" panose="02020603050405020304" pitchFamily="18" charset="0"/>
-                <a:cs typeface="Times New Roman" panose="02020603050405020304" pitchFamily="18" charset="0"/>
-              </a:rPr>
-              <a:t>Використовуючи ключове слово </a:t>
-            </a:r>
-            <a:r>
-              <a:rPr lang="en-US" sz="1800" b="1" i="0" dirty="0" err="1">
-                <a:effectLst/>
-                <a:latin typeface="Times New Roman" panose="02020603050405020304" pitchFamily="18" charset="0"/>
-                <a:cs typeface="Times New Roman" panose="02020603050405020304" pitchFamily="18" charset="0"/>
-              </a:rPr>
-              <a:t>instanceof</a:t>
-            </a:r>
-            <a:r>
-              <a:rPr lang="en-US" sz="1800" b="0" i="0" dirty="0">
-                <a:effectLst/>
-                <a:latin typeface="Times New Roman" panose="02020603050405020304" pitchFamily="18" charset="0"/>
-                <a:cs typeface="Times New Roman" panose="02020603050405020304" pitchFamily="18" charset="0"/>
-              </a:rPr>
-              <a:t>, </a:t>
-            </a:r>
-            <a:r>
-              <a:rPr lang="uk-UA" sz="1800" b="0" i="0" dirty="0">
-                <a:effectLst/>
-                <a:latin typeface="Times New Roman" panose="02020603050405020304" pitchFamily="18" charset="0"/>
-                <a:cs typeface="Times New Roman" panose="02020603050405020304" pitchFamily="18" charset="0"/>
-              </a:rPr>
-              <a:t>можна перевірити чи насправді </a:t>
-            </a:r>
-            <a:r>
-              <a:rPr lang="en-US" sz="1800" b="1" i="0" dirty="0">
-                <a:effectLst/>
-                <a:latin typeface="Times New Roman" panose="02020603050405020304" pitchFamily="18" charset="0"/>
-                <a:cs typeface="Times New Roman" panose="02020603050405020304" pitchFamily="18" charset="0"/>
-              </a:rPr>
-              <a:t>Mammal</a:t>
-            </a:r>
-            <a:r>
-              <a:rPr lang="en-US" sz="1800" b="0" i="0" dirty="0">
-                <a:effectLst/>
-                <a:latin typeface="Times New Roman" panose="02020603050405020304" pitchFamily="18" charset="0"/>
-                <a:cs typeface="Times New Roman" panose="02020603050405020304" pitchFamily="18" charset="0"/>
-              </a:rPr>
-              <a:t> </a:t>
-            </a:r>
-            <a:r>
-              <a:rPr lang="uk-UA" sz="1800" b="0" i="0" dirty="0">
-                <a:effectLst/>
-                <a:latin typeface="Times New Roman" panose="02020603050405020304" pitchFamily="18" charset="0"/>
-                <a:cs typeface="Times New Roman" panose="02020603050405020304" pitchFamily="18" charset="0"/>
-              </a:rPr>
-              <a:t>є типу </a:t>
-            </a:r>
-            <a:r>
-              <a:rPr lang="en-US" sz="1800" b="1" i="0" dirty="0">
-                <a:effectLst/>
-                <a:latin typeface="Times New Roman" panose="02020603050405020304" pitchFamily="18" charset="0"/>
-                <a:cs typeface="Times New Roman" panose="02020603050405020304" pitchFamily="18" charset="0"/>
-              </a:rPr>
-              <a:t>Animal</a:t>
-            </a:r>
-            <a:r>
-              <a:rPr lang="en-US" sz="1800" b="0" i="0" dirty="0">
-                <a:effectLst/>
-                <a:latin typeface="Times New Roman" panose="02020603050405020304" pitchFamily="18" charset="0"/>
-                <a:cs typeface="Times New Roman" panose="02020603050405020304" pitchFamily="18" charset="0"/>
-              </a:rPr>
-              <a:t>, </a:t>
-            </a:r>
-            <a:r>
-              <a:rPr lang="uk-UA" sz="1800" b="0" i="0" dirty="0">
-                <a:effectLst/>
-                <a:latin typeface="Times New Roman" panose="02020603050405020304" pitchFamily="18" charset="0"/>
-                <a:cs typeface="Times New Roman" panose="02020603050405020304" pitchFamily="18" charset="0"/>
-              </a:rPr>
-              <a:t>і </a:t>
-            </a:r>
-            <a:r>
-              <a:rPr lang="en-US" sz="1800" b="1" i="0" dirty="0">
-                <a:effectLst/>
-                <a:latin typeface="Times New Roman" panose="02020603050405020304" pitchFamily="18" charset="0"/>
-                <a:cs typeface="Times New Roman" panose="02020603050405020304" pitchFamily="18" charset="0"/>
-              </a:rPr>
-              <a:t>Dog </a:t>
-            </a:r>
-            <a:r>
-              <a:rPr lang="uk-UA" sz="1800" b="0" i="0" dirty="0">
-                <a:effectLst/>
-                <a:latin typeface="Times New Roman" panose="02020603050405020304" pitchFamily="18" charset="0"/>
-                <a:cs typeface="Times New Roman" panose="02020603050405020304" pitchFamily="18" charset="0"/>
-              </a:rPr>
-              <a:t>є типу </a:t>
-            </a:r>
-            <a:r>
-              <a:rPr lang="en-US" sz="1800" b="1" i="0" dirty="0">
-                <a:effectLst/>
-                <a:latin typeface="Times New Roman" panose="02020603050405020304" pitchFamily="18" charset="0"/>
-                <a:cs typeface="Times New Roman" panose="02020603050405020304" pitchFamily="18" charset="0"/>
-              </a:rPr>
-              <a:t>Animal</a:t>
-            </a:r>
-            <a:r>
-              <a:rPr lang="en-US" sz="1800" b="0" i="0" dirty="0">
-                <a:effectLst/>
-                <a:latin typeface="Times New Roman" panose="02020603050405020304" pitchFamily="18" charset="0"/>
-                <a:cs typeface="Times New Roman" panose="02020603050405020304" pitchFamily="18" charset="0"/>
-              </a:rPr>
-              <a:t>.</a:t>
-            </a:r>
-            <a:endParaRPr lang="uk-UA" dirty="0">
-              <a:latin typeface="Times New Roman" panose="02020603050405020304" pitchFamily="18" charset="0"/>
-              <a:cs typeface="Times New Roman" panose="02020603050405020304" pitchFamily="18" charset="0"/>
-            </a:endParaRPr>
-          </a:p>
-        </p:txBody>
-      </p:sp>
-      <p:pic>
-        <p:nvPicPr>
-          <p:cNvPr id="13317" name="Picture 5">
-            <a:extLst>
-              <a:ext uri="{FF2B5EF4-FFF2-40B4-BE49-F238E27FC236}">
-                <a16:creationId xmlns:a16="http://schemas.microsoft.com/office/drawing/2014/main" id="{9C8AB884-F1C1-40FC-9707-8A56AA768944}"/>
-              </a:ext>
-            </a:extLst>
-          </p:cNvPr>
-          <p:cNvPicPr>
-            <a:picLocks noChangeAspect="1" noChangeArrowheads="1"/>
-          </p:cNvPicPr>
-          <p:nvPr/>
-        </p:nvPicPr>
-        <p:blipFill>
-          <a:blip r:embed="rId4">
-            <a:extLst>
-              <a:ext uri="{28A0092B-C50C-407E-A947-70E740481C1C}">
-                <a14:useLocalDpi xmlns:a14="http://schemas.microsoft.com/office/drawing/2010/main" val="0"/>
-              </a:ext>
-            </a:extLst>
-          </a:blip>
-          <a:srcRect/>
-          <a:stretch>
-            <a:fillRect/>
-          </a:stretch>
-        </p:blipFill>
-        <p:spPr bwMode="auto">
-          <a:xfrm>
-            <a:off x="5942028" y="3633113"/>
-            <a:ext cx="6096000" cy="3000375"/>
-          </a:xfrm>
-          <a:prstGeom prst="rect">
-            <a:avLst/>
-          </a:prstGeom>
-          <a:noFill/>
-          <a:extLst>
-            <a:ext uri="{909E8E84-426E-40DD-AFC4-6F175D3DCCD1}">
-              <a14:hiddenFill xmlns:a14="http://schemas.microsoft.com/office/drawing/2010/main">
-                <a:solidFill>
-                  <a:srgbClr val="FFFFFF"/>
-                </a:solidFill>
-              </a14:hiddenFill>
-            </a:ext>
-          </a:extLst>
-        </p:spPr>
-      </p:pic>
-    </p:spTree>
-    <p:extLst>
-      <p:ext uri="{BB962C8B-B14F-4D97-AF65-F5344CB8AC3E}">
-        <p14:creationId xmlns:p14="http://schemas.microsoft.com/office/powerpoint/2010/main" val="2383525996"/>
-      </p:ext>
-    </p:extLst>
-  </p:cSld>
-  <p:clrMapOvr>
-    <a:masterClrMapping/>
-  </p:clrMapOvr>
-</p:sld>
-</file>
-
-<file path=ppt/slides/slide15.xml><?xml version="1.0" encoding="utf-8"?>
-<p:sld xmlns:a="http://schemas.openxmlformats.org/drawingml/2006/main" xmlns:r="http://schemas.openxmlformats.org/officeDocument/2006/relationships" xmlns:p="http://schemas.openxmlformats.org/presentationml/2006/main">
-  <p:cSld>
-    <p:spTree>
-      <p:nvGrpSpPr>
-        <p:cNvPr id="1" name=""/>
-        <p:cNvGrpSpPr/>
-        <p:nvPr/>
-      </p:nvGrpSpPr>
-      <p:grpSpPr>
-        <a:xfrm>
-          <a:off x="0" y="0"/>
-          <a:ext cx="0" cy="0"/>
-          <a:chOff x="0" y="0"/>
-          <a:chExt cx="0" cy="0"/>
-        </a:xfrm>
-      </p:grpSpPr>
-      <p:sp>
-        <p:nvSpPr>
-          <p:cNvPr id="2" name="Заголовок 1">
-            <a:extLst>
-              <a:ext uri="{FF2B5EF4-FFF2-40B4-BE49-F238E27FC236}">
-                <a16:creationId xmlns:a16="http://schemas.microsoft.com/office/drawing/2014/main" id="{197880BE-03F0-421A-8872-30C103656D82}"/>
-              </a:ext>
-            </a:extLst>
-          </p:cNvPr>
-          <p:cNvSpPr>
-            <a:spLocks noGrp="1"/>
-          </p:cNvSpPr>
-          <p:nvPr>
-            <p:ph type="title"/>
-          </p:nvPr>
-        </p:nvSpPr>
-        <p:spPr>
-          <a:xfrm>
-            <a:off x="0" y="0"/>
-            <a:ext cx="12192000" cy="725863"/>
-          </a:xfrm>
-        </p:spPr>
-        <p:txBody>
-          <a:bodyPr>
-            <a:normAutofit fontScale="90000"/>
-          </a:bodyPr>
-          <a:lstStyle/>
-          <a:p>
-            <a:pPr algn="ctr"/>
-            <a:r>
-              <a:rPr lang="ru-RU" sz="4000" i="0" dirty="0" err="1">
-                <a:effectLst/>
-                <a:latin typeface="Times New Roman" panose="02020603050405020304" pitchFamily="18" charset="0"/>
-                <a:cs typeface="Times New Roman" panose="02020603050405020304" pitchFamily="18" charset="0"/>
-              </a:rPr>
-              <a:t>Відношення</a:t>
-            </a:r>
-            <a:r>
-              <a:rPr lang="ru-RU" sz="4000" i="0" dirty="0">
-                <a:effectLst/>
-                <a:latin typeface="Times New Roman" panose="02020603050405020304" pitchFamily="18" charset="0"/>
-                <a:cs typeface="Times New Roman" panose="02020603050405020304" pitchFamily="18" charset="0"/>
-              </a:rPr>
-              <a:t> HAS-A(</a:t>
-            </a:r>
-            <a:r>
-              <a:rPr lang="ru-RU" sz="4000" i="0" dirty="0" err="1">
-                <a:effectLst/>
-                <a:latin typeface="Times New Roman" panose="02020603050405020304" pitchFamily="18" charset="0"/>
-                <a:cs typeface="Times New Roman" panose="02020603050405020304" pitchFamily="18" charset="0"/>
-              </a:rPr>
-              <a:t>має</a:t>
-            </a:r>
-            <a:r>
-              <a:rPr lang="ru-RU" sz="4000" i="0" dirty="0">
-                <a:effectLst/>
-                <a:latin typeface="Times New Roman" panose="02020603050405020304" pitchFamily="18" charset="0"/>
-                <a:cs typeface="Times New Roman" panose="02020603050405020304" pitchFamily="18" charset="0"/>
-              </a:rPr>
-              <a:t> в </a:t>
-            </a:r>
-            <a:r>
-              <a:rPr lang="ru-RU" sz="4000" i="0" dirty="0" err="1">
-                <a:effectLst/>
-                <a:latin typeface="Times New Roman" panose="02020603050405020304" pitchFamily="18" charset="0"/>
-                <a:cs typeface="Times New Roman" panose="02020603050405020304" pitchFamily="18" charset="0"/>
-              </a:rPr>
-              <a:t>своєму</a:t>
-            </a:r>
-            <a:r>
-              <a:rPr lang="ru-RU" sz="4000" i="0" dirty="0">
-                <a:effectLst/>
-                <a:latin typeface="Times New Roman" panose="02020603050405020304" pitchFamily="18" charset="0"/>
-                <a:cs typeface="Times New Roman" panose="02020603050405020304" pitchFamily="18" charset="0"/>
-              </a:rPr>
-              <a:t> </a:t>
-            </a:r>
-            <a:r>
-              <a:rPr lang="ru-RU" sz="4000" i="0" dirty="0" err="1">
-                <a:effectLst/>
-                <a:latin typeface="Times New Roman" panose="02020603050405020304" pitchFamily="18" charset="0"/>
-                <a:cs typeface="Times New Roman" panose="02020603050405020304" pitchFamily="18" charset="0"/>
-              </a:rPr>
-              <a:t>складі</a:t>
-            </a:r>
-            <a:r>
-              <a:rPr lang="ru-RU" sz="4000" i="0" dirty="0">
-                <a:effectLst/>
-                <a:latin typeface="Times New Roman" panose="02020603050405020304" pitchFamily="18" charset="0"/>
-                <a:cs typeface="Times New Roman" panose="02020603050405020304" pitchFamily="18" charset="0"/>
-              </a:rPr>
-              <a:t>, </a:t>
-            </a:r>
-            <a:r>
-              <a:rPr lang="ru-RU" sz="4000" i="0" dirty="0" err="1">
-                <a:effectLst/>
-                <a:latin typeface="Times New Roman" panose="02020603050405020304" pitchFamily="18" charset="0"/>
-                <a:cs typeface="Times New Roman" panose="02020603050405020304" pitchFamily="18" charset="0"/>
-              </a:rPr>
-              <a:t>складається</a:t>
-            </a:r>
-            <a:r>
-              <a:rPr lang="ru-RU" sz="4000" i="0" dirty="0">
-                <a:effectLst/>
-                <a:latin typeface="Times New Roman" panose="02020603050405020304" pitchFamily="18" charset="0"/>
-                <a:cs typeface="Times New Roman" panose="02020603050405020304" pitchFamily="18" charset="0"/>
-              </a:rPr>
-              <a:t> з):</a:t>
-            </a:r>
-            <a:endParaRPr lang="uk-UA" sz="8000" dirty="0">
-              <a:latin typeface="Times New Roman" panose="02020603050405020304" pitchFamily="18" charset="0"/>
-              <a:cs typeface="Times New Roman" panose="02020603050405020304" pitchFamily="18" charset="0"/>
-            </a:endParaRPr>
-          </a:p>
-        </p:txBody>
-      </p:sp>
-      <p:pic>
-        <p:nvPicPr>
-          <p:cNvPr id="14338" name="Picture 2">
-            <a:hlinkClick r:id="rId2"/>
-            <a:extLst>
-              <a:ext uri="{FF2B5EF4-FFF2-40B4-BE49-F238E27FC236}">
-                <a16:creationId xmlns:a16="http://schemas.microsoft.com/office/drawing/2014/main" id="{77677287-7D50-4708-A3ED-594EF480F6D7}"/>
-              </a:ext>
-            </a:extLst>
-          </p:cNvPr>
-          <p:cNvPicPr>
-            <a:picLocks noChangeAspect="1" noChangeArrowheads="1"/>
-          </p:cNvPicPr>
-          <p:nvPr/>
-        </p:nvPicPr>
-        <p:blipFill>
-          <a:blip r:embed="rId3">
-            <a:extLst>
-              <a:ext uri="{28A0092B-C50C-407E-A947-70E740481C1C}">
-                <a14:useLocalDpi xmlns:a14="http://schemas.microsoft.com/office/drawing/2010/main" val="0"/>
-              </a:ext>
-            </a:extLst>
-          </a:blip>
-          <a:srcRect/>
-          <a:stretch>
-            <a:fillRect/>
-          </a:stretch>
-        </p:blipFill>
-        <p:spPr bwMode="auto">
-          <a:xfrm>
-            <a:off x="521239" y="1997029"/>
-            <a:ext cx="6332047" cy="1619250"/>
-          </a:xfrm>
-          <a:prstGeom prst="rect">
-            <a:avLst/>
-          </a:prstGeom>
-          <a:noFill/>
-          <a:extLst>
-            <a:ext uri="{909E8E84-426E-40DD-AFC4-6F175D3DCCD1}">
-              <a14:hiddenFill xmlns:a14="http://schemas.microsoft.com/office/drawing/2010/main">
-                <a:solidFill>
-                  <a:srgbClr val="FFFFFF"/>
-                </a:solidFill>
-              </a14:hiddenFill>
-            </a:ext>
-          </a:extLst>
-        </p:spPr>
-      </p:pic>
-      <p:pic>
-        <p:nvPicPr>
-          <p:cNvPr id="14339" name="Picture 3">
-            <a:hlinkClick r:id="rId4"/>
-            <a:extLst>
-              <a:ext uri="{FF2B5EF4-FFF2-40B4-BE49-F238E27FC236}">
-                <a16:creationId xmlns:a16="http://schemas.microsoft.com/office/drawing/2014/main" id="{58BCC424-0F7B-4BD5-913E-DC74B5BB475E}"/>
-              </a:ext>
-            </a:extLst>
-          </p:cNvPr>
-          <p:cNvPicPr>
-            <a:picLocks noChangeAspect="1" noChangeArrowheads="1"/>
-          </p:cNvPicPr>
-          <p:nvPr/>
-        </p:nvPicPr>
-        <p:blipFill>
-          <a:blip r:embed="rId5">
-            <a:extLst>
-              <a:ext uri="{28A0092B-C50C-407E-A947-70E740481C1C}">
-                <a14:useLocalDpi xmlns:a14="http://schemas.microsoft.com/office/drawing/2010/main" val="0"/>
-              </a:ext>
-            </a:extLst>
-          </a:blip>
-          <a:srcRect/>
-          <a:stretch>
-            <a:fillRect/>
-          </a:stretch>
-        </p:blipFill>
-        <p:spPr bwMode="auto">
-          <a:xfrm>
-            <a:off x="370805" y="5621386"/>
-            <a:ext cx="6096000" cy="247650"/>
-          </a:xfrm>
-          <a:prstGeom prst="rect">
-            <a:avLst/>
-          </a:prstGeom>
-          <a:noFill/>
-          <a:extLst>
-            <a:ext uri="{909E8E84-426E-40DD-AFC4-6F175D3DCCD1}">
-              <a14:hiddenFill xmlns:a14="http://schemas.microsoft.com/office/drawing/2010/main">
-                <a:solidFill>
-                  <a:srgbClr val="FFFFFF"/>
-                </a:solidFill>
-              </a14:hiddenFill>
-            </a:ext>
-          </a:extLst>
-        </p:spPr>
-      </p:pic>
-      <p:sp>
-        <p:nvSpPr>
-          <p:cNvPr id="8" name="TextBox 7">
-            <a:extLst>
-              <a:ext uri="{FF2B5EF4-FFF2-40B4-BE49-F238E27FC236}">
-                <a16:creationId xmlns:a16="http://schemas.microsoft.com/office/drawing/2014/main" id="{4061AF36-09D7-450A-A603-97FC51F578E5}"/>
-              </a:ext>
-            </a:extLst>
-          </p:cNvPr>
-          <p:cNvSpPr txBox="1"/>
-          <p:nvPr/>
-        </p:nvSpPr>
-        <p:spPr>
-          <a:xfrm>
-            <a:off x="97277" y="713021"/>
-            <a:ext cx="11837057" cy="1200329"/>
-          </a:xfrm>
-          <a:prstGeom prst="rect">
-            <a:avLst/>
-          </a:prstGeom>
-          <a:noFill/>
-        </p:spPr>
-        <p:txBody>
-          <a:bodyPr wrap="square">
-            <a:spAutoFit/>
-          </a:bodyPr>
-          <a:lstStyle/>
-          <a:p>
-            <a:pPr marL="0" marR="0" lvl="0" indent="90488" algn="just" defTabSz="914400" rtl="0" eaLnBrk="0" fontAlgn="base" latinLnBrk="0" hangingPunct="0">
-              <a:lnSpc>
-                <a:spcPct val="100000"/>
-              </a:lnSpc>
-              <a:spcBef>
-                <a:spcPct val="0"/>
-              </a:spcBef>
-              <a:spcAft>
-                <a:spcPct val="0"/>
-              </a:spcAft>
-              <a:buClrTx/>
-              <a:buSzTx/>
-              <a:buFontTx/>
-              <a:buNone/>
-              <a:tabLst/>
-            </a:pPr>
-            <a:r>
-              <a:rPr kumimoji="0" lang="uk-UA" altLang="uk-UA" sz="1800" b="0" i="0" u="none" strike="noStrike" cap="none" normalizeH="0" baseline="0" dirty="0">
-                <a:ln>
-                  <a:noFill/>
-                </a:ln>
-                <a:solidFill>
-                  <a:srgbClr val="444444"/>
-                </a:solidFill>
-                <a:effectLst/>
-                <a:latin typeface="Arial" panose="020B0604020202020204" pitchFamily="34" charset="0"/>
-                <a:cs typeface="Arial" panose="020B0604020202020204" pitchFamily="34" charset="0"/>
-              </a:rPr>
-              <a:t>Відношення "HAS-A" - це відношення "ціле-частина", йому відповідає вкладення. Це створення класу, елементами якого є об'єкти іншого класу, це також називають композицією. Це відношення допомагає зменшити дублювання коду, яке також є помилкою.</a:t>
-            </a:r>
-          </a:p>
-          <a:p>
-            <a:pPr marL="0" marR="0" lvl="0" indent="90488" algn="just" defTabSz="914400" rtl="0" eaLnBrk="0" fontAlgn="base" latinLnBrk="0" hangingPunct="0">
-              <a:lnSpc>
-                <a:spcPct val="100000"/>
-              </a:lnSpc>
-              <a:spcBef>
-                <a:spcPct val="0"/>
-              </a:spcBef>
-              <a:spcAft>
-                <a:spcPct val="0"/>
-              </a:spcAft>
-              <a:buClrTx/>
-              <a:buSzTx/>
-              <a:buFontTx/>
-              <a:buNone/>
-              <a:tabLst/>
-            </a:pPr>
-            <a:r>
-              <a:rPr kumimoji="0" lang="uk-UA" altLang="uk-UA" sz="1800" b="0" i="0" u="none" strike="noStrike" cap="none" normalizeH="0" baseline="0" dirty="0">
-                <a:ln>
-                  <a:noFill/>
-                </a:ln>
-                <a:solidFill>
-                  <a:srgbClr val="444444"/>
-                </a:solidFill>
-                <a:effectLst/>
-                <a:latin typeface="Arial" panose="020B0604020202020204" pitchFamily="34" charset="0"/>
-                <a:cs typeface="Arial" panose="020B0604020202020204" pitchFamily="34" charset="0"/>
-              </a:rPr>
-              <a:t>Давайте розглянемо приклад:</a:t>
-            </a:r>
-            <a:endParaRPr lang="uk-UA" dirty="0"/>
-          </a:p>
-        </p:txBody>
-      </p:sp>
-    </p:spTree>
-    <p:extLst>
-      <p:ext uri="{BB962C8B-B14F-4D97-AF65-F5344CB8AC3E}">
-        <p14:creationId xmlns:p14="http://schemas.microsoft.com/office/powerpoint/2010/main" val="421279383"/>
-      </p:ext>
-    </p:extLst>
-  </p:cSld>
-  <p:clrMapOvr>
-    <a:masterClrMapping/>
-  </p:clrMapOvr>
-</p:sld>
-</file>
-
-<file path=ppt/slides/slide16.xml><?xml version="1.0" encoding="utf-8"?>
-<p:sld xmlns:a="http://schemas.openxmlformats.org/drawingml/2006/main" xmlns:r="http://schemas.openxmlformats.org/officeDocument/2006/relationships" xmlns:p="http://schemas.openxmlformats.org/presentationml/2006/main">
-  <p:cSld>
-    <p:spTree>
-      <p:nvGrpSpPr>
-        <p:cNvPr id="1" name=""/>
-        <p:cNvGrpSpPr/>
-        <p:nvPr/>
-      </p:nvGrpSpPr>
-      <p:grpSpPr>
-        <a:xfrm>
-          <a:off x="0" y="0"/>
-          <a:ext cx="0" cy="0"/>
-          <a:chOff x="0" y="0"/>
-          <a:chExt cx="0" cy="0"/>
-        </a:xfrm>
-      </p:grpSpPr>
-      <p:sp>
-        <p:nvSpPr>
-          <p:cNvPr id="4" name="TextBox 3">
-            <a:extLst>
-              <a:ext uri="{FF2B5EF4-FFF2-40B4-BE49-F238E27FC236}">
-                <a16:creationId xmlns:a16="http://schemas.microsoft.com/office/drawing/2014/main" id="{136D4A9E-10C3-4BF9-A98F-DFA9A3DBBD62}"/>
-              </a:ext>
-            </a:extLst>
-          </p:cNvPr>
-          <p:cNvSpPr txBox="1"/>
-          <p:nvPr/>
-        </p:nvSpPr>
-        <p:spPr>
-          <a:xfrm>
-            <a:off x="257683" y="1081549"/>
-            <a:ext cx="11167604" cy="3716402"/>
-          </a:xfrm>
-          <a:prstGeom prst="rect">
-            <a:avLst/>
-          </a:prstGeom>
-          <a:noFill/>
-        </p:spPr>
-        <p:txBody>
-          <a:bodyPr wrap="square">
-            <a:spAutoFit/>
-          </a:bodyPr>
-          <a:lstStyle/>
-          <a:p>
-            <a:pPr marL="0" marR="0" lvl="0" indent="90488" algn="just" defTabSz="914400" rtl="0" eaLnBrk="0" fontAlgn="base" latinLnBrk="0" hangingPunct="0">
-              <a:lnSpc>
-                <a:spcPct val="100000"/>
-              </a:lnSpc>
-              <a:spcBef>
-                <a:spcPct val="0"/>
-              </a:spcBef>
-              <a:spcAft>
-                <a:spcPct val="0"/>
-              </a:spcAft>
-              <a:buClrTx/>
-              <a:buSzTx/>
-              <a:buFontTx/>
-              <a:buNone/>
-              <a:tabLst/>
-            </a:pPr>
-            <a:r>
-              <a:rPr kumimoji="0" lang="uk-UA" altLang="uk-UA" sz="1800" b="0" i="0" u="none" strike="noStrike" cap="none" normalizeH="0" baseline="0" dirty="0">
-                <a:ln>
-                  <a:noFill/>
-                </a:ln>
-                <a:effectLst/>
-                <a:latin typeface="Times New Roman" panose="02020603050405020304" pitchFamily="18" charset="0"/>
-                <a:cs typeface="Times New Roman" panose="02020603050405020304" pitchFamily="18" charset="0"/>
-              </a:rPr>
-              <a:t>Це приклад показує, що клас </a:t>
-            </a:r>
-            <a:r>
-              <a:rPr kumimoji="0" lang="uk-UA" altLang="uk-UA" sz="1800" b="1" i="0" u="none" strike="noStrike" cap="none" normalizeH="0" baseline="0" dirty="0" err="1">
-                <a:ln>
-                  <a:noFill/>
-                </a:ln>
-                <a:effectLst/>
-                <a:latin typeface="Times New Roman" panose="02020603050405020304" pitchFamily="18" charset="0"/>
-                <a:cs typeface="Times New Roman" panose="02020603050405020304" pitchFamily="18" charset="0"/>
-              </a:rPr>
-              <a:t>Van</a:t>
-            </a:r>
-            <a:r>
-              <a:rPr kumimoji="0" lang="uk-UA" altLang="uk-UA" sz="1800" b="0" i="0" u="none" strike="noStrike" cap="none" normalizeH="0" baseline="0" dirty="0">
-                <a:ln>
-                  <a:noFill/>
-                </a:ln>
-                <a:effectLst/>
-                <a:latin typeface="Times New Roman" panose="02020603050405020304" pitchFamily="18" charset="0"/>
-                <a:cs typeface="Times New Roman" panose="02020603050405020304" pitchFamily="18" charset="0"/>
-              </a:rPr>
-              <a:t> </a:t>
-            </a:r>
-            <a:r>
-              <a:rPr kumimoji="0" lang="uk-UA" altLang="uk-UA" sz="1800" b="1" i="0" u="none" strike="noStrike" cap="none" normalizeH="0" baseline="0" dirty="0">
-                <a:ln>
-                  <a:noFill/>
-                </a:ln>
-                <a:effectLst/>
-                <a:latin typeface="Times New Roman" panose="02020603050405020304" pitchFamily="18" charset="0"/>
-                <a:cs typeface="Times New Roman" panose="02020603050405020304" pitchFamily="18" charset="0"/>
-              </a:rPr>
-              <a:t>HAS-A</a:t>
-            </a:r>
-            <a:r>
-              <a:rPr kumimoji="0" lang="uk-UA" altLang="uk-UA" sz="1800" b="0" i="0" u="none" strike="noStrike" cap="none" normalizeH="0" baseline="0" dirty="0">
-                <a:ln>
-                  <a:noFill/>
-                </a:ln>
-                <a:effectLst/>
-                <a:latin typeface="Times New Roman" panose="02020603050405020304" pitchFamily="18" charset="0"/>
-                <a:cs typeface="Times New Roman" panose="02020603050405020304" pitchFamily="18" charset="0"/>
-              </a:rPr>
-              <a:t> </a:t>
-            </a:r>
-            <a:r>
-              <a:rPr kumimoji="0" lang="uk-UA" altLang="uk-UA" sz="1800" b="1" i="0" u="none" strike="noStrike" cap="none" normalizeH="0" baseline="0" dirty="0" err="1">
-                <a:ln>
-                  <a:noFill/>
-                </a:ln>
-                <a:effectLst/>
-                <a:latin typeface="Times New Roman" panose="02020603050405020304" pitchFamily="18" charset="0"/>
-                <a:cs typeface="Times New Roman" panose="02020603050405020304" pitchFamily="18" charset="0"/>
-              </a:rPr>
-              <a:t>Speed</a:t>
-            </a:r>
-            <a:r>
-              <a:rPr kumimoji="0" lang="uk-UA" altLang="uk-UA" sz="1800" b="0" i="0" u="none" strike="noStrike" cap="none" normalizeH="0" baseline="0" dirty="0">
-                <a:ln>
-                  <a:noFill/>
-                </a:ln>
-                <a:effectLst/>
-                <a:latin typeface="Times New Roman" panose="02020603050405020304" pitchFamily="18" charset="0"/>
-                <a:cs typeface="Times New Roman" panose="02020603050405020304" pitchFamily="18" charset="0"/>
-              </a:rPr>
-              <a:t>. Маючи окремий клас </a:t>
-            </a:r>
-            <a:r>
-              <a:rPr kumimoji="0" lang="uk-UA" altLang="uk-UA" sz="1800" b="0" i="0" u="none" strike="noStrike" cap="none" normalizeH="0" baseline="0" dirty="0" err="1">
-                <a:ln>
-                  <a:noFill/>
-                </a:ln>
-                <a:effectLst/>
-                <a:latin typeface="Times New Roman" panose="02020603050405020304" pitchFamily="18" charset="0"/>
-                <a:cs typeface="Times New Roman" panose="02020603050405020304" pitchFamily="18" charset="0"/>
-              </a:rPr>
-              <a:t>Speed</a:t>
-            </a:r>
-            <a:r>
-              <a:rPr kumimoji="0" lang="uk-UA" altLang="uk-UA" sz="1800" b="0" i="0" u="none" strike="noStrike" cap="none" normalizeH="0" baseline="0" dirty="0">
-                <a:ln>
-                  <a:noFill/>
-                </a:ln>
-                <a:effectLst/>
-                <a:latin typeface="Times New Roman" panose="02020603050405020304" pitchFamily="18" charset="0"/>
-                <a:cs typeface="Times New Roman" panose="02020603050405020304" pitchFamily="18" charset="0"/>
-              </a:rPr>
-              <a:t>​​, ми не повинні переписувати весь код, всередині класу </a:t>
-            </a:r>
-            <a:r>
-              <a:rPr kumimoji="0" lang="uk-UA" altLang="uk-UA" sz="1800" b="0" i="0" u="none" strike="noStrike" cap="none" normalizeH="0" baseline="0" dirty="0" err="1">
-                <a:ln>
-                  <a:noFill/>
-                </a:ln>
-                <a:effectLst/>
-                <a:latin typeface="Times New Roman" panose="02020603050405020304" pitchFamily="18" charset="0"/>
-                <a:cs typeface="Times New Roman" panose="02020603050405020304" pitchFamily="18" charset="0"/>
-              </a:rPr>
-              <a:t>Van</a:t>
-            </a:r>
-            <a:r>
-              <a:rPr kumimoji="0" lang="uk-UA" altLang="uk-UA" sz="1800" b="0" i="0" u="none" strike="noStrike" cap="none" normalizeH="0" baseline="0" dirty="0">
-                <a:ln>
-                  <a:noFill/>
-                </a:ln>
-                <a:effectLst/>
-                <a:latin typeface="Times New Roman" panose="02020603050405020304" pitchFamily="18" charset="0"/>
-                <a:cs typeface="Times New Roman" panose="02020603050405020304" pitchFamily="18" charset="0"/>
-              </a:rPr>
-              <a:t>, це дозволяє повторно використовувати клас </a:t>
-            </a:r>
-            <a:r>
-              <a:rPr kumimoji="0" lang="uk-UA" altLang="uk-UA" sz="1800" b="0" i="0" u="none" strike="noStrike" cap="none" normalizeH="0" baseline="0" dirty="0" err="1">
-                <a:ln>
-                  <a:noFill/>
-                </a:ln>
-                <a:effectLst/>
-                <a:latin typeface="Times New Roman" panose="02020603050405020304" pitchFamily="18" charset="0"/>
-                <a:cs typeface="Times New Roman" panose="02020603050405020304" pitchFamily="18" charset="0"/>
-              </a:rPr>
-              <a:t>Speed</a:t>
-            </a:r>
-            <a:r>
-              <a:rPr kumimoji="0" lang="uk-UA" altLang="uk-UA" sz="1800" b="0" i="0" u="none" strike="noStrike" cap="none" normalizeH="0" baseline="0" dirty="0">
-                <a:ln>
-                  <a:noFill/>
-                </a:ln>
-                <a:effectLst/>
-                <a:latin typeface="Times New Roman" panose="02020603050405020304" pitchFamily="18" charset="0"/>
-                <a:cs typeface="Times New Roman" panose="02020603050405020304" pitchFamily="18" charset="0"/>
-              </a:rPr>
-              <a:t> в різних додатках.</a:t>
-            </a:r>
-            <a:endParaRPr kumimoji="0" lang="uk-UA" altLang="uk-UA" sz="1050" b="0" i="0" u="none" strike="noStrike" cap="none" normalizeH="0" baseline="0" dirty="0">
-              <a:ln>
-                <a:noFill/>
-              </a:ln>
-              <a:effectLst/>
-              <a:latin typeface="Times New Roman" panose="02020603050405020304" pitchFamily="18" charset="0"/>
-              <a:cs typeface="Times New Roman" panose="02020603050405020304" pitchFamily="18" charset="0"/>
-            </a:endParaRPr>
-          </a:p>
-          <a:p>
-            <a:pPr marL="0" marR="0" lvl="0" indent="90488" algn="just" defTabSz="914400" rtl="0" eaLnBrk="0" fontAlgn="base" latinLnBrk="0" hangingPunct="0">
-              <a:lnSpc>
-                <a:spcPct val="100000"/>
-              </a:lnSpc>
-              <a:spcBef>
-                <a:spcPct val="0"/>
-              </a:spcBef>
-              <a:spcAft>
-                <a:spcPct val="0"/>
-              </a:spcAft>
-              <a:buClrTx/>
-              <a:buSzTx/>
-              <a:buFontTx/>
-              <a:buNone/>
-              <a:tabLst/>
-            </a:pPr>
-            <a:br>
-              <a:rPr kumimoji="0" lang="uk-UA" altLang="uk-UA" sz="1100" b="0" i="0" u="none" strike="noStrike" cap="none" normalizeH="0" baseline="0" dirty="0">
-                <a:ln>
-                  <a:noFill/>
-                </a:ln>
-                <a:effectLst/>
-                <a:latin typeface="Times New Roman" panose="02020603050405020304" pitchFamily="18" charset="0"/>
-                <a:cs typeface="Times New Roman" panose="02020603050405020304" pitchFamily="18" charset="0"/>
-              </a:rPr>
-            </a:br>
-            <a:endParaRPr kumimoji="0" lang="uk-UA" altLang="uk-UA" sz="1050" b="0" i="0" u="none" strike="noStrike" cap="none" normalizeH="0" baseline="0" dirty="0">
-              <a:ln>
-                <a:noFill/>
-              </a:ln>
-              <a:effectLst/>
-              <a:latin typeface="Times New Roman" panose="02020603050405020304" pitchFamily="18" charset="0"/>
-              <a:cs typeface="Times New Roman" panose="02020603050405020304" pitchFamily="18" charset="0"/>
-            </a:endParaRPr>
-          </a:p>
-          <a:p>
-            <a:pPr marL="0" marR="0" lvl="0" indent="90488" algn="just" defTabSz="914400" rtl="0" eaLnBrk="0" fontAlgn="base" latinLnBrk="0" hangingPunct="0">
-              <a:lnSpc>
-                <a:spcPct val="100000"/>
-              </a:lnSpc>
-              <a:spcBef>
-                <a:spcPct val="0"/>
-              </a:spcBef>
-              <a:spcAft>
-                <a:spcPct val="0"/>
-              </a:spcAft>
-              <a:buClrTx/>
-              <a:buSzTx/>
-              <a:buFontTx/>
-              <a:buNone/>
-              <a:tabLst/>
-            </a:pPr>
-            <a:r>
-              <a:rPr kumimoji="0" lang="ru-RU" altLang="uk-UA" sz="1800" b="0" i="0" u="none" strike="noStrike" cap="none" normalizeH="0" baseline="0" dirty="0">
-                <a:ln>
-                  <a:noFill/>
-                </a:ln>
-                <a:effectLst/>
-                <a:latin typeface="Times New Roman" panose="02020603050405020304" pitchFamily="18" charset="0"/>
-                <a:cs typeface="Times New Roman" panose="02020603050405020304" pitchFamily="18" charset="0"/>
-              </a:rPr>
-              <a:t>У </a:t>
-            </a:r>
-            <a:r>
-              <a:rPr kumimoji="0" lang="ru-RU" altLang="uk-UA" sz="1800" b="0" i="0" u="none" strike="noStrike" cap="none" normalizeH="0" baseline="0" dirty="0" err="1">
-                <a:ln>
-                  <a:noFill/>
-                </a:ln>
-                <a:effectLst/>
-                <a:latin typeface="Times New Roman" panose="02020603050405020304" pitchFamily="18" charset="0"/>
-                <a:cs typeface="Times New Roman" panose="02020603050405020304" pitchFamily="18" charset="0"/>
-              </a:rPr>
-              <a:t>об'єктно</a:t>
-            </a:r>
-            <a:r>
-              <a:rPr kumimoji="0" lang="ru-RU" altLang="uk-UA" sz="1800" b="0" i="0" u="none" strike="noStrike" cap="none" normalizeH="0" baseline="0" dirty="0">
-                <a:ln>
-                  <a:noFill/>
-                </a:ln>
-                <a:effectLst/>
-                <a:latin typeface="Times New Roman" panose="02020603050405020304" pitchFamily="18" charset="0"/>
-                <a:cs typeface="Times New Roman" panose="02020603050405020304" pitchFamily="18" charset="0"/>
-              </a:rPr>
-              <a:t> - </a:t>
-            </a:r>
-            <a:r>
-              <a:rPr kumimoji="0" lang="ru-RU" altLang="uk-UA" sz="1800" b="0" i="0" u="none" strike="noStrike" cap="none" normalizeH="0" baseline="0" dirty="0" err="1">
-                <a:ln>
-                  <a:noFill/>
-                </a:ln>
-                <a:effectLst/>
-                <a:latin typeface="Times New Roman" panose="02020603050405020304" pitchFamily="18" charset="0"/>
-                <a:cs typeface="Times New Roman" panose="02020603050405020304" pitchFamily="18" charset="0"/>
-              </a:rPr>
-              <a:t>орієнтованому</a:t>
-            </a:r>
-            <a:r>
-              <a:rPr kumimoji="0" lang="ru-RU" altLang="uk-UA" sz="1800" b="0" i="0" u="none" strike="noStrike" cap="none" normalizeH="0" baseline="0" dirty="0">
-                <a:ln>
-                  <a:noFill/>
-                </a:ln>
-                <a:effectLst/>
-                <a:latin typeface="Times New Roman" panose="02020603050405020304" pitchFamily="18" charset="0"/>
-                <a:cs typeface="Times New Roman" panose="02020603050405020304" pitchFamily="18" charset="0"/>
-              </a:rPr>
-              <a:t> </a:t>
-            </a:r>
-            <a:r>
-              <a:rPr kumimoji="0" lang="ru-RU" altLang="uk-UA" sz="1800" b="0" i="0" u="none" strike="noStrike" cap="none" normalizeH="0" baseline="0" dirty="0" err="1">
-                <a:ln>
-                  <a:noFill/>
-                </a:ln>
-                <a:effectLst/>
-                <a:latin typeface="Times New Roman" panose="02020603050405020304" pitchFamily="18" charset="0"/>
-                <a:cs typeface="Times New Roman" panose="02020603050405020304" pitchFamily="18" charset="0"/>
-              </a:rPr>
-              <a:t>програмуванні</a:t>
-            </a:r>
-            <a:r>
-              <a:rPr kumimoji="0" lang="ru-RU" altLang="uk-UA" sz="1800" b="0" i="0" u="none" strike="noStrike" cap="none" normalizeH="0" baseline="0" dirty="0">
-                <a:ln>
-                  <a:noFill/>
-                </a:ln>
-                <a:effectLst/>
-                <a:latin typeface="Times New Roman" panose="02020603050405020304" pitchFamily="18" charset="0"/>
-                <a:cs typeface="Times New Roman" panose="02020603050405020304" pitchFamily="18" charset="0"/>
-              </a:rPr>
-              <a:t> </a:t>
-            </a:r>
-            <a:r>
-              <a:rPr kumimoji="0" lang="ru-RU" altLang="uk-UA" sz="1800" b="0" i="0" u="none" strike="noStrike" cap="none" normalizeH="0" baseline="0" dirty="0" err="1">
-                <a:ln>
-                  <a:noFill/>
-                </a:ln>
-                <a:effectLst/>
-                <a:latin typeface="Times New Roman" panose="02020603050405020304" pitchFamily="18" charset="0"/>
-                <a:cs typeface="Times New Roman" panose="02020603050405020304" pitchFamily="18" charset="0"/>
-              </a:rPr>
-              <a:t>користувачам</a:t>
-            </a:r>
-            <a:r>
-              <a:rPr kumimoji="0" lang="ru-RU" altLang="uk-UA" sz="1800" b="0" i="0" u="none" strike="noStrike" cap="none" normalizeH="0" baseline="0" dirty="0">
-                <a:ln>
-                  <a:noFill/>
-                </a:ln>
-                <a:effectLst/>
-                <a:latin typeface="Times New Roman" panose="02020603050405020304" pitchFamily="18" charset="0"/>
-                <a:cs typeface="Times New Roman" panose="02020603050405020304" pitchFamily="18" charset="0"/>
-              </a:rPr>
-              <a:t> не </a:t>
-            </a:r>
-            <a:r>
-              <a:rPr kumimoji="0" lang="ru-RU" altLang="uk-UA" sz="1800" b="0" i="0" u="none" strike="noStrike" cap="none" normalizeH="0" baseline="0" dirty="0" err="1">
-                <a:ln>
-                  <a:noFill/>
-                </a:ln>
-                <a:effectLst/>
-                <a:latin typeface="Times New Roman" panose="02020603050405020304" pitchFamily="18" charset="0"/>
-                <a:cs typeface="Times New Roman" panose="02020603050405020304" pitchFamily="18" charset="0"/>
-              </a:rPr>
-              <a:t>потрібно</a:t>
-            </a:r>
-            <a:r>
-              <a:rPr kumimoji="0" lang="ru-RU" altLang="uk-UA" sz="1800" b="0" i="0" u="none" strike="noStrike" cap="none" normalizeH="0" baseline="0" dirty="0">
-                <a:ln>
-                  <a:noFill/>
-                </a:ln>
-                <a:effectLst/>
-                <a:latin typeface="Times New Roman" panose="02020603050405020304" pitchFamily="18" charset="0"/>
-                <a:cs typeface="Times New Roman" panose="02020603050405020304" pitchFamily="18" charset="0"/>
-              </a:rPr>
-              <a:t> </a:t>
-            </a:r>
-            <a:r>
-              <a:rPr kumimoji="0" lang="ru-RU" altLang="uk-UA" sz="1800" b="0" i="0" u="none" strike="noStrike" cap="none" normalizeH="0" baseline="0" dirty="0" err="1">
-                <a:ln>
-                  <a:noFill/>
-                </a:ln>
-                <a:effectLst/>
-                <a:latin typeface="Times New Roman" panose="02020603050405020304" pitchFamily="18" charset="0"/>
-                <a:cs typeface="Times New Roman" panose="02020603050405020304" pitchFamily="18" charset="0"/>
-              </a:rPr>
-              <a:t>турбуватися</a:t>
-            </a:r>
-            <a:r>
-              <a:rPr kumimoji="0" lang="ru-RU" altLang="uk-UA" sz="1800" b="0" i="0" u="none" strike="noStrike" cap="none" normalizeH="0" baseline="0" dirty="0">
-                <a:ln>
-                  <a:noFill/>
-                </a:ln>
-                <a:effectLst/>
-                <a:latin typeface="Times New Roman" panose="02020603050405020304" pitchFamily="18" charset="0"/>
-                <a:cs typeface="Times New Roman" panose="02020603050405020304" pitchFamily="18" charset="0"/>
-              </a:rPr>
-              <a:t> про те </a:t>
-            </a:r>
-            <a:r>
-              <a:rPr kumimoji="0" lang="ru-RU" altLang="uk-UA" sz="1800" b="0" i="0" u="none" strike="noStrike" cap="none" normalizeH="0" baseline="0" dirty="0" err="1">
-                <a:ln>
-                  <a:noFill/>
-                </a:ln>
-                <a:effectLst/>
-                <a:latin typeface="Times New Roman" panose="02020603050405020304" pitchFamily="18" charset="0"/>
-                <a:cs typeface="Times New Roman" panose="02020603050405020304" pitchFamily="18" charset="0"/>
-              </a:rPr>
-              <a:t>який</a:t>
-            </a:r>
-            <a:r>
-              <a:rPr kumimoji="0" lang="ru-RU" altLang="uk-UA" sz="1800" b="0" i="0" u="none" strike="noStrike" cap="none" normalizeH="0" baseline="0" dirty="0">
-                <a:ln>
-                  <a:noFill/>
-                </a:ln>
-                <a:effectLst/>
-                <a:latin typeface="Times New Roman" panose="02020603050405020304" pitchFamily="18" charset="0"/>
-                <a:cs typeface="Times New Roman" panose="02020603050405020304" pitchFamily="18" charset="0"/>
-              </a:rPr>
-              <a:t> </a:t>
-            </a:r>
-            <a:r>
-              <a:rPr kumimoji="0" lang="ru-RU" altLang="uk-UA" sz="1800" b="0" i="0" u="none" strike="noStrike" cap="none" normalizeH="0" baseline="0" dirty="0" err="1">
-                <a:ln>
-                  <a:noFill/>
-                </a:ln>
-                <a:effectLst/>
-                <a:latin typeface="Times New Roman" panose="02020603050405020304" pitchFamily="18" charset="0"/>
-                <a:cs typeface="Times New Roman" panose="02020603050405020304" pitchFamily="18" charset="0"/>
-              </a:rPr>
-              <a:t>обєкт</a:t>
-            </a:r>
-            <a:r>
-              <a:rPr kumimoji="0" lang="ru-RU" altLang="uk-UA" sz="1800" b="0" i="0" u="none" strike="noStrike" cap="none" normalizeH="0" baseline="0" dirty="0">
-                <a:ln>
-                  <a:noFill/>
-                </a:ln>
-                <a:effectLst/>
-                <a:latin typeface="Times New Roman" panose="02020603050405020304" pitchFamily="18" charset="0"/>
-                <a:cs typeface="Times New Roman" panose="02020603050405020304" pitchFamily="18" charset="0"/>
-              </a:rPr>
-              <a:t> реально робить роботу. </a:t>
-            </a:r>
-            <a:r>
-              <a:rPr kumimoji="0" lang="ru-RU" altLang="uk-UA" sz="1800" b="0" i="0" u="none" strike="noStrike" cap="none" normalizeH="0" baseline="0" dirty="0" err="1">
-                <a:ln>
-                  <a:noFill/>
-                </a:ln>
-                <a:effectLst/>
-                <a:latin typeface="Times New Roman" panose="02020603050405020304" pitchFamily="18" charset="0"/>
-                <a:cs typeface="Times New Roman" panose="02020603050405020304" pitchFamily="18" charset="0"/>
-              </a:rPr>
-              <a:t>Щоб</a:t>
-            </a:r>
-            <a:r>
-              <a:rPr kumimoji="0" lang="ru-RU" altLang="uk-UA" sz="1800" b="0" i="0" u="none" strike="noStrike" cap="none" normalizeH="0" baseline="0" dirty="0">
-                <a:ln>
-                  <a:noFill/>
-                </a:ln>
-                <a:effectLst/>
-                <a:latin typeface="Times New Roman" panose="02020603050405020304" pitchFamily="18" charset="0"/>
-                <a:cs typeface="Times New Roman" panose="02020603050405020304" pitchFamily="18" charset="0"/>
-              </a:rPr>
-              <a:t> </a:t>
-            </a:r>
-            <a:r>
-              <a:rPr kumimoji="0" lang="ru-RU" altLang="uk-UA" sz="1800" b="0" i="0" u="none" strike="noStrike" cap="none" normalizeH="0" baseline="0" dirty="0" err="1">
-                <a:ln>
-                  <a:noFill/>
-                </a:ln>
-                <a:effectLst/>
-                <a:latin typeface="Times New Roman" panose="02020603050405020304" pitchFamily="18" charset="0"/>
-                <a:cs typeface="Times New Roman" panose="02020603050405020304" pitchFamily="18" charset="0"/>
-              </a:rPr>
-              <a:t>добитися</a:t>
-            </a:r>
-            <a:r>
-              <a:rPr kumimoji="0" lang="ru-RU" altLang="uk-UA" sz="1800" b="0" i="0" u="none" strike="noStrike" cap="none" normalizeH="0" baseline="0" dirty="0">
-                <a:ln>
-                  <a:noFill/>
-                </a:ln>
-                <a:effectLst/>
-                <a:latin typeface="Times New Roman" panose="02020603050405020304" pitchFamily="18" charset="0"/>
-                <a:cs typeface="Times New Roman" panose="02020603050405020304" pitchFamily="18" charset="0"/>
-              </a:rPr>
-              <a:t> </a:t>
-            </a:r>
-            <a:r>
-              <a:rPr kumimoji="0" lang="ru-RU" altLang="uk-UA" sz="1800" b="0" i="0" u="none" strike="noStrike" cap="none" normalizeH="0" baseline="0" dirty="0" err="1">
-                <a:ln>
-                  <a:noFill/>
-                </a:ln>
-                <a:effectLst/>
-                <a:latin typeface="Times New Roman" panose="02020603050405020304" pitchFamily="18" charset="0"/>
-                <a:cs typeface="Times New Roman" panose="02020603050405020304" pitchFamily="18" charset="0"/>
-              </a:rPr>
-              <a:t>цього</a:t>
-            </a:r>
-            <a:r>
-              <a:rPr kumimoji="0" lang="ru-RU" altLang="uk-UA" sz="1800" b="0" i="0" u="none" strike="noStrike" cap="none" normalizeH="0" baseline="0" dirty="0">
-                <a:ln>
-                  <a:noFill/>
-                </a:ln>
-                <a:effectLst/>
-                <a:latin typeface="Times New Roman" panose="02020603050405020304" pitchFamily="18" charset="0"/>
-                <a:cs typeface="Times New Roman" panose="02020603050405020304" pitchFamily="18" charset="0"/>
-              </a:rPr>
-              <a:t> </a:t>
-            </a:r>
-            <a:r>
-              <a:rPr kumimoji="0" lang="ru-RU" altLang="uk-UA" sz="1800" b="0" i="0" u="none" strike="noStrike" cap="none" normalizeH="0" baseline="0" dirty="0" err="1">
-                <a:ln>
-                  <a:noFill/>
-                </a:ln>
-                <a:effectLst/>
-                <a:latin typeface="Times New Roman" panose="02020603050405020304" pitchFamily="18" charset="0"/>
-                <a:cs typeface="Times New Roman" panose="02020603050405020304" pitchFamily="18" charset="0"/>
-              </a:rPr>
-              <a:t>клас</a:t>
-            </a:r>
-            <a:r>
-              <a:rPr kumimoji="0" lang="ru-RU" altLang="uk-UA" sz="1800" b="0" i="0" u="none" strike="noStrike" cap="none" normalizeH="0" baseline="0" dirty="0">
-                <a:ln>
-                  <a:noFill/>
-                </a:ln>
-                <a:effectLst/>
-                <a:latin typeface="Times New Roman" panose="02020603050405020304" pitchFamily="18" charset="0"/>
-                <a:cs typeface="Times New Roman" panose="02020603050405020304" pitchFamily="18" charset="0"/>
-              </a:rPr>
-              <a:t> </a:t>
-            </a:r>
-            <a:r>
-              <a:rPr kumimoji="0" lang="en-US" altLang="uk-UA" sz="1800" b="1" i="0" u="none" strike="noStrike" cap="none" normalizeH="0" baseline="0" dirty="0">
-                <a:ln>
-                  <a:noFill/>
-                </a:ln>
-                <a:effectLst/>
-                <a:latin typeface="Times New Roman" panose="02020603050405020304" pitchFamily="18" charset="0"/>
-                <a:cs typeface="Times New Roman" panose="02020603050405020304" pitchFamily="18" charset="0"/>
-              </a:rPr>
-              <a:t>Van</a:t>
-            </a:r>
-            <a:r>
-              <a:rPr kumimoji="0" lang="ru-RU" altLang="uk-UA" sz="1800" b="0" i="0" u="none" strike="noStrike" cap="none" normalizeH="0" baseline="0" dirty="0">
-                <a:ln>
-                  <a:noFill/>
-                </a:ln>
-                <a:effectLst/>
-                <a:latin typeface="Times New Roman" panose="02020603050405020304" pitchFamily="18" charset="0"/>
-                <a:cs typeface="Times New Roman" panose="02020603050405020304" pitchFamily="18" charset="0"/>
-              </a:rPr>
-              <a:t> </a:t>
-            </a:r>
-            <a:r>
-              <a:rPr kumimoji="0" lang="ru-RU" altLang="uk-UA" sz="1800" b="0" i="0" u="none" strike="noStrike" cap="none" normalizeH="0" baseline="0" dirty="0" err="1">
-                <a:ln>
-                  <a:noFill/>
-                </a:ln>
-                <a:effectLst/>
-                <a:latin typeface="Times New Roman" panose="02020603050405020304" pitchFamily="18" charset="0"/>
-                <a:cs typeface="Times New Roman" panose="02020603050405020304" pitchFamily="18" charset="0"/>
-              </a:rPr>
-              <a:t>приховує</a:t>
-            </a:r>
-            <a:r>
-              <a:rPr kumimoji="0" lang="ru-RU" altLang="uk-UA" sz="1800" b="0" i="0" u="none" strike="noStrike" cap="none" normalizeH="0" baseline="0" dirty="0">
-                <a:ln>
-                  <a:noFill/>
-                </a:ln>
-                <a:effectLst/>
-                <a:latin typeface="Times New Roman" panose="02020603050405020304" pitchFamily="18" charset="0"/>
-                <a:cs typeface="Times New Roman" panose="02020603050405020304" pitchFamily="18" charset="0"/>
-              </a:rPr>
-              <a:t> </a:t>
-            </a:r>
-            <a:r>
-              <a:rPr kumimoji="0" lang="ru-RU" altLang="uk-UA" sz="1800" b="0" i="0" u="none" strike="noStrike" cap="none" normalizeH="0" baseline="0" dirty="0" err="1">
-                <a:ln>
-                  <a:noFill/>
-                </a:ln>
-                <a:effectLst/>
-                <a:latin typeface="Times New Roman" panose="02020603050405020304" pitchFamily="18" charset="0"/>
-                <a:cs typeface="Times New Roman" panose="02020603050405020304" pitchFamily="18" charset="0"/>
-              </a:rPr>
-              <a:t>деталі</a:t>
-            </a:r>
-            <a:r>
-              <a:rPr kumimoji="0" lang="ru-RU" altLang="uk-UA" sz="1800" b="0" i="0" u="none" strike="noStrike" cap="none" normalizeH="0" baseline="0" dirty="0">
-                <a:ln>
-                  <a:noFill/>
-                </a:ln>
-                <a:effectLst/>
-                <a:latin typeface="Times New Roman" panose="02020603050405020304" pitchFamily="18" charset="0"/>
-                <a:cs typeface="Times New Roman" panose="02020603050405020304" pitchFamily="18" charset="0"/>
-              </a:rPr>
-              <a:t> </a:t>
-            </a:r>
-            <a:r>
-              <a:rPr kumimoji="0" lang="ru-RU" altLang="uk-UA" sz="1800" b="0" i="0" u="none" strike="noStrike" cap="none" normalizeH="0" baseline="0" dirty="0" err="1">
-                <a:ln>
-                  <a:noFill/>
-                </a:ln>
-                <a:effectLst/>
-                <a:latin typeface="Times New Roman" panose="02020603050405020304" pitchFamily="18" charset="0"/>
-                <a:cs typeface="Times New Roman" panose="02020603050405020304" pitchFamily="18" charset="0"/>
-              </a:rPr>
-              <a:t>реалізації</a:t>
-            </a:r>
-            <a:r>
-              <a:rPr kumimoji="0" lang="ru-RU" altLang="uk-UA" sz="1800" b="0" i="0" u="none" strike="noStrike" cap="none" normalizeH="0" baseline="0" dirty="0">
-                <a:ln>
-                  <a:noFill/>
-                </a:ln>
-                <a:effectLst/>
-                <a:latin typeface="Times New Roman" panose="02020603050405020304" pitchFamily="18" charset="0"/>
-                <a:cs typeface="Times New Roman" panose="02020603050405020304" pitchFamily="18" charset="0"/>
-              </a:rPr>
-              <a:t> </a:t>
-            </a:r>
-            <a:r>
-              <a:rPr kumimoji="0" lang="ru-RU" altLang="uk-UA" sz="1800" b="0" i="0" u="none" strike="noStrike" cap="none" normalizeH="0" baseline="0" dirty="0" err="1">
-                <a:ln>
-                  <a:noFill/>
-                </a:ln>
-                <a:effectLst/>
-                <a:latin typeface="Times New Roman" panose="02020603050405020304" pitchFamily="18" charset="0"/>
-                <a:cs typeface="Times New Roman" panose="02020603050405020304" pitchFamily="18" charset="0"/>
-              </a:rPr>
-              <a:t>від</a:t>
-            </a:r>
-            <a:r>
-              <a:rPr kumimoji="0" lang="ru-RU" altLang="uk-UA" sz="1800" b="0" i="0" u="none" strike="noStrike" cap="none" normalizeH="0" baseline="0" dirty="0">
-                <a:ln>
-                  <a:noFill/>
-                </a:ln>
-                <a:effectLst/>
-                <a:latin typeface="Times New Roman" panose="02020603050405020304" pitchFamily="18" charset="0"/>
-                <a:cs typeface="Times New Roman" panose="02020603050405020304" pitchFamily="18" charset="0"/>
-              </a:rPr>
-              <a:t> </a:t>
-            </a:r>
-            <a:r>
-              <a:rPr kumimoji="0" lang="ru-RU" altLang="uk-UA" sz="1800" b="0" i="0" u="none" strike="noStrike" cap="none" normalizeH="0" baseline="0" dirty="0" err="1">
-                <a:ln>
-                  <a:noFill/>
-                </a:ln>
-                <a:effectLst/>
-                <a:latin typeface="Times New Roman" panose="02020603050405020304" pitchFamily="18" charset="0"/>
-                <a:cs typeface="Times New Roman" panose="02020603050405020304" pitchFamily="18" charset="0"/>
-              </a:rPr>
-              <a:t>користувачів</a:t>
-            </a:r>
-            <a:r>
-              <a:rPr kumimoji="0" lang="ru-RU" altLang="uk-UA" sz="1800" b="0" i="0" u="none" strike="noStrike" cap="none" normalizeH="0" baseline="0" dirty="0">
-                <a:ln>
-                  <a:noFill/>
-                </a:ln>
-                <a:effectLst/>
-                <a:latin typeface="Times New Roman" panose="02020603050405020304" pitchFamily="18" charset="0"/>
-                <a:cs typeface="Times New Roman" panose="02020603050405020304" pitchFamily="18" charset="0"/>
-              </a:rPr>
-              <a:t>. Тому в основному </a:t>
-            </a:r>
-            <a:r>
-              <a:rPr kumimoji="0" lang="ru-RU" altLang="uk-UA" sz="1800" b="0" i="0" u="none" strike="noStrike" cap="none" normalizeH="0" baseline="0" dirty="0" err="1">
-                <a:ln>
-                  <a:noFill/>
-                </a:ln>
-                <a:effectLst/>
-                <a:latin typeface="Times New Roman" panose="02020603050405020304" pitchFamily="18" charset="0"/>
-                <a:cs typeface="Times New Roman" panose="02020603050405020304" pitchFamily="18" charset="0"/>
-              </a:rPr>
-              <a:t>користувачі</a:t>
-            </a:r>
-            <a:r>
-              <a:rPr kumimoji="0" lang="ru-RU" altLang="uk-UA" sz="1800" b="0" i="0" u="none" strike="noStrike" cap="none" normalizeH="0" baseline="0" dirty="0">
-                <a:ln>
-                  <a:noFill/>
-                </a:ln>
-                <a:effectLst/>
-                <a:latin typeface="Times New Roman" panose="02020603050405020304" pitchFamily="18" charset="0"/>
-                <a:cs typeface="Times New Roman" panose="02020603050405020304" pitchFamily="18" charset="0"/>
-              </a:rPr>
-              <a:t> </a:t>
-            </a:r>
-            <a:r>
-              <a:rPr kumimoji="0" lang="ru-RU" altLang="uk-UA" sz="1800" b="0" i="0" u="none" strike="noStrike" cap="none" normalizeH="0" baseline="0" dirty="0" err="1">
-                <a:ln>
-                  <a:noFill/>
-                </a:ln>
-                <a:effectLst/>
-                <a:latin typeface="Times New Roman" panose="02020603050405020304" pitchFamily="18" charset="0"/>
-                <a:cs typeface="Times New Roman" panose="02020603050405020304" pitchFamily="18" charset="0"/>
-              </a:rPr>
-              <a:t>будуть</a:t>
-            </a:r>
-            <a:r>
-              <a:rPr kumimoji="0" lang="ru-RU" altLang="uk-UA" sz="1800" b="0" i="0" u="none" strike="noStrike" cap="none" normalizeH="0" baseline="0" dirty="0">
-                <a:ln>
-                  <a:noFill/>
-                </a:ln>
-                <a:effectLst/>
-                <a:latin typeface="Times New Roman" panose="02020603050405020304" pitchFamily="18" charset="0"/>
-                <a:cs typeface="Times New Roman" panose="02020603050405020304" pitchFamily="18" charset="0"/>
-              </a:rPr>
-              <a:t> </a:t>
-            </a:r>
-            <a:r>
-              <a:rPr kumimoji="0" lang="ru-RU" altLang="uk-UA" sz="1800" b="0" i="0" u="none" strike="noStrike" cap="none" normalizeH="0" baseline="0" dirty="0" err="1">
-                <a:ln>
-                  <a:noFill/>
-                </a:ln>
-                <a:effectLst/>
-                <a:latin typeface="Times New Roman" panose="02020603050405020304" pitchFamily="18" charset="0"/>
-                <a:cs typeface="Times New Roman" panose="02020603050405020304" pitchFamily="18" charset="0"/>
-              </a:rPr>
-              <a:t>задавати</a:t>
-            </a:r>
-            <a:r>
-              <a:rPr kumimoji="0" lang="ru-RU" altLang="uk-UA" sz="1800" b="0" i="0" u="none" strike="noStrike" cap="none" normalizeH="0" baseline="0" dirty="0">
-                <a:ln>
-                  <a:noFill/>
-                </a:ln>
-                <a:effectLst/>
-                <a:latin typeface="Times New Roman" panose="02020603050405020304" pitchFamily="18" charset="0"/>
-                <a:cs typeface="Times New Roman" panose="02020603050405020304" pitchFamily="18" charset="0"/>
-              </a:rPr>
-              <a:t> </a:t>
-            </a:r>
-            <a:r>
-              <a:rPr kumimoji="0" lang="ru-RU" altLang="uk-UA" sz="1800" b="0" i="0" u="none" strike="noStrike" cap="none" normalizeH="0" baseline="0" dirty="0" err="1">
-                <a:ln>
-                  <a:noFill/>
-                </a:ln>
-                <a:effectLst/>
-                <a:latin typeface="Times New Roman" panose="02020603050405020304" pitchFamily="18" charset="0"/>
-                <a:cs typeface="Times New Roman" panose="02020603050405020304" pitchFamily="18" charset="0"/>
-              </a:rPr>
-              <a:t>класу</a:t>
-            </a:r>
-            <a:r>
-              <a:rPr kumimoji="0" lang="ru-RU" altLang="uk-UA" sz="1800" b="0" i="0" u="none" strike="noStrike" cap="none" normalizeH="0" baseline="0" dirty="0">
-                <a:ln>
-                  <a:noFill/>
-                </a:ln>
-                <a:effectLst/>
-                <a:latin typeface="Times New Roman" panose="02020603050405020304" pitchFamily="18" charset="0"/>
-                <a:cs typeface="Times New Roman" panose="02020603050405020304" pitchFamily="18" charset="0"/>
-              </a:rPr>
-              <a:t> </a:t>
-            </a:r>
-            <a:r>
-              <a:rPr kumimoji="0" lang="en-US" altLang="uk-UA" sz="1800" b="1" i="0" u="none" strike="noStrike" cap="none" normalizeH="0" baseline="0" dirty="0">
-                <a:ln>
-                  <a:noFill/>
-                </a:ln>
-                <a:effectLst/>
-                <a:latin typeface="Times New Roman" panose="02020603050405020304" pitchFamily="18" charset="0"/>
-                <a:cs typeface="Times New Roman" panose="02020603050405020304" pitchFamily="18" charset="0"/>
-              </a:rPr>
-              <a:t>Van</a:t>
-            </a:r>
-            <a:r>
-              <a:rPr kumimoji="0" lang="ru-RU" altLang="uk-UA" sz="1800" b="0" i="0" u="none" strike="noStrike" cap="none" normalizeH="0" baseline="0" dirty="0">
-                <a:ln>
-                  <a:noFill/>
-                </a:ln>
-                <a:effectLst/>
-                <a:latin typeface="Times New Roman" panose="02020603050405020304" pitchFamily="18" charset="0"/>
-                <a:cs typeface="Times New Roman" panose="02020603050405020304" pitchFamily="18" charset="0"/>
-              </a:rPr>
-              <a:t> </a:t>
-            </a:r>
-            <a:r>
-              <a:rPr kumimoji="0" lang="ru-RU" altLang="uk-UA" sz="1800" b="0" i="0" u="none" strike="noStrike" cap="none" normalizeH="0" baseline="0" dirty="0" err="1">
-                <a:ln>
-                  <a:noFill/>
-                </a:ln>
-                <a:effectLst/>
-                <a:latin typeface="Times New Roman" panose="02020603050405020304" pitchFamily="18" charset="0"/>
-                <a:cs typeface="Times New Roman" panose="02020603050405020304" pitchFamily="18" charset="0"/>
-              </a:rPr>
-              <a:t>зробити</a:t>
-            </a:r>
-            <a:r>
-              <a:rPr kumimoji="0" lang="ru-RU" altLang="uk-UA" sz="1800" b="0" i="0" u="none" strike="noStrike" cap="none" normalizeH="0" baseline="0" dirty="0">
-                <a:ln>
-                  <a:noFill/>
-                </a:ln>
-                <a:effectLst/>
-                <a:latin typeface="Times New Roman" panose="02020603050405020304" pitchFamily="18" charset="0"/>
-                <a:cs typeface="Times New Roman" panose="02020603050405020304" pitchFamily="18" charset="0"/>
-              </a:rPr>
-              <a:t> </a:t>
-            </a:r>
-            <a:r>
-              <a:rPr kumimoji="0" lang="ru-RU" altLang="uk-UA" sz="1800" b="0" i="0" u="none" strike="noStrike" cap="none" normalizeH="0" baseline="0" dirty="0" err="1">
-                <a:ln>
-                  <a:noFill/>
-                </a:ln>
-                <a:effectLst/>
-                <a:latin typeface="Times New Roman" panose="02020603050405020304" pitchFamily="18" charset="0"/>
-                <a:cs typeface="Times New Roman" panose="02020603050405020304" pitchFamily="18" charset="0"/>
-              </a:rPr>
-              <a:t>певну</a:t>
-            </a:r>
-            <a:r>
-              <a:rPr kumimoji="0" lang="ru-RU" altLang="uk-UA" sz="1800" b="0" i="0" u="none" strike="noStrike" cap="none" normalizeH="0" baseline="0" dirty="0">
-                <a:ln>
-                  <a:noFill/>
-                </a:ln>
-                <a:effectLst/>
-                <a:latin typeface="Times New Roman" panose="02020603050405020304" pitchFamily="18" charset="0"/>
-                <a:cs typeface="Times New Roman" panose="02020603050405020304" pitchFamily="18" charset="0"/>
-              </a:rPr>
-              <a:t> </a:t>
-            </a:r>
-            <a:r>
-              <a:rPr kumimoji="0" lang="ru-RU" altLang="uk-UA" sz="1800" b="0" i="0" u="none" strike="noStrike" cap="none" normalizeH="0" baseline="0" dirty="0" err="1">
-                <a:ln>
-                  <a:noFill/>
-                </a:ln>
-                <a:effectLst/>
-                <a:latin typeface="Times New Roman" panose="02020603050405020304" pitchFamily="18" charset="0"/>
-                <a:cs typeface="Times New Roman" panose="02020603050405020304" pitchFamily="18" charset="0"/>
-              </a:rPr>
-              <a:t>дію</a:t>
-            </a:r>
-            <a:r>
-              <a:rPr kumimoji="0" lang="ru-RU" altLang="uk-UA" sz="1800" b="0" i="0" u="none" strike="noStrike" cap="none" normalizeH="0" baseline="0" dirty="0">
-                <a:ln>
-                  <a:noFill/>
-                </a:ln>
-                <a:effectLst/>
-                <a:latin typeface="Times New Roman" panose="02020603050405020304" pitchFamily="18" charset="0"/>
-                <a:cs typeface="Times New Roman" panose="02020603050405020304" pitchFamily="18" charset="0"/>
-              </a:rPr>
-              <a:t> і </a:t>
-            </a:r>
-            <a:r>
-              <a:rPr kumimoji="0" lang="ru-RU" altLang="uk-UA" sz="1800" b="0" i="0" u="none" strike="noStrike" cap="none" normalizeH="0" baseline="0" dirty="0" err="1">
-                <a:ln>
-                  <a:noFill/>
-                </a:ln>
-                <a:effectLst/>
-                <a:latin typeface="Times New Roman" panose="02020603050405020304" pitchFamily="18" charset="0"/>
-                <a:cs typeface="Times New Roman" panose="02020603050405020304" pitchFamily="18" charset="0"/>
-              </a:rPr>
-              <a:t>клас</a:t>
-            </a:r>
-            <a:r>
-              <a:rPr kumimoji="0" lang="ru-RU" altLang="uk-UA" sz="1800" b="0" i="0" u="none" strike="noStrike" cap="none" normalizeH="0" baseline="0" dirty="0">
-                <a:ln>
-                  <a:noFill/>
-                </a:ln>
-                <a:effectLst/>
-                <a:latin typeface="Times New Roman" panose="02020603050405020304" pitchFamily="18" charset="0"/>
-                <a:cs typeface="Times New Roman" panose="02020603050405020304" pitchFamily="18" charset="0"/>
-              </a:rPr>
-              <a:t> </a:t>
-            </a:r>
-            <a:r>
-              <a:rPr kumimoji="0" lang="en-US" altLang="uk-UA" sz="1800" b="1" i="0" u="none" strike="noStrike" cap="none" normalizeH="0" baseline="0" dirty="0">
-                <a:ln>
-                  <a:noFill/>
-                </a:ln>
-                <a:effectLst/>
-                <a:latin typeface="Times New Roman" panose="02020603050405020304" pitchFamily="18" charset="0"/>
-                <a:cs typeface="Times New Roman" panose="02020603050405020304" pitchFamily="18" charset="0"/>
-              </a:rPr>
-              <a:t>Van</a:t>
-            </a:r>
-            <a:r>
-              <a:rPr kumimoji="0" lang="ru-RU" altLang="uk-UA" sz="1800" b="0" i="0" u="none" strike="noStrike" cap="none" normalizeH="0" baseline="0" dirty="0">
-                <a:ln>
-                  <a:noFill/>
-                </a:ln>
-                <a:effectLst/>
-                <a:latin typeface="Times New Roman" panose="02020603050405020304" pitchFamily="18" charset="0"/>
-                <a:cs typeface="Times New Roman" panose="02020603050405020304" pitchFamily="18" charset="0"/>
-              </a:rPr>
-              <a:t> коли </a:t>
-            </a:r>
-            <a:r>
-              <a:rPr kumimoji="0" lang="ru-RU" altLang="uk-UA" sz="1800" b="0" i="0" u="none" strike="noStrike" cap="none" normalizeH="0" baseline="0" dirty="0" err="1">
-                <a:ln>
-                  <a:noFill/>
-                </a:ln>
-                <a:effectLst/>
-                <a:latin typeface="Times New Roman" panose="02020603050405020304" pitchFamily="18" charset="0"/>
-                <a:cs typeface="Times New Roman" panose="02020603050405020304" pitchFamily="18" charset="0"/>
-              </a:rPr>
-              <a:t>небудь</a:t>
-            </a:r>
-            <a:r>
-              <a:rPr kumimoji="0" lang="ru-RU" altLang="uk-UA" sz="1800" b="0" i="0" u="none" strike="noStrike" cap="none" normalizeH="0" baseline="0" dirty="0">
-                <a:ln>
-                  <a:noFill/>
-                </a:ln>
-                <a:effectLst/>
-                <a:latin typeface="Times New Roman" panose="02020603050405020304" pitchFamily="18" charset="0"/>
-                <a:cs typeface="Times New Roman" panose="02020603050405020304" pitchFamily="18" charset="0"/>
-              </a:rPr>
-              <a:t> </a:t>
-            </a:r>
-            <a:r>
-              <a:rPr kumimoji="0" lang="ru-RU" altLang="uk-UA" sz="1800" b="0" i="0" u="none" strike="noStrike" cap="none" normalizeH="0" baseline="0" dirty="0" err="1">
-                <a:ln>
-                  <a:noFill/>
-                </a:ln>
-                <a:effectLst/>
-                <a:latin typeface="Times New Roman" panose="02020603050405020304" pitchFamily="18" charset="0"/>
-                <a:cs typeface="Times New Roman" panose="02020603050405020304" pitchFamily="18" charset="0"/>
-              </a:rPr>
-              <a:t>зробить</a:t>
-            </a:r>
-            <a:r>
-              <a:rPr kumimoji="0" lang="ru-RU" altLang="uk-UA" sz="1800" b="0" i="0" u="none" strike="noStrike" cap="none" normalizeH="0" baseline="0" dirty="0">
-                <a:ln>
-                  <a:noFill/>
-                </a:ln>
-                <a:effectLst/>
-                <a:latin typeface="Times New Roman" panose="02020603050405020304" pitchFamily="18" charset="0"/>
-                <a:cs typeface="Times New Roman" panose="02020603050405020304" pitchFamily="18" charset="0"/>
-              </a:rPr>
-              <a:t> </a:t>
-            </a:r>
-            <a:r>
-              <a:rPr kumimoji="0" lang="ru-RU" altLang="uk-UA" sz="1800" b="0" i="0" u="none" strike="noStrike" cap="none" normalizeH="0" baseline="0" dirty="0" err="1">
-                <a:ln>
-                  <a:noFill/>
-                </a:ln>
-                <a:effectLst/>
-                <a:latin typeface="Times New Roman" panose="02020603050405020304" pitchFamily="18" charset="0"/>
-                <a:cs typeface="Times New Roman" panose="02020603050405020304" pitchFamily="18" charset="0"/>
-              </a:rPr>
-              <a:t>дію</a:t>
-            </a:r>
-            <a:r>
-              <a:rPr kumimoji="0" lang="ru-RU" altLang="uk-UA" sz="1800" b="0" i="0" u="none" strike="noStrike" cap="none" normalizeH="0" baseline="0" dirty="0">
-                <a:ln>
-                  <a:noFill/>
-                </a:ln>
-                <a:effectLst/>
-                <a:latin typeface="Times New Roman" panose="02020603050405020304" pitchFamily="18" charset="0"/>
-                <a:cs typeface="Times New Roman" panose="02020603050405020304" pitchFamily="18" charset="0"/>
-              </a:rPr>
-              <a:t> </a:t>
-            </a:r>
-            <a:r>
-              <a:rPr kumimoji="0" lang="ru-RU" altLang="uk-UA" sz="1800" b="0" i="0" u="none" strike="noStrike" cap="none" normalizeH="0" baseline="0" dirty="0" err="1">
-                <a:ln>
-                  <a:noFill/>
-                </a:ln>
-                <a:effectLst/>
-                <a:latin typeface="Times New Roman" panose="02020603050405020304" pitchFamily="18" charset="0"/>
-                <a:cs typeface="Times New Roman" panose="02020603050405020304" pitchFamily="18" charset="0"/>
-              </a:rPr>
-              <a:t>самостійно</a:t>
-            </a:r>
-            <a:r>
-              <a:rPr kumimoji="0" lang="ru-RU" altLang="uk-UA" sz="1800" b="0" i="0" u="none" strike="noStrike" cap="none" normalizeH="0" baseline="0" dirty="0">
-                <a:ln>
-                  <a:noFill/>
-                </a:ln>
-                <a:effectLst/>
-                <a:latin typeface="Times New Roman" panose="02020603050405020304" pitchFamily="18" charset="0"/>
-                <a:cs typeface="Times New Roman" panose="02020603050405020304" pitchFamily="18" charset="0"/>
-              </a:rPr>
-              <a:t> </a:t>
-            </a:r>
-            <a:r>
-              <a:rPr kumimoji="0" lang="ru-RU" altLang="uk-UA" sz="1800" b="0" i="0" u="none" strike="noStrike" cap="none" normalizeH="0" baseline="0" dirty="0" err="1">
-                <a:ln>
-                  <a:noFill/>
-                </a:ln>
-                <a:effectLst/>
-                <a:latin typeface="Times New Roman" panose="02020603050405020304" pitchFamily="18" charset="0"/>
-                <a:cs typeface="Times New Roman" panose="02020603050405020304" pitchFamily="18" charset="0"/>
-              </a:rPr>
-              <a:t>або</a:t>
-            </a:r>
-            <a:r>
-              <a:rPr kumimoji="0" lang="ru-RU" altLang="uk-UA" sz="1800" b="0" i="0" u="none" strike="noStrike" cap="none" normalizeH="0" baseline="0" dirty="0">
-                <a:ln>
-                  <a:noFill/>
-                </a:ln>
-                <a:effectLst/>
-                <a:latin typeface="Times New Roman" panose="02020603050405020304" pitchFamily="18" charset="0"/>
-                <a:cs typeface="Times New Roman" panose="02020603050405020304" pitchFamily="18" charset="0"/>
-              </a:rPr>
-              <a:t> попросить </a:t>
-            </a:r>
-            <a:r>
-              <a:rPr kumimoji="0" lang="ru-RU" altLang="uk-UA" sz="1800" b="0" i="0" u="none" strike="noStrike" cap="none" normalizeH="0" baseline="0" dirty="0" err="1">
-                <a:ln>
-                  <a:noFill/>
-                </a:ln>
-                <a:effectLst/>
-                <a:latin typeface="Times New Roman" panose="02020603050405020304" pitchFamily="18" charset="0"/>
-                <a:cs typeface="Times New Roman" panose="02020603050405020304" pitchFamily="18" charset="0"/>
-              </a:rPr>
-              <a:t>інший</a:t>
-            </a:r>
-            <a:r>
-              <a:rPr kumimoji="0" lang="ru-RU" altLang="uk-UA" sz="1800" b="0" i="0" u="none" strike="noStrike" cap="none" normalizeH="0" baseline="0" dirty="0">
-                <a:ln>
-                  <a:noFill/>
-                </a:ln>
-                <a:effectLst/>
-                <a:latin typeface="Times New Roman" panose="02020603050405020304" pitchFamily="18" charset="0"/>
-                <a:cs typeface="Times New Roman" panose="02020603050405020304" pitchFamily="18" charset="0"/>
-              </a:rPr>
-              <a:t> </a:t>
-            </a:r>
-            <a:r>
-              <a:rPr kumimoji="0" lang="ru-RU" altLang="uk-UA" sz="1800" b="0" i="0" u="none" strike="noStrike" cap="none" normalizeH="0" baseline="0" dirty="0" err="1">
-                <a:ln>
-                  <a:noFill/>
-                </a:ln>
-                <a:effectLst/>
-                <a:latin typeface="Times New Roman" panose="02020603050405020304" pitchFamily="18" charset="0"/>
-                <a:cs typeface="Times New Roman" panose="02020603050405020304" pitchFamily="18" charset="0"/>
-              </a:rPr>
-              <a:t>клас</a:t>
-            </a:r>
-            <a:r>
-              <a:rPr kumimoji="0" lang="ru-RU" altLang="uk-UA" sz="1800" b="0" i="0" u="none" strike="noStrike" cap="none" normalizeH="0" baseline="0" dirty="0">
-                <a:ln>
-                  <a:noFill/>
-                </a:ln>
-                <a:effectLst/>
-                <a:latin typeface="Times New Roman" panose="02020603050405020304" pitchFamily="18" charset="0"/>
-                <a:cs typeface="Times New Roman" panose="02020603050405020304" pitchFamily="18" charset="0"/>
-              </a:rPr>
-              <a:t>, </a:t>
-            </a:r>
-            <a:r>
-              <a:rPr kumimoji="0" lang="ru-RU" altLang="uk-UA" sz="1800" b="0" i="0" u="none" strike="noStrike" cap="none" normalizeH="0" baseline="0" dirty="0" err="1">
-                <a:ln>
-                  <a:noFill/>
-                </a:ln>
-                <a:effectLst/>
-                <a:latin typeface="Times New Roman" panose="02020603050405020304" pitchFamily="18" charset="0"/>
-                <a:cs typeface="Times New Roman" panose="02020603050405020304" pitchFamily="18" charset="0"/>
-              </a:rPr>
-              <a:t>виконати</a:t>
-            </a:r>
-            <a:r>
-              <a:rPr kumimoji="0" lang="ru-RU" altLang="uk-UA" sz="1800" b="0" i="0" u="none" strike="noStrike" cap="none" normalizeH="0" baseline="0" dirty="0">
-                <a:ln>
-                  <a:noFill/>
-                </a:ln>
-                <a:effectLst/>
-                <a:latin typeface="Times New Roman" panose="02020603050405020304" pitchFamily="18" charset="0"/>
-                <a:cs typeface="Times New Roman" panose="02020603050405020304" pitchFamily="18" charset="0"/>
-              </a:rPr>
-              <a:t> </a:t>
-            </a:r>
-            <a:r>
-              <a:rPr kumimoji="0" lang="ru-RU" altLang="uk-UA" sz="1800" b="0" i="0" u="none" strike="noStrike" cap="none" normalizeH="0" baseline="0" dirty="0" err="1">
-                <a:ln>
-                  <a:noFill/>
-                </a:ln>
-                <a:effectLst/>
-                <a:latin typeface="Times New Roman" panose="02020603050405020304" pitchFamily="18" charset="0"/>
-                <a:cs typeface="Times New Roman" panose="02020603050405020304" pitchFamily="18" charset="0"/>
-              </a:rPr>
-              <a:t>її</a:t>
-            </a:r>
-            <a:r>
-              <a:rPr kumimoji="0" lang="ru-RU" altLang="uk-UA" sz="1800" b="0" i="0" u="none" strike="noStrike" cap="none" normalizeH="0" baseline="0" dirty="0">
-                <a:ln>
-                  <a:noFill/>
-                </a:ln>
-                <a:effectLst/>
-                <a:latin typeface="Times New Roman" panose="02020603050405020304" pitchFamily="18" charset="0"/>
-                <a:cs typeface="Times New Roman" panose="02020603050405020304" pitchFamily="18" charset="0"/>
-              </a:rPr>
-              <a:t>.</a:t>
-            </a:r>
-          </a:p>
-          <a:p>
-            <a:pPr marL="0" marR="0" lvl="0" indent="90488" algn="just" defTabSz="914400" rtl="0" eaLnBrk="0" fontAlgn="base" latinLnBrk="0" hangingPunct="0">
-              <a:lnSpc>
-                <a:spcPct val="100000"/>
-              </a:lnSpc>
-              <a:spcBef>
-                <a:spcPct val="0"/>
-              </a:spcBef>
-              <a:spcAft>
-                <a:spcPct val="0"/>
-              </a:spcAft>
-              <a:buClrTx/>
-              <a:buSzTx/>
-              <a:buFontTx/>
-              <a:buNone/>
-              <a:tabLst/>
-            </a:pPr>
-            <a:r>
-              <a:rPr kumimoji="0" lang="ru-RU" altLang="uk-UA" sz="1800" b="0" i="0" u="none" strike="noStrike" cap="none" normalizeH="0" baseline="0" dirty="0" err="1">
-                <a:ln>
-                  <a:noFill/>
-                </a:ln>
-                <a:effectLst/>
-                <a:latin typeface="Times New Roman" panose="02020603050405020304" pitchFamily="18" charset="0"/>
-                <a:cs typeface="Times New Roman" panose="02020603050405020304" pitchFamily="18" charset="0"/>
-              </a:rPr>
-              <a:t>Дуже</a:t>
-            </a:r>
-            <a:r>
-              <a:rPr kumimoji="0" lang="ru-RU" altLang="uk-UA" sz="1800" b="0" i="0" u="none" strike="noStrike" cap="none" normalizeH="0" baseline="0" dirty="0">
-                <a:ln>
-                  <a:noFill/>
-                </a:ln>
-                <a:effectLst/>
-                <a:latin typeface="Times New Roman" panose="02020603050405020304" pitchFamily="18" charset="0"/>
-                <a:cs typeface="Times New Roman" panose="02020603050405020304" pitchFamily="18" charset="0"/>
-              </a:rPr>
-              <a:t> </a:t>
-            </a:r>
-            <a:r>
-              <a:rPr kumimoji="0" lang="ru-RU" altLang="uk-UA" sz="1800" b="0" i="0" u="none" strike="noStrike" cap="none" normalizeH="0" baseline="0" dirty="0" err="1">
-                <a:ln>
-                  <a:noFill/>
-                </a:ln>
-                <a:effectLst/>
-                <a:latin typeface="Times New Roman" panose="02020603050405020304" pitchFamily="18" charset="0"/>
-                <a:cs typeface="Times New Roman" panose="02020603050405020304" pitchFamily="18" charset="0"/>
-              </a:rPr>
-              <a:t>важливо</a:t>
-            </a:r>
-            <a:r>
-              <a:rPr kumimoji="0" lang="ru-RU" altLang="uk-UA" sz="1800" b="0" i="0" u="none" strike="noStrike" cap="none" normalizeH="0" baseline="0" dirty="0">
-                <a:ln>
-                  <a:noFill/>
-                </a:ln>
-                <a:effectLst/>
-                <a:latin typeface="Times New Roman" panose="02020603050405020304" pitchFamily="18" charset="0"/>
-                <a:cs typeface="Times New Roman" panose="02020603050405020304" pitchFamily="18" charset="0"/>
-              </a:rPr>
-              <a:t> </a:t>
-            </a:r>
-            <a:r>
-              <a:rPr kumimoji="0" lang="ru-RU" altLang="uk-UA" sz="1800" b="0" i="0" u="none" strike="noStrike" cap="none" normalizeH="0" baseline="0" dirty="0" err="1">
-                <a:ln>
-                  <a:noFill/>
-                </a:ln>
-                <a:effectLst/>
-                <a:latin typeface="Times New Roman" panose="02020603050405020304" pitchFamily="18" charset="0"/>
-                <a:cs typeface="Times New Roman" panose="02020603050405020304" pitchFamily="18" charset="0"/>
-              </a:rPr>
-              <a:t>пам'ятати</a:t>
-            </a:r>
-            <a:r>
-              <a:rPr kumimoji="0" lang="ru-RU" altLang="uk-UA" sz="1800" b="0" i="0" u="none" strike="noStrike" cap="none" normalizeH="0" baseline="0" dirty="0">
-                <a:ln>
-                  <a:noFill/>
-                </a:ln>
-                <a:effectLst/>
-                <a:latin typeface="Times New Roman" panose="02020603050405020304" pitchFamily="18" charset="0"/>
-                <a:cs typeface="Times New Roman" panose="02020603050405020304" pitchFamily="18" charset="0"/>
-              </a:rPr>
-              <a:t>, </a:t>
-            </a:r>
-            <a:r>
-              <a:rPr kumimoji="0" lang="ru-RU" altLang="uk-UA" sz="1800" b="0" i="0" u="none" strike="noStrike" cap="none" normalizeH="0" baseline="0" dirty="0" err="1">
-                <a:ln>
-                  <a:noFill/>
-                </a:ln>
-                <a:effectLst/>
-                <a:latin typeface="Times New Roman" panose="02020603050405020304" pitchFamily="18" charset="0"/>
-                <a:cs typeface="Times New Roman" panose="02020603050405020304" pitchFamily="18" charset="0"/>
-              </a:rPr>
-              <a:t>що</a:t>
-            </a:r>
-            <a:r>
-              <a:rPr kumimoji="0" lang="ru-RU" altLang="uk-UA" sz="1800" b="0" i="0" u="none" strike="noStrike" cap="none" normalizeH="0" baseline="0" dirty="0">
-                <a:ln>
-                  <a:noFill/>
-                </a:ln>
-                <a:effectLst/>
-                <a:latin typeface="Times New Roman" panose="02020603050405020304" pitchFamily="18" charset="0"/>
-                <a:cs typeface="Times New Roman" panose="02020603050405020304" pitchFamily="18" charset="0"/>
-              </a:rPr>
-              <a:t> </a:t>
-            </a:r>
-            <a:r>
-              <a:rPr kumimoji="0" lang="en-US" altLang="uk-UA" sz="1800" b="0" i="0" u="none" strike="noStrike" cap="none" normalizeH="0" baseline="0" dirty="0">
-                <a:ln>
-                  <a:noFill/>
-                </a:ln>
-                <a:effectLst/>
-                <a:latin typeface="Times New Roman" panose="02020603050405020304" pitchFamily="18" charset="0"/>
-                <a:cs typeface="Times New Roman" panose="02020603050405020304" pitchFamily="18" charset="0"/>
-              </a:rPr>
-              <a:t>Java</a:t>
-            </a:r>
-            <a:r>
-              <a:rPr kumimoji="0" lang="ru-RU" altLang="uk-UA" sz="1800" b="0" i="0" u="none" strike="noStrike" cap="none" normalizeH="0" baseline="0" dirty="0">
-                <a:ln>
-                  <a:noFill/>
-                </a:ln>
-                <a:effectLst/>
-                <a:latin typeface="Times New Roman" panose="02020603050405020304" pitchFamily="18" charset="0"/>
-                <a:cs typeface="Times New Roman" panose="02020603050405020304" pitchFamily="18" charset="0"/>
-              </a:rPr>
-              <a:t> </a:t>
-            </a:r>
-            <a:r>
-              <a:rPr kumimoji="0" lang="ru-RU" altLang="uk-UA" sz="1800" b="0" i="0" u="none" strike="noStrike" cap="none" normalizeH="0" baseline="0" dirty="0" err="1">
-                <a:ln>
-                  <a:noFill/>
-                </a:ln>
-                <a:effectLst/>
-                <a:latin typeface="Times New Roman" panose="02020603050405020304" pitchFamily="18" charset="0"/>
-                <a:cs typeface="Times New Roman" panose="02020603050405020304" pitchFamily="18" charset="0"/>
-              </a:rPr>
-              <a:t>підтримує</a:t>
-            </a:r>
-            <a:r>
-              <a:rPr kumimoji="0" lang="ru-RU" altLang="uk-UA" sz="1800" b="0" i="0" u="none" strike="noStrike" cap="none" normalizeH="0" baseline="0" dirty="0">
-                <a:ln>
-                  <a:noFill/>
-                </a:ln>
-                <a:effectLst/>
-                <a:latin typeface="Times New Roman" panose="02020603050405020304" pitchFamily="18" charset="0"/>
-                <a:cs typeface="Times New Roman" panose="02020603050405020304" pitchFamily="18" charset="0"/>
-              </a:rPr>
-              <a:t> </a:t>
-            </a:r>
-            <a:r>
-              <a:rPr kumimoji="0" lang="ru-RU" altLang="uk-UA" sz="1800" b="0" i="0" u="none" strike="noStrike" cap="none" normalizeH="0" baseline="0" dirty="0" err="1">
-                <a:ln>
-                  <a:noFill/>
-                </a:ln>
-                <a:effectLst/>
-                <a:latin typeface="Times New Roman" panose="02020603050405020304" pitchFamily="18" charset="0"/>
-                <a:cs typeface="Times New Roman" panose="02020603050405020304" pitchFamily="18" charset="0"/>
-              </a:rPr>
-              <a:t>тільки</a:t>
-            </a:r>
-            <a:r>
-              <a:rPr kumimoji="0" lang="ru-RU" altLang="uk-UA" sz="1800" b="0" i="0" u="none" strike="noStrike" cap="none" normalizeH="0" baseline="0" dirty="0">
-                <a:ln>
-                  <a:noFill/>
-                </a:ln>
-                <a:effectLst/>
-                <a:latin typeface="Times New Roman" panose="02020603050405020304" pitchFamily="18" charset="0"/>
-                <a:cs typeface="Times New Roman" panose="02020603050405020304" pitchFamily="18" charset="0"/>
-              </a:rPr>
-              <a:t> </a:t>
-            </a:r>
-            <a:r>
-              <a:rPr kumimoji="0" lang="ru-RU" altLang="uk-UA" sz="1800" b="0" i="0" u="none" strike="noStrike" cap="none" normalizeH="0" baseline="0" dirty="0" err="1">
-                <a:ln>
-                  <a:noFill/>
-                </a:ln>
-                <a:effectLst/>
-                <a:latin typeface="Times New Roman" panose="02020603050405020304" pitchFamily="18" charset="0"/>
-                <a:cs typeface="Times New Roman" panose="02020603050405020304" pitchFamily="18" charset="0"/>
-              </a:rPr>
-              <a:t>одиночне</a:t>
-            </a:r>
-            <a:r>
-              <a:rPr kumimoji="0" lang="ru-RU" altLang="uk-UA" sz="1800" b="0" i="0" u="none" strike="noStrike" cap="none" normalizeH="0" baseline="0" dirty="0">
-                <a:ln>
-                  <a:noFill/>
-                </a:ln>
-                <a:effectLst/>
-                <a:latin typeface="Times New Roman" panose="02020603050405020304" pitchFamily="18" charset="0"/>
-                <a:cs typeface="Times New Roman" panose="02020603050405020304" pitchFamily="18" charset="0"/>
-              </a:rPr>
-              <a:t> </a:t>
-            </a:r>
-            <a:r>
-              <a:rPr kumimoji="0" lang="ru-RU" altLang="uk-UA" sz="1800" b="0" i="0" u="none" strike="noStrike" cap="none" normalizeH="0" baseline="0" dirty="0" err="1">
-                <a:ln>
-                  <a:noFill/>
-                </a:ln>
-                <a:effectLst/>
-                <a:latin typeface="Times New Roman" panose="02020603050405020304" pitchFamily="18" charset="0"/>
-                <a:cs typeface="Times New Roman" panose="02020603050405020304" pitchFamily="18" charset="0"/>
-              </a:rPr>
-              <a:t>наслідування</a:t>
-            </a:r>
-            <a:r>
-              <a:rPr kumimoji="0" lang="ru-RU" altLang="uk-UA" sz="1800" b="0" i="0" u="none" strike="noStrike" cap="none" normalizeH="0" baseline="0" dirty="0">
-                <a:ln>
-                  <a:noFill/>
-                </a:ln>
-                <a:effectLst/>
-                <a:latin typeface="Times New Roman" panose="02020603050405020304" pitchFamily="18" charset="0"/>
-                <a:cs typeface="Times New Roman" panose="02020603050405020304" pitchFamily="18" charset="0"/>
-              </a:rPr>
-              <a:t>. </a:t>
-            </a:r>
-            <a:r>
-              <a:rPr kumimoji="0" lang="ru-RU" altLang="uk-UA" sz="1800" b="0" i="0" u="none" strike="noStrike" cap="none" normalizeH="0" baseline="0" dirty="0" err="1">
-                <a:ln>
-                  <a:noFill/>
-                </a:ln>
-                <a:effectLst/>
-                <a:latin typeface="Times New Roman" panose="02020603050405020304" pitchFamily="18" charset="0"/>
-                <a:cs typeface="Times New Roman" panose="02020603050405020304" pitchFamily="18" charset="0"/>
-              </a:rPr>
-              <a:t>Це</a:t>
-            </a:r>
-            <a:r>
-              <a:rPr kumimoji="0" lang="ru-RU" altLang="uk-UA" sz="1800" b="0" i="0" u="none" strike="noStrike" cap="none" normalizeH="0" baseline="0" dirty="0">
-                <a:ln>
-                  <a:noFill/>
-                </a:ln>
-                <a:effectLst/>
-                <a:latin typeface="Times New Roman" panose="02020603050405020304" pitchFamily="18" charset="0"/>
-                <a:cs typeface="Times New Roman" panose="02020603050405020304" pitchFamily="18" charset="0"/>
-              </a:rPr>
-              <a:t> </a:t>
-            </a:r>
-            <a:r>
-              <a:rPr kumimoji="0" lang="ru-RU" altLang="uk-UA" sz="1800" b="0" i="0" u="none" strike="noStrike" cap="none" normalizeH="0" baseline="0" dirty="0" err="1">
-                <a:ln>
-                  <a:noFill/>
-                </a:ln>
-                <a:effectLst/>
-                <a:latin typeface="Times New Roman" panose="02020603050405020304" pitchFamily="18" charset="0"/>
-                <a:cs typeface="Times New Roman" panose="02020603050405020304" pitchFamily="18" charset="0"/>
-              </a:rPr>
-              <a:t>означає</a:t>
-            </a:r>
-            <a:r>
-              <a:rPr kumimoji="0" lang="ru-RU" altLang="uk-UA" sz="1800" b="0" i="0" u="none" strike="noStrike" cap="none" normalizeH="0" baseline="0" dirty="0">
-                <a:ln>
-                  <a:noFill/>
-                </a:ln>
-                <a:effectLst/>
-                <a:latin typeface="Times New Roman" panose="02020603050405020304" pitchFamily="18" charset="0"/>
-                <a:cs typeface="Times New Roman" panose="02020603050405020304" pitchFamily="18" charset="0"/>
-              </a:rPr>
-              <a:t>, </a:t>
-            </a:r>
-            <a:r>
-              <a:rPr kumimoji="0" lang="ru-RU" altLang="uk-UA" sz="1800" b="0" i="0" u="none" strike="noStrike" cap="none" normalizeH="0" baseline="0" dirty="0" err="1">
-                <a:ln>
-                  <a:noFill/>
-                </a:ln>
-                <a:effectLst/>
-                <a:latin typeface="Times New Roman" panose="02020603050405020304" pitchFamily="18" charset="0"/>
-                <a:cs typeface="Times New Roman" panose="02020603050405020304" pitchFamily="18" charset="0"/>
-              </a:rPr>
-              <a:t>що</a:t>
-            </a:r>
-            <a:r>
-              <a:rPr kumimoji="0" lang="ru-RU" altLang="uk-UA" sz="1800" b="0" i="0" u="none" strike="noStrike" cap="none" normalizeH="0" baseline="0" dirty="0">
-                <a:ln>
-                  <a:noFill/>
-                </a:ln>
-                <a:effectLst/>
-                <a:latin typeface="Times New Roman" panose="02020603050405020304" pitchFamily="18" charset="0"/>
-                <a:cs typeface="Times New Roman" panose="02020603050405020304" pitchFamily="18" charset="0"/>
-              </a:rPr>
-              <a:t> </a:t>
-            </a:r>
-            <a:r>
-              <a:rPr kumimoji="0" lang="ru-RU" altLang="uk-UA" sz="1800" b="0" i="0" u="none" strike="noStrike" cap="none" normalizeH="0" baseline="0" dirty="0" err="1">
-                <a:ln>
-                  <a:noFill/>
-                </a:ln>
-                <a:effectLst/>
-                <a:latin typeface="Times New Roman" panose="02020603050405020304" pitchFamily="18" charset="0"/>
-                <a:cs typeface="Times New Roman" panose="02020603050405020304" pitchFamily="18" charset="0"/>
-              </a:rPr>
-              <a:t>клас</a:t>
-            </a:r>
-            <a:r>
-              <a:rPr kumimoji="0" lang="ru-RU" altLang="uk-UA" sz="1800" b="0" i="0" u="none" strike="noStrike" cap="none" normalizeH="0" baseline="0" dirty="0">
-                <a:ln>
-                  <a:noFill/>
-                </a:ln>
-                <a:effectLst/>
-                <a:latin typeface="Times New Roman" panose="02020603050405020304" pitchFamily="18" charset="0"/>
-                <a:cs typeface="Times New Roman" panose="02020603050405020304" pitchFamily="18" charset="0"/>
-              </a:rPr>
-              <a:t> не </a:t>
-            </a:r>
-            <a:r>
-              <a:rPr kumimoji="0" lang="ru-RU" altLang="uk-UA" sz="1800" b="0" i="0" u="none" strike="noStrike" cap="none" normalizeH="0" baseline="0" dirty="0" err="1">
-                <a:ln>
-                  <a:noFill/>
-                </a:ln>
-                <a:effectLst/>
-                <a:latin typeface="Times New Roman" panose="02020603050405020304" pitchFamily="18" charset="0"/>
-                <a:cs typeface="Times New Roman" panose="02020603050405020304" pitchFamily="18" charset="0"/>
-              </a:rPr>
-              <a:t>може</a:t>
-            </a:r>
-            <a:r>
-              <a:rPr kumimoji="0" lang="ru-RU" altLang="uk-UA" sz="1800" b="0" i="0" u="none" strike="noStrike" cap="none" normalizeH="0" baseline="0" dirty="0">
-                <a:ln>
-                  <a:noFill/>
-                </a:ln>
-                <a:effectLst/>
-                <a:latin typeface="Times New Roman" panose="02020603050405020304" pitchFamily="18" charset="0"/>
-                <a:cs typeface="Times New Roman" panose="02020603050405020304" pitchFamily="18" charset="0"/>
-              </a:rPr>
-              <a:t> </a:t>
-            </a:r>
-            <a:r>
-              <a:rPr kumimoji="0" lang="ru-RU" altLang="uk-UA" sz="1800" b="0" i="0" u="none" strike="noStrike" cap="none" normalizeH="0" baseline="0" dirty="0" err="1">
-                <a:ln>
-                  <a:noFill/>
-                </a:ln>
-                <a:effectLst/>
-                <a:latin typeface="Times New Roman" panose="02020603050405020304" pitchFamily="18" charset="0"/>
-                <a:cs typeface="Times New Roman" panose="02020603050405020304" pitchFamily="18" charset="0"/>
-              </a:rPr>
-              <a:t>наслідувати</a:t>
-            </a:r>
-            <a:r>
-              <a:rPr kumimoji="0" lang="ru-RU" altLang="uk-UA" sz="1800" b="0" i="0" u="none" strike="noStrike" cap="none" normalizeH="0" baseline="0" dirty="0">
-                <a:ln>
-                  <a:noFill/>
-                </a:ln>
-                <a:effectLst/>
-                <a:latin typeface="Times New Roman" panose="02020603050405020304" pitchFamily="18" charset="0"/>
-                <a:cs typeface="Times New Roman" panose="02020603050405020304" pitchFamily="18" charset="0"/>
-              </a:rPr>
-              <a:t> </a:t>
-            </a:r>
-            <a:r>
-              <a:rPr kumimoji="0" lang="ru-RU" altLang="uk-UA" sz="1800" b="0" i="0" u="none" strike="noStrike" cap="none" normalizeH="0" baseline="0" dirty="0" err="1">
-                <a:ln>
-                  <a:noFill/>
-                </a:ln>
-                <a:effectLst/>
-                <a:latin typeface="Times New Roman" panose="02020603050405020304" pitchFamily="18" charset="0"/>
-                <a:cs typeface="Times New Roman" panose="02020603050405020304" pitchFamily="18" charset="0"/>
-              </a:rPr>
-              <a:t>більше</a:t>
-            </a:r>
-            <a:r>
-              <a:rPr kumimoji="0" lang="ru-RU" altLang="uk-UA" sz="1800" b="0" i="0" u="none" strike="noStrike" cap="none" normalizeH="0" baseline="0" dirty="0">
-                <a:ln>
-                  <a:noFill/>
-                </a:ln>
-                <a:effectLst/>
-                <a:latin typeface="Times New Roman" panose="02020603050405020304" pitchFamily="18" charset="0"/>
-                <a:cs typeface="Times New Roman" panose="02020603050405020304" pitchFamily="18" charset="0"/>
-              </a:rPr>
-              <a:t> одного </a:t>
-            </a:r>
-            <a:r>
-              <a:rPr kumimoji="0" lang="ru-RU" altLang="uk-UA" sz="1800" b="0" i="0" u="none" strike="noStrike" cap="none" normalizeH="0" baseline="0" dirty="0" err="1">
-                <a:ln>
-                  <a:noFill/>
-                </a:ln>
-                <a:effectLst/>
-                <a:latin typeface="Times New Roman" panose="02020603050405020304" pitchFamily="18" charset="0"/>
-                <a:cs typeface="Times New Roman" panose="02020603050405020304" pitchFamily="18" charset="0"/>
-              </a:rPr>
-              <a:t>класу</a:t>
-            </a:r>
-            <a:r>
-              <a:rPr kumimoji="0" lang="ru-RU" altLang="uk-UA" sz="1800" b="0" i="0" u="none" strike="noStrike" cap="none" normalizeH="0" baseline="0" dirty="0">
-                <a:ln>
-                  <a:noFill/>
-                </a:ln>
-                <a:effectLst/>
-                <a:latin typeface="Times New Roman" panose="02020603050405020304" pitchFamily="18" charset="0"/>
-                <a:cs typeface="Times New Roman" panose="02020603050405020304" pitchFamily="18" charset="0"/>
-              </a:rPr>
-              <a:t>. </a:t>
-            </a:r>
-            <a:r>
-              <a:rPr kumimoji="0" lang="en-US" altLang="uk-UA" sz="1800" b="0" i="0" u="none" strike="noStrike" cap="none" normalizeH="0" baseline="0" dirty="0" err="1">
-                <a:ln>
-                  <a:noFill/>
-                </a:ln>
-                <a:effectLst/>
-                <a:latin typeface="Times New Roman" panose="02020603050405020304" pitchFamily="18" charset="0"/>
-                <a:cs typeface="Times New Roman" panose="02020603050405020304" pitchFamily="18" charset="0"/>
-              </a:rPr>
-              <a:t>Тому</a:t>
-            </a:r>
-            <a:r>
-              <a:rPr kumimoji="0" lang="en-US" altLang="uk-UA" sz="1800" b="0" i="0" u="none" strike="noStrike" cap="none" normalizeH="0" baseline="0" dirty="0">
-                <a:ln>
-                  <a:noFill/>
-                </a:ln>
-                <a:effectLst/>
-                <a:latin typeface="Times New Roman" panose="02020603050405020304" pitchFamily="18" charset="0"/>
-                <a:cs typeface="Times New Roman" panose="02020603050405020304" pitchFamily="18" charset="0"/>
-              </a:rPr>
-              <a:t> </a:t>
-            </a:r>
-            <a:r>
-              <a:rPr kumimoji="0" lang="en-US" altLang="uk-UA" sz="1800" b="0" i="0" u="none" strike="noStrike" cap="none" normalizeH="0" baseline="0" dirty="0" err="1">
-                <a:ln>
-                  <a:noFill/>
-                </a:ln>
-                <a:effectLst/>
-                <a:latin typeface="Times New Roman" panose="02020603050405020304" pitchFamily="18" charset="0"/>
-                <a:cs typeface="Times New Roman" panose="02020603050405020304" pitchFamily="18" charset="0"/>
-              </a:rPr>
-              <a:t>наступне</a:t>
-            </a:r>
-            <a:r>
-              <a:rPr kumimoji="0" lang="en-US" altLang="uk-UA" sz="1800" b="0" i="0" u="none" strike="noStrike" cap="none" normalizeH="0" baseline="0" dirty="0">
-                <a:ln>
-                  <a:noFill/>
-                </a:ln>
-                <a:effectLst/>
-                <a:latin typeface="Times New Roman" panose="02020603050405020304" pitchFamily="18" charset="0"/>
-                <a:cs typeface="Times New Roman" panose="02020603050405020304" pitchFamily="18" charset="0"/>
-              </a:rPr>
-              <a:t> </a:t>
-            </a:r>
-            <a:r>
-              <a:rPr kumimoji="0" lang="en-US" altLang="uk-UA" sz="1800" b="0" i="0" u="none" strike="noStrike" cap="none" normalizeH="0" baseline="0" dirty="0" err="1">
-                <a:ln>
-                  <a:noFill/>
-                </a:ln>
-                <a:effectLst/>
-                <a:latin typeface="Times New Roman" panose="02020603050405020304" pitchFamily="18" charset="0"/>
-                <a:cs typeface="Times New Roman" panose="02020603050405020304" pitchFamily="18" charset="0"/>
-              </a:rPr>
-              <a:t>твердження</a:t>
-            </a:r>
-            <a:r>
-              <a:rPr kumimoji="0" lang="en-US" altLang="uk-UA" sz="1800" b="0" i="0" u="none" strike="noStrike" cap="none" normalizeH="0" baseline="0" dirty="0">
-                <a:ln>
-                  <a:noFill/>
-                </a:ln>
-                <a:effectLst/>
-                <a:latin typeface="Times New Roman" panose="02020603050405020304" pitchFamily="18" charset="0"/>
-                <a:cs typeface="Times New Roman" panose="02020603050405020304" pitchFamily="18" charset="0"/>
-              </a:rPr>
-              <a:t> є </a:t>
-            </a:r>
-            <a:r>
-              <a:rPr kumimoji="0" lang="en-US" altLang="uk-UA" sz="1800" b="0" i="0" u="none" strike="noStrike" cap="none" normalizeH="0" baseline="0" dirty="0" err="1">
-                <a:ln>
-                  <a:noFill/>
-                </a:ln>
-                <a:effectLst/>
-                <a:latin typeface="Times New Roman" panose="02020603050405020304" pitchFamily="18" charset="0"/>
-                <a:cs typeface="Times New Roman" panose="02020603050405020304" pitchFamily="18" charset="0"/>
-              </a:rPr>
-              <a:t>неправильним</a:t>
-            </a:r>
-            <a:r>
-              <a:rPr kumimoji="0" lang="en-US" altLang="uk-UA" sz="1800" b="0" i="0" u="none" strike="noStrike" cap="none" normalizeH="0" baseline="0" dirty="0">
-                <a:ln>
-                  <a:noFill/>
-                </a:ln>
-                <a:effectLst/>
-                <a:latin typeface="Times New Roman" panose="02020603050405020304" pitchFamily="18" charset="0"/>
-                <a:cs typeface="Times New Roman" panose="02020603050405020304" pitchFamily="18" charset="0"/>
-              </a:rPr>
-              <a:t>:</a:t>
-            </a:r>
-            <a:br>
-              <a:rPr kumimoji="0" lang="en-US" altLang="uk-UA" sz="1050" b="0" i="0" u="none" strike="noStrike" cap="none" normalizeH="0" baseline="0" dirty="0">
-                <a:ln>
-                  <a:noFill/>
-                </a:ln>
-                <a:effectLst/>
-                <a:latin typeface="Times New Roman" panose="02020603050405020304" pitchFamily="18" charset="0"/>
-                <a:cs typeface="Times New Roman" panose="02020603050405020304" pitchFamily="18" charset="0"/>
-              </a:rPr>
-            </a:br>
-            <a:endParaRPr kumimoji="0" lang="en-US" altLang="uk-UA" sz="2800" b="0" i="0" u="none" strike="noStrike" cap="none" normalizeH="0" baseline="0" dirty="0">
-              <a:ln>
-                <a:noFill/>
-              </a:ln>
-              <a:effectLst/>
-              <a:latin typeface="Times New Roman" panose="02020603050405020304" pitchFamily="18" charset="0"/>
-              <a:cs typeface="Times New Roman" panose="02020603050405020304" pitchFamily="18" charset="0"/>
-            </a:endParaRPr>
-          </a:p>
-          <a:p>
-            <a:pPr marL="0" marR="0" lvl="0" indent="90488" algn="just" defTabSz="914400" rtl="0" eaLnBrk="0" fontAlgn="base" latinLnBrk="0" hangingPunct="0">
-              <a:lnSpc>
-                <a:spcPct val="100000"/>
-              </a:lnSpc>
-              <a:spcBef>
-                <a:spcPct val="0"/>
-              </a:spcBef>
-              <a:spcAft>
-                <a:spcPct val="0"/>
-              </a:spcAft>
-              <a:buClrTx/>
-              <a:buSzTx/>
-              <a:buFontTx/>
-              <a:buNone/>
-              <a:tabLst/>
-            </a:pPr>
-            <a:r>
-              <a:rPr kumimoji="0" lang="en-US" altLang="uk-UA" sz="1100" b="0" i="0" u="none" strike="noStrike" cap="none" normalizeH="0" baseline="0" dirty="0">
-                <a:ln>
-                  <a:noFill/>
-                </a:ln>
-                <a:effectLst/>
-                <a:latin typeface="Times New Roman" panose="02020603050405020304" pitchFamily="18" charset="0"/>
-                <a:cs typeface="Times New Roman" panose="02020603050405020304" pitchFamily="18" charset="0"/>
-              </a:rPr>
-              <a:t>  </a:t>
-            </a:r>
-            <a:r>
-              <a:rPr kumimoji="0" lang="en-US" altLang="uk-UA" sz="2400" b="0" i="0" u="none" strike="noStrike" cap="none" normalizeH="0" baseline="0" dirty="0">
-                <a:ln>
-                  <a:noFill/>
-                </a:ln>
-                <a:effectLst/>
-                <a:latin typeface="Times New Roman" panose="02020603050405020304" pitchFamily="18" charset="0"/>
-                <a:cs typeface="Times New Roman" panose="02020603050405020304" pitchFamily="18" charset="0"/>
-              </a:rPr>
-              <a:t>                                                                                                                     </a:t>
-            </a:r>
-            <a:endParaRPr kumimoji="0" lang="en-US" altLang="uk-UA" sz="1050" b="0" i="0" u="none" strike="noStrike" cap="none" normalizeH="0" baseline="0" dirty="0">
-              <a:ln>
-                <a:noFill/>
-              </a:ln>
-              <a:effectLst/>
-              <a:latin typeface="Times New Roman" panose="02020603050405020304" pitchFamily="18" charset="0"/>
-              <a:cs typeface="Times New Roman" panose="02020603050405020304" pitchFamily="18" charset="0"/>
-            </a:endParaRPr>
-          </a:p>
-          <a:p>
-            <a:pPr marL="0" marR="0" lvl="0" indent="90488" algn="just" defTabSz="914400" rtl="0" eaLnBrk="0" fontAlgn="base" latinLnBrk="0" hangingPunct="0">
-              <a:lnSpc>
-                <a:spcPct val="100000"/>
-              </a:lnSpc>
-              <a:spcBef>
-                <a:spcPct val="0"/>
-              </a:spcBef>
-              <a:spcAft>
-                <a:spcPct val="0"/>
-              </a:spcAft>
-              <a:buClrTx/>
-              <a:buSzTx/>
-              <a:buFontTx/>
-              <a:buNone/>
-              <a:tabLst/>
-            </a:pPr>
-            <a:r>
-              <a:rPr kumimoji="0" lang="ru-RU" altLang="uk-UA" sz="1800" b="0" i="0" u="none" strike="noStrike" cap="none" normalizeH="0" baseline="0" dirty="0" err="1">
-                <a:ln>
-                  <a:noFill/>
-                </a:ln>
-                <a:effectLst/>
-                <a:latin typeface="Times New Roman" panose="02020603050405020304" pitchFamily="18" charset="0"/>
-                <a:cs typeface="Times New Roman" panose="02020603050405020304" pitchFamily="18" charset="0"/>
-              </a:rPr>
-              <a:t>Проте</a:t>
-            </a:r>
-            <a:r>
-              <a:rPr kumimoji="0" lang="ru-RU" altLang="uk-UA" sz="1800" b="0" i="0" u="none" strike="noStrike" cap="none" normalizeH="0" baseline="0" dirty="0">
-                <a:ln>
-                  <a:noFill/>
-                </a:ln>
-                <a:effectLst/>
-                <a:latin typeface="Times New Roman" panose="02020603050405020304" pitchFamily="18" charset="0"/>
-                <a:cs typeface="Times New Roman" panose="02020603050405020304" pitchFamily="18" charset="0"/>
-              </a:rPr>
-              <a:t>, </a:t>
-            </a:r>
-            <a:r>
-              <a:rPr kumimoji="0" lang="ru-RU" altLang="uk-UA" sz="1800" b="0" i="0" u="none" strike="noStrike" cap="none" normalizeH="0" baseline="0" dirty="0" err="1">
-                <a:ln>
-                  <a:noFill/>
-                </a:ln>
-                <a:effectLst/>
-                <a:latin typeface="Times New Roman" panose="02020603050405020304" pitchFamily="18" charset="0"/>
-                <a:cs typeface="Times New Roman" panose="02020603050405020304" pitchFamily="18" charset="0"/>
-              </a:rPr>
-              <a:t>клас</a:t>
-            </a:r>
-            <a:r>
-              <a:rPr kumimoji="0" lang="ru-RU" altLang="uk-UA" sz="1800" b="0" i="0" u="none" strike="noStrike" cap="none" normalizeH="0" baseline="0" dirty="0">
-                <a:ln>
-                  <a:noFill/>
-                </a:ln>
-                <a:effectLst/>
-                <a:latin typeface="Times New Roman" panose="02020603050405020304" pitchFamily="18" charset="0"/>
-                <a:cs typeface="Times New Roman" panose="02020603050405020304" pitchFamily="18" charset="0"/>
-              </a:rPr>
-              <a:t> </a:t>
-            </a:r>
-            <a:r>
-              <a:rPr kumimoji="0" lang="ru-RU" altLang="uk-UA" sz="1800" b="0" i="0" u="none" strike="noStrike" cap="none" normalizeH="0" baseline="0" dirty="0" err="1">
-                <a:ln>
-                  <a:noFill/>
-                </a:ln>
-                <a:effectLst/>
-                <a:latin typeface="Times New Roman" panose="02020603050405020304" pitchFamily="18" charset="0"/>
-                <a:cs typeface="Times New Roman" panose="02020603050405020304" pitchFamily="18" charset="0"/>
-              </a:rPr>
-              <a:t>може</a:t>
-            </a:r>
-            <a:r>
-              <a:rPr kumimoji="0" lang="ru-RU" altLang="uk-UA" sz="1800" b="0" i="0" u="none" strike="noStrike" cap="none" normalizeH="0" baseline="0" dirty="0">
-                <a:ln>
-                  <a:noFill/>
-                </a:ln>
-                <a:effectLst/>
-                <a:latin typeface="Times New Roman" panose="02020603050405020304" pitchFamily="18" charset="0"/>
-                <a:cs typeface="Times New Roman" panose="02020603050405020304" pitchFamily="18" charset="0"/>
-              </a:rPr>
-              <a:t> </a:t>
-            </a:r>
-            <a:r>
-              <a:rPr kumimoji="0" lang="ru-RU" altLang="uk-UA" sz="1800" b="0" i="0" u="none" strike="noStrike" cap="none" normalizeH="0" baseline="0" dirty="0" err="1">
-                <a:ln>
-                  <a:noFill/>
-                </a:ln>
-                <a:effectLst/>
-                <a:latin typeface="Times New Roman" panose="02020603050405020304" pitchFamily="18" charset="0"/>
-                <a:cs typeface="Times New Roman" panose="02020603050405020304" pitchFamily="18" charset="0"/>
-              </a:rPr>
-              <a:t>реалізувати</a:t>
-            </a:r>
-            <a:r>
-              <a:rPr kumimoji="0" lang="ru-RU" altLang="uk-UA" sz="1800" b="0" i="0" u="none" strike="noStrike" cap="none" normalizeH="0" baseline="0" dirty="0">
-                <a:ln>
-                  <a:noFill/>
-                </a:ln>
-                <a:effectLst/>
-                <a:latin typeface="Times New Roman" panose="02020603050405020304" pitchFamily="18" charset="0"/>
-                <a:cs typeface="Times New Roman" panose="02020603050405020304" pitchFamily="18" charset="0"/>
-              </a:rPr>
-              <a:t> один </a:t>
-            </a:r>
-            <a:r>
-              <a:rPr kumimoji="0" lang="ru-RU" altLang="uk-UA" sz="1800" b="0" i="0" u="none" strike="noStrike" cap="none" normalizeH="0" baseline="0" dirty="0" err="1">
-                <a:ln>
-                  <a:noFill/>
-                </a:ln>
-                <a:effectLst/>
-                <a:latin typeface="Times New Roman" panose="02020603050405020304" pitchFamily="18" charset="0"/>
-                <a:cs typeface="Times New Roman" panose="02020603050405020304" pitchFamily="18" charset="0"/>
-              </a:rPr>
-              <a:t>або</a:t>
-            </a:r>
-            <a:r>
-              <a:rPr kumimoji="0" lang="ru-RU" altLang="uk-UA" sz="1800" b="0" i="0" u="none" strike="noStrike" cap="none" normalizeH="0" baseline="0" dirty="0">
-                <a:ln>
-                  <a:noFill/>
-                </a:ln>
-                <a:effectLst/>
-                <a:latin typeface="Times New Roman" panose="02020603050405020304" pitchFamily="18" charset="0"/>
-                <a:cs typeface="Times New Roman" panose="02020603050405020304" pitchFamily="18" charset="0"/>
-              </a:rPr>
-              <a:t> </a:t>
-            </a:r>
-            <a:r>
-              <a:rPr kumimoji="0" lang="ru-RU" altLang="uk-UA" sz="1800" b="0" i="0" u="none" strike="noStrike" cap="none" normalizeH="0" baseline="0" dirty="0" err="1">
-                <a:ln>
-                  <a:noFill/>
-                </a:ln>
-                <a:effectLst/>
-                <a:latin typeface="Times New Roman" panose="02020603050405020304" pitchFamily="18" charset="0"/>
-                <a:cs typeface="Times New Roman" panose="02020603050405020304" pitchFamily="18" charset="0"/>
-              </a:rPr>
-              <a:t>декілька</a:t>
-            </a:r>
-            <a:r>
-              <a:rPr kumimoji="0" lang="ru-RU" altLang="uk-UA" sz="1800" b="0" i="0" u="none" strike="noStrike" cap="none" normalizeH="0" baseline="0" dirty="0">
-                <a:ln>
-                  <a:noFill/>
-                </a:ln>
-                <a:effectLst/>
-                <a:latin typeface="Times New Roman" panose="02020603050405020304" pitchFamily="18" charset="0"/>
-                <a:cs typeface="Times New Roman" panose="02020603050405020304" pitchFamily="18" charset="0"/>
-              </a:rPr>
-              <a:t> </a:t>
-            </a:r>
-            <a:r>
-              <a:rPr kumimoji="0" lang="ru-RU" altLang="uk-UA" sz="1800" b="0" i="0" u="none" strike="noStrike" cap="none" normalizeH="0" baseline="0" dirty="0" err="1">
-                <a:ln>
-                  <a:noFill/>
-                </a:ln>
-                <a:effectLst/>
-                <a:latin typeface="Times New Roman" panose="02020603050405020304" pitchFamily="18" charset="0"/>
-                <a:cs typeface="Times New Roman" panose="02020603050405020304" pitchFamily="18" charset="0"/>
-              </a:rPr>
-              <a:t>інтерфейсів</a:t>
-            </a:r>
-            <a:r>
-              <a:rPr kumimoji="0" lang="ru-RU" altLang="uk-UA" sz="1800" b="0" i="0" u="none" strike="noStrike" cap="none" normalizeH="0" baseline="0" dirty="0">
-                <a:ln>
-                  <a:noFill/>
-                </a:ln>
-                <a:effectLst/>
-                <a:latin typeface="Times New Roman" panose="02020603050405020304" pitchFamily="18" charset="0"/>
-                <a:cs typeface="Times New Roman" panose="02020603050405020304" pitchFamily="18" charset="0"/>
-              </a:rPr>
-              <a:t>.</a:t>
-            </a:r>
-            <a:endParaRPr kumimoji="0" lang="ru-RU" altLang="uk-UA" sz="2800" b="0" i="0" u="none" strike="noStrike" cap="none" normalizeH="0" baseline="0" dirty="0">
-              <a:ln>
-                <a:noFill/>
-              </a:ln>
-              <a:effectLst/>
-              <a:latin typeface="Times New Roman" panose="02020603050405020304" pitchFamily="18" charset="0"/>
-              <a:cs typeface="Times New Roman" panose="02020603050405020304" pitchFamily="18" charset="0"/>
-            </a:endParaRPr>
-          </a:p>
-        </p:txBody>
-      </p:sp>
-      <p:pic>
-        <p:nvPicPr>
-          <p:cNvPr id="5" name="Picture 3">
-            <a:hlinkClick r:id="rId2"/>
-            <a:extLst>
-              <a:ext uri="{FF2B5EF4-FFF2-40B4-BE49-F238E27FC236}">
-                <a16:creationId xmlns:a16="http://schemas.microsoft.com/office/drawing/2014/main" id="{27CD477C-010C-411D-87F8-36BAA852919E}"/>
-              </a:ext>
-            </a:extLst>
-          </p:cNvPr>
-          <p:cNvPicPr>
-            <a:picLocks noChangeAspect="1" noChangeArrowheads="1"/>
-          </p:cNvPicPr>
-          <p:nvPr/>
-        </p:nvPicPr>
-        <p:blipFill>
-          <a:blip r:embed="rId3">
-            <a:extLst>
-              <a:ext uri="{28A0092B-C50C-407E-A947-70E740481C1C}">
-                <a14:useLocalDpi xmlns:a14="http://schemas.microsoft.com/office/drawing/2010/main" val="0"/>
-              </a:ext>
-            </a:extLst>
-          </a:blip>
-          <a:srcRect/>
-          <a:stretch>
-            <a:fillRect/>
-          </a:stretch>
-        </p:blipFill>
-        <p:spPr bwMode="auto">
-          <a:xfrm>
-            <a:off x="389658" y="3877427"/>
-            <a:ext cx="6096000" cy="247650"/>
-          </a:xfrm>
-          <a:prstGeom prst="rect">
-            <a:avLst/>
-          </a:prstGeom>
-          <a:noFill/>
-          <a:extLst>
-            <a:ext uri="{909E8E84-426E-40DD-AFC4-6F175D3DCCD1}">
-              <a14:hiddenFill xmlns:a14="http://schemas.microsoft.com/office/drawing/2010/main">
-                <a:solidFill>
-                  <a:srgbClr val="FFFFFF"/>
-                </a:solidFill>
-              </a14:hiddenFill>
-            </a:ext>
-          </a:extLst>
-        </p:spPr>
-      </p:pic>
-      <p:sp>
-        <p:nvSpPr>
-          <p:cNvPr id="6" name="Заголовок 1">
-            <a:extLst>
-              <a:ext uri="{FF2B5EF4-FFF2-40B4-BE49-F238E27FC236}">
-                <a16:creationId xmlns:a16="http://schemas.microsoft.com/office/drawing/2014/main" id="{15B06886-F6F7-4A59-A6AE-22844B25F02C}"/>
-              </a:ext>
-            </a:extLst>
-          </p:cNvPr>
-          <p:cNvSpPr>
-            <a:spLocks noGrp="1"/>
-          </p:cNvSpPr>
-          <p:nvPr>
-            <p:ph type="title"/>
-          </p:nvPr>
-        </p:nvSpPr>
-        <p:spPr>
-          <a:xfrm>
-            <a:off x="0" y="0"/>
-            <a:ext cx="12192000" cy="725863"/>
-          </a:xfrm>
-        </p:spPr>
-        <p:txBody>
-          <a:bodyPr>
-            <a:normAutofit fontScale="90000"/>
-          </a:bodyPr>
-          <a:lstStyle/>
-          <a:p>
-            <a:pPr algn="ctr"/>
-            <a:r>
-              <a:rPr lang="ru-RU" sz="4000" i="0" dirty="0" err="1">
-                <a:effectLst/>
-                <a:latin typeface="Times New Roman" panose="02020603050405020304" pitchFamily="18" charset="0"/>
-                <a:cs typeface="Times New Roman" panose="02020603050405020304" pitchFamily="18" charset="0"/>
-              </a:rPr>
-              <a:t>Відношення</a:t>
-            </a:r>
-            <a:r>
-              <a:rPr lang="ru-RU" sz="4000" i="0" dirty="0">
-                <a:effectLst/>
-                <a:latin typeface="Times New Roman" panose="02020603050405020304" pitchFamily="18" charset="0"/>
-                <a:cs typeface="Times New Roman" panose="02020603050405020304" pitchFamily="18" charset="0"/>
-              </a:rPr>
-              <a:t> HAS-A(</a:t>
-            </a:r>
-            <a:r>
-              <a:rPr lang="ru-RU" sz="4000" i="0" dirty="0" err="1">
-                <a:effectLst/>
-                <a:latin typeface="Times New Roman" panose="02020603050405020304" pitchFamily="18" charset="0"/>
-                <a:cs typeface="Times New Roman" panose="02020603050405020304" pitchFamily="18" charset="0"/>
-              </a:rPr>
-              <a:t>має</a:t>
-            </a:r>
-            <a:r>
-              <a:rPr lang="ru-RU" sz="4000" i="0" dirty="0">
-                <a:effectLst/>
-                <a:latin typeface="Times New Roman" panose="02020603050405020304" pitchFamily="18" charset="0"/>
-                <a:cs typeface="Times New Roman" panose="02020603050405020304" pitchFamily="18" charset="0"/>
-              </a:rPr>
-              <a:t> в </a:t>
-            </a:r>
-            <a:r>
-              <a:rPr lang="ru-RU" sz="4000" i="0" dirty="0" err="1">
-                <a:effectLst/>
-                <a:latin typeface="Times New Roman" panose="02020603050405020304" pitchFamily="18" charset="0"/>
-                <a:cs typeface="Times New Roman" panose="02020603050405020304" pitchFamily="18" charset="0"/>
-              </a:rPr>
-              <a:t>своєму</a:t>
-            </a:r>
-            <a:r>
-              <a:rPr lang="ru-RU" sz="4000" i="0" dirty="0">
-                <a:effectLst/>
-                <a:latin typeface="Times New Roman" panose="02020603050405020304" pitchFamily="18" charset="0"/>
-                <a:cs typeface="Times New Roman" panose="02020603050405020304" pitchFamily="18" charset="0"/>
-              </a:rPr>
-              <a:t> </a:t>
-            </a:r>
-            <a:r>
-              <a:rPr lang="ru-RU" sz="4000" i="0" dirty="0" err="1">
-                <a:effectLst/>
-                <a:latin typeface="Times New Roman" panose="02020603050405020304" pitchFamily="18" charset="0"/>
-                <a:cs typeface="Times New Roman" panose="02020603050405020304" pitchFamily="18" charset="0"/>
-              </a:rPr>
-              <a:t>складі</a:t>
-            </a:r>
-            <a:r>
-              <a:rPr lang="ru-RU" sz="4000" i="0" dirty="0">
-                <a:effectLst/>
-                <a:latin typeface="Times New Roman" panose="02020603050405020304" pitchFamily="18" charset="0"/>
-                <a:cs typeface="Times New Roman" panose="02020603050405020304" pitchFamily="18" charset="0"/>
-              </a:rPr>
-              <a:t>, </a:t>
-            </a:r>
-            <a:r>
-              <a:rPr lang="ru-RU" sz="4000" i="0" dirty="0" err="1">
-                <a:effectLst/>
-                <a:latin typeface="Times New Roman" panose="02020603050405020304" pitchFamily="18" charset="0"/>
-                <a:cs typeface="Times New Roman" panose="02020603050405020304" pitchFamily="18" charset="0"/>
-              </a:rPr>
-              <a:t>складається</a:t>
-            </a:r>
-            <a:r>
-              <a:rPr lang="ru-RU" sz="4000" i="0" dirty="0">
-                <a:effectLst/>
-                <a:latin typeface="Times New Roman" panose="02020603050405020304" pitchFamily="18" charset="0"/>
-                <a:cs typeface="Times New Roman" panose="02020603050405020304" pitchFamily="18" charset="0"/>
-              </a:rPr>
-              <a:t> з):</a:t>
-            </a:r>
-            <a:endParaRPr lang="uk-UA" sz="8000" dirty="0">
-              <a:latin typeface="Times New Roman" panose="02020603050405020304" pitchFamily="18" charset="0"/>
-              <a:cs typeface="Times New Roman" panose="02020603050405020304" pitchFamily="18" charset="0"/>
-            </a:endParaRPr>
-          </a:p>
-        </p:txBody>
-      </p:sp>
-    </p:spTree>
-    <p:extLst>
-      <p:ext uri="{BB962C8B-B14F-4D97-AF65-F5344CB8AC3E}">
-        <p14:creationId xmlns:p14="http://schemas.microsoft.com/office/powerpoint/2010/main" val="3642081358"/>
-      </p:ext>
-    </p:extLst>
-  </p:cSld>
-  <p:clrMapOvr>
-    <a:masterClrMapping/>
-  </p:clrMapOvr>
-</p:sld>
-</file>
-
-<file path=ppt/slides/slide17.xml><?xml version="1.0" encoding="utf-8"?>
-<p:sld xmlns:a="http://schemas.openxmlformats.org/drawingml/2006/main" xmlns:r="http://schemas.openxmlformats.org/officeDocument/2006/relationships" xmlns:p="http://schemas.openxmlformats.org/presentationml/2006/main">
-  <p:cSld>
-    <p:spTree>
-      <p:nvGrpSpPr>
-        <p:cNvPr id="1" name=""/>
-        <p:cNvGrpSpPr/>
-        <p:nvPr/>
-      </p:nvGrpSpPr>
-      <p:grpSpPr>
-        <a:xfrm>
-          <a:off x="0" y="0"/>
-          <a:ext cx="0" cy="0"/>
-          <a:chOff x="0" y="0"/>
-          <a:chExt cx="0" cy="0"/>
-        </a:xfrm>
-      </p:grpSpPr>
-      <p:sp>
-        <p:nvSpPr>
           <p:cNvPr id="129026" name="Заголовок 1"/>
           <p:cNvSpPr>
             <a:spLocks noGrp="1"/>
@@ -12345,7 +5150,7 @@
 </p:sld>
 </file>
 
-<file path=ppt/slides/slide18.xml><?xml version="1.0" encoding="utf-8"?>
+<file path=ppt/slides/slide13.xml><?xml version="1.0" encoding="utf-8"?>
 <p:sld xmlns:a="http://schemas.openxmlformats.org/drawingml/2006/main" xmlns:r="http://schemas.openxmlformats.org/officeDocument/2006/relationships" xmlns:p="http://schemas.openxmlformats.org/presentationml/2006/main">
   <p:cSld>
     <p:spTree>
@@ -12409,12 +5214,12 @@
           <a:graphicData uri="http://schemas.openxmlformats.org/presentationml/2006/ole">
             <mc:AlternateContent xmlns:mc="http://schemas.openxmlformats.org/markup-compatibility/2006">
               <mc:Choice xmlns:v="urn:schemas-microsoft-com:vml" Requires="v">
-                <p:oleObj spid="_x0000_s9270" name="Visio" r:id="rId3" imgW="5103772" imgH="2902056" progId="Visio.Drawing.11">
+                <p:oleObj name="Visio" r:id="rId2" imgW="5103772" imgH="2902056" progId="Visio.Drawing.11">
                   <p:embed/>
                 </p:oleObj>
               </mc:Choice>
               <mc:Fallback>
-                <p:oleObj name="Visio" r:id="rId3" imgW="5103772" imgH="2902056" progId="Visio.Drawing.11">
+                <p:oleObj name="Visio" r:id="rId2" imgW="5103772" imgH="2902056" progId="Visio.Drawing.11">
                   <p:embed/>
                   <p:pic>
                     <p:nvPicPr>
@@ -12425,7 +5230,7 @@
                       <p:nvPr/>
                     </p:nvPicPr>
                     <p:blipFill>
-                      <a:blip r:embed="rId4">
+                      <a:blip r:embed="rId3">
                         <a:extLst>
                           <a:ext uri="{28A0092B-C50C-407E-A947-70E740481C1C}">
                             <a14:useLocalDpi xmlns:a14="http://schemas.microsoft.com/office/drawing/2010/main" val="0"/>
@@ -12492,12 +5297,12 @@
           <a:graphicData uri="http://schemas.openxmlformats.org/presentationml/2006/ole">
             <mc:AlternateContent xmlns:mc="http://schemas.openxmlformats.org/markup-compatibility/2006">
               <mc:Choice xmlns:v="urn:schemas-microsoft-com:vml" Requires="v">
-                <p:oleObj spid="_x0000_s9271" name="Visio" r:id="rId5" imgW="3381819" imgH="1730814" progId="Visio.Drawing.11">
+                <p:oleObj name="Visio" r:id="rId4" imgW="3381819" imgH="1730814" progId="Visio.Drawing.11">
                   <p:embed/>
                 </p:oleObj>
               </mc:Choice>
               <mc:Fallback>
-                <p:oleObj name="Visio" r:id="rId5" imgW="3381819" imgH="1730814" progId="Visio.Drawing.11">
+                <p:oleObj name="Visio" r:id="rId4" imgW="3381819" imgH="1730814" progId="Visio.Drawing.11">
                   <p:embed/>
                   <p:pic>
                     <p:nvPicPr>
@@ -12508,7 +5313,7 @@
                       <p:nvPr/>
                     </p:nvPicPr>
                     <p:blipFill>
-                      <a:blip r:embed="rId6">
+                      <a:blip r:embed="rId5">
                         <a:extLst>
                           <a:ext uri="{28A0092B-C50C-407E-A947-70E740481C1C}">
                             <a14:useLocalDpi xmlns:a14="http://schemas.microsoft.com/office/drawing/2010/main" val="0"/>
@@ -12640,7 +5445,7 @@
 </p:sld>
 </file>
 
-<file path=ppt/slides/slide19.xml><?xml version="1.0" encoding="utf-8"?>
+<file path=ppt/slides/slide14.xml><?xml version="1.0" encoding="utf-8"?>
 <p:sld xmlns:a="http://schemas.openxmlformats.org/drawingml/2006/main" xmlns:r="http://schemas.openxmlformats.org/officeDocument/2006/relationships" xmlns:p="http://schemas.openxmlformats.org/presentationml/2006/main">
   <p:cSld>
     <p:spTree>
@@ -12771,12 +5576,12 @@
           <a:graphicData uri="http://schemas.openxmlformats.org/presentationml/2006/ole">
             <mc:AlternateContent xmlns:mc="http://schemas.openxmlformats.org/markup-compatibility/2006">
               <mc:Choice xmlns:v="urn:schemas-microsoft-com:vml" Requires="v">
-                <p:oleObj spid="_x0000_s10268" name="Visio" r:id="rId3" imgW="2795238" imgH="556873" progId="Visio.Drawing.11">
+                <p:oleObj name="Visio" r:id="rId2" imgW="2795238" imgH="556873" progId="Visio.Drawing.11">
                   <p:embed/>
                 </p:oleObj>
               </mc:Choice>
               <mc:Fallback>
-                <p:oleObj name="Visio" r:id="rId3" imgW="2795238" imgH="556873" progId="Visio.Drawing.11">
+                <p:oleObj name="Visio" r:id="rId2" imgW="2795238" imgH="556873" progId="Visio.Drawing.11">
                   <p:embed/>
                   <p:pic>
                     <p:nvPicPr>
@@ -12787,7 +5592,7 @@
                       <p:nvPr/>
                     </p:nvPicPr>
                     <p:blipFill>
-                      <a:blip r:embed="rId4">
+                      <a:blip r:embed="rId3">
                         <a:extLst>
                           <a:ext uri="{28A0092B-C50C-407E-A947-70E740481C1C}">
                             <a14:useLocalDpi xmlns:a14="http://schemas.microsoft.com/office/drawing/2010/main" val="0"/>
@@ -12842,6 +5647,329 @@
     <p:extLst>
       <p:ext uri="{BB962C8B-B14F-4D97-AF65-F5344CB8AC3E}">
         <p14:creationId xmlns:p14="http://schemas.microsoft.com/office/powerpoint/2010/main" val="3128287148"/>
+      </p:ext>
+    </p:extLst>
+  </p:cSld>
+  <p:clrMapOvr>
+    <a:masterClrMapping/>
+  </p:clrMapOvr>
+</p:sld>
+</file>
+
+<file path=ppt/slides/slide15.xml><?xml version="1.0" encoding="utf-8"?>
+<p:sld xmlns:a="http://schemas.openxmlformats.org/drawingml/2006/main" xmlns:r="http://schemas.openxmlformats.org/officeDocument/2006/relationships" xmlns:p="http://schemas.openxmlformats.org/presentationml/2006/main">
+  <p:cSld>
+    <p:spTree>
+      <p:nvGrpSpPr>
+        <p:cNvPr id="1" name=""/>
+        <p:cNvGrpSpPr/>
+        <p:nvPr/>
+      </p:nvGrpSpPr>
+      <p:grpSpPr>
+        <a:xfrm>
+          <a:off x="0" y="0"/>
+          <a:ext cx="0" cy="0"/>
+          <a:chOff x="0" y="0"/>
+          <a:chExt cx="0" cy="0"/>
+        </a:xfrm>
+      </p:grpSpPr>
+      <p:sp>
+        <p:nvSpPr>
+          <p:cNvPr id="2" name="Заголовок 1">
+            <a:extLst>
+              <a:ext uri="{FF2B5EF4-FFF2-40B4-BE49-F238E27FC236}">
+                <a16:creationId xmlns:a16="http://schemas.microsoft.com/office/drawing/2014/main" id="{68F90FA0-33B1-4D8C-9107-4492941F2A8A}"/>
+              </a:ext>
+            </a:extLst>
+          </p:cNvPr>
+          <p:cNvSpPr>
+            <a:spLocks noGrp="1"/>
+          </p:cNvSpPr>
+          <p:nvPr>
+            <p:ph type="title"/>
+          </p:nvPr>
+        </p:nvSpPr>
+        <p:spPr>
+          <a:xfrm>
+            <a:off x="0" y="1"/>
+            <a:ext cx="12192000" cy="1690688"/>
+          </a:xfrm>
+        </p:spPr>
+        <p:txBody>
+          <a:bodyPr>
+            <a:normAutofit/>
+          </a:bodyPr>
+          <a:lstStyle/>
+          <a:p>
+            <a:pPr algn="ctr"/>
+            <a:r>
+              <a:rPr lang="ru-RU" i="0" dirty="0" err="1">
+                <a:effectLst/>
+                <a:latin typeface="Times New Roman" panose="02020603050405020304" pitchFamily="18" charset="0"/>
+                <a:cs typeface="Times New Roman" panose="02020603050405020304" pitchFamily="18" charset="0"/>
+              </a:rPr>
+              <a:t>Чому</a:t>
+            </a:r>
+            <a:r>
+              <a:rPr lang="ru-RU" i="0" dirty="0">
+                <a:effectLst/>
+                <a:latin typeface="Times New Roman" panose="02020603050405020304" pitchFamily="18" charset="0"/>
+                <a:cs typeface="Times New Roman" panose="02020603050405020304" pitchFamily="18" charset="0"/>
+              </a:rPr>
+              <a:t> в Java </a:t>
+            </a:r>
+            <a:r>
+              <a:rPr lang="ru-RU" i="0" dirty="0" err="1">
+                <a:effectLst/>
+                <a:latin typeface="Times New Roman" panose="02020603050405020304" pitchFamily="18" charset="0"/>
+                <a:cs typeface="Times New Roman" panose="02020603050405020304" pitchFamily="18" charset="0"/>
+              </a:rPr>
+              <a:t>немає</a:t>
+            </a:r>
+            <a:r>
+              <a:rPr lang="ru-RU" i="0" dirty="0">
+                <a:effectLst/>
+                <a:latin typeface="Times New Roman" panose="02020603050405020304" pitchFamily="18" charset="0"/>
+                <a:cs typeface="Times New Roman" panose="02020603050405020304" pitchFamily="18" charset="0"/>
+              </a:rPr>
+              <a:t> </a:t>
+            </a:r>
+            <a:r>
+              <a:rPr lang="ru-RU" i="0" dirty="0" err="1">
+                <a:effectLst/>
+                <a:latin typeface="Times New Roman" panose="02020603050405020304" pitchFamily="18" charset="0"/>
+                <a:cs typeface="Times New Roman" panose="02020603050405020304" pitchFamily="18" charset="0"/>
+              </a:rPr>
+              <a:t>множинного</a:t>
+            </a:r>
+            <a:r>
+              <a:rPr lang="ru-RU" i="0" dirty="0">
+                <a:effectLst/>
+                <a:latin typeface="Times New Roman" panose="02020603050405020304" pitchFamily="18" charset="0"/>
+                <a:cs typeface="Times New Roman" panose="02020603050405020304" pitchFamily="18" charset="0"/>
+              </a:rPr>
+              <a:t> </a:t>
+            </a:r>
+            <a:r>
+              <a:rPr lang="ru-RU" i="0" dirty="0" err="1">
+                <a:effectLst/>
+                <a:latin typeface="Times New Roman" panose="02020603050405020304" pitchFamily="18" charset="0"/>
+                <a:cs typeface="Times New Roman" panose="02020603050405020304" pitchFamily="18" charset="0"/>
+              </a:rPr>
+              <a:t>успадкування</a:t>
+            </a:r>
+            <a:r>
+              <a:rPr lang="ru-RU" i="0" dirty="0">
+                <a:effectLst/>
+                <a:latin typeface="Times New Roman" panose="02020603050405020304" pitchFamily="18" charset="0"/>
+                <a:cs typeface="Times New Roman" panose="02020603050405020304" pitchFamily="18" charset="0"/>
+              </a:rPr>
+              <a:t> </a:t>
+            </a:r>
+            <a:r>
+              <a:rPr lang="ru-RU" i="0" dirty="0" err="1">
+                <a:effectLst/>
+                <a:latin typeface="Times New Roman" panose="02020603050405020304" pitchFamily="18" charset="0"/>
+                <a:cs typeface="Times New Roman" panose="02020603050405020304" pitchFamily="18" charset="0"/>
+              </a:rPr>
+              <a:t>класів</a:t>
+            </a:r>
+            <a:endParaRPr lang="uk-UA" dirty="0">
+              <a:latin typeface="Times New Roman" panose="02020603050405020304" pitchFamily="18" charset="0"/>
+              <a:cs typeface="Times New Roman" panose="02020603050405020304" pitchFamily="18" charset="0"/>
+            </a:endParaRPr>
+          </a:p>
+        </p:txBody>
+      </p:sp>
+      <p:sp>
+        <p:nvSpPr>
+          <p:cNvPr id="3" name="Объект 2">
+            <a:extLst>
+              <a:ext uri="{FF2B5EF4-FFF2-40B4-BE49-F238E27FC236}">
+                <a16:creationId xmlns:a16="http://schemas.microsoft.com/office/drawing/2014/main" id="{45AB4E56-FDC6-44AE-80BD-CF9ABFD14926}"/>
+              </a:ext>
+            </a:extLst>
+          </p:cNvPr>
+          <p:cNvSpPr>
+            <a:spLocks noGrp="1"/>
+          </p:cNvSpPr>
+          <p:nvPr>
+            <p:ph idx="1"/>
+          </p:nvPr>
+        </p:nvSpPr>
+        <p:spPr>
+          <a:xfrm>
+            <a:off x="584069" y="1813238"/>
+            <a:ext cx="11023862" cy="4681831"/>
+          </a:xfrm>
+        </p:spPr>
+        <p:txBody>
+          <a:bodyPr>
+            <a:normAutofit lnSpcReduction="10000"/>
+          </a:bodyPr>
+          <a:lstStyle/>
+          <a:p>
+            <a:pPr marL="0" indent="0">
+              <a:buNone/>
+            </a:pPr>
+            <a:r>
+              <a:rPr lang="uk-UA" sz="2000" dirty="0">
+                <a:latin typeface="Times New Roman" panose="02020603050405020304" pitchFamily="18" charset="0"/>
+                <a:cs typeface="Times New Roman" panose="02020603050405020304" pitchFamily="18" charset="0"/>
+              </a:rPr>
+              <a:t>В </a:t>
+            </a:r>
+            <a:r>
+              <a:rPr lang="en-US" sz="2000" dirty="0">
+                <a:latin typeface="Times New Roman" panose="02020603050405020304" pitchFamily="18" charset="0"/>
+                <a:cs typeface="Times New Roman" panose="02020603050405020304" pitchFamily="18" charset="0"/>
+              </a:rPr>
+              <a:t>Java </a:t>
+            </a:r>
+            <a:r>
+              <a:rPr lang="uk-UA" sz="2000" dirty="0">
+                <a:latin typeface="Times New Roman" panose="02020603050405020304" pitchFamily="18" charset="0"/>
+                <a:cs typeface="Times New Roman" panose="02020603050405020304" pitchFamily="18" charset="0"/>
+              </a:rPr>
+              <a:t>відсутнє множинне успадкування класів з метою уникнення ряду проблем, що можуть виникнути при його використанні. Декілька причин, чому в </a:t>
+            </a:r>
+            <a:r>
+              <a:rPr lang="en-US" sz="2000" dirty="0">
+                <a:latin typeface="Times New Roman" panose="02020603050405020304" pitchFamily="18" charset="0"/>
+                <a:cs typeface="Times New Roman" panose="02020603050405020304" pitchFamily="18" charset="0"/>
+              </a:rPr>
+              <a:t>Java </a:t>
+            </a:r>
+            <a:r>
+              <a:rPr lang="uk-UA" sz="2000" dirty="0">
+                <a:latin typeface="Times New Roman" panose="02020603050405020304" pitchFamily="18" charset="0"/>
+                <a:cs typeface="Times New Roman" panose="02020603050405020304" pitchFamily="18" charset="0"/>
+              </a:rPr>
+              <a:t>обмежилися </a:t>
+            </a:r>
+            <a:r>
+              <a:rPr lang="uk-UA" sz="2000" dirty="0" err="1">
+                <a:latin typeface="Times New Roman" panose="02020603050405020304" pitchFamily="18" charset="0"/>
+                <a:cs typeface="Times New Roman" panose="02020603050405020304" pitchFamily="18" charset="0"/>
+              </a:rPr>
+              <a:t>однорівневим</a:t>
+            </a:r>
+            <a:r>
+              <a:rPr lang="uk-UA" sz="2000" dirty="0">
+                <a:latin typeface="Times New Roman" panose="02020603050405020304" pitchFamily="18" charset="0"/>
+                <a:cs typeface="Times New Roman" panose="02020603050405020304" pitchFamily="18" charset="0"/>
+              </a:rPr>
+              <a:t> успадкуванням класів, включають:</a:t>
+            </a:r>
+          </a:p>
+          <a:p>
+            <a:pPr marL="0" indent="0">
+              <a:buNone/>
+            </a:pPr>
+            <a:r>
+              <a:rPr lang="uk-UA" sz="2000" dirty="0">
+                <a:latin typeface="Times New Roman" panose="02020603050405020304" pitchFamily="18" charset="0"/>
+                <a:cs typeface="Times New Roman" panose="02020603050405020304" pitchFamily="18" charset="0"/>
+              </a:rPr>
+              <a:t>1. Простота та Зрозумілість: Множинне успадкування може створювати складні схеми спадковості, що робить код менш зрозумілим та важче для обслуговування. </a:t>
+            </a:r>
+            <a:r>
+              <a:rPr lang="uk-UA" sz="2000" dirty="0" err="1">
+                <a:latin typeface="Times New Roman" panose="02020603050405020304" pitchFamily="18" charset="0"/>
+                <a:cs typeface="Times New Roman" panose="02020603050405020304" pitchFamily="18" charset="0"/>
+              </a:rPr>
+              <a:t>Однорівневе</a:t>
+            </a:r>
+            <a:r>
+              <a:rPr lang="uk-UA" sz="2000" dirty="0">
+                <a:latin typeface="Times New Roman" panose="02020603050405020304" pitchFamily="18" charset="0"/>
+                <a:cs typeface="Times New Roman" panose="02020603050405020304" pitchFamily="18" charset="0"/>
+              </a:rPr>
+              <a:t> успадкування сприяє простоті та чіткості коду.</a:t>
+            </a:r>
+          </a:p>
+          <a:p>
+            <a:pPr marL="0" indent="0">
+              <a:buNone/>
+            </a:pPr>
+            <a:r>
+              <a:rPr lang="uk-UA" sz="2000" dirty="0">
+                <a:latin typeface="Times New Roman" panose="02020603050405020304" pitchFamily="18" charset="0"/>
+                <a:cs typeface="Times New Roman" panose="02020603050405020304" pitchFamily="18" charset="0"/>
+              </a:rPr>
+              <a:t>2. Проблема "Алмаз": Множинне успадкування може призводити до ситуації, відомої як проблема "алмаз". Це трапляється, коли клас успадковує два класи, які успадковують один і той самий клас. Це може викликати непорозуміння та конфлікти.</a:t>
+            </a:r>
+          </a:p>
+          <a:p>
+            <a:pPr marL="0" indent="0">
+              <a:buNone/>
+            </a:pPr>
+            <a:r>
+              <a:rPr lang="uk-UA" sz="2000" dirty="0">
+                <a:latin typeface="Times New Roman" panose="02020603050405020304" pitchFamily="18" charset="0"/>
+                <a:cs typeface="Times New Roman" panose="02020603050405020304" pitchFamily="18" charset="0"/>
+              </a:rPr>
+              <a:t>3. Проблема Класу-Батька: В разі множинного успадкування може виникнути проблема, коли клас успадковує багато класів, і один із них має зміни, які несумісні з іншими класами.</a:t>
+            </a:r>
+          </a:p>
+          <a:p>
+            <a:pPr marL="0" indent="0">
+              <a:buNone/>
+            </a:pPr>
+            <a:r>
+              <a:rPr lang="uk-UA" sz="2000" dirty="0">
+                <a:latin typeface="Times New Roman" panose="02020603050405020304" pitchFamily="18" charset="0"/>
+                <a:cs typeface="Times New Roman" panose="02020603050405020304" pitchFamily="18" charset="0"/>
+              </a:rPr>
+              <a:t>4. Ізоляція Помилок: </a:t>
+            </a:r>
+            <a:r>
+              <a:rPr lang="uk-UA" sz="2000" dirty="0" err="1">
+                <a:latin typeface="Times New Roman" panose="02020603050405020304" pitchFamily="18" charset="0"/>
+                <a:cs typeface="Times New Roman" panose="02020603050405020304" pitchFamily="18" charset="0"/>
+              </a:rPr>
+              <a:t>Однорівневе</a:t>
+            </a:r>
+            <a:r>
+              <a:rPr lang="uk-UA" sz="2000" dirty="0">
+                <a:latin typeface="Times New Roman" panose="02020603050405020304" pitchFamily="18" charset="0"/>
+                <a:cs typeface="Times New Roman" panose="02020603050405020304" pitchFamily="18" charset="0"/>
+              </a:rPr>
+              <a:t> успадкування дозволяє краще ізолювати помилки та зміни від інших класів, що полегшує розробку та управління кодом.</a:t>
+            </a:r>
+          </a:p>
+          <a:p>
+            <a:pPr marL="0" indent="0">
+              <a:buNone/>
+            </a:pPr>
+            <a:r>
+              <a:rPr lang="uk-UA" sz="2000" dirty="0">
+                <a:latin typeface="Times New Roman" panose="02020603050405020304" pitchFamily="18" charset="0"/>
+                <a:cs typeface="Times New Roman" panose="02020603050405020304" pitchFamily="18" charset="0"/>
+              </a:rPr>
+              <a:t>Хоча в </a:t>
+            </a:r>
+            <a:r>
+              <a:rPr lang="en-US" sz="2000" dirty="0">
+                <a:latin typeface="Times New Roman" panose="02020603050405020304" pitchFamily="18" charset="0"/>
+                <a:cs typeface="Times New Roman" panose="02020603050405020304" pitchFamily="18" charset="0"/>
+              </a:rPr>
+              <a:t>Java </a:t>
+            </a:r>
+            <a:r>
+              <a:rPr lang="uk-UA" sz="2000" dirty="0">
+                <a:latin typeface="Times New Roman" panose="02020603050405020304" pitchFamily="18" charset="0"/>
+                <a:cs typeface="Times New Roman" panose="02020603050405020304" pitchFamily="18" charset="0"/>
+              </a:rPr>
+              <a:t>відсутнє множинне успадкування класів, можна використовувати інші механізми, такі як інтерфейси та композиція, для досягнення більшої гнучкості та розширюваності в програмуванні.</a:t>
+            </a:r>
+          </a:p>
+        </p:txBody>
+      </p:sp>
+    </p:spTree>
+    <p:extLst>
+      <p:ext uri="{BB962C8B-B14F-4D97-AF65-F5344CB8AC3E}">
+        <p14:creationId xmlns:p14="http://schemas.microsoft.com/office/powerpoint/2010/main" val="4283172395"/>
       </p:ext>
     </p:extLst>
   </p:cSld>
@@ -13405,12 +6533,12 @@
           <a:graphicData uri="http://schemas.openxmlformats.org/presentationml/2006/ole">
             <mc:AlternateContent xmlns:mc="http://schemas.openxmlformats.org/markup-compatibility/2006">
               <mc:Choice xmlns:v="urn:schemas-microsoft-com:vml" Requires="v">
-                <p:oleObj spid="_x0000_s1052" name="Visio" r:id="rId3" imgW="3781655" imgH="2676602" progId="Visio.Drawing.11">
+                <p:oleObj name="Visio" r:id="rId2" imgW="3781655" imgH="2676602" progId="Visio.Drawing.11">
                   <p:embed/>
                 </p:oleObj>
               </mc:Choice>
               <mc:Fallback>
-                <p:oleObj name="Visio" r:id="rId3" imgW="3781655" imgH="2676602" progId="Visio.Drawing.11">
+                <p:oleObj name="Visio" r:id="rId2" imgW="3781655" imgH="2676602" progId="Visio.Drawing.11">
                   <p:embed/>
                   <p:pic>
                     <p:nvPicPr>
@@ -13421,7 +6549,7 @@
                       <p:nvPr/>
                     </p:nvPicPr>
                     <p:blipFill>
-                      <a:blip r:embed="rId4"/>
+                      <a:blip r:embed="rId3"/>
                       <a:srcRect/>
                       <a:stretch>
                         <a:fillRect/>
@@ -13452,329 +6580,6 @@
     <p:extLst>
       <p:ext uri="{BB962C8B-B14F-4D97-AF65-F5344CB8AC3E}">
         <p14:creationId xmlns:p14="http://schemas.microsoft.com/office/powerpoint/2010/main" val="1277716474"/>
-      </p:ext>
-    </p:extLst>
-  </p:cSld>
-  <p:clrMapOvr>
-    <a:masterClrMapping/>
-  </p:clrMapOvr>
-</p:sld>
-</file>
-
-<file path=ppt/slides/slide20.xml><?xml version="1.0" encoding="utf-8"?>
-<p:sld xmlns:a="http://schemas.openxmlformats.org/drawingml/2006/main" xmlns:r="http://schemas.openxmlformats.org/officeDocument/2006/relationships" xmlns:p="http://schemas.openxmlformats.org/presentationml/2006/main">
-  <p:cSld>
-    <p:spTree>
-      <p:nvGrpSpPr>
-        <p:cNvPr id="1" name=""/>
-        <p:cNvGrpSpPr/>
-        <p:nvPr/>
-      </p:nvGrpSpPr>
-      <p:grpSpPr>
-        <a:xfrm>
-          <a:off x="0" y="0"/>
-          <a:ext cx="0" cy="0"/>
-          <a:chOff x="0" y="0"/>
-          <a:chExt cx="0" cy="0"/>
-        </a:xfrm>
-      </p:grpSpPr>
-      <p:sp>
-        <p:nvSpPr>
-          <p:cNvPr id="2" name="Заголовок 1">
-            <a:extLst>
-              <a:ext uri="{FF2B5EF4-FFF2-40B4-BE49-F238E27FC236}">
-                <a16:creationId xmlns:a16="http://schemas.microsoft.com/office/drawing/2014/main" id="{68F90FA0-33B1-4D8C-9107-4492941F2A8A}"/>
-              </a:ext>
-            </a:extLst>
-          </p:cNvPr>
-          <p:cNvSpPr>
-            <a:spLocks noGrp="1"/>
-          </p:cNvSpPr>
-          <p:nvPr>
-            <p:ph type="title"/>
-          </p:nvPr>
-        </p:nvSpPr>
-        <p:spPr>
-          <a:xfrm>
-            <a:off x="0" y="1"/>
-            <a:ext cx="12192000" cy="1690688"/>
-          </a:xfrm>
-        </p:spPr>
-        <p:txBody>
-          <a:bodyPr>
-            <a:normAutofit/>
-          </a:bodyPr>
-          <a:lstStyle/>
-          <a:p>
-            <a:pPr algn="ctr"/>
-            <a:r>
-              <a:rPr lang="ru-RU" i="0" dirty="0" err="1">
-                <a:effectLst/>
-                <a:latin typeface="Times New Roman" panose="02020603050405020304" pitchFamily="18" charset="0"/>
-                <a:cs typeface="Times New Roman" panose="02020603050405020304" pitchFamily="18" charset="0"/>
-              </a:rPr>
-              <a:t>Чому</a:t>
-            </a:r>
-            <a:r>
-              <a:rPr lang="ru-RU" i="0" dirty="0">
-                <a:effectLst/>
-                <a:latin typeface="Times New Roman" panose="02020603050405020304" pitchFamily="18" charset="0"/>
-                <a:cs typeface="Times New Roman" panose="02020603050405020304" pitchFamily="18" charset="0"/>
-              </a:rPr>
-              <a:t> в Java </a:t>
-            </a:r>
-            <a:r>
-              <a:rPr lang="ru-RU" i="0" dirty="0" err="1">
-                <a:effectLst/>
-                <a:latin typeface="Times New Roman" panose="02020603050405020304" pitchFamily="18" charset="0"/>
-                <a:cs typeface="Times New Roman" panose="02020603050405020304" pitchFamily="18" charset="0"/>
-              </a:rPr>
-              <a:t>немає</a:t>
-            </a:r>
-            <a:r>
-              <a:rPr lang="ru-RU" i="0" dirty="0">
-                <a:effectLst/>
-                <a:latin typeface="Times New Roman" panose="02020603050405020304" pitchFamily="18" charset="0"/>
-                <a:cs typeface="Times New Roman" panose="02020603050405020304" pitchFamily="18" charset="0"/>
-              </a:rPr>
-              <a:t> </a:t>
-            </a:r>
-            <a:r>
-              <a:rPr lang="ru-RU" i="0" dirty="0" err="1">
-                <a:effectLst/>
-                <a:latin typeface="Times New Roman" panose="02020603050405020304" pitchFamily="18" charset="0"/>
-                <a:cs typeface="Times New Roman" panose="02020603050405020304" pitchFamily="18" charset="0"/>
-              </a:rPr>
-              <a:t>множинного</a:t>
-            </a:r>
-            <a:r>
-              <a:rPr lang="ru-RU" i="0" dirty="0">
-                <a:effectLst/>
-                <a:latin typeface="Times New Roman" panose="02020603050405020304" pitchFamily="18" charset="0"/>
-                <a:cs typeface="Times New Roman" panose="02020603050405020304" pitchFamily="18" charset="0"/>
-              </a:rPr>
-              <a:t> </a:t>
-            </a:r>
-            <a:r>
-              <a:rPr lang="ru-RU" i="0" dirty="0" err="1">
-                <a:effectLst/>
-                <a:latin typeface="Times New Roman" panose="02020603050405020304" pitchFamily="18" charset="0"/>
-                <a:cs typeface="Times New Roman" panose="02020603050405020304" pitchFamily="18" charset="0"/>
-              </a:rPr>
-              <a:t>успадкування</a:t>
-            </a:r>
-            <a:r>
-              <a:rPr lang="ru-RU" i="0" dirty="0">
-                <a:effectLst/>
-                <a:latin typeface="Times New Roman" panose="02020603050405020304" pitchFamily="18" charset="0"/>
-                <a:cs typeface="Times New Roman" panose="02020603050405020304" pitchFamily="18" charset="0"/>
-              </a:rPr>
-              <a:t> </a:t>
-            </a:r>
-            <a:r>
-              <a:rPr lang="ru-RU" i="0" dirty="0" err="1">
-                <a:effectLst/>
-                <a:latin typeface="Times New Roman" panose="02020603050405020304" pitchFamily="18" charset="0"/>
-                <a:cs typeface="Times New Roman" panose="02020603050405020304" pitchFamily="18" charset="0"/>
-              </a:rPr>
-              <a:t>класів</a:t>
-            </a:r>
-            <a:endParaRPr lang="uk-UA" dirty="0">
-              <a:latin typeface="Times New Roman" panose="02020603050405020304" pitchFamily="18" charset="0"/>
-              <a:cs typeface="Times New Roman" panose="02020603050405020304" pitchFamily="18" charset="0"/>
-            </a:endParaRPr>
-          </a:p>
-        </p:txBody>
-      </p:sp>
-      <p:sp>
-        <p:nvSpPr>
-          <p:cNvPr id="3" name="Объект 2">
-            <a:extLst>
-              <a:ext uri="{FF2B5EF4-FFF2-40B4-BE49-F238E27FC236}">
-                <a16:creationId xmlns:a16="http://schemas.microsoft.com/office/drawing/2014/main" id="{45AB4E56-FDC6-44AE-80BD-CF9ABFD14926}"/>
-              </a:ext>
-            </a:extLst>
-          </p:cNvPr>
-          <p:cNvSpPr>
-            <a:spLocks noGrp="1"/>
-          </p:cNvSpPr>
-          <p:nvPr>
-            <p:ph idx="1"/>
-          </p:nvPr>
-        </p:nvSpPr>
-        <p:spPr>
-          <a:xfrm>
-            <a:off x="584069" y="1813238"/>
-            <a:ext cx="11023862" cy="4681831"/>
-          </a:xfrm>
-        </p:spPr>
-        <p:txBody>
-          <a:bodyPr>
-            <a:normAutofit lnSpcReduction="10000"/>
-          </a:bodyPr>
-          <a:lstStyle/>
-          <a:p>
-            <a:pPr marL="0" indent="0">
-              <a:buNone/>
-            </a:pPr>
-            <a:r>
-              <a:rPr lang="uk-UA" sz="2000" dirty="0">
-                <a:latin typeface="Times New Roman" panose="02020603050405020304" pitchFamily="18" charset="0"/>
-                <a:cs typeface="Times New Roman" panose="02020603050405020304" pitchFamily="18" charset="0"/>
-              </a:rPr>
-              <a:t>В </a:t>
-            </a:r>
-            <a:r>
-              <a:rPr lang="en-US" sz="2000" dirty="0">
-                <a:latin typeface="Times New Roman" panose="02020603050405020304" pitchFamily="18" charset="0"/>
-                <a:cs typeface="Times New Roman" panose="02020603050405020304" pitchFamily="18" charset="0"/>
-              </a:rPr>
-              <a:t>Java </a:t>
-            </a:r>
-            <a:r>
-              <a:rPr lang="uk-UA" sz="2000" dirty="0">
-                <a:latin typeface="Times New Roman" panose="02020603050405020304" pitchFamily="18" charset="0"/>
-                <a:cs typeface="Times New Roman" panose="02020603050405020304" pitchFamily="18" charset="0"/>
-              </a:rPr>
-              <a:t>відсутнє множинне успадкування класів з метою уникнення ряду проблем, що можуть виникнути при його використанні. Декілька причин, чому в </a:t>
-            </a:r>
-            <a:r>
-              <a:rPr lang="en-US" sz="2000" dirty="0">
-                <a:latin typeface="Times New Roman" panose="02020603050405020304" pitchFamily="18" charset="0"/>
-                <a:cs typeface="Times New Roman" panose="02020603050405020304" pitchFamily="18" charset="0"/>
-              </a:rPr>
-              <a:t>Java </a:t>
-            </a:r>
-            <a:r>
-              <a:rPr lang="uk-UA" sz="2000" dirty="0">
-                <a:latin typeface="Times New Roman" panose="02020603050405020304" pitchFamily="18" charset="0"/>
-                <a:cs typeface="Times New Roman" panose="02020603050405020304" pitchFamily="18" charset="0"/>
-              </a:rPr>
-              <a:t>обмежилися </a:t>
-            </a:r>
-            <a:r>
-              <a:rPr lang="uk-UA" sz="2000" dirty="0" err="1">
-                <a:latin typeface="Times New Roman" panose="02020603050405020304" pitchFamily="18" charset="0"/>
-                <a:cs typeface="Times New Roman" panose="02020603050405020304" pitchFamily="18" charset="0"/>
-              </a:rPr>
-              <a:t>однорівневим</a:t>
-            </a:r>
-            <a:r>
-              <a:rPr lang="uk-UA" sz="2000" dirty="0">
-                <a:latin typeface="Times New Roman" panose="02020603050405020304" pitchFamily="18" charset="0"/>
-                <a:cs typeface="Times New Roman" panose="02020603050405020304" pitchFamily="18" charset="0"/>
-              </a:rPr>
-              <a:t> успадкуванням класів, включають:</a:t>
-            </a:r>
-          </a:p>
-          <a:p>
-            <a:pPr marL="0" indent="0">
-              <a:buNone/>
-            </a:pPr>
-            <a:r>
-              <a:rPr lang="uk-UA" sz="2000" dirty="0">
-                <a:latin typeface="Times New Roman" panose="02020603050405020304" pitchFamily="18" charset="0"/>
-                <a:cs typeface="Times New Roman" panose="02020603050405020304" pitchFamily="18" charset="0"/>
-              </a:rPr>
-              <a:t>1. Простота та Зрозумілість: Множинне успадкування може створювати складні схеми спадковості, що робить код менш зрозумілим та важче для обслуговування. </a:t>
-            </a:r>
-            <a:r>
-              <a:rPr lang="uk-UA" sz="2000" dirty="0" err="1">
-                <a:latin typeface="Times New Roman" panose="02020603050405020304" pitchFamily="18" charset="0"/>
-                <a:cs typeface="Times New Roman" panose="02020603050405020304" pitchFamily="18" charset="0"/>
-              </a:rPr>
-              <a:t>Однорівневе</a:t>
-            </a:r>
-            <a:r>
-              <a:rPr lang="uk-UA" sz="2000" dirty="0">
-                <a:latin typeface="Times New Roman" panose="02020603050405020304" pitchFamily="18" charset="0"/>
-                <a:cs typeface="Times New Roman" panose="02020603050405020304" pitchFamily="18" charset="0"/>
-              </a:rPr>
-              <a:t> успадкування сприяє простоті та чіткості коду.</a:t>
-            </a:r>
-          </a:p>
-          <a:p>
-            <a:pPr marL="0" indent="0">
-              <a:buNone/>
-            </a:pPr>
-            <a:r>
-              <a:rPr lang="uk-UA" sz="2000" dirty="0">
-                <a:latin typeface="Times New Roman" panose="02020603050405020304" pitchFamily="18" charset="0"/>
-                <a:cs typeface="Times New Roman" panose="02020603050405020304" pitchFamily="18" charset="0"/>
-              </a:rPr>
-              <a:t>2. Проблема "Алмаз": Множинне успадкування може призводити до ситуації, відомої як проблема "алмаз". Це трапляється, коли клас успадковує два класи, які успадковують один і той самий клас. Це може викликати непорозуміння та конфлікти.</a:t>
-            </a:r>
-          </a:p>
-          <a:p>
-            <a:pPr marL="0" indent="0">
-              <a:buNone/>
-            </a:pPr>
-            <a:r>
-              <a:rPr lang="uk-UA" sz="2000" dirty="0">
-                <a:latin typeface="Times New Roman" panose="02020603050405020304" pitchFamily="18" charset="0"/>
-                <a:cs typeface="Times New Roman" panose="02020603050405020304" pitchFamily="18" charset="0"/>
-              </a:rPr>
-              <a:t>3. Проблема Класу-Батька: В разі множинного успадкування може виникнути проблема, коли клас успадковує багато класів, і один із них має зміни, які несумісні з іншими класами.</a:t>
-            </a:r>
-          </a:p>
-          <a:p>
-            <a:pPr marL="0" indent="0">
-              <a:buNone/>
-            </a:pPr>
-            <a:r>
-              <a:rPr lang="uk-UA" sz="2000" dirty="0">
-                <a:latin typeface="Times New Roman" panose="02020603050405020304" pitchFamily="18" charset="0"/>
-                <a:cs typeface="Times New Roman" panose="02020603050405020304" pitchFamily="18" charset="0"/>
-              </a:rPr>
-              <a:t>4. Ізоляція Помилок: </a:t>
-            </a:r>
-            <a:r>
-              <a:rPr lang="uk-UA" sz="2000" dirty="0" err="1">
-                <a:latin typeface="Times New Roman" panose="02020603050405020304" pitchFamily="18" charset="0"/>
-                <a:cs typeface="Times New Roman" panose="02020603050405020304" pitchFamily="18" charset="0"/>
-              </a:rPr>
-              <a:t>Однорівневе</a:t>
-            </a:r>
-            <a:r>
-              <a:rPr lang="uk-UA" sz="2000" dirty="0">
-                <a:latin typeface="Times New Roman" panose="02020603050405020304" pitchFamily="18" charset="0"/>
-                <a:cs typeface="Times New Roman" panose="02020603050405020304" pitchFamily="18" charset="0"/>
-              </a:rPr>
-              <a:t> успадкування дозволяє краще ізолювати помилки та зміни від інших класів, що полегшує розробку та управління кодом.</a:t>
-            </a:r>
-          </a:p>
-          <a:p>
-            <a:pPr marL="0" indent="0">
-              <a:buNone/>
-            </a:pPr>
-            <a:r>
-              <a:rPr lang="uk-UA" sz="2000" dirty="0">
-                <a:latin typeface="Times New Roman" panose="02020603050405020304" pitchFamily="18" charset="0"/>
-                <a:cs typeface="Times New Roman" panose="02020603050405020304" pitchFamily="18" charset="0"/>
-              </a:rPr>
-              <a:t>Хоча в </a:t>
-            </a:r>
-            <a:r>
-              <a:rPr lang="en-US" sz="2000" dirty="0">
-                <a:latin typeface="Times New Roman" panose="02020603050405020304" pitchFamily="18" charset="0"/>
-                <a:cs typeface="Times New Roman" panose="02020603050405020304" pitchFamily="18" charset="0"/>
-              </a:rPr>
-              <a:t>Java </a:t>
-            </a:r>
-            <a:r>
-              <a:rPr lang="uk-UA" sz="2000" dirty="0">
-                <a:latin typeface="Times New Roman" panose="02020603050405020304" pitchFamily="18" charset="0"/>
-                <a:cs typeface="Times New Roman" panose="02020603050405020304" pitchFamily="18" charset="0"/>
-              </a:rPr>
-              <a:t>відсутнє множинне успадкування класів, можна використовувати інші механізми, такі як інтерфейси та композиція, для досягнення більшої гнучкості та розширюваності в програмуванні.</a:t>
-            </a:r>
-          </a:p>
-        </p:txBody>
-      </p:sp>
-    </p:spTree>
-    <p:extLst>
-      <p:ext uri="{BB962C8B-B14F-4D97-AF65-F5344CB8AC3E}">
-        <p14:creationId xmlns:p14="http://schemas.microsoft.com/office/powerpoint/2010/main" val="4283172395"/>
       </p:ext>
     </p:extLst>
   </p:cSld>
@@ -16292,12 +9097,12 @@
           <a:graphicData uri="http://schemas.openxmlformats.org/presentationml/2006/ole">
             <mc:AlternateContent xmlns:mc="http://schemas.openxmlformats.org/markup-compatibility/2006">
               <mc:Choice xmlns:v="urn:schemas-microsoft-com:vml" Requires="v">
-                <p:oleObj spid="_x0000_s2154" name="Visio" r:id="rId3" imgW="3106749" imgH="2504174" progId="Visio.Drawing.11">
+                <p:oleObj name="Visio" r:id="rId2" imgW="3106749" imgH="2504174" progId="Visio.Drawing.11">
                   <p:embed/>
                 </p:oleObj>
               </mc:Choice>
               <mc:Fallback>
-                <p:oleObj name="Visio" r:id="rId3" imgW="3106749" imgH="2504174" progId="Visio.Drawing.11">
+                <p:oleObj name="Visio" r:id="rId2" imgW="3106749" imgH="2504174" progId="Visio.Drawing.11">
                   <p:embed/>
                   <p:pic>
                     <p:nvPicPr>
@@ -16308,7 +9113,7 @@
                       <p:nvPr/>
                     </p:nvPicPr>
                     <p:blipFill>
-                      <a:blip r:embed="rId4">
+                      <a:blip r:embed="rId3">
                         <a:extLst>
                           <a:ext uri="{28A0092B-C50C-407E-A947-70E740481C1C}">
                             <a14:useLocalDpi xmlns:a14="http://schemas.microsoft.com/office/drawing/2010/main" val="0"/>
@@ -16375,12 +9180,12 @@
           <a:graphicData uri="http://schemas.openxmlformats.org/presentationml/2006/ole">
             <mc:AlternateContent xmlns:mc="http://schemas.openxmlformats.org/markup-compatibility/2006">
               <mc:Choice xmlns:v="urn:schemas-microsoft-com:vml" Requires="v">
-                <p:oleObj spid="_x0000_s2155" name="Visio" r:id="rId5" imgW="3465771" imgH="1900602" progId="Visio.Drawing.11">
+                <p:oleObj name="Visio" r:id="rId4" imgW="3465771" imgH="1900602" progId="Visio.Drawing.11">
                   <p:embed/>
                 </p:oleObj>
               </mc:Choice>
               <mc:Fallback>
-                <p:oleObj name="Visio" r:id="rId5" imgW="3465771" imgH="1900602" progId="Visio.Drawing.11">
+                <p:oleObj name="Visio" r:id="rId4" imgW="3465771" imgH="1900602" progId="Visio.Drawing.11">
                   <p:embed/>
                   <p:pic>
                     <p:nvPicPr>
@@ -16391,7 +9196,7 @@
                       <p:nvPr/>
                     </p:nvPicPr>
                     <p:blipFill>
-                      <a:blip r:embed="rId6">
+                      <a:blip r:embed="rId5">
                         <a:extLst>
                           <a:ext uri="{28A0092B-C50C-407E-A947-70E740481C1C}">
                             <a14:useLocalDpi xmlns:a14="http://schemas.microsoft.com/office/drawing/2010/main" val="0"/>
@@ -16458,12 +9263,12 @@
           <a:graphicData uri="http://schemas.openxmlformats.org/presentationml/2006/ole">
             <mc:AlternateContent xmlns:mc="http://schemas.openxmlformats.org/markup-compatibility/2006">
               <mc:Choice xmlns:v="urn:schemas-microsoft-com:vml" Requires="v">
-                <p:oleObj spid="_x0000_s2156" name="Visio" r:id="rId7" imgW="3633404" imgH="2755482" progId="Visio.Drawing.11">
+                <p:oleObj name="Visio" r:id="rId6" imgW="3633404" imgH="2755482" progId="Visio.Drawing.11">
                   <p:embed/>
                 </p:oleObj>
               </mc:Choice>
               <mc:Fallback>
-                <p:oleObj name="Visio" r:id="rId7" imgW="3633404" imgH="2755482" progId="Visio.Drawing.11">
+                <p:oleObj name="Visio" r:id="rId6" imgW="3633404" imgH="2755482" progId="Visio.Drawing.11">
                   <p:embed/>
                   <p:pic>
                     <p:nvPicPr>
@@ -16474,7 +9279,7 @@
                       <p:nvPr/>
                     </p:nvPicPr>
                     <p:blipFill>
-                      <a:blip r:embed="rId8">
+                      <a:blip r:embed="rId7">
                         <a:extLst>
                           <a:ext uri="{28A0092B-C50C-407E-A947-70E740481C1C}">
                             <a14:useLocalDpi xmlns:a14="http://schemas.microsoft.com/office/drawing/2010/main" val="0"/>
@@ -16541,12 +9346,12 @@
           <a:graphicData uri="http://schemas.openxmlformats.org/presentationml/2006/ole">
             <mc:AlternateContent xmlns:mc="http://schemas.openxmlformats.org/markup-compatibility/2006">
               <mc:Choice xmlns:v="urn:schemas-microsoft-com:vml" Requires="v">
-                <p:oleObj spid="_x0000_s2157" name="Visio" r:id="rId9" imgW="1196378" imgH="596553" progId="Visio.Drawing.11">
+                <p:oleObj name="Visio" r:id="rId8" imgW="1196378" imgH="596553" progId="Visio.Drawing.11">
                   <p:embed/>
                 </p:oleObj>
               </mc:Choice>
               <mc:Fallback>
-                <p:oleObj name="Visio" r:id="rId9" imgW="1196378" imgH="596553" progId="Visio.Drawing.11">
+                <p:oleObj name="Visio" r:id="rId8" imgW="1196378" imgH="596553" progId="Visio.Drawing.11">
                   <p:embed/>
                   <p:pic>
                     <p:nvPicPr>
@@ -16557,7 +9362,7 @@
                       <p:nvPr/>
                     </p:nvPicPr>
                     <p:blipFill>
-                      <a:blip r:embed="rId10">
+                      <a:blip r:embed="rId9">
                         <a:extLst>
                           <a:ext uri="{28A0092B-C50C-407E-A947-70E740481C1C}">
                             <a14:useLocalDpi xmlns:a14="http://schemas.microsoft.com/office/drawing/2010/main" val="0"/>
@@ -16703,12 +9508,12 @@
           <a:graphicData uri="http://schemas.openxmlformats.org/presentationml/2006/ole">
             <mc:AlternateContent xmlns:mc="http://schemas.openxmlformats.org/markup-compatibility/2006">
               <mc:Choice xmlns:v="urn:schemas-microsoft-com:vml" Requires="v">
-                <p:oleObj spid="_x0000_s3126" name="Visio" r:id="rId3" imgW="4166807" imgH="2240179" progId="Visio.Drawing.11">
+                <p:oleObj name="Visio" r:id="rId2" imgW="4166807" imgH="2240179" progId="Visio.Drawing.11">
                   <p:embed/>
                 </p:oleObj>
               </mc:Choice>
               <mc:Fallback>
-                <p:oleObj name="Visio" r:id="rId3" imgW="4166807" imgH="2240179" progId="Visio.Drawing.11">
+                <p:oleObj name="Visio" r:id="rId2" imgW="4166807" imgH="2240179" progId="Visio.Drawing.11">
                   <p:embed/>
                   <p:pic>
                     <p:nvPicPr>
@@ -16719,7 +9524,7 @@
                       <p:nvPr/>
                     </p:nvPicPr>
                     <p:blipFill>
-                      <a:blip r:embed="rId4">
+                      <a:blip r:embed="rId3">
                         <a:extLst>
                           <a:ext uri="{28A0092B-C50C-407E-A947-70E740481C1C}">
                             <a14:useLocalDpi xmlns:a14="http://schemas.microsoft.com/office/drawing/2010/main" val="0"/>
@@ -16786,12 +9591,12 @@
           <a:graphicData uri="http://schemas.openxmlformats.org/presentationml/2006/ole">
             <mc:AlternateContent xmlns:mc="http://schemas.openxmlformats.org/markup-compatibility/2006">
               <mc:Choice xmlns:v="urn:schemas-microsoft-com:vml" Requires="v">
-                <p:oleObj spid="_x0000_s3127" name="Visio" r:id="rId5" imgW="5088925" imgH="1565345" progId="Visio.Drawing.11">
+                <p:oleObj name="Visio" r:id="rId4" imgW="5088925" imgH="1565345" progId="Visio.Drawing.11">
                   <p:embed/>
                 </p:oleObj>
               </mc:Choice>
               <mc:Fallback>
-                <p:oleObj name="Visio" r:id="rId5" imgW="5088925" imgH="1565345" progId="Visio.Drawing.11">
+                <p:oleObj name="Visio" r:id="rId4" imgW="5088925" imgH="1565345" progId="Visio.Drawing.11">
                   <p:embed/>
                   <p:pic>
                     <p:nvPicPr>
@@ -16802,7 +9607,7 @@
                       <p:nvPr/>
                     </p:nvPicPr>
                     <p:blipFill>
-                      <a:blip r:embed="rId6">
+                      <a:blip r:embed="rId5">
                         <a:extLst>
                           <a:ext uri="{28A0092B-C50C-407E-A947-70E740481C1C}">
                             <a14:useLocalDpi xmlns:a14="http://schemas.microsoft.com/office/drawing/2010/main" val="0"/>
@@ -16999,12 +9804,12 @@
           <a:graphicData uri="http://schemas.openxmlformats.org/presentationml/2006/ole">
             <mc:AlternateContent xmlns:mc="http://schemas.openxmlformats.org/markup-compatibility/2006">
               <mc:Choice xmlns:v="urn:schemas-microsoft-com:vml" Requires="v">
-                <p:oleObj spid="_x0000_s4150" name="Visio" r:id="rId3" imgW="7191503" imgH="1657548" progId="Visio.Drawing.11">
+                <p:oleObj name="Visio" r:id="rId2" imgW="7191503" imgH="1657548" progId="Visio.Drawing.11">
                   <p:embed/>
                 </p:oleObj>
               </mc:Choice>
               <mc:Fallback>
-                <p:oleObj name="Visio" r:id="rId3" imgW="7191503" imgH="1657548" progId="Visio.Drawing.11">
+                <p:oleObj name="Visio" r:id="rId2" imgW="7191503" imgH="1657548" progId="Visio.Drawing.11">
                   <p:embed/>
                   <p:pic>
                     <p:nvPicPr>
@@ -17015,7 +9820,7 @@
                       <p:nvPr/>
                     </p:nvPicPr>
                     <p:blipFill>
-                      <a:blip r:embed="rId4"/>
+                      <a:blip r:embed="rId3"/>
                       <a:srcRect/>
                       <a:stretch>
                         <a:fillRect/>
@@ -17076,12 +9881,12 @@
           <a:graphicData uri="http://schemas.openxmlformats.org/presentationml/2006/ole">
             <mc:AlternateContent xmlns:mc="http://schemas.openxmlformats.org/markup-compatibility/2006">
               <mc:Choice xmlns:v="urn:schemas-microsoft-com:vml" Requires="v">
-                <p:oleObj spid="_x0000_s4151" name="Visio" r:id="rId5" imgW="6972545" imgH="2505350" progId="Visio.Drawing.11">
+                <p:oleObj name="Visio" r:id="rId4" imgW="6972545" imgH="2505350" progId="Visio.Drawing.11">
                   <p:embed/>
                 </p:oleObj>
               </mc:Choice>
               <mc:Fallback>
-                <p:oleObj name="Visio" r:id="rId5" imgW="6972545" imgH="2505350" progId="Visio.Drawing.11">
+                <p:oleObj name="Visio" r:id="rId4" imgW="6972545" imgH="2505350" progId="Visio.Drawing.11">
                   <p:embed/>
                   <p:pic>
                     <p:nvPicPr>
@@ -17092,7 +9897,7 @@
                       <p:nvPr/>
                     </p:nvPicPr>
                     <p:blipFill>
-                      <a:blip r:embed="rId6"/>
+                      <a:blip r:embed="rId5"/>
                       <a:srcRect/>
                       <a:stretch>
                         <a:fillRect/>
@@ -17405,12 +10210,12 @@
           <a:graphicData uri="http://schemas.openxmlformats.org/presentationml/2006/ole">
             <mc:AlternateContent xmlns:mc="http://schemas.openxmlformats.org/markup-compatibility/2006">
               <mc:Choice xmlns:v="urn:schemas-microsoft-com:vml" Requires="v">
-                <p:oleObj spid="_x0000_s5174" name="Visio" r:id="rId3" imgW="3857869" imgH="1361980" progId="Visio.Drawing.11">
+                <p:oleObj name="Visio" r:id="rId2" imgW="3857869" imgH="1361980" progId="Visio.Drawing.11">
                   <p:embed/>
                 </p:oleObj>
               </mc:Choice>
               <mc:Fallback>
-                <p:oleObj name="Visio" r:id="rId3" imgW="3857869" imgH="1361980" progId="Visio.Drawing.11">
+                <p:oleObj name="Visio" r:id="rId2" imgW="3857869" imgH="1361980" progId="Visio.Drawing.11">
                   <p:embed/>
                   <p:pic>
                     <p:nvPicPr>
@@ -17421,7 +10226,7 @@
                       <p:nvPr/>
                     </p:nvPicPr>
                     <p:blipFill>
-                      <a:blip r:embed="rId4"/>
+                      <a:blip r:embed="rId3"/>
                       <a:srcRect/>
                       <a:stretch>
                         <a:fillRect/>
@@ -17482,12 +10287,12 @@
           <a:graphicData uri="http://schemas.openxmlformats.org/presentationml/2006/ole">
             <mc:AlternateContent xmlns:mc="http://schemas.openxmlformats.org/markup-compatibility/2006">
               <mc:Choice xmlns:v="urn:schemas-microsoft-com:vml" Requires="v">
-                <p:oleObj spid="_x0000_s5175" name="Visio" r:id="rId5" imgW="3831541" imgH="1564805" progId="Visio.Drawing.11">
+                <p:oleObj name="Visio" r:id="rId4" imgW="3831541" imgH="1564805" progId="Visio.Drawing.11">
                   <p:embed/>
                 </p:oleObj>
               </mc:Choice>
               <mc:Fallback>
-                <p:oleObj name="Visio" r:id="rId5" imgW="3831541" imgH="1564805" progId="Visio.Drawing.11">
+                <p:oleObj name="Visio" r:id="rId4" imgW="3831541" imgH="1564805" progId="Visio.Drawing.11">
                   <p:embed/>
                   <p:pic>
                     <p:nvPicPr>
@@ -17498,7 +10303,7 @@
                       <p:nvPr/>
                     </p:nvPicPr>
                     <p:blipFill>
-                      <a:blip r:embed="rId6">
+                      <a:blip r:embed="rId5">
                         <a:extLst>
                           <a:ext uri="{28A0092B-C50C-407E-A947-70E740481C1C}">
                             <a14:useLocalDpi xmlns:a14="http://schemas.microsoft.com/office/drawing/2010/main" val="0"/>
@@ -17680,12 +10485,12 @@
           <a:graphicData uri="http://schemas.openxmlformats.org/presentationml/2006/ole">
             <mc:AlternateContent xmlns:mc="http://schemas.openxmlformats.org/markup-compatibility/2006">
               <mc:Choice xmlns:v="urn:schemas-microsoft-com:vml" Requires="v">
-                <p:oleObj spid="_x0000_s6250" name="Visio" r:id="rId3" imgW="3046553" imgH="1232247" progId="Visio.Drawing.11">
+                <p:oleObj name="Visio" r:id="rId2" imgW="3046553" imgH="1232247" progId="Visio.Drawing.11">
                   <p:embed/>
                 </p:oleObj>
               </mc:Choice>
               <mc:Fallback>
-                <p:oleObj name="Visio" r:id="rId3" imgW="3046553" imgH="1232247" progId="Visio.Drawing.11">
+                <p:oleObj name="Visio" r:id="rId2" imgW="3046553" imgH="1232247" progId="Visio.Drawing.11">
                   <p:embed/>
                   <p:pic>
                     <p:nvPicPr>
@@ -17696,7 +10501,7 @@
                       <p:nvPr/>
                     </p:nvPicPr>
                     <p:blipFill>
-                      <a:blip r:embed="rId4">
+                      <a:blip r:embed="rId3">
                         <a:extLst>
                           <a:ext uri="{28A0092B-C50C-407E-A947-70E740481C1C}">
                             <a14:useLocalDpi xmlns:a14="http://schemas.microsoft.com/office/drawing/2010/main" val="0"/>
@@ -17763,12 +10568,12 @@
           <a:graphicData uri="http://schemas.openxmlformats.org/presentationml/2006/ole">
             <mc:AlternateContent xmlns:mc="http://schemas.openxmlformats.org/markup-compatibility/2006">
               <mc:Choice xmlns:v="urn:schemas-microsoft-com:vml" Requires="v">
-                <p:oleObj spid="_x0000_s6251" name="Visio" r:id="rId5" imgW="3046553" imgH="2074709" progId="Visio.Drawing.11">
+                <p:oleObj name="Visio" r:id="rId4" imgW="3046553" imgH="2074709" progId="Visio.Drawing.11">
                   <p:embed/>
                 </p:oleObj>
               </mc:Choice>
               <mc:Fallback>
-                <p:oleObj name="Visio" r:id="rId5" imgW="3046553" imgH="2074709" progId="Visio.Drawing.11">
+                <p:oleObj name="Visio" r:id="rId4" imgW="3046553" imgH="2074709" progId="Visio.Drawing.11">
                   <p:embed/>
                   <p:pic>
                     <p:nvPicPr>
@@ -17779,7 +10584,7 @@
                       <p:nvPr/>
                     </p:nvPicPr>
                     <p:blipFill>
-                      <a:blip r:embed="rId6">
+                      <a:blip r:embed="rId5">
                         <a:extLst>
                           <a:ext uri="{28A0092B-C50C-407E-A947-70E740481C1C}">
                             <a14:useLocalDpi xmlns:a14="http://schemas.microsoft.com/office/drawing/2010/main" val="0"/>
@@ -17846,12 +10651,12 @@
           <a:graphicData uri="http://schemas.openxmlformats.org/presentationml/2006/ole">
             <mc:AlternateContent xmlns:mc="http://schemas.openxmlformats.org/markup-compatibility/2006">
               <mc:Choice xmlns:v="urn:schemas-microsoft-com:vml" Requires="v">
-                <p:oleObj spid="_x0000_s6252" name="Visio" r:id="rId7" imgW="2627335" imgH="2076329" progId="Visio.Drawing.11">
+                <p:oleObj name="Visio" r:id="rId6" imgW="2627335" imgH="2076329" progId="Visio.Drawing.11">
                   <p:embed/>
                 </p:oleObj>
               </mc:Choice>
               <mc:Fallback>
-                <p:oleObj name="Visio" r:id="rId7" imgW="2627335" imgH="2076329" progId="Visio.Drawing.11">
+                <p:oleObj name="Visio" r:id="rId6" imgW="2627335" imgH="2076329" progId="Visio.Drawing.11">
                   <p:embed/>
                   <p:pic>
                     <p:nvPicPr>
@@ -17862,7 +10667,7 @@
                       <p:nvPr/>
                     </p:nvPicPr>
                     <p:blipFill>
-                      <a:blip r:embed="rId8">
+                      <a:blip r:embed="rId7">
                         <a:extLst>
                           <a:ext uri="{28A0092B-C50C-407E-A947-70E740481C1C}">
                             <a14:useLocalDpi xmlns:a14="http://schemas.microsoft.com/office/drawing/2010/main" val="0"/>
@@ -17963,12 +10768,12 @@
           <a:graphicData uri="http://schemas.openxmlformats.org/presentationml/2006/ole">
             <mc:AlternateContent xmlns:mc="http://schemas.openxmlformats.org/markup-compatibility/2006">
               <mc:Choice xmlns:v="urn:schemas-microsoft-com:vml" Requires="v">
-                <p:oleObj spid="_x0000_s6253" name="Visio" r:id="rId9" imgW="707515" imgH="749066" progId="Visio.Drawing.11">
+                <p:oleObj name="Visio" r:id="rId8" imgW="707515" imgH="749066" progId="Visio.Drawing.11">
                   <p:embed/>
                 </p:oleObj>
               </mc:Choice>
               <mc:Fallback>
-                <p:oleObj name="Visio" r:id="rId9" imgW="707515" imgH="749066" progId="Visio.Drawing.11">
+                <p:oleObj name="Visio" r:id="rId8" imgW="707515" imgH="749066" progId="Visio.Drawing.11">
                   <p:embed/>
                   <p:pic>
                     <p:nvPicPr>
@@ -17979,7 +10784,7 @@
                       <p:nvPr/>
                     </p:nvPicPr>
                     <p:blipFill>
-                      <a:blip r:embed="rId10">
+                      <a:blip r:embed="rId9">
                         <a:extLst>
                           <a:ext uri="{28A0092B-C50C-407E-A947-70E740481C1C}">
                             <a14:useLocalDpi xmlns:a14="http://schemas.microsoft.com/office/drawing/2010/main" val="0"/>
